--- a/mana/Mana.pptx
+++ b/mana/Mana.pptx
@@ -28,23 +28,35 @@
     <p:sldId id="273" r:id="rId23"/>
     <p:sldId id="274" r:id="rId24"/>
     <p:sldId id="275" r:id="rId25"/>
+    <p:sldId id="276" r:id="rId26"/>
+    <p:sldId id="277" r:id="rId27"/>
+    <p:sldId id="278" r:id="rId28"/>
+    <p:sldId id="279" r:id="rId29"/>
+    <p:sldId id="280" r:id="rId30"/>
+    <p:sldId id="281" r:id="rId31"/>
+    <p:sldId id="282" r:id="rId32"/>
+    <p:sldId id="283" r:id="rId33"/>
+    <p:sldId id="284" r:id="rId34"/>
+    <p:sldId id="285" r:id="rId35"/>
+    <p:sldId id="286" r:id="rId36"/>
+    <p:sldId id="287" r:id="rId37"/>
   </p:sldIdLst>
   <p:sldSz cy="5143500" cx="9144000"/>
   <p:notesSz cx="6858000" cy="9144000"/>
   <p:embeddedFontLst>
     <p:embeddedFont>
       <p:font typeface="Raleway"/>
-      <p:regular r:id="rId26"/>
-      <p:bold r:id="rId27"/>
-      <p:italic r:id="rId28"/>
-      <p:boldItalic r:id="rId29"/>
+      <p:regular r:id="rId38"/>
+      <p:bold r:id="rId39"/>
+      <p:italic r:id="rId40"/>
+      <p:boldItalic r:id="rId41"/>
     </p:embeddedFont>
     <p:embeddedFont>
       <p:font typeface="Source Sans Pro"/>
-      <p:regular r:id="rId30"/>
-      <p:bold r:id="rId31"/>
-      <p:italic r:id="rId32"/>
-      <p:boldItalic r:id="rId33"/>
+      <p:regular r:id="rId42"/>
+      <p:bold r:id="rId43"/>
+      <p:italic r:id="rId44"/>
+      <p:boldItalic r:id="rId45"/>
     </p:embeddedFont>
   </p:embeddedFontLst>
   <p:defaultTextStyle>
@@ -314,7 +326,7 @@
       </p:grpSpPr>
       <p:sp>
         <p:nvSpPr>
-          <p:cNvPr id="3" name="Shape 3"/>
+          <p:cNvPr id="3" name="Google Shape;3;n"/>
           <p:cNvSpPr/>
           <p:nvPr>
             <p:ph idx="2" type="sldImg"/>
@@ -326,6 +338,7 @@
             <a:ext cx="6096075" cy="3429000"/>
           </a:xfrm>
           <a:custGeom>
+            <a:rect b="b" l="l" r="r" t="t"/>
             <a:pathLst>
               <a:path extrusionOk="0" h="120000" w="120000">
                 <a:moveTo>
@@ -358,7 +371,7 @@
       </p:sp>
       <p:sp>
         <p:nvSpPr>
-          <p:cNvPr id="4" name="Shape 4"/>
+          <p:cNvPr id="4" name="Google Shape;4;n"/>
           <p:cNvSpPr txBox="1"/>
           <p:nvPr>
             <p:ph idx="1" type="body"/>
@@ -737,7 +750,7 @@
       </p:grpSpPr>
       <p:sp>
         <p:nvSpPr>
-          <p:cNvPr id="55" name="Shape 55"/>
+          <p:cNvPr id="55" name="Google Shape;55;p:notes"/>
           <p:cNvSpPr/>
           <p:nvPr>
             <p:ph idx="2" type="sldImg"/>
@@ -749,6 +762,7 @@
             <a:ext cx="6096075" cy="3429000"/>
           </a:xfrm>
           <a:custGeom>
+            <a:rect b="b" l="l" r="r" t="t"/>
             <a:pathLst>
               <a:path extrusionOk="0" h="120000" w="120000">
                 <a:moveTo>
@@ -771,7 +785,7 @@
       </p:sp>
       <p:sp>
         <p:nvSpPr>
-          <p:cNvPr id="56" name="Shape 56"/>
+          <p:cNvPr id="56" name="Google Shape;56;p:notes"/>
           <p:cNvSpPr txBox="1"/>
           <p:nvPr>
             <p:ph idx="1" type="body"/>
@@ -792,7 +806,7 @@
           </a:bodyPr>
           <a:lstStyle/>
           <a:p>
-            <a:pPr indent="0" lvl="0" marL="0">
+            <a:pPr indent="0" lvl="0" marL="0" rtl="0" algn="l">
               <a:spcBef>
                 <a:spcPts val="0"/>
               </a:spcBef>
@@ -802,7 +816,8 @@
               <a:buNone/>
             </a:pPr>
             <a:r>
-              <a:t/>
+              <a:rPr lang="en"/>
+              <a:t>Добрый день. Меня зовут Айрат Бадыков, я core разработчик маны - клиента эфириума на эликсире. Cегодня я расскажу, подходит ли эликсир для блокчейна, из чего состоит мана и как она появилась и если останется время затрону процесс node discovery в Ethereum’е и соответвенно его имплементацию у нас в проекте.</a:t>
             </a:r>
             <a:endParaRPr/>
           </a:p>
@@ -821,7 +836,7 @@
   <p:cSld>
     <p:spTree>
       <p:nvGrpSpPr>
-        <p:cNvPr id="118" name="Shape 118"/>
+        <p:cNvPr id="117" name="Shape 117"/>
         <p:cNvGrpSpPr/>
         <p:nvPr/>
       </p:nvGrpSpPr>
@@ -835,7 +850,7 @@
       </p:grpSpPr>
       <p:sp>
         <p:nvSpPr>
-          <p:cNvPr id="119" name="Shape 119"/>
+          <p:cNvPr id="118" name="Google Shape;118;g3b522d7651_0_10:notes"/>
           <p:cNvSpPr/>
           <p:nvPr>
             <p:ph idx="2" type="sldImg"/>
@@ -847,6 +862,7 @@
             <a:ext cx="6096000" cy="3429000"/>
           </a:xfrm>
           <a:custGeom>
+            <a:rect b="b" l="l" r="r" t="t"/>
             <a:pathLst>
               <a:path extrusionOk="0" h="120000" w="120000">
                 <a:moveTo>
@@ -869,7 +885,7 @@
       </p:sp>
       <p:sp>
         <p:nvSpPr>
-          <p:cNvPr id="120" name="Shape 120"/>
+          <p:cNvPr id="119" name="Google Shape;119;g3b522d7651_0_10:notes"/>
           <p:cNvSpPr txBox="1"/>
           <p:nvPr>
             <p:ph idx="1" type="body"/>
@@ -890,7 +906,7 @@
           </a:bodyPr>
           <a:lstStyle/>
           <a:p>
-            <a:pPr indent="0" lvl="0" marL="0">
+            <a:pPr indent="0" lvl="0" marL="0" rtl="0" algn="l">
               <a:spcBef>
                 <a:spcPts val="0"/>
               </a:spcBef>
@@ -900,7 +916,8 @@
               <a:buNone/>
             </a:pPr>
             <a:r>
-              <a:t/>
+              <a:rPr lang="en"/>
+              <a:t>POA - модификация алгоритма POS. в POA сетях транзакции и блоки валидируются одобренными аккаунтами, известными как валидаторы. Валидаторы используют специально ПО для укладывания транзакций в блоки. Единственное, что требуется от валидатора поддержка своей ноды. В случае компроментации валидато несет финансовые потери.</a:t>
             </a:r>
             <a:endParaRPr/>
           </a:p>
@@ -919,7 +936,7 @@
   <p:cSld>
     <p:spTree>
       <p:nvGrpSpPr>
-        <p:cNvPr id="124" name="Shape 124"/>
+        <p:cNvPr id="123" name="Shape 123"/>
         <p:cNvGrpSpPr/>
         <p:nvPr/>
       </p:nvGrpSpPr>
@@ -933,7 +950,7 @@
       </p:grpSpPr>
       <p:sp>
         <p:nvSpPr>
-          <p:cNvPr id="125" name="Shape 125"/>
+          <p:cNvPr id="124" name="Google Shape;124;g3b522d7651_0_24:notes"/>
           <p:cNvSpPr/>
           <p:nvPr>
             <p:ph idx="2" type="sldImg"/>
@@ -945,6 +962,7 @@
             <a:ext cx="6096000" cy="3429000"/>
           </a:xfrm>
           <a:custGeom>
+            <a:rect b="b" l="l" r="r" t="t"/>
             <a:pathLst>
               <a:path extrusionOk="0" h="120000" w="120000">
                 <a:moveTo>
@@ -967,7 +985,7 @@
       </p:sp>
       <p:sp>
         <p:nvSpPr>
-          <p:cNvPr id="126" name="Shape 126"/>
+          <p:cNvPr id="125" name="Google Shape;125;g3b522d7651_0_24:notes"/>
           <p:cNvSpPr txBox="1"/>
           <p:nvPr>
             <p:ph idx="1" type="body"/>
@@ -988,7 +1006,7 @@
           </a:bodyPr>
           <a:lstStyle/>
           <a:p>
-            <a:pPr indent="0" lvl="0" marL="0" rtl="0">
+            <a:pPr indent="0" lvl="0" marL="0" rtl="0" algn="l">
               <a:spcBef>
                 <a:spcPts val="0"/>
               </a:spcBef>
@@ -998,7 +1016,8 @@
               <a:buNone/>
             </a:pPr>
             <a:r>
-              <a:t/>
+              <a:rPr lang="en"/>
+              <a:t>Как видим вычислительная производительность требуется только для первого алгоритма консенсуса - POW.  Учитывая, что сейчас набирают популярность POS и POA сети, к тому же Эфириум скоро перейдет к Касперу - POS алгоритму, Эликсир подходит для написания блокчейнов.</a:t>
             </a:r>
             <a:endParaRPr/>
           </a:p>
@@ -1017,7 +1036,7 @@
   <p:cSld>
     <p:spTree>
       <p:nvGrpSpPr>
-        <p:cNvPr id="135" name="Shape 135"/>
+        <p:cNvPr id="134" name="Shape 134"/>
         <p:cNvGrpSpPr/>
         <p:nvPr/>
       </p:nvGrpSpPr>
@@ -1031,7 +1050,7 @@
       </p:grpSpPr>
       <p:sp>
         <p:nvSpPr>
-          <p:cNvPr id="136" name="Shape 136"/>
+          <p:cNvPr id="135" name="Google Shape;135;g3b522d7651_0_92:notes"/>
           <p:cNvSpPr/>
           <p:nvPr>
             <p:ph idx="2" type="sldImg"/>
@@ -1043,6 +1062,7 @@
             <a:ext cx="6096000" cy="3429000"/>
           </a:xfrm>
           <a:custGeom>
+            <a:rect b="b" l="l" r="r" t="t"/>
             <a:pathLst>
               <a:path extrusionOk="0" h="120000" w="120000">
                 <a:moveTo>
@@ -1065,7 +1085,7 @@
       </p:sp>
       <p:sp>
         <p:nvSpPr>
-          <p:cNvPr id="137" name="Shape 137"/>
+          <p:cNvPr id="136" name="Google Shape;136;g3b522d7651_0_92:notes"/>
           <p:cNvSpPr txBox="1"/>
           <p:nvPr>
             <p:ph idx="1" type="body"/>
@@ -1086,7 +1106,7 @@
           </a:bodyPr>
           <a:lstStyle/>
           <a:p>
-            <a:pPr indent="0" lvl="0" marL="0">
+            <a:pPr indent="0" lvl="0" marL="0" rtl="0" algn="l">
               <a:spcBef>
                 <a:spcPts val="0"/>
               </a:spcBef>
@@ -1096,7 +1116,8 @@
               <a:buNone/>
             </a:pPr>
             <a:r>
-              <a:t/>
+              <a:rPr lang="en"/>
+              <a:t>Как было сказано ранее мана начала свое существование как независимый опен соурс проект около 2 лет нащад. Сейчас над ней трудится команда из четырех человек. Представлители Маны участвуют во встречах Core разработчиков Эфириума. Вся разработка и управление задачами ведется на гитхабе. Теперь наконец перейдет к самомк проекту.</a:t>
             </a:r>
             <a:endParaRPr/>
           </a:p>
@@ -1115,7 +1136,7 @@
   <p:cSld>
     <p:spTree>
       <p:nvGrpSpPr>
-        <p:cNvPr id="141" name="Shape 141"/>
+        <p:cNvPr id="142" name="Shape 142"/>
         <p:cNvGrpSpPr/>
         <p:nvPr/>
       </p:nvGrpSpPr>
@@ -1129,7 +1150,7 @@
       </p:grpSpPr>
       <p:sp>
         <p:nvSpPr>
-          <p:cNvPr id="142" name="Shape 142"/>
+          <p:cNvPr id="143" name="Google Shape;143;g3b522d7651_0_19:notes"/>
           <p:cNvSpPr/>
           <p:nvPr>
             <p:ph idx="2" type="sldImg"/>
@@ -1141,6 +1162,7 @@
             <a:ext cx="6096000" cy="3429000"/>
           </a:xfrm>
           <a:custGeom>
+            <a:rect b="b" l="l" r="r" t="t"/>
             <a:pathLst>
               <a:path extrusionOk="0" h="120000" w="120000">
                 <a:moveTo>
@@ -1163,7 +1185,7 @@
       </p:sp>
       <p:sp>
         <p:nvSpPr>
-          <p:cNvPr id="143" name="Shape 143"/>
+          <p:cNvPr id="144" name="Google Shape;144;g3b522d7651_0_19:notes"/>
           <p:cNvSpPr txBox="1"/>
           <p:nvPr>
             <p:ph idx="1" type="body"/>
@@ -1184,7 +1206,7 @@
           </a:bodyPr>
           <a:lstStyle/>
           <a:p>
-            <a:pPr indent="0" lvl="0" marL="0">
+            <a:pPr indent="0" lvl="0" marL="0" rtl="0" algn="l">
               <a:spcBef>
                 <a:spcPts val="0"/>
               </a:spcBef>
@@ -1194,7 +1216,92 @@
               <a:buNone/>
             </a:pPr>
             <a:r>
-              <a:t/>
+              <a:rPr lang="en"/>
+              <a:t>Мана - это амбрела приложение, котороя включает в себя 4 подпроекта в самом амбрелла приложение и одну библиотеку ExRLP. Эти проекты:</a:t>
+            </a:r>
+            <a:endParaRPr/>
+          </a:p>
+          <a:p>
+            <a:pPr indent="0" lvl="0" marL="0" rtl="0" algn="l">
+              <a:spcBef>
+                <a:spcPts val="0"/>
+              </a:spcBef>
+              <a:spcAft>
+                <a:spcPts val="0"/>
+              </a:spcAft>
+              <a:buNone/>
+            </a:pPr>
+            <a:r>
+              <a:rPr lang="en"/>
+              <a:t> ExRLP - библиотека для кодировки бинарных данных,</a:t>
+            </a:r>
+            <a:endParaRPr/>
+          </a:p>
+          <a:p>
+            <a:pPr indent="0" lvl="0" marL="0" rtl="0" algn="l">
+              <a:spcBef>
+                <a:spcPts val="0"/>
+              </a:spcBef>
+              <a:spcAft>
+                <a:spcPts val="0"/>
+              </a:spcAft>
+              <a:buNone/>
+            </a:pPr>
+            <a:r>
+              <a:rPr lang="en"/>
+              <a:t>MerklePatriciaTree - древовидная структура данных, используемая для хранения пар ключ-значение, основной способ хранения данных в Этерикме, </a:t>
+            </a:r>
+            <a:endParaRPr/>
+          </a:p>
+          <a:p>
+            <a:pPr indent="0" lvl="0" marL="0" rtl="0" algn="l">
+              <a:spcBef>
+                <a:spcPts val="0"/>
+              </a:spcBef>
+              <a:spcAft>
+                <a:spcPts val="0"/>
+              </a:spcAft>
+              <a:buNone/>
+            </a:pPr>
+            <a:r>
+              <a:rPr lang="en"/>
+              <a:t>EVM - виртуальная машина эфириума</a:t>
+            </a:r>
+            <a:endParaRPr/>
+          </a:p>
+          <a:p>
+            <a:pPr indent="0" lvl="0" marL="0" rtl="0" algn="l">
+              <a:spcBef>
+                <a:spcPts val="0"/>
+              </a:spcBef>
+              <a:spcAft>
+                <a:spcPts val="0"/>
+              </a:spcAft>
+              <a:buNone/>
+            </a:pPr>
+            <a:r>
+              <a:rPr lang="en"/>
+              <a:t>blockchain - валидация блоков и транзакций и запись </a:t>
+            </a:r>
+            <a:r>
+              <a:rPr lang="en"/>
+              <a:t>их в базу данных,</a:t>
+            </a:r>
+            <a:endParaRPr/>
+          </a:p>
+          <a:p>
+            <a:pPr indent="0" lvl="0" marL="0" rtl="0" algn="l">
+              <a:spcBef>
+                <a:spcPts val="0"/>
+              </a:spcBef>
+              <a:spcAft>
+                <a:spcPts val="0"/>
+              </a:spcAft>
+              <a:buNone/>
+            </a:pPr>
+            <a:r>
+              <a:rPr lang="en"/>
+              <a:t>ExWire - p2p протокол для взаимодействия нод в сети. Сейчас я расскажу о каждом проекте по отдельности.</a:t>
             </a:r>
             <a:endParaRPr/>
           </a:p>
@@ -1213,7 +1320,7 @@
   <p:cSld>
     <p:spTree>
       <p:nvGrpSpPr>
-        <p:cNvPr id="147" name="Shape 147"/>
+        <p:cNvPr id="148" name="Shape 148"/>
         <p:cNvGrpSpPr/>
         <p:nvPr/>
       </p:nvGrpSpPr>
@@ -1227,7 +1334,7 @@
       </p:grpSpPr>
       <p:sp>
         <p:nvSpPr>
-          <p:cNvPr id="148" name="Shape 148"/>
+          <p:cNvPr id="149" name="Google Shape;149;g3b522d7651_0_35:notes"/>
           <p:cNvSpPr/>
           <p:nvPr>
             <p:ph idx="2" type="sldImg"/>
@@ -1239,6 +1346,7 @@
             <a:ext cx="6096000" cy="3429000"/>
           </a:xfrm>
           <a:custGeom>
+            <a:rect b="b" l="l" r="r" t="t"/>
             <a:pathLst>
               <a:path extrusionOk="0" h="120000" w="120000">
                 <a:moveTo>
@@ -1261,7 +1369,7 @@
       </p:sp>
       <p:sp>
         <p:nvSpPr>
-          <p:cNvPr id="149" name="Shape 149"/>
+          <p:cNvPr id="150" name="Google Shape;150;g3b522d7651_0_35:notes"/>
           <p:cNvSpPr txBox="1"/>
           <p:nvPr>
             <p:ph idx="1" type="body"/>
@@ -1282,7 +1390,7 @@
           </a:bodyPr>
           <a:lstStyle/>
           <a:p>
-            <a:pPr indent="0" lvl="0" marL="0">
+            <a:pPr indent="0" lvl="0" marL="0" rtl="0" algn="l">
               <a:spcBef>
                 <a:spcPts val="0"/>
               </a:spcBef>
@@ -1292,7 +1400,8 @@
               <a:buNone/>
             </a:pPr>
             <a:r>
-              <a:t/>
+              <a:rPr lang="en"/>
+              <a:t>ExRLP - это реализация RLP кодировки бинарных данных эфириума. Эта кодировка была написана и используется только в Эфириуме. Основные ее преимущества - простота реализации и побайтовая однозначность.</a:t>
             </a:r>
             <a:endParaRPr/>
           </a:p>
@@ -1311,7 +1420,7 @@
   <p:cSld>
     <p:spTree>
       <p:nvGrpSpPr>
-        <p:cNvPr id="153" name="Shape 153"/>
+        <p:cNvPr id="154" name="Shape 154"/>
         <p:cNvGrpSpPr/>
         <p:nvPr/>
       </p:nvGrpSpPr>
@@ -1325,7 +1434,7 @@
       </p:grpSpPr>
       <p:sp>
         <p:nvSpPr>
-          <p:cNvPr id="154" name="Shape 154"/>
+          <p:cNvPr id="155" name="Google Shape;155;g3b522d7651_0_42:notes"/>
           <p:cNvSpPr/>
           <p:nvPr>
             <p:ph idx="2" type="sldImg"/>
@@ -1337,6 +1446,7 @@
             <a:ext cx="6096000" cy="3429000"/>
           </a:xfrm>
           <a:custGeom>
+            <a:rect b="b" l="l" r="r" t="t"/>
             <a:pathLst>
               <a:path extrusionOk="0" h="120000" w="120000">
                 <a:moveTo>
@@ -1359,7 +1469,7 @@
       </p:sp>
       <p:sp>
         <p:nvSpPr>
-          <p:cNvPr id="155" name="Shape 155"/>
+          <p:cNvPr id="156" name="Google Shape;156;g3b522d7651_0_42:notes"/>
           <p:cNvSpPr txBox="1"/>
           <p:nvPr>
             <p:ph idx="1" type="body"/>
@@ -1380,7 +1490,7 @@
           </a:bodyPr>
           <a:lstStyle/>
           <a:p>
-            <a:pPr indent="0" lvl="0" marL="0">
+            <a:pPr indent="0" lvl="0" marL="0" rtl="0" algn="l">
               <a:spcBef>
                 <a:spcPts val="0"/>
               </a:spcBef>
@@ -1390,7 +1500,8 @@
               <a:buNone/>
             </a:pPr>
             <a:r>
-              <a:t/>
+              <a:rPr lang="en"/>
+              <a:t>Как следует  из названия RLP (recursive length prefix) - это рекурсивная кодировка и может включать строки, числа и списки любой вложенности. У нас в проекте мы реализовали эту кодировку с помощью рекурсивных протоколов</a:t>
             </a:r>
             <a:endParaRPr/>
           </a:p>
@@ -1409,7 +1520,7 @@
   <p:cSld>
     <p:spTree>
       <p:nvGrpSpPr>
-        <p:cNvPr id="159" name="Shape 159"/>
+        <p:cNvPr id="161" name="Shape 161"/>
         <p:cNvGrpSpPr/>
         <p:nvPr/>
       </p:nvGrpSpPr>
@@ -1423,7 +1534,7 @@
       </p:grpSpPr>
       <p:sp>
         <p:nvSpPr>
-          <p:cNvPr id="160" name="Shape 160"/>
+          <p:cNvPr id="162" name="Google Shape;162;g3bd89927ca_0_0:notes"/>
           <p:cNvSpPr/>
           <p:nvPr>
             <p:ph idx="2" type="sldImg"/>
@@ -1435,6 +1546,7 @@
             <a:ext cx="6096000" cy="3429000"/>
           </a:xfrm>
           <a:custGeom>
+            <a:rect b="b" l="l" r="r" t="t"/>
             <a:pathLst>
               <a:path extrusionOk="0" h="120000" w="120000">
                 <a:moveTo>
@@ -1457,7 +1569,7 @@
       </p:sp>
       <p:sp>
         <p:nvSpPr>
-          <p:cNvPr id="161" name="Shape 161"/>
+          <p:cNvPr id="163" name="Google Shape;163;g3bd89927ca_0_0:notes"/>
           <p:cNvSpPr txBox="1"/>
           <p:nvPr>
             <p:ph idx="1" type="body"/>
@@ -1478,7 +1590,7 @@
           </a:bodyPr>
           <a:lstStyle/>
           <a:p>
-            <a:pPr indent="0" lvl="0" marL="0">
+            <a:pPr indent="0" lvl="0" marL="0" rtl="0" algn="l">
               <a:spcBef>
                 <a:spcPts val="0"/>
               </a:spcBef>
@@ -1488,7 +1600,8 @@
               <a:buNone/>
             </a:pPr>
             <a:r>
-              <a:t/>
+              <a:rPr lang="en"/>
+              <a:t>Больше о деталях реализации вы можете почитать у меня в блоге. Также там описано как кодировть собственные структуры данных с помощью с этой кодировки. Собственно нужно определить протокол для вашей структуры представив данные в нем в виде списка строк и чисел.</a:t>
             </a:r>
             <a:endParaRPr/>
           </a:p>
@@ -1507,7 +1620,7 @@
   <p:cSld>
     <p:spTree>
       <p:nvGrpSpPr>
-        <p:cNvPr id="165" name="Shape 165"/>
+        <p:cNvPr id="167" name="Shape 167"/>
         <p:cNvGrpSpPr/>
         <p:nvPr/>
       </p:nvGrpSpPr>
@@ -1521,7 +1634,7 @@
       </p:grpSpPr>
       <p:sp>
         <p:nvSpPr>
-          <p:cNvPr id="166" name="Shape 166"/>
+          <p:cNvPr id="168" name="Google Shape;168;g3b522d7651_0_60:notes"/>
           <p:cNvSpPr/>
           <p:nvPr>
             <p:ph idx="2" type="sldImg"/>
@@ -1533,6 +1646,7 @@
             <a:ext cx="6096000" cy="3429000"/>
           </a:xfrm>
           <a:custGeom>
+            <a:rect b="b" l="l" r="r" t="t"/>
             <a:pathLst>
               <a:path extrusionOk="0" h="120000" w="120000">
                 <a:moveTo>
@@ -1555,7 +1669,7 @@
       </p:sp>
       <p:sp>
         <p:nvSpPr>
-          <p:cNvPr id="167" name="Shape 167"/>
+          <p:cNvPr id="169" name="Google Shape;169;g3b522d7651_0_60:notes"/>
           <p:cNvSpPr txBox="1"/>
           <p:nvPr>
             <p:ph idx="1" type="body"/>
@@ -1576,7 +1690,7 @@
           </a:bodyPr>
           <a:lstStyle/>
           <a:p>
-            <a:pPr indent="0" lvl="0" marL="0">
+            <a:pPr indent="0" lvl="0" marL="0" rtl="0" algn="l">
               <a:spcBef>
                 <a:spcPts val="0"/>
               </a:spcBef>
@@ -1586,7 +1700,24 @@
               <a:buNone/>
             </a:pPr>
             <a:r>
-              <a:t/>
+              <a:rPr lang="en"/>
+              <a:t>Merkle Patricia tree - криптографически скрепленная структура данных, которая может быть использована для хранения пар ключ-значение. Эта </a:t>
+            </a:r>
+            <a:r>
+              <a:rPr lang="en"/>
+              <a:t>структура</a:t>
+            </a:r>
+            <a:r>
+              <a:rPr lang="en"/>
+              <a:t> данных полностью </a:t>
+            </a:r>
+            <a:r>
+              <a:rPr lang="en"/>
+              <a:t>детерминирована</a:t>
+            </a:r>
+            <a:r>
+              <a:rPr lang="en"/>
+              <a:t>, что значит деревья с теми же данными полностью совпадают и хеши корней у них одинаковые. В качестве бекенда могут использоваться различные базы данных. В тестах и кэше у нас используются ets таблицы, в других окружениях rocksdb.</a:t>
             </a:r>
             <a:endParaRPr/>
           </a:p>
@@ -1605,7 +1736,7 @@
   <p:cSld>
     <p:spTree>
       <p:nvGrpSpPr>
-        <p:cNvPr id="171" name="Shape 171"/>
+        <p:cNvPr id="173" name="Shape 173"/>
         <p:cNvGrpSpPr/>
         <p:nvPr/>
       </p:nvGrpSpPr>
@@ -1619,7 +1750,7 @@
       </p:grpSpPr>
       <p:sp>
         <p:nvSpPr>
-          <p:cNvPr id="172" name="Shape 172"/>
+          <p:cNvPr id="174" name="Google Shape;174;g3d61b9f945_0_2:notes"/>
           <p:cNvSpPr/>
           <p:nvPr>
             <p:ph idx="2" type="sldImg"/>
@@ -1631,6 +1762,7 @@
             <a:ext cx="6096000" cy="3429000"/>
           </a:xfrm>
           <a:custGeom>
+            <a:rect b="b" l="l" r="r" t="t"/>
             <a:pathLst>
               <a:path extrusionOk="0" h="120000" w="120000">
                 <a:moveTo>
@@ -1653,7 +1785,7 @@
       </p:sp>
       <p:sp>
         <p:nvSpPr>
-          <p:cNvPr id="173" name="Shape 173"/>
+          <p:cNvPr id="175" name="Google Shape;175;g3d61b9f945_0_2:notes"/>
           <p:cNvSpPr txBox="1"/>
           <p:nvPr>
             <p:ph idx="1" type="body"/>
@@ -1674,7 +1806,7 @@
           </a:bodyPr>
           <a:lstStyle/>
           <a:p>
-            <a:pPr indent="0" lvl="0" marL="0">
+            <a:pPr indent="0" lvl="0" marL="0" rtl="0" algn="l">
               <a:spcBef>
                 <a:spcPts val="0"/>
               </a:spcBef>
@@ -1684,7 +1816,8 @@
               <a:buNone/>
             </a:pPr>
             <a:r>
-              <a:t/>
+              <a:rPr lang="en"/>
+              <a:t>В дереве Merkle Patricia есть 3 типа нод: Leaf, Extension, Branch. В нодах хранятся часть префикса ключа. Leaf - это конечная нода, то есть если идти от корня для leaf ноды собирается весь ключ. Extension нода - это промежуточная нода которая содержит часть ключа, бранч нода - тоже промежуточная нода с 16 поддервьями (для 16-го алфавита) и значением.</a:t>
             </a:r>
             <a:endParaRPr/>
           </a:p>
@@ -1703,7 +1836,7 @@
   <p:cSld>
     <p:spTree>
       <p:nvGrpSpPr>
-        <p:cNvPr id="177" name="Shape 177"/>
+        <p:cNvPr id="179" name="Shape 179"/>
         <p:cNvGrpSpPr/>
         <p:nvPr/>
       </p:nvGrpSpPr>
@@ -1717,7 +1850,7 @@
       </p:grpSpPr>
       <p:sp>
         <p:nvSpPr>
-          <p:cNvPr id="178" name="Shape 178"/>
+          <p:cNvPr id="180" name="Google Shape;180;g4fb1491851_1_0:notes"/>
           <p:cNvSpPr/>
           <p:nvPr>
             <p:ph idx="2" type="sldImg"/>
@@ -1729,6 +1862,7 @@
             <a:ext cx="6096000" cy="3429000"/>
           </a:xfrm>
           <a:custGeom>
+            <a:rect b="b" l="l" r="r" t="t"/>
             <a:pathLst>
               <a:path extrusionOk="0" h="120000" w="120000">
                 <a:moveTo>
@@ -1751,7 +1885,7 @@
       </p:sp>
       <p:sp>
         <p:nvSpPr>
-          <p:cNvPr id="179" name="Shape 179"/>
+          <p:cNvPr id="181" name="Google Shape;181;g4fb1491851_1_0:notes"/>
           <p:cNvSpPr txBox="1"/>
           <p:nvPr>
             <p:ph idx="1" type="body"/>
@@ -1772,7 +1906,7 @@
           </a:bodyPr>
           <a:lstStyle/>
           <a:p>
-            <a:pPr indent="0" lvl="0" marL="0">
+            <a:pPr indent="0" lvl="0" marL="0" rtl="0" algn="l">
               <a:spcBef>
                 <a:spcPts val="0"/>
               </a:spcBef>
@@ -1782,7 +1916,8 @@
               <a:buNone/>
             </a:pPr>
             <a:r>
-              <a:t/>
+              <a:rPr lang="en"/>
+              <a:t>Как видим из предыдущего слайда такие деревья имеет достаточно сложную структуру, соответственно чтение и запись достаточно дорогие операции. Мы оптимизировали данные операции с помощью двухуровнего кэша. В EVM кэш записываются все изменения и прочитанные из постоянной памяти данные. После успешной выполнении транзакции данные из EVM кэша записыаются в глобальный кэш. Глобальный кэш записывается в постоянное хранилище после валидации одного или нескольких блоков.</a:t>
             </a:r>
             <a:endParaRPr/>
           </a:p>
@@ -1815,7 +1950,7 @@
       </p:grpSpPr>
       <p:sp>
         <p:nvSpPr>
-          <p:cNvPr id="63" name="Shape 63"/>
+          <p:cNvPr id="63" name="Google Shape;63;g37ddc8c2c3_0_184:notes"/>
           <p:cNvSpPr/>
           <p:nvPr>
             <p:ph idx="2" type="sldImg"/>
@@ -1827,6 +1962,7 @@
             <a:ext cx="6096000" cy="3429000"/>
           </a:xfrm>
           <a:custGeom>
+            <a:rect b="b" l="l" r="r" t="t"/>
             <a:pathLst>
               <a:path extrusionOk="0" h="120000" w="120000">
                 <a:moveTo>
@@ -1849,7 +1985,7 @@
       </p:sp>
       <p:sp>
         <p:nvSpPr>
-          <p:cNvPr id="64" name="Shape 64"/>
+          <p:cNvPr id="64" name="Google Shape;64;g37ddc8c2c3_0_184:notes"/>
           <p:cNvSpPr txBox="1"/>
           <p:nvPr>
             <p:ph idx="1" type="body"/>
@@ -1870,7 +2006,7 @@
           </a:bodyPr>
           <a:lstStyle/>
           <a:p>
-            <a:pPr indent="0" lvl="0" marL="0">
+            <a:pPr indent="0" lvl="0" marL="0" rtl="0" algn="l">
               <a:spcBef>
                 <a:spcPts val="0"/>
               </a:spcBef>
@@ -1880,7 +2016,8 @@
               <a:buNone/>
             </a:pPr>
             <a:r>
-              <a:t/>
+              <a:rPr lang="en"/>
+              <a:t>Но сначала хочу поблагодарить POA за то, что предоставила мне возможность работать над данным проектом. POA - это сайдчейн Эфириума с алгоритмом консенсуса Proof of Authority. Об алгоритмах консенсуса я расскажу чуть позже.</a:t>
             </a:r>
             <a:endParaRPr/>
           </a:p>
@@ -1899,7 +2036,7 @@
   <p:cSld>
     <p:spTree>
       <p:nvGrpSpPr>
-        <p:cNvPr id="183" name="Shape 183"/>
+        <p:cNvPr id="186" name="Shape 186"/>
         <p:cNvGrpSpPr/>
         <p:nvPr/>
       </p:nvGrpSpPr>
@@ -1913,7 +2050,7 @@
       </p:grpSpPr>
       <p:sp>
         <p:nvSpPr>
-          <p:cNvPr id="184" name="Shape 184"/>
+          <p:cNvPr id="187" name="Google Shape;187;g4fb1491851_1_6:notes"/>
           <p:cNvSpPr/>
           <p:nvPr>
             <p:ph idx="2" type="sldImg"/>
@@ -1925,6 +2062,7 @@
             <a:ext cx="6096000" cy="3429000"/>
           </a:xfrm>
           <a:custGeom>
+            <a:rect b="b" l="l" r="r" t="t"/>
             <a:pathLst>
               <a:path extrusionOk="0" h="120000" w="120000">
                 <a:moveTo>
@@ -1947,7 +2085,7 @@
       </p:sp>
       <p:sp>
         <p:nvSpPr>
-          <p:cNvPr id="185" name="Shape 185"/>
+          <p:cNvPr id="188" name="Google Shape;188;g4fb1491851_1_6:notes"/>
           <p:cNvSpPr txBox="1"/>
           <p:nvPr>
             <p:ph idx="1" type="body"/>
@@ -1968,7 +2106,7 @@
           </a:bodyPr>
           <a:lstStyle/>
           <a:p>
-            <a:pPr indent="0" lvl="0" marL="0">
+            <a:pPr indent="0" lvl="0" marL="0" rtl="0" algn="l">
               <a:spcBef>
                 <a:spcPts val="0"/>
               </a:spcBef>
@@ -1978,7 +2116,8 @@
               <a:buNone/>
             </a:pPr>
             <a:r>
-              <a:t/>
+              <a:rPr lang="en"/>
+              <a:t>Про последовательную эволюцию схемы хранилища данных можно почитать по ссылке у меня в блоге</a:t>
             </a:r>
             <a:endParaRPr/>
           </a:p>
@@ -1992,12 +2131,12 @@
 </p:notes>
 </file>
 
-<file path=ppt/notesSlides/notesSlide3.xml><?xml version="1.0" encoding="utf-8"?>
+<file path=ppt/notesSlides/notesSlide21.xml><?xml version="1.0" encoding="utf-8"?>
 <p:notes xmlns:a="http://schemas.openxmlformats.org/drawingml/2006/main" xmlns:r="http://schemas.openxmlformats.org/officeDocument/2006/relationships" xmlns:mc="http://schemas.openxmlformats.org/markup-compatibility/2006" xmlns:mv="urn:schemas-microsoft-com:mac:vml" xmlns:p="http://schemas.openxmlformats.org/presentationml/2006/main" xmlns:c="http://schemas.openxmlformats.org/drawingml/2006/chart" xmlns:dgm="http://schemas.openxmlformats.org/drawingml/2006/diagram" xmlns:o="urn:schemas-microsoft-com:office:office" xmlns:v="urn:schemas-microsoft-com:vml" xmlns:pvml="urn:schemas-microsoft-com:office:powerpoint" xmlns:com="http://schemas.openxmlformats.org/drawingml/2006/compatibility" xmlns:p14="http://schemas.microsoft.com/office/powerpoint/2010/main" xmlns:p15="http://schemas.microsoft.com/office/powerpoint/2012/main" showMasterPhAnim="0" showMasterSp="0">
   <p:cSld>
     <p:spTree>
       <p:nvGrpSpPr>
-        <p:cNvPr id="70" name="Shape 70"/>
+        <p:cNvPr id="192" name="Shape 192"/>
         <p:cNvGrpSpPr/>
         <p:nvPr/>
       </p:nvGrpSpPr>
@@ -2011,7 +2150,7 @@
       </p:grpSpPr>
       <p:sp>
         <p:nvSpPr>
-          <p:cNvPr id="71" name="Shape 71"/>
+          <p:cNvPr id="193" name="Google Shape;193;g3b522d7651_0_72:notes"/>
           <p:cNvSpPr/>
           <p:nvPr>
             <p:ph idx="2" type="sldImg"/>
@@ -2023,6 +2162,7 @@
             <a:ext cx="6096000" cy="3429000"/>
           </a:xfrm>
           <a:custGeom>
+            <a:rect b="b" l="l" r="r" t="t"/>
             <a:pathLst>
               <a:path extrusionOk="0" h="120000" w="120000">
                 <a:moveTo>
@@ -2045,7 +2185,7 @@
       </p:sp>
       <p:sp>
         <p:nvSpPr>
-          <p:cNvPr id="72" name="Shape 72"/>
+          <p:cNvPr id="194" name="Google Shape;194;g3b522d7651_0_72:notes"/>
           <p:cNvSpPr txBox="1"/>
           <p:nvPr>
             <p:ph idx="1" type="body"/>
@@ -2066,7 +2206,7 @@
           </a:bodyPr>
           <a:lstStyle/>
           <a:p>
-            <a:pPr indent="0" lvl="0" marL="0">
+            <a:pPr indent="0" lvl="0" marL="0" rtl="0" algn="l">
               <a:spcBef>
                 <a:spcPts val="0"/>
               </a:spcBef>
@@ -2076,7 +2216,16 @@
               <a:buNone/>
             </a:pPr>
             <a:r>
-              <a:t/>
+              <a:rPr lang="en"/>
+              <a:t>EVM отвечает за работу с внутренним состояниями и вычислениями. Другими словами это рантайм окружение для смарт контрактов.  EVM  выполняет машинный код скомпилированный из </a:t>
+            </a:r>
+            <a:r>
+              <a:rPr lang="en"/>
+              <a:t>высокоуровневых</a:t>
+            </a:r>
+            <a:r>
+              <a:rPr lang="en"/>
+              <a:t> языков	 программирования, например Solidity. Виртуальная машина этериума - простая стек машина, максимальный размер стека 1024</a:t>
             </a:r>
             <a:endParaRPr/>
           </a:p>
@@ -2090,12 +2239,12 @@
 </p:notes>
 </file>
 
-<file path=ppt/notesSlides/notesSlide4.xml><?xml version="1.0" encoding="utf-8"?>
+<file path=ppt/notesSlides/notesSlide22.xml><?xml version="1.0" encoding="utf-8"?>
 <p:notes xmlns:a="http://schemas.openxmlformats.org/drawingml/2006/main" xmlns:r="http://schemas.openxmlformats.org/officeDocument/2006/relationships" xmlns:mc="http://schemas.openxmlformats.org/markup-compatibility/2006" xmlns:mv="urn:schemas-microsoft-com:mac:vml" xmlns:p="http://schemas.openxmlformats.org/presentationml/2006/main" xmlns:c="http://schemas.openxmlformats.org/drawingml/2006/chart" xmlns:dgm="http://schemas.openxmlformats.org/drawingml/2006/diagram" xmlns:o="urn:schemas-microsoft-com:office:office" xmlns:v="urn:schemas-microsoft-com:vml" xmlns:pvml="urn:schemas-microsoft-com:office:powerpoint" xmlns:com="http://schemas.openxmlformats.org/drawingml/2006/compatibility" xmlns:p14="http://schemas.microsoft.com/office/powerpoint/2010/main" xmlns:p15="http://schemas.microsoft.com/office/powerpoint/2012/main" showMasterPhAnim="0" showMasterSp="0">
   <p:cSld>
     <p:spTree>
       <p:nvGrpSpPr>
-        <p:cNvPr id="76" name="Shape 76"/>
+        <p:cNvPr id="198" name="Shape 198"/>
         <p:cNvGrpSpPr/>
         <p:nvPr/>
       </p:nvGrpSpPr>
@@ -2109,7 +2258,7 @@
       </p:grpSpPr>
       <p:sp>
         <p:nvSpPr>
-          <p:cNvPr id="77" name="Shape 77"/>
+          <p:cNvPr id="199" name="Google Shape;199;g3d61b9f945_0_13:notes"/>
           <p:cNvSpPr/>
           <p:nvPr>
             <p:ph idx="2" type="sldImg"/>
@@ -2121,6 +2270,7 @@
             <a:ext cx="6096000" cy="3429000"/>
           </a:xfrm>
           <a:custGeom>
+            <a:rect b="b" l="l" r="r" t="t"/>
             <a:pathLst>
               <a:path extrusionOk="0" h="120000" w="120000">
                 <a:moveTo>
@@ -2143,7 +2293,7 @@
       </p:sp>
       <p:sp>
         <p:nvSpPr>
-          <p:cNvPr id="78" name="Shape 78"/>
+          <p:cNvPr id="200" name="Google Shape;200;g3d61b9f945_0_13:notes"/>
           <p:cNvSpPr txBox="1"/>
           <p:nvPr>
             <p:ph idx="1" type="body"/>
@@ -2164,7 +2314,7 @@
           </a:bodyPr>
           <a:lstStyle/>
           <a:p>
-            <a:pPr indent="0" lvl="0" marL="0">
+            <a:pPr indent="0" lvl="0" marL="0" rtl="0" algn="l">
               <a:spcBef>
                 <a:spcPts val="0"/>
               </a:spcBef>
@@ -2174,7 +2324,8 @@
               <a:buNone/>
             </a:pPr>
             <a:r>
-              <a:t/>
+              <a:rPr lang="en"/>
+              <a:t>Рассмотрим простой пример.</a:t>
             </a:r>
             <a:endParaRPr/>
           </a:p>
@@ -2188,12 +2339,12 @@
 </p:notes>
 </file>
 
-<file path=ppt/notesSlides/notesSlide5.xml><?xml version="1.0" encoding="utf-8"?>
+<file path=ppt/notesSlides/notesSlide23.xml><?xml version="1.0" encoding="utf-8"?>
 <p:notes xmlns:a="http://schemas.openxmlformats.org/drawingml/2006/main" xmlns:r="http://schemas.openxmlformats.org/officeDocument/2006/relationships" xmlns:mc="http://schemas.openxmlformats.org/markup-compatibility/2006" xmlns:mv="urn:schemas-microsoft-com:mac:vml" xmlns:p="http://schemas.openxmlformats.org/presentationml/2006/main" xmlns:c="http://schemas.openxmlformats.org/drawingml/2006/chart" xmlns:dgm="http://schemas.openxmlformats.org/drawingml/2006/diagram" xmlns:o="urn:schemas-microsoft-com:office:office" xmlns:v="urn:schemas-microsoft-com:vml" xmlns:pvml="urn:schemas-microsoft-com:office:powerpoint" xmlns:com="http://schemas.openxmlformats.org/drawingml/2006/compatibility" xmlns:p14="http://schemas.microsoft.com/office/powerpoint/2010/main" xmlns:p15="http://schemas.microsoft.com/office/powerpoint/2012/main" showMasterPhAnim="0" showMasterSp="0">
   <p:cSld>
     <p:spTree>
       <p:nvGrpSpPr>
-        <p:cNvPr id="83" name="Shape 83"/>
+        <p:cNvPr id="205" name="Shape 205"/>
         <p:cNvGrpSpPr/>
         <p:nvPr/>
       </p:nvGrpSpPr>
@@ -2207,7 +2358,7 @@
       </p:grpSpPr>
       <p:sp>
         <p:nvSpPr>
-          <p:cNvPr id="84" name="Shape 84"/>
+          <p:cNvPr id="206" name="Google Shape;206;g3d61b9f945_0_30:notes"/>
           <p:cNvSpPr/>
           <p:nvPr>
             <p:ph idx="2" type="sldImg"/>
@@ -2219,6 +2370,7 @@
             <a:ext cx="6096000" cy="3429000"/>
           </a:xfrm>
           <a:custGeom>
+            <a:rect b="b" l="l" r="r" t="t"/>
             <a:pathLst>
               <a:path extrusionOk="0" h="120000" w="120000">
                 <a:moveTo>
@@ -2241,7 +2393,7 @@
       </p:sp>
       <p:sp>
         <p:nvSpPr>
-          <p:cNvPr id="85" name="Shape 85"/>
+          <p:cNvPr id="207" name="Google Shape;207;g3d61b9f945_0_30:notes"/>
           <p:cNvSpPr txBox="1"/>
           <p:nvPr>
             <p:ph idx="1" type="body"/>
@@ -2262,7 +2414,7 @@
           </a:bodyPr>
           <a:lstStyle/>
           <a:p>
-            <a:pPr indent="0" lvl="0" marL="0">
+            <a:pPr indent="0" lvl="0" marL="0" rtl="0" algn="l">
               <a:spcBef>
                 <a:spcPts val="0"/>
               </a:spcBef>
@@ -2272,7 +2424,8 @@
               <a:buNone/>
             </a:pPr>
             <a:r>
-              <a:t/>
+              <a:rPr lang="en"/>
+              <a:t>Больше примеров различных кодов виртуальной машины с описанием их выпонения можно найти по этой ссылке в моем блоге.</a:t>
             </a:r>
             <a:endParaRPr/>
           </a:p>
@@ -2286,12 +2439,12 @@
 </p:notes>
 </file>
 
-<file path=ppt/notesSlides/notesSlide6.xml><?xml version="1.0" encoding="utf-8"?>
+<file path=ppt/notesSlides/notesSlide24.xml><?xml version="1.0" encoding="utf-8"?>
 <p:notes xmlns:a="http://schemas.openxmlformats.org/drawingml/2006/main" xmlns:r="http://schemas.openxmlformats.org/officeDocument/2006/relationships" xmlns:mc="http://schemas.openxmlformats.org/markup-compatibility/2006" xmlns:mv="urn:schemas-microsoft-com:mac:vml" xmlns:p="http://schemas.openxmlformats.org/presentationml/2006/main" xmlns:c="http://schemas.openxmlformats.org/drawingml/2006/chart" xmlns:dgm="http://schemas.openxmlformats.org/drawingml/2006/diagram" xmlns:o="urn:schemas-microsoft-com:office:office" xmlns:v="urn:schemas-microsoft-com:vml" xmlns:pvml="urn:schemas-microsoft-com:office:powerpoint" xmlns:com="http://schemas.openxmlformats.org/drawingml/2006/compatibility" xmlns:p14="http://schemas.microsoft.com/office/powerpoint/2010/main" xmlns:p15="http://schemas.microsoft.com/office/powerpoint/2012/main" showMasterPhAnim="0" showMasterSp="0">
   <p:cSld>
     <p:spTree>
       <p:nvGrpSpPr>
-        <p:cNvPr id="89" name="Shape 89"/>
+        <p:cNvPr id="211" name="Shape 211"/>
         <p:cNvGrpSpPr/>
         <p:nvPr/>
       </p:nvGrpSpPr>
@@ -2305,7 +2458,7 @@
       </p:grpSpPr>
       <p:sp>
         <p:nvSpPr>
-          <p:cNvPr id="90" name="Shape 90"/>
+          <p:cNvPr id="212" name="Google Shape;212;g3b522d7651_0_77:notes"/>
           <p:cNvSpPr/>
           <p:nvPr>
             <p:ph idx="2" type="sldImg"/>
@@ -2317,6 +2470,7 @@
             <a:ext cx="6096000" cy="3429000"/>
           </a:xfrm>
           <a:custGeom>
+            <a:rect b="b" l="l" r="r" t="t"/>
             <a:pathLst>
               <a:path extrusionOk="0" h="120000" w="120000">
                 <a:moveTo>
@@ -2339,7 +2493,7 @@
       </p:sp>
       <p:sp>
         <p:nvSpPr>
-          <p:cNvPr id="91" name="Shape 91"/>
+          <p:cNvPr id="213" name="Google Shape;213;g3b522d7651_0_77:notes"/>
           <p:cNvSpPr txBox="1"/>
           <p:nvPr>
             <p:ph idx="1" type="body"/>
@@ -2360,17 +2514,35 @@
           </a:bodyPr>
           <a:lstStyle/>
           <a:p>
-            <a:pPr indent="0" lvl="0" marL="0">
-              <a:spcBef>
-                <a:spcPts val="0"/>
-              </a:spcBef>
-              <a:spcAft>
-                <a:spcPts val="0"/>
-              </a:spcAft>
+            <a:pPr indent="0" lvl="0" marL="0" rtl="0" algn="l">
+              <a:spcBef>
+                <a:spcPts val="0"/>
+              </a:spcBef>
+              <a:spcAft>
+                <a:spcPts val="0"/>
+              </a:spcAft>
+              <a:buClr>
+                <a:schemeClr val="dk2"/>
+              </a:buClr>
+              <a:buSzPts val="1100"/>
+              <a:buFont typeface="Arial"/>
               <a:buNone/>
             </a:pPr>
             <a:r>
-              <a:t/>
+              <a:rPr lang="en">
+                <a:solidFill>
+                  <a:schemeClr val="dk2"/>
+                </a:solidFill>
+              </a:rPr>
+              <a:t>Блокчейн занимается </a:t>
+            </a:r>
+            <a:r>
+              <a:rPr lang="en">
+                <a:solidFill>
+                  <a:schemeClr val="dk2"/>
+                </a:solidFill>
+              </a:rPr>
+              <a:t>валидацией блоков и транзакций. Процесс валидации включает в себя: ...</a:t>
             </a:r>
             <a:endParaRPr/>
           </a:p>
@@ -2384,12 +2556,12 @@
 </p:notes>
 </file>
 
-<file path=ppt/notesSlides/notesSlide7.xml><?xml version="1.0" encoding="utf-8"?>
+<file path=ppt/notesSlides/notesSlide25.xml><?xml version="1.0" encoding="utf-8"?>
 <p:notes xmlns:a="http://schemas.openxmlformats.org/drawingml/2006/main" xmlns:r="http://schemas.openxmlformats.org/officeDocument/2006/relationships" xmlns:mc="http://schemas.openxmlformats.org/markup-compatibility/2006" xmlns:mv="urn:schemas-microsoft-com:mac:vml" xmlns:p="http://schemas.openxmlformats.org/presentationml/2006/main" xmlns:c="http://schemas.openxmlformats.org/drawingml/2006/chart" xmlns:dgm="http://schemas.openxmlformats.org/drawingml/2006/diagram" xmlns:o="urn:schemas-microsoft-com:office:office" xmlns:v="urn:schemas-microsoft-com:vml" xmlns:pvml="urn:schemas-microsoft-com:office:powerpoint" xmlns:com="http://schemas.openxmlformats.org/drawingml/2006/compatibility" xmlns:p14="http://schemas.microsoft.com/office/powerpoint/2010/main" xmlns:p15="http://schemas.microsoft.com/office/powerpoint/2012/main" showMasterPhAnim="0" showMasterSp="0">
   <p:cSld>
     <p:spTree>
       <p:nvGrpSpPr>
-        <p:cNvPr id="100" name="Shape 100"/>
+        <p:cNvPr id="217" name="Shape 217"/>
         <p:cNvGrpSpPr/>
         <p:nvPr/>
       </p:nvGrpSpPr>
@@ -2403,7 +2575,7 @@
       </p:grpSpPr>
       <p:sp>
         <p:nvSpPr>
-          <p:cNvPr id="101" name="Shape 101"/>
+          <p:cNvPr id="218" name="Google Shape;218;g4fb1491851_1_14:notes"/>
           <p:cNvSpPr/>
           <p:nvPr>
             <p:ph idx="2" type="sldImg"/>
@@ -2415,6 +2587,7 @@
             <a:ext cx="6096000" cy="3429000"/>
           </a:xfrm>
           <a:custGeom>
+            <a:rect b="b" l="l" r="r" t="t"/>
             <a:pathLst>
               <a:path extrusionOk="0" h="120000" w="120000">
                 <a:moveTo>
@@ -2437,7 +2610,7 @@
       </p:sp>
       <p:sp>
         <p:nvSpPr>
-          <p:cNvPr id="102" name="Shape 102"/>
+          <p:cNvPr id="219" name="Google Shape;219;g4fb1491851_1_14:notes"/>
           <p:cNvSpPr txBox="1"/>
           <p:nvPr>
             <p:ph idx="1" type="body"/>
@@ -2458,7 +2631,7 @@
           </a:bodyPr>
           <a:lstStyle/>
           <a:p>
-            <a:pPr indent="0" lvl="0" marL="0">
+            <a:pPr indent="0" lvl="0" marL="0" rtl="0" algn="l">
               <a:spcBef>
                 <a:spcPts val="0"/>
               </a:spcBef>
@@ -2468,7 +2641,8 @@
               <a:buNone/>
             </a:pPr>
             <a:r>
-              <a:t/>
+              <a:rPr lang="en"/>
+              <a:t>В Эфириуме и во многих других криптовалютах хардфорк - это способ ввести новые изменения в цепь. Хардфорк - это изменение правил валидации. Таким образом если не обновить программное обеспечение на нодах они будут считать новые блоки невалидными. Если не все ноды обновляются создается новая криптовалюта. Такое произошло 1 августа 2017 года, Часть майнеров совершила хардфорк и появился Bitcoin Cash.</a:t>
             </a:r>
             <a:endParaRPr/>
           </a:p>
@@ -2482,12 +2656,12 @@
 </p:notes>
 </file>
 
-<file path=ppt/notesSlides/notesSlide8.xml><?xml version="1.0" encoding="utf-8"?>
+<file path=ppt/notesSlides/notesSlide26.xml><?xml version="1.0" encoding="utf-8"?>
 <p:notes xmlns:a="http://schemas.openxmlformats.org/drawingml/2006/main" xmlns:r="http://schemas.openxmlformats.org/officeDocument/2006/relationships" xmlns:mc="http://schemas.openxmlformats.org/markup-compatibility/2006" xmlns:mv="urn:schemas-microsoft-com:mac:vml" xmlns:p="http://schemas.openxmlformats.org/presentationml/2006/main" xmlns:c="http://schemas.openxmlformats.org/drawingml/2006/chart" xmlns:dgm="http://schemas.openxmlformats.org/drawingml/2006/diagram" xmlns:o="urn:schemas-microsoft-com:office:office" xmlns:v="urn:schemas-microsoft-com:vml" xmlns:pvml="urn:schemas-microsoft-com:office:powerpoint" xmlns:com="http://schemas.openxmlformats.org/drawingml/2006/compatibility" xmlns:p14="http://schemas.microsoft.com/office/powerpoint/2010/main" xmlns:p15="http://schemas.microsoft.com/office/powerpoint/2012/main" showMasterPhAnim="0" showMasterSp="0">
   <p:cSld>
     <p:spTree>
       <p:nvGrpSpPr>
-        <p:cNvPr id="106" name="Shape 106"/>
+        <p:cNvPr id="223" name="Shape 223"/>
         <p:cNvGrpSpPr/>
         <p:nvPr/>
       </p:nvGrpSpPr>
@@ -2501,7 +2675,7 @@
       </p:grpSpPr>
       <p:sp>
         <p:nvSpPr>
-          <p:cNvPr id="107" name="Shape 107"/>
+          <p:cNvPr id="224" name="Google Shape;224;g4fb1491851_1_19:notes"/>
           <p:cNvSpPr/>
           <p:nvPr>
             <p:ph idx="2" type="sldImg"/>
@@ -2513,6 +2687,7 @@
             <a:ext cx="6096000" cy="3429000"/>
           </a:xfrm>
           <a:custGeom>
+            <a:rect b="b" l="l" r="r" t="t"/>
             <a:pathLst>
               <a:path extrusionOk="0" h="120000" w="120000">
                 <a:moveTo>
@@ -2535,7 +2710,7 @@
       </p:sp>
       <p:sp>
         <p:nvSpPr>
-          <p:cNvPr id="108" name="Shape 108"/>
+          <p:cNvPr id="225" name="Google Shape;225;g4fb1491851_1_19:notes"/>
           <p:cNvSpPr txBox="1"/>
           <p:nvPr>
             <p:ph idx="1" type="body"/>
@@ -2556,7 +2731,7 @@
           </a:bodyPr>
           <a:lstStyle/>
           <a:p>
-            <a:pPr indent="0" lvl="0" marL="0">
+            <a:pPr indent="0" lvl="0" marL="0" rtl="0" algn="l">
               <a:spcBef>
                 <a:spcPts val="0"/>
               </a:spcBef>
@@ -2566,7 +2741,8 @@
               <a:buNone/>
             </a:pPr>
             <a:r>
-              <a:t/>
+              <a:rPr lang="en"/>
+              <a:t>В Эфириуме новые предложения по изменению которые предлагаются сообществом. Называются EIP - Ethereum Improvement Proposal. В мане конфигурация хардфорков сделана через behaviour’ы. Когда пояляется новое изменение в Эфириуме. Мы добаяляем новый метод в базовый behaviour. Все конфигурации хардфорков его имплементируют.</a:t>
             </a:r>
             <a:endParaRPr/>
           </a:p>
@@ -2580,12 +2756,12 @@
 </p:notes>
 </file>
 
-<file path=ppt/notesSlides/notesSlide9.xml><?xml version="1.0" encoding="utf-8"?>
+<file path=ppt/notesSlides/notesSlide27.xml><?xml version="1.0" encoding="utf-8"?>
 <p:notes xmlns:a="http://schemas.openxmlformats.org/drawingml/2006/main" xmlns:r="http://schemas.openxmlformats.org/officeDocument/2006/relationships" xmlns:mc="http://schemas.openxmlformats.org/markup-compatibility/2006" xmlns:mv="urn:schemas-microsoft-com:mac:vml" xmlns:p="http://schemas.openxmlformats.org/presentationml/2006/main" xmlns:c="http://schemas.openxmlformats.org/drawingml/2006/chart" xmlns:dgm="http://schemas.openxmlformats.org/drawingml/2006/diagram" xmlns:o="urn:schemas-microsoft-com:office:office" xmlns:v="urn:schemas-microsoft-com:vml" xmlns:pvml="urn:schemas-microsoft-com:office:powerpoint" xmlns:com="http://schemas.openxmlformats.org/drawingml/2006/compatibility" xmlns:p14="http://schemas.microsoft.com/office/powerpoint/2010/main" xmlns:p15="http://schemas.microsoft.com/office/powerpoint/2012/main" showMasterPhAnim="0" showMasterSp="0">
   <p:cSld>
     <p:spTree>
       <p:nvGrpSpPr>
-        <p:cNvPr id="112" name="Shape 112"/>
+        <p:cNvPr id="229" name="Shape 229"/>
         <p:cNvGrpSpPr/>
         <p:nvPr/>
       </p:nvGrpSpPr>
@@ -2599,7 +2775,7 @@
       </p:grpSpPr>
       <p:sp>
         <p:nvSpPr>
-          <p:cNvPr id="113" name="Shape 113"/>
+          <p:cNvPr id="230" name="Google Shape;230;g3b522d7651_0_82:notes"/>
           <p:cNvSpPr/>
           <p:nvPr>
             <p:ph idx="2" type="sldImg"/>
@@ -2611,6 +2787,7 @@
             <a:ext cx="6096000" cy="3429000"/>
           </a:xfrm>
           <a:custGeom>
+            <a:rect b="b" l="l" r="r" t="t"/>
             <a:pathLst>
               <a:path extrusionOk="0" h="120000" w="120000">
                 <a:moveTo>
@@ -2633,7 +2810,7 @@
       </p:sp>
       <p:sp>
         <p:nvSpPr>
-          <p:cNvPr id="114" name="Shape 114"/>
+          <p:cNvPr id="231" name="Google Shape;231;g3b522d7651_0_82:notes"/>
           <p:cNvSpPr txBox="1"/>
           <p:nvPr>
             <p:ph idx="1" type="body"/>
@@ -2654,7 +2831,7 @@
           </a:bodyPr>
           <a:lstStyle/>
           <a:p>
-            <a:pPr indent="0" lvl="0" marL="0">
+            <a:pPr indent="0" lvl="0" marL="0" rtl="0" algn="l">
               <a:spcBef>
                 <a:spcPts val="0"/>
               </a:spcBef>
@@ -2664,7 +2841,1279 @@
               <a:buNone/>
             </a:pPr>
             <a:r>
+              <a:rPr lang="en"/>
+              <a:t>Проект ExWire - это клиент для RLPx, DevP2P, EthWire</a:t>
+            </a:r>
+            <a:endParaRPr/>
+          </a:p>
+        </p:txBody>
+      </p:sp>
+    </p:spTree>
+  </p:cSld>
+  <p:clrMapOvr>
+    <a:masterClrMapping/>
+  </p:clrMapOvr>
+</p:notes>
+</file>
+
+<file path=ppt/notesSlides/notesSlide28.xml><?xml version="1.0" encoding="utf-8"?>
+<p:notes xmlns:a="http://schemas.openxmlformats.org/drawingml/2006/main" xmlns:r="http://schemas.openxmlformats.org/officeDocument/2006/relationships" xmlns:mc="http://schemas.openxmlformats.org/markup-compatibility/2006" xmlns:mv="urn:schemas-microsoft-com:mac:vml" xmlns:p="http://schemas.openxmlformats.org/presentationml/2006/main" xmlns:c="http://schemas.openxmlformats.org/drawingml/2006/chart" xmlns:dgm="http://schemas.openxmlformats.org/drawingml/2006/diagram" xmlns:o="urn:schemas-microsoft-com:office:office" xmlns:v="urn:schemas-microsoft-com:vml" xmlns:pvml="urn:schemas-microsoft-com:office:powerpoint" xmlns:com="http://schemas.openxmlformats.org/drawingml/2006/compatibility" xmlns:p14="http://schemas.microsoft.com/office/powerpoint/2010/main" xmlns:p15="http://schemas.microsoft.com/office/powerpoint/2012/main" showMasterPhAnim="0" showMasterSp="0">
+  <p:cSld>
+    <p:spTree>
+      <p:nvGrpSpPr>
+        <p:cNvPr id="235" name="Shape 235"/>
+        <p:cNvGrpSpPr/>
+        <p:nvPr/>
+      </p:nvGrpSpPr>
+      <p:grpSpPr>
+        <a:xfrm>
+          <a:off x="0" y="0"/>
+          <a:ext cx="0" cy="0"/>
+          <a:chOff x="0" y="0"/>
+          <a:chExt cx="0" cy="0"/>
+        </a:xfrm>
+      </p:grpSpPr>
+      <p:sp>
+        <p:nvSpPr>
+          <p:cNvPr id="236" name="Google Shape;236;g3d6208d859_0_12:notes"/>
+          <p:cNvSpPr/>
+          <p:nvPr>
+            <p:ph idx="2" type="sldImg"/>
+          </p:nvPr>
+        </p:nvSpPr>
+        <p:spPr>
+          <a:xfrm>
+            <a:off x="381300" y="685800"/>
+            <a:ext cx="6096000" cy="3429000"/>
+          </a:xfrm>
+          <a:custGeom>
+            <a:rect b="b" l="l" r="r" t="t"/>
+            <a:pathLst>
+              <a:path extrusionOk="0" h="120000" w="120000">
+                <a:moveTo>
+                  <a:pt x="0" y="0"/>
+                </a:moveTo>
+                <a:lnTo>
+                  <a:pt x="120000" y="0"/>
+                </a:lnTo>
+                <a:lnTo>
+                  <a:pt x="120000" y="120000"/>
+                </a:lnTo>
+                <a:lnTo>
+                  <a:pt x="0" y="120000"/>
+                </a:lnTo>
+                <a:close/>
+              </a:path>
+            </a:pathLst>
+          </a:custGeom>
+        </p:spPr>
+      </p:sp>
+      <p:sp>
+        <p:nvSpPr>
+          <p:cNvPr id="237" name="Google Shape;237;g3d6208d859_0_12:notes"/>
+          <p:cNvSpPr txBox="1"/>
+          <p:nvPr>
+            <p:ph idx="1" type="body"/>
+          </p:nvPr>
+        </p:nvSpPr>
+        <p:spPr>
+          <a:xfrm>
+            <a:off x="685800" y="4343400"/>
+            <a:ext cx="5486400" cy="4114800"/>
+          </a:xfrm>
+          <a:prstGeom prst="rect">
+            <a:avLst/>
+          </a:prstGeom>
+        </p:spPr>
+        <p:txBody>
+          <a:bodyPr anchorCtr="0" anchor="t" bIns="91425" lIns="91425" spcFirstLastPara="1" rIns="91425" wrap="square" tIns="91425">
+            <a:noAutofit/>
+          </a:bodyPr>
+          <a:lstStyle/>
+          <a:p>
+            <a:pPr indent="0" lvl="0" marL="0" rtl="0" algn="l">
+              <a:spcBef>
+                <a:spcPts val="0"/>
+              </a:spcBef>
+              <a:spcAft>
+                <a:spcPts val="0"/>
+              </a:spcAft>
+              <a:buNone/>
+            </a:pPr>
+            <a:r>
+              <a:rPr lang="en"/>
+              <a:t>RLPx - это криптографический p2p протокол, который предоставляет приложениям интерфейс общего назначения для взаимодействия между собой. По RLPx могут обмениваться сообщениями множество протоколов/</a:t>
+            </a:r>
+            <a:endParaRPr/>
+          </a:p>
+        </p:txBody>
+      </p:sp>
+    </p:spTree>
+  </p:cSld>
+  <p:clrMapOvr>
+    <a:masterClrMapping/>
+  </p:clrMapOvr>
+</p:notes>
+</file>
+
+<file path=ppt/notesSlides/notesSlide29.xml><?xml version="1.0" encoding="utf-8"?>
+<p:notes xmlns:a="http://schemas.openxmlformats.org/drawingml/2006/main" xmlns:r="http://schemas.openxmlformats.org/officeDocument/2006/relationships" xmlns:mc="http://schemas.openxmlformats.org/markup-compatibility/2006" xmlns:mv="urn:schemas-microsoft-com:mac:vml" xmlns:p="http://schemas.openxmlformats.org/presentationml/2006/main" xmlns:c="http://schemas.openxmlformats.org/drawingml/2006/chart" xmlns:dgm="http://schemas.openxmlformats.org/drawingml/2006/diagram" xmlns:o="urn:schemas-microsoft-com:office:office" xmlns:v="urn:schemas-microsoft-com:vml" xmlns:pvml="urn:schemas-microsoft-com:office:powerpoint" xmlns:com="http://schemas.openxmlformats.org/drawingml/2006/compatibility" xmlns:p14="http://schemas.microsoft.com/office/powerpoint/2010/main" xmlns:p15="http://schemas.microsoft.com/office/powerpoint/2012/main" showMasterPhAnim="0" showMasterSp="0">
+  <p:cSld>
+    <p:spTree>
+      <p:nvGrpSpPr>
+        <p:cNvPr id="241" name="Shape 241"/>
+        <p:cNvGrpSpPr/>
+        <p:nvPr/>
+      </p:nvGrpSpPr>
+      <p:grpSpPr>
+        <a:xfrm>
+          <a:off x="0" y="0"/>
+          <a:ext cx="0" cy="0"/>
+          <a:chOff x="0" y="0"/>
+          <a:chExt cx="0" cy="0"/>
+        </a:xfrm>
+      </p:grpSpPr>
+      <p:sp>
+        <p:nvSpPr>
+          <p:cNvPr id="242" name="Google Shape;242;g3d6208d859_0_18:notes"/>
+          <p:cNvSpPr/>
+          <p:nvPr>
+            <p:ph idx="2" type="sldImg"/>
+          </p:nvPr>
+        </p:nvSpPr>
+        <p:spPr>
+          <a:xfrm>
+            <a:off x="381300" y="685800"/>
+            <a:ext cx="6096000" cy="3429000"/>
+          </a:xfrm>
+          <a:custGeom>
+            <a:rect b="b" l="l" r="r" t="t"/>
+            <a:pathLst>
+              <a:path extrusionOk="0" h="120000" w="120000">
+                <a:moveTo>
+                  <a:pt x="0" y="0"/>
+                </a:moveTo>
+                <a:lnTo>
+                  <a:pt x="120000" y="0"/>
+                </a:lnTo>
+                <a:lnTo>
+                  <a:pt x="120000" y="120000"/>
+                </a:lnTo>
+                <a:lnTo>
+                  <a:pt x="0" y="120000"/>
+                </a:lnTo>
+                <a:close/>
+              </a:path>
+            </a:pathLst>
+          </a:custGeom>
+        </p:spPr>
+      </p:sp>
+      <p:sp>
+        <p:nvSpPr>
+          <p:cNvPr id="243" name="Google Shape;243;g3d6208d859_0_18:notes"/>
+          <p:cNvSpPr txBox="1"/>
+          <p:nvPr>
+            <p:ph idx="1" type="body"/>
+          </p:nvPr>
+        </p:nvSpPr>
+        <p:spPr>
+          <a:xfrm>
+            <a:off x="685800" y="4343400"/>
+            <a:ext cx="5486400" cy="4114800"/>
+          </a:xfrm>
+          <a:prstGeom prst="rect">
+            <a:avLst/>
+          </a:prstGeom>
+        </p:spPr>
+        <p:txBody>
+          <a:bodyPr anchorCtr="0" anchor="t" bIns="91425" lIns="91425" spcFirstLastPara="1" rIns="91425" wrap="square" tIns="91425">
+            <a:noAutofit/>
+          </a:bodyPr>
+          <a:lstStyle/>
+          <a:p>
+            <a:pPr indent="0" lvl="0" marL="0" rtl="0" algn="l">
+              <a:spcBef>
+                <a:spcPts val="0"/>
+              </a:spcBef>
+              <a:spcAft>
+                <a:spcPts val="0"/>
+              </a:spcAft>
+              <a:buNone/>
+            </a:pPr>
+            <a:r>
+              <a:rPr lang="en"/>
+              <a:t>DevP2P - это основные сообщения, которыми обмениваются ноды в RLPx. Hello - обмени версиями протоколоа и общей информацией о нодах. Disconnect - уведомление ноды об отключении пира. Ping - запрос на Pong, Pong - ответ на Ping.</a:t>
+            </a:r>
+            <a:endParaRPr/>
+          </a:p>
+        </p:txBody>
+      </p:sp>
+    </p:spTree>
+  </p:cSld>
+  <p:clrMapOvr>
+    <a:masterClrMapping/>
+  </p:clrMapOvr>
+</p:notes>
+</file>
+
+<file path=ppt/notesSlides/notesSlide3.xml><?xml version="1.0" encoding="utf-8"?>
+<p:notes xmlns:a="http://schemas.openxmlformats.org/drawingml/2006/main" xmlns:r="http://schemas.openxmlformats.org/officeDocument/2006/relationships" xmlns:mc="http://schemas.openxmlformats.org/markup-compatibility/2006" xmlns:mv="urn:schemas-microsoft-com:mac:vml" xmlns:p="http://schemas.openxmlformats.org/presentationml/2006/main" xmlns:c="http://schemas.openxmlformats.org/drawingml/2006/chart" xmlns:dgm="http://schemas.openxmlformats.org/drawingml/2006/diagram" xmlns:o="urn:schemas-microsoft-com:office:office" xmlns:v="urn:schemas-microsoft-com:vml" xmlns:pvml="urn:schemas-microsoft-com:office:powerpoint" xmlns:com="http://schemas.openxmlformats.org/drawingml/2006/compatibility" xmlns:p14="http://schemas.microsoft.com/office/powerpoint/2010/main" xmlns:p15="http://schemas.microsoft.com/office/powerpoint/2012/main" showMasterPhAnim="0" showMasterSp="0">
+  <p:cSld>
+    <p:spTree>
+      <p:nvGrpSpPr>
+        <p:cNvPr id="69" name="Shape 69"/>
+        <p:cNvGrpSpPr/>
+        <p:nvPr/>
+      </p:nvGrpSpPr>
+      <p:grpSpPr>
+        <a:xfrm>
+          <a:off x="0" y="0"/>
+          <a:ext cx="0" cy="0"/>
+          <a:chOff x="0" y="0"/>
+          <a:chExt cx="0" cy="0"/>
+        </a:xfrm>
+      </p:grpSpPr>
+      <p:sp>
+        <p:nvSpPr>
+          <p:cNvPr id="70" name="Google Shape;70;g37ddc8c2c3_0_179:notes"/>
+          <p:cNvSpPr/>
+          <p:nvPr>
+            <p:ph idx="2" type="sldImg"/>
+          </p:nvPr>
+        </p:nvSpPr>
+        <p:spPr>
+          <a:xfrm>
+            <a:off x="381300" y="685800"/>
+            <a:ext cx="6096000" cy="3429000"/>
+          </a:xfrm>
+          <a:custGeom>
+            <a:rect b="b" l="l" r="r" t="t"/>
+            <a:pathLst>
+              <a:path extrusionOk="0" h="120000" w="120000">
+                <a:moveTo>
+                  <a:pt x="0" y="0"/>
+                </a:moveTo>
+                <a:lnTo>
+                  <a:pt x="120000" y="0"/>
+                </a:lnTo>
+                <a:lnTo>
+                  <a:pt x="120000" y="120000"/>
+                </a:lnTo>
+                <a:lnTo>
+                  <a:pt x="0" y="120000"/>
+                </a:lnTo>
+                <a:close/>
+              </a:path>
+            </a:pathLst>
+          </a:custGeom>
+        </p:spPr>
+      </p:sp>
+      <p:sp>
+        <p:nvSpPr>
+          <p:cNvPr id="71" name="Google Shape;71;g37ddc8c2c3_0_179:notes"/>
+          <p:cNvSpPr txBox="1"/>
+          <p:nvPr>
+            <p:ph idx="1" type="body"/>
+          </p:nvPr>
+        </p:nvSpPr>
+        <p:spPr>
+          <a:xfrm>
+            <a:off x="685800" y="4343400"/>
+            <a:ext cx="5486400" cy="4114800"/>
+          </a:xfrm>
+          <a:prstGeom prst="rect">
+            <a:avLst/>
+          </a:prstGeom>
+        </p:spPr>
+        <p:txBody>
+          <a:bodyPr anchorCtr="0" anchor="t" bIns="91425" lIns="91425" spcFirstLastPara="1" rIns="91425" wrap="square" tIns="91425">
+            <a:noAutofit/>
+          </a:bodyPr>
+          <a:lstStyle/>
+          <a:p>
+            <a:pPr indent="0" lvl="0" marL="0" rtl="0" algn="l">
+              <a:spcBef>
+                <a:spcPts val="0"/>
+              </a:spcBef>
+              <a:spcAft>
+                <a:spcPts val="0"/>
+              </a:spcAft>
+              <a:buNone/>
+            </a:pPr>
+            <a:r>
+              <a:rPr lang="en"/>
+              <a:t>Здесь представлены ссылки, которые вы можете посетить. Кроме маны у меня есть еще пару небольших опен соурс проектов на Эликсире, Расте и Котлине</a:t>
+            </a:r>
+            <a:endParaRPr/>
+          </a:p>
+          <a:p>
+            <a:pPr indent="0" lvl="0" marL="0" rtl="0" algn="l">
+              <a:spcBef>
+                <a:spcPts val="0"/>
+              </a:spcBef>
+              <a:spcAft>
+                <a:spcPts val="0"/>
+              </a:spcAft>
+              <a:buNone/>
+            </a:pPr>
+            <a:r>
+              <a:rPr lang="en"/>
+              <a:t>Также я стараюсь вести блог. Пишу об интересных для меня вещах, которыми я занимаюсь. Cегодня во время доклада я буду оставлять ссылки на посты в моем блоге, где тема раскрыта более подробно.</a:t>
+            </a:r>
+            <a:endParaRPr/>
+          </a:p>
+          <a:p>
+            <a:pPr indent="0" lvl="0" marL="0" rtl="0" algn="l">
+              <a:spcBef>
+                <a:spcPts val="0"/>
+              </a:spcBef>
+              <a:spcAft>
+                <a:spcPts val="0"/>
+              </a:spcAft>
+              <a:buNone/>
+            </a:pPr>
+            <a:r>
+              <a:rPr lang="en"/>
+              <a:t>Если у вас будут вопросы после доклада, можете задать мне их в телеграмм или на почту</a:t>
+            </a:r>
+            <a:endParaRPr/>
+          </a:p>
+        </p:txBody>
+      </p:sp>
+    </p:spTree>
+  </p:cSld>
+  <p:clrMapOvr>
+    <a:masterClrMapping/>
+  </p:clrMapOvr>
+</p:notes>
+</file>
+
+<file path=ppt/notesSlides/notesSlide30.xml><?xml version="1.0" encoding="utf-8"?>
+<p:notes xmlns:a="http://schemas.openxmlformats.org/drawingml/2006/main" xmlns:r="http://schemas.openxmlformats.org/officeDocument/2006/relationships" xmlns:mc="http://schemas.openxmlformats.org/markup-compatibility/2006" xmlns:mv="urn:schemas-microsoft-com:mac:vml" xmlns:p="http://schemas.openxmlformats.org/presentationml/2006/main" xmlns:c="http://schemas.openxmlformats.org/drawingml/2006/chart" xmlns:dgm="http://schemas.openxmlformats.org/drawingml/2006/diagram" xmlns:o="urn:schemas-microsoft-com:office:office" xmlns:v="urn:schemas-microsoft-com:vml" xmlns:pvml="urn:schemas-microsoft-com:office:powerpoint" xmlns:com="http://schemas.openxmlformats.org/drawingml/2006/compatibility" xmlns:p14="http://schemas.microsoft.com/office/powerpoint/2010/main" xmlns:p15="http://schemas.microsoft.com/office/powerpoint/2012/main" showMasterPhAnim="0" showMasterSp="0">
+  <p:cSld>
+    <p:spTree>
+      <p:nvGrpSpPr>
+        <p:cNvPr id="247" name="Shape 247"/>
+        <p:cNvGrpSpPr/>
+        <p:nvPr/>
+      </p:nvGrpSpPr>
+      <p:grpSpPr>
+        <a:xfrm>
+          <a:off x="0" y="0"/>
+          <a:ext cx="0" cy="0"/>
+          <a:chOff x="0" y="0"/>
+          <a:chExt cx="0" cy="0"/>
+        </a:xfrm>
+      </p:grpSpPr>
+      <p:sp>
+        <p:nvSpPr>
+          <p:cNvPr id="248" name="Google Shape;248;g3d6208d859_0_24:notes"/>
+          <p:cNvSpPr/>
+          <p:nvPr>
+            <p:ph idx="2" type="sldImg"/>
+          </p:nvPr>
+        </p:nvSpPr>
+        <p:spPr>
+          <a:xfrm>
+            <a:off x="381300" y="685800"/>
+            <a:ext cx="6096000" cy="3429000"/>
+          </a:xfrm>
+          <a:custGeom>
+            <a:rect b="b" l="l" r="r" t="t"/>
+            <a:pathLst>
+              <a:path extrusionOk="0" h="120000" w="120000">
+                <a:moveTo>
+                  <a:pt x="0" y="0"/>
+                </a:moveTo>
+                <a:lnTo>
+                  <a:pt x="120000" y="0"/>
+                </a:lnTo>
+                <a:lnTo>
+                  <a:pt x="120000" y="120000"/>
+                </a:lnTo>
+                <a:lnTo>
+                  <a:pt x="0" y="120000"/>
+                </a:lnTo>
+                <a:close/>
+              </a:path>
+            </a:pathLst>
+          </a:custGeom>
+        </p:spPr>
+      </p:sp>
+      <p:sp>
+        <p:nvSpPr>
+          <p:cNvPr id="249" name="Google Shape;249;g3d6208d859_0_24:notes"/>
+          <p:cNvSpPr txBox="1"/>
+          <p:nvPr>
+            <p:ph idx="1" type="body"/>
+          </p:nvPr>
+        </p:nvSpPr>
+        <p:spPr>
+          <a:xfrm>
+            <a:off x="685800" y="4343400"/>
+            <a:ext cx="5486400" cy="4114800"/>
+          </a:xfrm>
+          <a:prstGeom prst="rect">
+            <a:avLst/>
+          </a:prstGeom>
+        </p:spPr>
+        <p:txBody>
+          <a:bodyPr anchorCtr="0" anchor="t" bIns="91425" lIns="91425" spcFirstLastPara="1" rIns="91425" wrap="square" tIns="91425">
+            <a:noAutofit/>
+          </a:bodyPr>
+          <a:lstStyle/>
+          <a:p>
+            <a:pPr indent="0" lvl="0" marL="0" rtl="0" algn="l">
+              <a:spcBef>
+                <a:spcPts val="0"/>
+              </a:spcBef>
+              <a:spcAft>
+                <a:spcPts val="0"/>
+              </a:spcAft>
+              <a:buNone/>
+            </a:pPr>
+            <a:r>
+              <a:rPr lang="en"/>
+              <a:t>Eth - основной протокол. По нему осуществляется синхронизация сети и обмен информацией о блоках, транзакциях и так далее. Whisper - приватный обмен соббщениями между нодами, swarm - p2p обмен файлами.</a:t>
+            </a:r>
+            <a:endParaRPr/>
+          </a:p>
+        </p:txBody>
+      </p:sp>
+    </p:spTree>
+  </p:cSld>
+  <p:clrMapOvr>
+    <a:masterClrMapping/>
+  </p:clrMapOvr>
+</p:notes>
+</file>
+
+<file path=ppt/notesSlides/notesSlide31.xml><?xml version="1.0" encoding="utf-8"?>
+<p:notes xmlns:a="http://schemas.openxmlformats.org/drawingml/2006/main" xmlns:r="http://schemas.openxmlformats.org/officeDocument/2006/relationships" xmlns:mc="http://schemas.openxmlformats.org/markup-compatibility/2006" xmlns:mv="urn:schemas-microsoft-com:mac:vml" xmlns:p="http://schemas.openxmlformats.org/presentationml/2006/main" xmlns:c="http://schemas.openxmlformats.org/drawingml/2006/chart" xmlns:dgm="http://schemas.openxmlformats.org/drawingml/2006/diagram" xmlns:o="urn:schemas-microsoft-com:office:office" xmlns:v="urn:schemas-microsoft-com:vml" xmlns:pvml="urn:schemas-microsoft-com:office:powerpoint" xmlns:com="http://schemas.openxmlformats.org/drawingml/2006/compatibility" xmlns:p14="http://schemas.microsoft.com/office/powerpoint/2010/main" xmlns:p15="http://schemas.microsoft.com/office/powerpoint/2012/main" showMasterPhAnim="0" showMasterSp="0">
+  <p:cSld>
+    <p:spTree>
+      <p:nvGrpSpPr>
+        <p:cNvPr id="253" name="Shape 253"/>
+        <p:cNvGrpSpPr/>
+        <p:nvPr/>
+      </p:nvGrpSpPr>
+      <p:grpSpPr>
+        <a:xfrm>
+          <a:off x="0" y="0"/>
+          <a:ext cx="0" cy="0"/>
+          <a:chOff x="0" y="0"/>
+          <a:chExt cx="0" cy="0"/>
+        </a:xfrm>
+      </p:grpSpPr>
+      <p:sp>
+        <p:nvSpPr>
+          <p:cNvPr id="254" name="Google Shape;254;g3b522d7651_0_87:notes"/>
+          <p:cNvSpPr/>
+          <p:nvPr>
+            <p:ph idx="2" type="sldImg"/>
+          </p:nvPr>
+        </p:nvSpPr>
+        <p:spPr>
+          <a:xfrm>
+            <a:off x="381300" y="685800"/>
+            <a:ext cx="6096000" cy="3429000"/>
+          </a:xfrm>
+          <a:custGeom>
+            <a:rect b="b" l="l" r="r" t="t"/>
+            <a:pathLst>
+              <a:path extrusionOk="0" h="120000" w="120000">
+                <a:moveTo>
+                  <a:pt x="0" y="0"/>
+                </a:moveTo>
+                <a:lnTo>
+                  <a:pt x="120000" y="0"/>
+                </a:lnTo>
+                <a:lnTo>
+                  <a:pt x="120000" y="120000"/>
+                </a:lnTo>
+                <a:lnTo>
+                  <a:pt x="0" y="120000"/>
+                </a:lnTo>
+                <a:close/>
+              </a:path>
+            </a:pathLst>
+          </a:custGeom>
+        </p:spPr>
+      </p:sp>
+      <p:sp>
+        <p:nvSpPr>
+          <p:cNvPr id="255" name="Google Shape;255;g3b522d7651_0_87:notes"/>
+          <p:cNvSpPr txBox="1"/>
+          <p:nvPr>
+            <p:ph idx="1" type="body"/>
+          </p:nvPr>
+        </p:nvSpPr>
+        <p:spPr>
+          <a:xfrm>
+            <a:off x="685800" y="4343400"/>
+            <a:ext cx="5486400" cy="4114800"/>
+          </a:xfrm>
+          <a:prstGeom prst="rect">
+            <a:avLst/>
+          </a:prstGeom>
+        </p:spPr>
+        <p:txBody>
+          <a:bodyPr anchorCtr="0" anchor="t" bIns="91425" lIns="91425" spcFirstLastPara="1" rIns="91425" wrap="square" tIns="91425">
+            <a:noAutofit/>
+          </a:bodyPr>
+          <a:lstStyle/>
+          <a:p>
+            <a:pPr indent="0" lvl="0" marL="0" rtl="0" algn="l">
+              <a:spcBef>
+                <a:spcPts val="0"/>
+              </a:spcBef>
+              <a:spcAft>
+                <a:spcPts val="0"/>
+              </a:spcAft>
+              <a:buNone/>
+            </a:pPr>
+            <a:r>
               <a:t/>
+            </a:r>
+            <a:endParaRPr/>
+          </a:p>
+        </p:txBody>
+      </p:sp>
+    </p:spTree>
+  </p:cSld>
+  <p:clrMapOvr>
+    <a:masterClrMapping/>
+  </p:clrMapOvr>
+</p:notes>
+</file>
+
+<file path=ppt/notesSlides/notesSlide32.xml><?xml version="1.0" encoding="utf-8"?>
+<p:notes xmlns:a="http://schemas.openxmlformats.org/drawingml/2006/main" xmlns:r="http://schemas.openxmlformats.org/officeDocument/2006/relationships" xmlns:mc="http://schemas.openxmlformats.org/markup-compatibility/2006" xmlns:mv="urn:schemas-microsoft-com:mac:vml" xmlns:p="http://schemas.openxmlformats.org/presentationml/2006/main" xmlns:c="http://schemas.openxmlformats.org/drawingml/2006/chart" xmlns:dgm="http://schemas.openxmlformats.org/drawingml/2006/diagram" xmlns:o="urn:schemas-microsoft-com:office:office" xmlns:v="urn:schemas-microsoft-com:vml" xmlns:pvml="urn:schemas-microsoft-com:office:powerpoint" xmlns:com="http://schemas.openxmlformats.org/drawingml/2006/compatibility" xmlns:p14="http://schemas.microsoft.com/office/powerpoint/2010/main" xmlns:p15="http://schemas.microsoft.com/office/powerpoint/2012/main" showMasterPhAnim="0" showMasterSp="0">
+  <p:cSld>
+    <p:spTree>
+      <p:nvGrpSpPr>
+        <p:cNvPr id="259" name="Shape 259"/>
+        <p:cNvGrpSpPr/>
+        <p:nvPr/>
+      </p:nvGrpSpPr>
+      <p:grpSpPr>
+        <a:xfrm>
+          <a:off x="0" y="0"/>
+          <a:ext cx="0" cy="0"/>
+          <a:chOff x="0" y="0"/>
+          <a:chExt cx="0" cy="0"/>
+        </a:xfrm>
+      </p:grpSpPr>
+      <p:sp>
+        <p:nvSpPr>
+          <p:cNvPr id="260" name="Google Shape;260;g3d6208d859_0_2:notes"/>
+          <p:cNvSpPr/>
+          <p:nvPr>
+            <p:ph idx="2" type="sldImg"/>
+          </p:nvPr>
+        </p:nvSpPr>
+        <p:spPr>
+          <a:xfrm>
+            <a:off x="381300" y="685800"/>
+            <a:ext cx="6096000" cy="3429000"/>
+          </a:xfrm>
+          <a:custGeom>
+            <a:rect b="b" l="l" r="r" t="t"/>
+            <a:pathLst>
+              <a:path extrusionOk="0" h="120000" w="120000">
+                <a:moveTo>
+                  <a:pt x="0" y="0"/>
+                </a:moveTo>
+                <a:lnTo>
+                  <a:pt x="120000" y="0"/>
+                </a:lnTo>
+                <a:lnTo>
+                  <a:pt x="120000" y="120000"/>
+                </a:lnTo>
+                <a:lnTo>
+                  <a:pt x="0" y="120000"/>
+                </a:lnTo>
+                <a:close/>
+              </a:path>
+            </a:pathLst>
+          </a:custGeom>
+        </p:spPr>
+      </p:sp>
+      <p:sp>
+        <p:nvSpPr>
+          <p:cNvPr id="261" name="Google Shape;261;g3d6208d859_0_2:notes"/>
+          <p:cNvSpPr txBox="1"/>
+          <p:nvPr>
+            <p:ph idx="1" type="body"/>
+          </p:nvPr>
+        </p:nvSpPr>
+        <p:spPr>
+          <a:xfrm>
+            <a:off x="685800" y="4343400"/>
+            <a:ext cx="5486400" cy="4114800"/>
+          </a:xfrm>
+          <a:prstGeom prst="rect">
+            <a:avLst/>
+          </a:prstGeom>
+        </p:spPr>
+        <p:txBody>
+          <a:bodyPr anchorCtr="0" anchor="t" bIns="91425" lIns="91425" spcFirstLastPara="1" rIns="91425" wrap="square" tIns="91425">
+            <a:noAutofit/>
+          </a:bodyPr>
+          <a:lstStyle/>
+          <a:p>
+            <a:pPr indent="0" lvl="0" marL="0" rtl="0" algn="l">
+              <a:spcBef>
+                <a:spcPts val="0"/>
+              </a:spcBef>
+              <a:spcAft>
+                <a:spcPts val="0"/>
+              </a:spcAft>
+              <a:buNone/>
+            </a:pPr>
+            <a:r>
+              <a:rPr lang="en"/>
+              <a:t>Спасибо за внимание. Можете перейти на гитхаб репозитория, познакомится с кодом. Много issues’оа открыто, можете законтрибьютить.  Если у вас есть вопросы по проекту или по докладу, можете подойти ко мне после митапа и задать мне их.</a:t>
+            </a:r>
+            <a:endParaRPr/>
+          </a:p>
+        </p:txBody>
+      </p:sp>
+    </p:spTree>
+  </p:cSld>
+  <p:clrMapOvr>
+    <a:masterClrMapping/>
+  </p:clrMapOvr>
+</p:notes>
+</file>
+
+<file path=ppt/notesSlides/notesSlide4.xml><?xml version="1.0" encoding="utf-8"?>
+<p:notes xmlns:a="http://schemas.openxmlformats.org/drawingml/2006/main" xmlns:r="http://schemas.openxmlformats.org/officeDocument/2006/relationships" xmlns:mc="http://schemas.openxmlformats.org/markup-compatibility/2006" xmlns:mv="urn:schemas-microsoft-com:mac:vml" xmlns:p="http://schemas.openxmlformats.org/presentationml/2006/main" xmlns:c="http://schemas.openxmlformats.org/drawingml/2006/chart" xmlns:dgm="http://schemas.openxmlformats.org/drawingml/2006/diagram" xmlns:o="urn:schemas-microsoft-com:office:office" xmlns:v="urn:schemas-microsoft-com:vml" xmlns:pvml="urn:schemas-microsoft-com:office:powerpoint" xmlns:com="http://schemas.openxmlformats.org/drawingml/2006/compatibility" xmlns:p14="http://schemas.microsoft.com/office/powerpoint/2010/main" xmlns:p15="http://schemas.microsoft.com/office/powerpoint/2012/main" showMasterPhAnim="0" showMasterSp="0">
+  <p:cSld>
+    <p:spTree>
+      <p:nvGrpSpPr>
+        <p:cNvPr id="75" name="Shape 75"/>
+        <p:cNvGrpSpPr/>
+        <p:nvPr/>
+      </p:nvGrpSpPr>
+      <p:grpSpPr>
+        <a:xfrm>
+          <a:off x="0" y="0"/>
+          <a:ext cx="0" cy="0"/>
+          <a:chOff x="0" y="0"/>
+          <a:chExt cx="0" cy="0"/>
+        </a:xfrm>
+      </p:grpSpPr>
+      <p:sp>
+        <p:nvSpPr>
+          <p:cNvPr id="76" name="Google Shape;76;g37ddc8c2c3_0_196:notes"/>
+          <p:cNvSpPr/>
+          <p:nvPr>
+            <p:ph idx="2" type="sldImg"/>
+          </p:nvPr>
+        </p:nvSpPr>
+        <p:spPr>
+          <a:xfrm>
+            <a:off x="381300" y="685800"/>
+            <a:ext cx="6096000" cy="3429000"/>
+          </a:xfrm>
+          <a:custGeom>
+            <a:rect b="b" l="l" r="r" t="t"/>
+            <a:pathLst>
+              <a:path extrusionOk="0" h="120000" w="120000">
+                <a:moveTo>
+                  <a:pt x="0" y="0"/>
+                </a:moveTo>
+                <a:lnTo>
+                  <a:pt x="120000" y="0"/>
+                </a:lnTo>
+                <a:lnTo>
+                  <a:pt x="120000" y="120000"/>
+                </a:lnTo>
+                <a:lnTo>
+                  <a:pt x="0" y="120000"/>
+                </a:lnTo>
+                <a:close/>
+              </a:path>
+            </a:pathLst>
+          </a:custGeom>
+        </p:spPr>
+      </p:sp>
+      <p:sp>
+        <p:nvSpPr>
+          <p:cNvPr id="77" name="Google Shape;77;g37ddc8c2c3_0_196:notes"/>
+          <p:cNvSpPr txBox="1"/>
+          <p:nvPr>
+            <p:ph idx="1" type="body"/>
+          </p:nvPr>
+        </p:nvSpPr>
+        <p:spPr>
+          <a:xfrm>
+            <a:off x="685800" y="4343400"/>
+            <a:ext cx="5486400" cy="4114800"/>
+          </a:xfrm>
+          <a:prstGeom prst="rect">
+            <a:avLst/>
+          </a:prstGeom>
+        </p:spPr>
+        <p:txBody>
+          <a:bodyPr anchorCtr="0" anchor="t" bIns="91425" lIns="91425" spcFirstLastPara="1" rIns="91425" wrap="square" tIns="91425">
+            <a:noAutofit/>
+          </a:bodyPr>
+          <a:lstStyle/>
+          <a:p>
+            <a:pPr indent="0" lvl="0" marL="0" rtl="0" algn="l">
+              <a:spcBef>
+                <a:spcPts val="0"/>
+              </a:spcBef>
+              <a:spcAft>
+                <a:spcPts val="0"/>
+              </a:spcAft>
+              <a:buNone/>
+            </a:pPr>
+            <a:r>
+              <a:rPr lang="en"/>
+              <a:t>Что же такое Эфириум? Вы можете сказать, что эта еще одна криптовалюта, но у Этериума есть одна особенность, которая и отличает ее от других криптовалют - у него есть Тьюринг полная виртуальная машина, на самом деле квази Тьюринг полная, но не будем вдаваться в подробности.</a:t>
+            </a:r>
+            <a:endParaRPr/>
+          </a:p>
+          <a:p>
+            <a:pPr indent="0" lvl="0" marL="0" rtl="0" algn="l">
+              <a:spcBef>
+                <a:spcPts val="0"/>
+              </a:spcBef>
+              <a:spcAft>
+                <a:spcPts val="0"/>
+              </a:spcAft>
+              <a:buNone/>
+            </a:pPr>
+            <a:r>
+              <a:rPr lang="en"/>
+              <a:t>Поэтому Этериум можно рассматривать как распределенный компьютер, который выполняет небольшие программы - смарт контракты. </a:t>
+            </a:r>
+            <a:endParaRPr/>
+          </a:p>
+        </p:txBody>
+      </p:sp>
+    </p:spTree>
+  </p:cSld>
+  <p:clrMapOvr>
+    <a:masterClrMapping/>
+  </p:clrMapOvr>
+</p:notes>
+</file>
+
+<file path=ppt/notesSlides/notesSlide5.xml><?xml version="1.0" encoding="utf-8"?>
+<p:notes xmlns:a="http://schemas.openxmlformats.org/drawingml/2006/main" xmlns:r="http://schemas.openxmlformats.org/officeDocument/2006/relationships" xmlns:mc="http://schemas.openxmlformats.org/markup-compatibility/2006" xmlns:mv="urn:schemas-microsoft-com:mac:vml" xmlns:p="http://schemas.openxmlformats.org/presentationml/2006/main" xmlns:c="http://schemas.openxmlformats.org/drawingml/2006/chart" xmlns:dgm="http://schemas.openxmlformats.org/drawingml/2006/diagram" xmlns:o="urn:schemas-microsoft-com:office:office" xmlns:v="urn:schemas-microsoft-com:vml" xmlns:pvml="urn:schemas-microsoft-com:office:powerpoint" xmlns:com="http://schemas.openxmlformats.org/drawingml/2006/compatibility" xmlns:p14="http://schemas.microsoft.com/office/powerpoint/2010/main" xmlns:p15="http://schemas.microsoft.com/office/powerpoint/2012/main" showMasterPhAnim="0" showMasterSp="0">
+  <p:cSld>
+    <p:spTree>
+      <p:nvGrpSpPr>
+        <p:cNvPr id="82" name="Shape 82"/>
+        <p:cNvGrpSpPr/>
+        <p:nvPr/>
+      </p:nvGrpSpPr>
+      <p:grpSpPr>
+        <a:xfrm>
+          <a:off x="0" y="0"/>
+          <a:ext cx="0" cy="0"/>
+          <a:chOff x="0" y="0"/>
+          <a:chExt cx="0" cy="0"/>
+        </a:xfrm>
+      </p:grpSpPr>
+      <p:sp>
+        <p:nvSpPr>
+          <p:cNvPr id="83" name="Google Shape;83;g37ddc8c2c3_0_204:notes"/>
+          <p:cNvSpPr/>
+          <p:nvPr>
+            <p:ph idx="2" type="sldImg"/>
+          </p:nvPr>
+        </p:nvSpPr>
+        <p:spPr>
+          <a:xfrm>
+            <a:off x="381300" y="685800"/>
+            <a:ext cx="6096000" cy="3429000"/>
+          </a:xfrm>
+          <a:custGeom>
+            <a:rect b="b" l="l" r="r" t="t"/>
+            <a:pathLst>
+              <a:path extrusionOk="0" h="120000" w="120000">
+                <a:moveTo>
+                  <a:pt x="0" y="0"/>
+                </a:moveTo>
+                <a:lnTo>
+                  <a:pt x="120000" y="0"/>
+                </a:lnTo>
+                <a:lnTo>
+                  <a:pt x="120000" y="120000"/>
+                </a:lnTo>
+                <a:lnTo>
+                  <a:pt x="0" y="120000"/>
+                </a:lnTo>
+                <a:close/>
+              </a:path>
+            </a:pathLst>
+          </a:custGeom>
+        </p:spPr>
+      </p:sp>
+      <p:sp>
+        <p:nvSpPr>
+          <p:cNvPr id="84" name="Google Shape;84;g37ddc8c2c3_0_204:notes"/>
+          <p:cNvSpPr txBox="1"/>
+          <p:nvPr>
+            <p:ph idx="1" type="body"/>
+          </p:nvPr>
+        </p:nvSpPr>
+        <p:spPr>
+          <a:xfrm>
+            <a:off x="685800" y="4343400"/>
+            <a:ext cx="5486400" cy="4114800"/>
+          </a:xfrm>
+          <a:prstGeom prst="rect">
+            <a:avLst/>
+          </a:prstGeom>
+        </p:spPr>
+        <p:txBody>
+          <a:bodyPr anchorCtr="0" anchor="t" bIns="91425" lIns="91425" spcFirstLastPara="1" rIns="91425" wrap="square" tIns="91425">
+            <a:noAutofit/>
+          </a:bodyPr>
+          <a:lstStyle/>
+          <a:p>
+            <a:pPr indent="0" lvl="0" marL="0" rtl="0" algn="l">
+              <a:spcBef>
+                <a:spcPts val="0"/>
+              </a:spcBef>
+              <a:spcAft>
+                <a:spcPts val="0"/>
+              </a:spcAft>
+              <a:buNone/>
+            </a:pPr>
+            <a:r>
+              <a:rPr lang="en"/>
+              <a:t>Существует несколько клиентов Эфириума. Самые популярных из которых - это Парити на Расте, Geth на go и pyetherum на питоне. Почему их несколько? Для того, чтобы валидировать, что протокол работает верно и он </a:t>
+            </a:r>
+            <a:r>
+              <a:rPr lang="en"/>
+              <a:t>непротиворечивый</a:t>
+            </a:r>
+            <a:r>
+              <a:rPr lang="en"/>
+              <a:t>. Мы пишем еще один клиент на Эликсире. Но возникает вопрос.</a:t>
+            </a:r>
+            <a:endParaRPr/>
+          </a:p>
+        </p:txBody>
+      </p:sp>
+    </p:spTree>
+  </p:cSld>
+  <p:clrMapOvr>
+    <a:masterClrMapping/>
+  </p:clrMapOvr>
+</p:notes>
+</file>
+
+<file path=ppt/notesSlides/notesSlide6.xml><?xml version="1.0" encoding="utf-8"?>
+<p:notes xmlns:a="http://schemas.openxmlformats.org/drawingml/2006/main" xmlns:r="http://schemas.openxmlformats.org/officeDocument/2006/relationships" xmlns:mc="http://schemas.openxmlformats.org/markup-compatibility/2006" xmlns:mv="urn:schemas-microsoft-com:mac:vml" xmlns:p="http://schemas.openxmlformats.org/presentationml/2006/main" xmlns:c="http://schemas.openxmlformats.org/drawingml/2006/chart" xmlns:dgm="http://schemas.openxmlformats.org/drawingml/2006/diagram" xmlns:o="urn:schemas-microsoft-com:office:office" xmlns:v="urn:schemas-microsoft-com:vml" xmlns:pvml="urn:schemas-microsoft-com:office:powerpoint" xmlns:com="http://schemas.openxmlformats.org/drawingml/2006/compatibility" xmlns:p14="http://schemas.microsoft.com/office/powerpoint/2010/main" xmlns:p15="http://schemas.microsoft.com/office/powerpoint/2012/main" showMasterPhAnim="0" showMasterSp="0">
+  <p:cSld>
+    <p:spTree>
+      <p:nvGrpSpPr>
+        <p:cNvPr id="88" name="Shape 88"/>
+        <p:cNvGrpSpPr/>
+        <p:nvPr/>
+      </p:nvGrpSpPr>
+      <p:grpSpPr>
+        <a:xfrm>
+          <a:off x="0" y="0"/>
+          <a:ext cx="0" cy="0"/>
+          <a:chOff x="0" y="0"/>
+          <a:chExt cx="0" cy="0"/>
+        </a:xfrm>
+      </p:grpSpPr>
+      <p:sp>
+        <p:nvSpPr>
+          <p:cNvPr id="89" name="Google Shape;89;g37ddc8c2c3_0_219:notes"/>
+          <p:cNvSpPr/>
+          <p:nvPr>
+            <p:ph idx="2" type="sldImg"/>
+          </p:nvPr>
+        </p:nvSpPr>
+        <p:spPr>
+          <a:xfrm>
+            <a:off x="381300" y="685800"/>
+            <a:ext cx="6096000" cy="3429000"/>
+          </a:xfrm>
+          <a:custGeom>
+            <a:rect b="b" l="l" r="r" t="t"/>
+            <a:pathLst>
+              <a:path extrusionOk="0" h="120000" w="120000">
+                <a:moveTo>
+                  <a:pt x="0" y="0"/>
+                </a:moveTo>
+                <a:lnTo>
+                  <a:pt x="120000" y="0"/>
+                </a:lnTo>
+                <a:lnTo>
+                  <a:pt x="120000" y="120000"/>
+                </a:lnTo>
+                <a:lnTo>
+                  <a:pt x="0" y="120000"/>
+                </a:lnTo>
+                <a:close/>
+              </a:path>
+            </a:pathLst>
+          </a:custGeom>
+        </p:spPr>
+      </p:sp>
+      <p:sp>
+        <p:nvSpPr>
+          <p:cNvPr id="90" name="Google Shape;90;g37ddc8c2c3_0_219:notes"/>
+          <p:cNvSpPr txBox="1"/>
+          <p:nvPr>
+            <p:ph idx="1" type="body"/>
+          </p:nvPr>
+        </p:nvSpPr>
+        <p:spPr>
+          <a:xfrm>
+            <a:off x="685800" y="4343400"/>
+            <a:ext cx="5486400" cy="4114800"/>
+          </a:xfrm>
+          <a:prstGeom prst="rect">
+            <a:avLst/>
+          </a:prstGeom>
+        </p:spPr>
+        <p:txBody>
+          <a:bodyPr anchorCtr="0" anchor="t" bIns="91425" lIns="91425" spcFirstLastPara="1" rIns="91425" wrap="square" tIns="91425">
+            <a:noAutofit/>
+          </a:bodyPr>
+          <a:lstStyle/>
+          <a:p>
+            <a:pPr indent="0" lvl="0" marL="0" rtl="0" algn="l">
+              <a:spcBef>
+                <a:spcPts val="0"/>
+              </a:spcBef>
+              <a:spcAft>
+                <a:spcPts val="0"/>
+              </a:spcAft>
+              <a:buNone/>
+            </a:pPr>
+            <a:r>
+              <a:rPr lang="en"/>
+              <a:t>Подходит ли Эликсир для написания блокчейнов и для Эфириума, в частности? Известно, что эликсир имеет не самую лучшую вычислительную производительность. Чтобы ответить на этот вопрос нам нужно понять, где именно нужна эта производительность. Это приводит нас к следующему слайду.</a:t>
+            </a:r>
+            <a:endParaRPr/>
+          </a:p>
+        </p:txBody>
+      </p:sp>
+    </p:spTree>
+  </p:cSld>
+  <p:clrMapOvr>
+    <a:masterClrMapping/>
+  </p:clrMapOvr>
+</p:notes>
+</file>
+
+<file path=ppt/notesSlides/notesSlide7.xml><?xml version="1.0" encoding="utf-8"?>
+<p:notes xmlns:a="http://schemas.openxmlformats.org/drawingml/2006/main" xmlns:r="http://schemas.openxmlformats.org/officeDocument/2006/relationships" xmlns:mc="http://schemas.openxmlformats.org/markup-compatibility/2006" xmlns:mv="urn:schemas-microsoft-com:mac:vml" xmlns:p="http://schemas.openxmlformats.org/presentationml/2006/main" xmlns:c="http://schemas.openxmlformats.org/drawingml/2006/chart" xmlns:dgm="http://schemas.openxmlformats.org/drawingml/2006/diagram" xmlns:o="urn:schemas-microsoft-com:office:office" xmlns:v="urn:schemas-microsoft-com:vml" xmlns:pvml="urn:schemas-microsoft-com:office:powerpoint" xmlns:com="http://schemas.openxmlformats.org/drawingml/2006/compatibility" xmlns:p14="http://schemas.microsoft.com/office/powerpoint/2010/main" xmlns:p15="http://schemas.microsoft.com/office/powerpoint/2012/main" showMasterPhAnim="0" showMasterSp="0">
+  <p:cSld>
+    <p:spTree>
+      <p:nvGrpSpPr>
+        <p:cNvPr id="99" name="Shape 99"/>
+        <p:cNvGrpSpPr/>
+        <p:nvPr/>
+      </p:nvGrpSpPr>
+      <p:grpSpPr>
+        <a:xfrm>
+          <a:off x="0" y="0"/>
+          <a:ext cx="0" cy="0"/>
+          <a:chOff x="0" y="0"/>
+          <a:chExt cx="0" cy="0"/>
+        </a:xfrm>
+      </p:grpSpPr>
+      <p:sp>
+        <p:nvSpPr>
+          <p:cNvPr id="100" name="Google Shape;100;g37ddc8c2c3_0_214:notes"/>
+          <p:cNvSpPr/>
+          <p:nvPr>
+            <p:ph idx="2" type="sldImg"/>
+          </p:nvPr>
+        </p:nvSpPr>
+        <p:spPr>
+          <a:xfrm>
+            <a:off x="381300" y="685800"/>
+            <a:ext cx="6096000" cy="3429000"/>
+          </a:xfrm>
+          <a:custGeom>
+            <a:rect b="b" l="l" r="r" t="t"/>
+            <a:pathLst>
+              <a:path extrusionOk="0" h="120000" w="120000">
+                <a:moveTo>
+                  <a:pt x="0" y="0"/>
+                </a:moveTo>
+                <a:lnTo>
+                  <a:pt x="120000" y="0"/>
+                </a:lnTo>
+                <a:lnTo>
+                  <a:pt x="120000" y="120000"/>
+                </a:lnTo>
+                <a:lnTo>
+                  <a:pt x="0" y="120000"/>
+                </a:lnTo>
+                <a:close/>
+              </a:path>
+            </a:pathLst>
+          </a:custGeom>
+        </p:spPr>
+      </p:sp>
+      <p:sp>
+        <p:nvSpPr>
+          <p:cNvPr id="101" name="Google Shape;101;g37ddc8c2c3_0_214:notes"/>
+          <p:cNvSpPr txBox="1"/>
+          <p:nvPr>
+            <p:ph idx="1" type="body"/>
+          </p:nvPr>
+        </p:nvSpPr>
+        <p:spPr>
+          <a:xfrm>
+            <a:off x="685800" y="4343400"/>
+            <a:ext cx="5486400" cy="4114800"/>
+          </a:xfrm>
+          <a:prstGeom prst="rect">
+            <a:avLst/>
+          </a:prstGeom>
+        </p:spPr>
+        <p:txBody>
+          <a:bodyPr anchorCtr="0" anchor="t" bIns="91425" lIns="91425" spcFirstLastPara="1" rIns="91425" wrap="square" tIns="91425">
+            <a:noAutofit/>
+          </a:bodyPr>
+          <a:lstStyle/>
+          <a:p>
+            <a:pPr indent="0" lvl="0" marL="0" rtl="0" algn="l">
+              <a:spcBef>
+                <a:spcPts val="0"/>
+              </a:spcBef>
+              <a:spcAft>
+                <a:spcPts val="0"/>
+              </a:spcAft>
+              <a:buNone/>
+            </a:pPr>
+            <a:r>
+              <a:rPr lang="en"/>
+              <a:t>Блокчейны сортируют и валидируют транзакции в общем реестре и в конечном итоге предоставляют возможно понять истину с течением времени. Без центрального </a:t>
+            </a:r>
+            <a:r>
+              <a:rPr lang="en"/>
+              <a:t>посредника</a:t>
+            </a:r>
+            <a:r>
+              <a:rPr lang="en"/>
+              <a:t>, участники сети, которые и </a:t>
+            </a:r>
+            <a:r>
+              <a:rPr lang="en"/>
+              <a:t>составляют</a:t>
+            </a:r>
+            <a:r>
+              <a:rPr lang="en"/>
+              <a:t> систему должны найти способ проверить валидность того, что добавляется в реестр, используя набор предопределенных правил. Этот набор правил и называется алгоритмом консенсуса. Самые популярные из них это Proof of Work, Proof of Stake и Proof of Authority.</a:t>
+            </a:r>
+            <a:endParaRPr/>
+          </a:p>
+        </p:txBody>
+      </p:sp>
+    </p:spTree>
+  </p:cSld>
+  <p:clrMapOvr>
+    <a:masterClrMapping/>
+  </p:clrMapOvr>
+</p:notes>
+</file>
+
+<file path=ppt/notesSlides/notesSlide8.xml><?xml version="1.0" encoding="utf-8"?>
+<p:notes xmlns:a="http://schemas.openxmlformats.org/drawingml/2006/main" xmlns:r="http://schemas.openxmlformats.org/officeDocument/2006/relationships" xmlns:mc="http://schemas.openxmlformats.org/markup-compatibility/2006" xmlns:mv="urn:schemas-microsoft-com:mac:vml" xmlns:p="http://schemas.openxmlformats.org/presentationml/2006/main" xmlns:c="http://schemas.openxmlformats.org/drawingml/2006/chart" xmlns:dgm="http://schemas.openxmlformats.org/drawingml/2006/diagram" xmlns:o="urn:schemas-microsoft-com:office:office" xmlns:v="urn:schemas-microsoft-com:vml" xmlns:pvml="urn:schemas-microsoft-com:office:powerpoint" xmlns:com="http://schemas.openxmlformats.org/drawingml/2006/compatibility" xmlns:p14="http://schemas.microsoft.com/office/powerpoint/2010/main" xmlns:p15="http://schemas.microsoft.com/office/powerpoint/2012/main" showMasterPhAnim="0" showMasterSp="0">
+  <p:cSld>
+    <p:spTree>
+      <p:nvGrpSpPr>
+        <p:cNvPr id="105" name="Shape 105"/>
+        <p:cNvGrpSpPr/>
+        <p:nvPr/>
+      </p:nvGrpSpPr>
+      <p:grpSpPr>
+        <a:xfrm>
+          <a:off x="0" y="0"/>
+          <a:ext cx="0" cy="0"/>
+          <a:chOff x="0" y="0"/>
+          <a:chExt cx="0" cy="0"/>
+        </a:xfrm>
+      </p:grpSpPr>
+      <p:sp>
+        <p:nvSpPr>
+          <p:cNvPr id="106" name="Google Shape;106;g37ddc8c2c3_0_209:notes"/>
+          <p:cNvSpPr/>
+          <p:nvPr>
+            <p:ph idx="2" type="sldImg"/>
+          </p:nvPr>
+        </p:nvSpPr>
+        <p:spPr>
+          <a:xfrm>
+            <a:off x="381300" y="685800"/>
+            <a:ext cx="6096000" cy="3429000"/>
+          </a:xfrm>
+          <a:custGeom>
+            <a:rect b="b" l="l" r="r" t="t"/>
+            <a:pathLst>
+              <a:path extrusionOk="0" h="120000" w="120000">
+                <a:moveTo>
+                  <a:pt x="0" y="0"/>
+                </a:moveTo>
+                <a:lnTo>
+                  <a:pt x="120000" y="0"/>
+                </a:lnTo>
+                <a:lnTo>
+                  <a:pt x="120000" y="120000"/>
+                </a:lnTo>
+                <a:lnTo>
+                  <a:pt x="0" y="120000"/>
+                </a:lnTo>
+                <a:close/>
+              </a:path>
+            </a:pathLst>
+          </a:custGeom>
+        </p:spPr>
+      </p:sp>
+      <p:sp>
+        <p:nvSpPr>
+          <p:cNvPr id="107" name="Google Shape;107;g37ddc8c2c3_0_209:notes"/>
+          <p:cNvSpPr txBox="1"/>
+          <p:nvPr>
+            <p:ph idx="1" type="body"/>
+          </p:nvPr>
+        </p:nvSpPr>
+        <p:spPr>
+          <a:xfrm>
+            <a:off x="685800" y="4343400"/>
+            <a:ext cx="5486400" cy="4114800"/>
+          </a:xfrm>
+          <a:prstGeom prst="rect">
+            <a:avLst/>
+          </a:prstGeom>
+        </p:spPr>
+        <p:txBody>
+          <a:bodyPr anchorCtr="0" anchor="t" bIns="91425" lIns="91425" spcFirstLastPara="1" rIns="91425" wrap="square" tIns="91425">
+            <a:noAutofit/>
+          </a:bodyPr>
+          <a:lstStyle/>
+          <a:p>
+            <a:pPr indent="0" lvl="0" marL="0" rtl="0" algn="l">
+              <a:spcBef>
+                <a:spcPts val="0"/>
+              </a:spcBef>
+              <a:spcAft>
+                <a:spcPts val="0"/>
+              </a:spcAft>
+              <a:buNone/>
+            </a:pPr>
+            <a:r>
+              <a:rPr lang="en"/>
+              <a:t>Первый успешный алгоритм консенсуса Используется Эфириумом и Биткоином. POW требует от участников решения вычислимо сложной задачи, ответ которой можно легко быть проверен другими участниками.</a:t>
+            </a:r>
+            <a:endParaRPr/>
+          </a:p>
+        </p:txBody>
+      </p:sp>
+    </p:spTree>
+  </p:cSld>
+  <p:clrMapOvr>
+    <a:masterClrMapping/>
+  </p:clrMapOvr>
+</p:notes>
+</file>
+
+<file path=ppt/notesSlides/notesSlide9.xml><?xml version="1.0" encoding="utf-8"?>
+<p:notes xmlns:a="http://schemas.openxmlformats.org/drawingml/2006/main" xmlns:r="http://schemas.openxmlformats.org/officeDocument/2006/relationships" xmlns:mc="http://schemas.openxmlformats.org/markup-compatibility/2006" xmlns:mv="urn:schemas-microsoft-com:mac:vml" xmlns:p="http://schemas.openxmlformats.org/presentationml/2006/main" xmlns:c="http://schemas.openxmlformats.org/drawingml/2006/chart" xmlns:dgm="http://schemas.openxmlformats.org/drawingml/2006/diagram" xmlns:o="urn:schemas-microsoft-com:office:office" xmlns:v="urn:schemas-microsoft-com:vml" xmlns:pvml="urn:schemas-microsoft-com:office:powerpoint" xmlns:com="http://schemas.openxmlformats.org/drawingml/2006/compatibility" xmlns:p14="http://schemas.microsoft.com/office/powerpoint/2010/main" xmlns:p15="http://schemas.microsoft.com/office/powerpoint/2012/main" showMasterPhAnim="0" showMasterSp="0">
+  <p:cSld>
+    <p:spTree>
+      <p:nvGrpSpPr>
+        <p:cNvPr id="111" name="Shape 111"/>
+        <p:cNvGrpSpPr/>
+        <p:nvPr/>
+      </p:nvGrpSpPr>
+      <p:grpSpPr>
+        <a:xfrm>
+          <a:off x="0" y="0"/>
+          <a:ext cx="0" cy="0"/>
+          <a:chOff x="0" y="0"/>
+          <a:chExt cx="0" cy="0"/>
+        </a:xfrm>
+      </p:grpSpPr>
+      <p:sp>
+        <p:nvSpPr>
+          <p:cNvPr id="112" name="Google Shape;112;g3b522d7651_0_2:notes"/>
+          <p:cNvSpPr/>
+          <p:nvPr>
+            <p:ph idx="2" type="sldImg"/>
+          </p:nvPr>
+        </p:nvSpPr>
+        <p:spPr>
+          <a:xfrm>
+            <a:off x="381300" y="685800"/>
+            <a:ext cx="6096000" cy="3429000"/>
+          </a:xfrm>
+          <a:custGeom>
+            <a:rect b="b" l="l" r="r" t="t"/>
+            <a:pathLst>
+              <a:path extrusionOk="0" h="120000" w="120000">
+                <a:moveTo>
+                  <a:pt x="0" y="0"/>
+                </a:moveTo>
+                <a:lnTo>
+                  <a:pt x="120000" y="0"/>
+                </a:lnTo>
+                <a:lnTo>
+                  <a:pt x="120000" y="120000"/>
+                </a:lnTo>
+                <a:lnTo>
+                  <a:pt x="0" y="120000"/>
+                </a:lnTo>
+                <a:close/>
+              </a:path>
+            </a:pathLst>
+          </a:custGeom>
+        </p:spPr>
+      </p:sp>
+      <p:sp>
+        <p:nvSpPr>
+          <p:cNvPr id="113" name="Google Shape;113;g3b522d7651_0_2:notes"/>
+          <p:cNvSpPr txBox="1"/>
+          <p:nvPr>
+            <p:ph idx="1" type="body"/>
+          </p:nvPr>
+        </p:nvSpPr>
+        <p:spPr>
+          <a:xfrm>
+            <a:off x="685800" y="4343400"/>
+            <a:ext cx="5486400" cy="4114800"/>
+          </a:xfrm>
+          <a:prstGeom prst="rect">
+            <a:avLst/>
+          </a:prstGeom>
+        </p:spPr>
+        <p:txBody>
+          <a:bodyPr anchorCtr="0" anchor="t" bIns="91425" lIns="91425" spcFirstLastPara="1" rIns="91425" wrap="square" tIns="91425">
+            <a:noAutofit/>
+          </a:bodyPr>
+          <a:lstStyle/>
+          <a:p>
+            <a:pPr indent="0" lvl="0" marL="0" rtl="0" algn="l">
+              <a:spcBef>
+                <a:spcPts val="0"/>
+              </a:spcBef>
+              <a:spcAft>
+                <a:spcPts val="0"/>
+              </a:spcAft>
+              <a:buNone/>
+            </a:pPr>
+            <a:r>
+              <a:rPr lang="en"/>
+              <a:t>Набор валидаторов по очереди выбирают и голосуют за следующий блок и вес голоса валидатора зависит от размера его депозита. POW останавливает плохое поведение, делая его вычислимо сложным. POS останавливает плохое поведение передавая валидацию пользователям, которым есть, что терять.при плохом поведении из депозит отнимается. </a:t>
             </a:r>
             <a:endParaRPr/>
           </a:p>
@@ -2697,7 +4146,7 @@
       </p:grpSpPr>
       <p:sp>
         <p:nvSpPr>
-          <p:cNvPr id="10" name="Shape 10"/>
+          <p:cNvPr id="10" name="Google Shape;10;p2"/>
           <p:cNvSpPr/>
           <p:nvPr/>
         </p:nvSpPr>
@@ -2722,7 +4171,7 @@
           </a:bodyPr>
           <a:lstStyle/>
           <a:p>
-            <a:pPr indent="0" lvl="0" marL="0">
+            <a:pPr indent="0" lvl="0" marL="0" rtl="0" algn="l">
               <a:spcBef>
                 <a:spcPts val="0"/>
               </a:spcBef>
@@ -2740,7 +4189,7 @@
       </p:sp>
       <p:sp>
         <p:nvSpPr>
-          <p:cNvPr id="11" name="Shape 11"/>
+          <p:cNvPr id="11" name="Google Shape;11;p2"/>
           <p:cNvSpPr txBox="1"/>
           <p:nvPr>
             <p:ph type="ctrTitle"/>
@@ -2863,7 +4312,7 @@
       </p:sp>
       <p:sp>
         <p:nvSpPr>
-          <p:cNvPr id="12" name="Shape 12"/>
+          <p:cNvPr id="12" name="Google Shape;12;p2"/>
           <p:cNvSpPr txBox="1"/>
           <p:nvPr>
             <p:ph idx="1" type="subTitle"/>
@@ -3013,7 +4462,7 @@
       </p:sp>
       <p:sp>
         <p:nvSpPr>
-          <p:cNvPr id="13" name="Shape 13"/>
+          <p:cNvPr id="13" name="Google Shape;13;p2"/>
           <p:cNvSpPr txBox="1"/>
           <p:nvPr>
             <p:ph idx="12" type="sldNum"/>
@@ -3107,7 +4556,7 @@
             </a:lvl9pPr>
           </a:lstStyle>
           <a:p>
-            <a:pPr indent="0" lvl="0" marL="0">
+            <a:pPr indent="0" lvl="0" marL="0" rtl="0" algn="r">
               <a:spcBef>
                 <a:spcPts val="0"/>
               </a:spcBef>
@@ -3151,7 +4600,7 @@
       </p:grpSpPr>
       <p:sp>
         <p:nvSpPr>
-          <p:cNvPr id="48" name="Shape 48"/>
+          <p:cNvPr id="48" name="Google Shape;48;p11"/>
           <p:cNvSpPr/>
           <p:nvPr/>
         </p:nvSpPr>
@@ -3176,7 +4625,7 @@
           </a:bodyPr>
           <a:lstStyle/>
           <a:p>
-            <a:pPr indent="0" lvl="0" marL="0">
+            <a:pPr indent="0" lvl="0" marL="0" rtl="0" algn="l">
               <a:spcBef>
                 <a:spcPts val="0"/>
               </a:spcBef>
@@ -3194,7 +4643,7 @@
       </p:sp>
       <p:sp>
         <p:nvSpPr>
-          <p:cNvPr id="49" name="Shape 49"/>
+          <p:cNvPr id="49" name="Google Shape;49;p11"/>
           <p:cNvSpPr txBox="1"/>
           <p:nvPr>
             <p:ph hasCustomPrompt="1" type="title"/>
@@ -3375,7 +4824,7 @@
       </p:sp>
       <p:sp>
         <p:nvSpPr>
-          <p:cNvPr id="50" name="Shape 50"/>
+          <p:cNvPr id="50" name="Google Shape;50;p11"/>
           <p:cNvSpPr txBox="1"/>
           <p:nvPr>
             <p:ph idx="1" type="body"/>
@@ -3561,7 +5010,7 @@
       </p:sp>
       <p:sp>
         <p:nvSpPr>
-          <p:cNvPr id="51" name="Shape 51"/>
+          <p:cNvPr id="51" name="Google Shape;51;p11"/>
           <p:cNvSpPr txBox="1"/>
           <p:nvPr>
             <p:ph idx="12" type="sldNum"/>
@@ -3655,7 +5104,7 @@
             </a:lvl9pPr>
           </a:lstStyle>
           <a:p>
-            <a:pPr indent="0" lvl="0" marL="0">
+            <a:pPr indent="0" lvl="0" marL="0" rtl="0" algn="r">
               <a:spcBef>
                 <a:spcPts val="0"/>
               </a:spcBef>
@@ -3699,7 +5148,7 @@
       </p:grpSpPr>
       <p:sp>
         <p:nvSpPr>
-          <p:cNvPr id="53" name="Shape 53"/>
+          <p:cNvPr id="53" name="Google Shape;53;p12"/>
           <p:cNvSpPr txBox="1"/>
           <p:nvPr>
             <p:ph idx="12" type="sldNum"/>
@@ -3757,7 +5206,7 @@
             </a:lvl9pPr>
           </a:lstStyle>
           <a:p>
-            <a:pPr indent="0" lvl="0" marL="0">
+            <a:pPr indent="0" lvl="0" marL="0" rtl="0" algn="r">
               <a:spcBef>
                 <a:spcPts val="0"/>
               </a:spcBef>
@@ -3801,7 +5250,7 @@
       </p:grpSpPr>
       <p:sp>
         <p:nvSpPr>
-          <p:cNvPr id="15" name="Shape 15"/>
+          <p:cNvPr id="15" name="Google Shape;15;p3"/>
           <p:cNvSpPr/>
           <p:nvPr/>
         </p:nvSpPr>
@@ -3826,7 +5275,7 @@
           </a:bodyPr>
           <a:lstStyle/>
           <a:p>
-            <a:pPr indent="0" lvl="0" marL="0">
+            <a:pPr indent="0" lvl="0" marL="0" rtl="0" algn="l">
               <a:spcBef>
                 <a:spcPts val="0"/>
               </a:spcBef>
@@ -3844,7 +5293,7 @@
       </p:sp>
       <p:sp>
         <p:nvSpPr>
-          <p:cNvPr id="16" name="Shape 16"/>
+          <p:cNvPr id="16" name="Google Shape;16;p3"/>
           <p:cNvSpPr txBox="1"/>
           <p:nvPr>
             <p:ph type="title"/>
@@ -3967,7 +5416,7 @@
       </p:sp>
       <p:sp>
         <p:nvSpPr>
-          <p:cNvPr id="17" name="Shape 17"/>
+          <p:cNvPr id="17" name="Google Shape;17;p3"/>
           <p:cNvSpPr txBox="1"/>
           <p:nvPr>
             <p:ph idx="12" type="sldNum"/>
@@ -4061,7 +5510,7 @@
             </a:lvl9pPr>
           </a:lstStyle>
           <a:p>
-            <a:pPr indent="0" lvl="0" marL="0">
+            <a:pPr indent="0" lvl="0" marL="0" rtl="0" algn="r">
               <a:spcBef>
                 <a:spcPts val="0"/>
               </a:spcBef>
@@ -4105,7 +5554,7 @@
       </p:grpSpPr>
       <p:sp>
         <p:nvSpPr>
-          <p:cNvPr id="19" name="Shape 19"/>
+          <p:cNvPr id="19" name="Google Shape;19;p4"/>
           <p:cNvSpPr txBox="1"/>
           <p:nvPr>
             <p:ph type="title"/>
@@ -4228,7 +5677,7 @@
       </p:sp>
       <p:sp>
         <p:nvSpPr>
-          <p:cNvPr id="20" name="Shape 20"/>
+          <p:cNvPr id="20" name="Google Shape;20;p4"/>
           <p:cNvSpPr txBox="1"/>
           <p:nvPr>
             <p:ph idx="1" type="body"/>
@@ -4351,7 +5800,7 @@
       </p:sp>
       <p:sp>
         <p:nvSpPr>
-          <p:cNvPr id="21" name="Shape 21"/>
+          <p:cNvPr id="21" name="Google Shape;21;p4"/>
           <p:cNvSpPr txBox="1"/>
           <p:nvPr>
             <p:ph idx="12" type="sldNum"/>
@@ -4409,7 +5858,7 @@
             </a:lvl9pPr>
           </a:lstStyle>
           <a:p>
-            <a:pPr indent="0" lvl="0" marL="0">
+            <a:pPr indent="0" lvl="0" marL="0" rtl="0" algn="r">
               <a:spcBef>
                 <a:spcPts val="0"/>
               </a:spcBef>
@@ -4453,7 +5902,7 @@
       </p:grpSpPr>
       <p:sp>
         <p:nvSpPr>
-          <p:cNvPr id="23" name="Shape 23"/>
+          <p:cNvPr id="23" name="Google Shape;23;p5"/>
           <p:cNvSpPr txBox="1"/>
           <p:nvPr>
             <p:ph type="title"/>
@@ -4576,7 +6025,7 @@
       </p:sp>
       <p:sp>
         <p:nvSpPr>
-          <p:cNvPr id="24" name="Shape 24"/>
+          <p:cNvPr id="24" name="Google Shape;24;p5"/>
           <p:cNvSpPr txBox="1"/>
           <p:nvPr>
             <p:ph idx="1" type="body"/>
@@ -4699,7 +6148,7 @@
       </p:sp>
       <p:sp>
         <p:nvSpPr>
-          <p:cNvPr id="25" name="Shape 25"/>
+          <p:cNvPr id="25" name="Google Shape;25;p5"/>
           <p:cNvSpPr txBox="1"/>
           <p:nvPr>
             <p:ph idx="2" type="body"/>
@@ -4822,7 +6271,7 @@
       </p:sp>
       <p:sp>
         <p:nvSpPr>
-          <p:cNvPr id="26" name="Shape 26"/>
+          <p:cNvPr id="26" name="Google Shape;26;p5"/>
           <p:cNvSpPr txBox="1"/>
           <p:nvPr>
             <p:ph idx="12" type="sldNum"/>
@@ -4880,7 +6329,7 @@
             </a:lvl9pPr>
           </a:lstStyle>
           <a:p>
-            <a:pPr indent="0" lvl="0" marL="0">
+            <a:pPr indent="0" lvl="0" marL="0" rtl="0" algn="r">
               <a:spcBef>
                 <a:spcPts val="0"/>
               </a:spcBef>
@@ -4924,7 +6373,7 @@
       </p:grpSpPr>
       <p:sp>
         <p:nvSpPr>
-          <p:cNvPr id="28" name="Shape 28"/>
+          <p:cNvPr id="28" name="Google Shape;28;p6"/>
           <p:cNvSpPr txBox="1"/>
           <p:nvPr>
             <p:ph type="title"/>
@@ -5047,7 +6496,7 @@
       </p:sp>
       <p:sp>
         <p:nvSpPr>
-          <p:cNvPr id="29" name="Shape 29"/>
+          <p:cNvPr id="29" name="Google Shape;29;p6"/>
           <p:cNvSpPr txBox="1"/>
           <p:nvPr>
             <p:ph idx="12" type="sldNum"/>
@@ -5105,7 +6554,7 @@
             </a:lvl9pPr>
           </a:lstStyle>
           <a:p>
-            <a:pPr indent="0" lvl="0" marL="0">
+            <a:pPr indent="0" lvl="0" marL="0" rtl="0" algn="r">
               <a:spcBef>
                 <a:spcPts val="0"/>
               </a:spcBef>
@@ -5149,7 +6598,7 @@
       </p:grpSpPr>
       <p:sp>
         <p:nvSpPr>
-          <p:cNvPr id="31" name="Shape 31"/>
+          <p:cNvPr id="31" name="Google Shape;31;p7"/>
           <p:cNvSpPr txBox="1"/>
           <p:nvPr>
             <p:ph type="title"/>
@@ -5272,7 +6721,7 @@
       </p:sp>
       <p:sp>
         <p:nvSpPr>
-          <p:cNvPr id="32" name="Shape 32"/>
+          <p:cNvPr id="32" name="Google Shape;32;p7"/>
           <p:cNvSpPr txBox="1"/>
           <p:nvPr>
             <p:ph idx="1" type="body"/>
@@ -5395,7 +6844,7 @@
       </p:sp>
       <p:sp>
         <p:nvSpPr>
-          <p:cNvPr id="33" name="Shape 33"/>
+          <p:cNvPr id="33" name="Google Shape;33;p7"/>
           <p:cNvSpPr txBox="1"/>
           <p:nvPr>
             <p:ph idx="12" type="sldNum"/>
@@ -5453,7 +6902,7 @@
             </a:lvl9pPr>
           </a:lstStyle>
           <a:p>
-            <a:pPr indent="0" lvl="0" marL="0">
+            <a:pPr indent="0" lvl="0" marL="0" rtl="0" algn="r">
               <a:spcBef>
                 <a:spcPts val="0"/>
               </a:spcBef>
@@ -5504,7 +6953,7 @@
       </p:grpSpPr>
       <p:sp>
         <p:nvSpPr>
-          <p:cNvPr id="35" name="Shape 35"/>
+          <p:cNvPr id="35" name="Google Shape;35;p8"/>
           <p:cNvSpPr txBox="1"/>
           <p:nvPr>
             <p:ph type="title"/>
@@ -5690,7 +7139,7 @@
       </p:sp>
       <p:sp>
         <p:nvSpPr>
-          <p:cNvPr id="36" name="Shape 36"/>
+          <p:cNvPr id="36" name="Google Shape;36;p8"/>
           <p:cNvSpPr txBox="1"/>
           <p:nvPr>
             <p:ph idx="12" type="sldNum"/>
@@ -5784,7 +7233,7 @@
             </a:lvl9pPr>
           </a:lstStyle>
           <a:p>
-            <a:pPr indent="0" lvl="0" marL="0">
+            <a:pPr indent="0" lvl="0" marL="0" rtl="0" algn="r">
               <a:spcBef>
                 <a:spcPts val="0"/>
               </a:spcBef>
@@ -5828,7 +7277,7 @@
       </p:grpSpPr>
       <p:sp>
         <p:nvSpPr>
-          <p:cNvPr id="38" name="Shape 38"/>
+          <p:cNvPr id="38" name="Google Shape;38;p9"/>
           <p:cNvSpPr/>
           <p:nvPr/>
         </p:nvSpPr>
@@ -5853,7 +7302,7 @@
           </a:bodyPr>
           <a:lstStyle/>
           <a:p>
-            <a:pPr indent="0" lvl="0" marL="0">
+            <a:pPr indent="0" lvl="0" marL="0" rtl="0" algn="l">
               <a:spcBef>
                 <a:spcPts val="0"/>
               </a:spcBef>
@@ -5871,7 +7320,7 @@
       </p:sp>
       <p:cxnSp>
         <p:nvCxnSpPr>
-          <p:cNvPr id="39" name="Shape 39"/>
+          <p:cNvPr id="39" name="Google Shape;39;p9"/>
           <p:cNvCxnSpPr/>
           <p:nvPr/>
         </p:nvCxnSpPr>
@@ -5897,7 +7346,7 @@
       </p:cxnSp>
       <p:sp>
         <p:nvSpPr>
-          <p:cNvPr id="40" name="Shape 40"/>
+          <p:cNvPr id="40" name="Google Shape;40;p9"/>
           <p:cNvSpPr txBox="1"/>
           <p:nvPr>
             <p:ph type="title"/>
@@ -6020,7 +7469,7 @@
       </p:sp>
       <p:sp>
         <p:nvSpPr>
-          <p:cNvPr id="41" name="Shape 41"/>
+          <p:cNvPr id="41" name="Google Shape;41;p9"/>
           <p:cNvSpPr txBox="1"/>
           <p:nvPr>
             <p:ph idx="1" type="subTitle"/>
@@ -6170,7 +7619,7 @@
       </p:sp>
       <p:sp>
         <p:nvSpPr>
-          <p:cNvPr id="42" name="Shape 42"/>
+          <p:cNvPr id="42" name="Google Shape;42;p9"/>
           <p:cNvSpPr txBox="1"/>
           <p:nvPr>
             <p:ph idx="2" type="body"/>
@@ -6356,7 +7805,7 @@
       </p:sp>
       <p:sp>
         <p:nvSpPr>
-          <p:cNvPr id="43" name="Shape 43"/>
+          <p:cNvPr id="43" name="Google Shape;43;p9"/>
           <p:cNvSpPr txBox="1"/>
           <p:nvPr>
             <p:ph idx="12" type="sldNum"/>
@@ -6450,7 +7899,7 @@
             </a:lvl9pPr>
           </a:lstStyle>
           <a:p>
-            <a:pPr indent="0" lvl="0" marL="0">
+            <a:pPr indent="0" lvl="0" marL="0" rtl="0" algn="r">
               <a:spcBef>
                 <a:spcPts val="0"/>
               </a:spcBef>
@@ -6494,7 +7943,7 @@
       </p:grpSpPr>
       <p:sp>
         <p:nvSpPr>
-          <p:cNvPr id="45" name="Shape 45"/>
+          <p:cNvPr id="45" name="Google Shape;45;p10"/>
           <p:cNvSpPr txBox="1"/>
           <p:nvPr>
             <p:ph idx="1" type="body"/>
@@ -6532,7 +7981,7 @@
       </p:sp>
       <p:sp>
         <p:nvSpPr>
-          <p:cNvPr id="46" name="Shape 46"/>
+          <p:cNvPr id="46" name="Google Shape;46;p10"/>
           <p:cNvSpPr txBox="1"/>
           <p:nvPr>
             <p:ph idx="12" type="sldNum"/>
@@ -6590,7 +8039,7 @@
             </a:lvl9pPr>
           </a:lstStyle>
           <a:p>
-            <a:pPr indent="0" lvl="0" marL="0">
+            <a:pPr indent="0" lvl="0" marL="0" rtl="0" algn="r">
               <a:spcBef>
                 <a:spcPts val="0"/>
               </a:spcBef>
@@ -6641,7 +8090,7 @@
       </p:grpSpPr>
       <p:sp>
         <p:nvSpPr>
-          <p:cNvPr id="6" name="Shape 6"/>
+          <p:cNvPr id="6" name="Google Shape;6;p1"/>
           <p:cNvSpPr txBox="1"/>
           <p:nvPr>
             <p:ph type="title"/>
@@ -6876,7 +8325,7 @@
       </p:sp>
       <p:sp>
         <p:nvSpPr>
-          <p:cNvPr id="7" name="Shape 7"/>
+          <p:cNvPr id="7" name="Google Shape;7;p1"/>
           <p:cNvSpPr txBox="1"/>
           <p:nvPr>
             <p:ph idx="1" type="body"/>
@@ -7138,7 +8587,7 @@
       </p:sp>
       <p:sp>
         <p:nvSpPr>
-          <p:cNvPr id="8" name="Shape 8"/>
+          <p:cNvPr id="8" name="Google Shape;8;p1"/>
           <p:cNvSpPr txBox="1"/>
           <p:nvPr>
             <p:ph idx="12" type="sldNum"/>
@@ -7272,7 +8721,7 @@
             </a:lvl9pPr>
           </a:lstStyle>
           <a:p>
-            <a:pPr indent="0" lvl="0" marL="0">
+            <a:pPr indent="0" lvl="0" marL="0" rtl="0" algn="r">
               <a:spcBef>
                 <a:spcPts val="0"/>
               </a:spcBef>
@@ -8017,7 +9466,7 @@
       </p:grpSpPr>
       <p:sp>
         <p:nvSpPr>
-          <p:cNvPr id="58" name="Shape 58"/>
+          <p:cNvPr id="58" name="Google Shape;58;p13"/>
           <p:cNvSpPr txBox="1"/>
           <p:nvPr>
             <p:ph type="ctrTitle"/>
@@ -8038,7 +9487,7 @@
           </a:bodyPr>
           <a:lstStyle/>
           <a:p>
-            <a:pPr indent="0" lvl="0" marL="0">
+            <a:pPr indent="0" lvl="0" marL="0" rtl="0" algn="l">
               <a:spcBef>
                 <a:spcPts val="0"/>
               </a:spcBef>
@@ -8057,7 +9506,7 @@
       </p:sp>
       <p:sp>
         <p:nvSpPr>
-          <p:cNvPr id="59" name="Shape 59"/>
+          <p:cNvPr id="59" name="Google Shape;59;p13"/>
           <p:cNvSpPr txBox="1"/>
           <p:nvPr>
             <p:ph idx="1" type="subTitle"/>
@@ -8078,7 +9527,7 @@
           </a:bodyPr>
           <a:lstStyle/>
           <a:p>
-            <a:pPr indent="0" lvl="0" marL="0">
+            <a:pPr indent="0" lvl="0" marL="0" rtl="0" algn="l">
               <a:spcBef>
                 <a:spcPts val="0"/>
               </a:spcBef>
@@ -8106,7 +9555,7 @@
       </p:sp>
       <p:pic>
         <p:nvPicPr>
-          <p:cNvPr descr="elixir-lang-moscow-logo-12a9e47c77802b946e60bd7bcf20dbda.png" id="60" name="Shape 60"/>
+          <p:cNvPr descr="elixir-lang-moscow-logo-12a9e47c77802b946e60bd7bcf20dbda.png" id="60" name="Google Shape;60;p13"/>
           <p:cNvPicPr preferRelativeResize="0"/>
           <p:nvPr/>
         </p:nvPicPr>
@@ -8134,7 +9583,7 @@
       </p:pic>
       <p:sp>
         <p:nvSpPr>
-          <p:cNvPr id="61" name="Shape 61"/>
+          <p:cNvPr id="61" name="Google Shape;61;p13"/>
           <p:cNvSpPr txBox="1"/>
           <p:nvPr/>
         </p:nvSpPr>
@@ -8157,7 +9606,7 @@
           </a:bodyPr>
           <a:lstStyle/>
           <a:p>
-            <a:pPr indent="0" lvl="0" marL="0">
+            <a:pPr indent="0" lvl="0" marL="0" rtl="0" algn="l">
               <a:spcBef>
                 <a:spcPts val="0"/>
               </a:spcBef>
@@ -8195,7 +9644,7 @@
   <p:cSld>
     <p:spTree>
       <p:nvGrpSpPr>
-        <p:cNvPr id="121" name="Shape 121"/>
+        <p:cNvPr id="120" name="Shape 120"/>
         <p:cNvGrpSpPr/>
         <p:nvPr/>
       </p:nvGrpSpPr>
@@ -8209,7 +9658,7 @@
       </p:grpSpPr>
       <p:sp>
         <p:nvSpPr>
-          <p:cNvPr id="122" name="Shape 122"/>
+          <p:cNvPr id="121" name="Google Shape;121;p22"/>
           <p:cNvSpPr txBox="1"/>
           <p:nvPr>
             <p:ph type="title"/>
@@ -8230,7 +9679,7 @@
           </a:bodyPr>
           <a:lstStyle/>
           <a:p>
-            <a:pPr indent="0" lvl="0" marL="0">
+            <a:pPr indent="0" lvl="0" marL="0" rtl="0" algn="l">
               <a:spcBef>
                 <a:spcPts val="0"/>
               </a:spcBef>
@@ -8249,7 +9698,7 @@
       </p:sp>
       <p:sp>
         <p:nvSpPr>
-          <p:cNvPr id="123" name="Shape 123"/>
+          <p:cNvPr id="122" name="Google Shape;122;p22"/>
           <p:cNvSpPr txBox="1"/>
           <p:nvPr>
             <p:ph idx="1" type="body"/>
@@ -8257,7 +9706,7 @@
         </p:nvSpPr>
         <p:spPr>
           <a:xfrm>
-            <a:off x="311700" y="1152475"/>
+            <a:off x="276475" y="1645700"/>
             <a:ext cx="8520600" cy="3416400"/>
           </a:xfrm>
           <a:prstGeom prst="rect">
@@ -8270,58 +9719,91 @@
           </a:bodyPr>
           <a:lstStyle/>
           <a:p>
-            <a:pPr indent="-342900" lvl="0" marL="457200" rtl="0">
-              <a:spcBef>
-                <a:spcPts val="0"/>
-              </a:spcBef>
-              <a:spcAft>
-                <a:spcPts val="0"/>
-              </a:spcAft>
-              <a:buSzPts val="1800"/>
+            <a:pPr indent="-419100" lvl="0" marL="457200" rtl="0" algn="l">
+              <a:spcBef>
+                <a:spcPts val="0"/>
+              </a:spcBef>
+              <a:spcAft>
+                <a:spcPts val="0"/>
+              </a:spcAft>
+              <a:buClr>
+                <a:srgbClr val="000000"/>
+              </a:buClr>
+              <a:buSzPts val="3000"/>
               <a:buChar char="●"/>
             </a:pPr>
             <a:r>
-              <a:rPr lang="en"/>
+              <a:rPr lang="en" sz="3000">
+                <a:solidFill>
+                  <a:srgbClr val="000000"/>
+                </a:solidFill>
+              </a:rPr>
               <a:t>modification of Proof of Stake </a:t>
             </a:r>
-            <a:endParaRPr/>
+            <a:endParaRPr sz="3000">
+              <a:solidFill>
+                <a:srgbClr val="000000"/>
+              </a:solidFill>
+            </a:endParaRPr>
           </a:p>
           <a:p>
-            <a:pPr indent="-342900" lvl="0" marL="457200" rtl="0">
-              <a:spcBef>
-                <a:spcPts val="0"/>
-              </a:spcBef>
-              <a:spcAft>
-                <a:spcPts val="0"/>
-              </a:spcAft>
-              <a:buSzPts val="1800"/>
+            <a:pPr indent="-419100" lvl="0" marL="457200" rtl="0" algn="l">
+              <a:spcBef>
+                <a:spcPts val="0"/>
+              </a:spcBef>
+              <a:spcAft>
+                <a:spcPts val="0"/>
+              </a:spcAft>
+              <a:buClr>
+                <a:srgbClr val="000000"/>
+              </a:buClr>
+              <a:buSzPts val="3000"/>
               <a:buChar char="●"/>
             </a:pPr>
             <a:r>
-              <a:rPr lang="en"/>
+              <a:rPr lang="en" sz="3000">
+                <a:solidFill>
+                  <a:srgbClr val="000000"/>
+                </a:solidFill>
+              </a:rPr>
               <a:t>identity as a stake</a:t>
             </a:r>
-            <a:endParaRPr/>
+            <a:endParaRPr sz="3000">
+              <a:solidFill>
+                <a:srgbClr val="000000"/>
+              </a:solidFill>
+            </a:endParaRPr>
           </a:p>
           <a:p>
-            <a:pPr indent="-342900" lvl="0" marL="457200" rtl="0">
-              <a:spcBef>
-                <a:spcPts val="0"/>
-              </a:spcBef>
-              <a:spcAft>
-                <a:spcPts val="0"/>
-              </a:spcAft>
-              <a:buSzPts val="1800"/>
+            <a:pPr indent="-419100" lvl="0" marL="457200" rtl="0" algn="l">
+              <a:spcBef>
+                <a:spcPts val="0"/>
+              </a:spcBef>
+              <a:spcAft>
+                <a:spcPts val="0"/>
+              </a:spcAft>
+              <a:buClr>
+                <a:srgbClr val="000000"/>
+              </a:buClr>
+              <a:buSzPts val="3000"/>
               <a:buChar char="●"/>
             </a:pPr>
             <a:r>
-              <a:rPr lang="en"/>
+              <a:rPr lang="en" sz="3000">
+                <a:solidFill>
+                  <a:srgbClr val="000000"/>
+                </a:solidFill>
+              </a:rPr>
               <a:t>verified personal identities</a:t>
             </a:r>
-            <a:endParaRPr/>
+            <a:endParaRPr sz="3000">
+              <a:solidFill>
+                <a:srgbClr val="000000"/>
+              </a:solidFill>
+            </a:endParaRPr>
           </a:p>
           <a:p>
-            <a:pPr indent="0" lvl="0" marL="0">
+            <a:pPr indent="0" lvl="0" marL="0" rtl="0" algn="l">
               <a:spcBef>
                 <a:spcPts val="1600"/>
               </a:spcBef>
@@ -8350,7 +9832,7 @@
   <p:cSld>
     <p:spTree>
       <p:nvGrpSpPr>
-        <p:cNvPr id="127" name="Shape 127"/>
+        <p:cNvPr id="126" name="Shape 126"/>
         <p:cNvGrpSpPr/>
         <p:nvPr/>
       </p:nvGrpSpPr>
@@ -8364,7 +9846,7 @@
       </p:grpSpPr>
       <p:sp>
         <p:nvSpPr>
-          <p:cNvPr id="128" name="Shape 128"/>
+          <p:cNvPr id="127" name="Google Shape;127;p23"/>
           <p:cNvSpPr txBox="1"/>
           <p:nvPr>
             <p:ph type="title"/>
@@ -8385,7 +9867,7 @@
           </a:bodyPr>
           <a:lstStyle/>
           <a:p>
-            <a:pPr indent="0" lvl="0" marL="0" rtl="0">
+            <a:pPr indent="0" lvl="0" marL="0" rtl="0" algn="l">
               <a:spcBef>
                 <a:spcPts val="0"/>
               </a:spcBef>
@@ -8404,7 +9886,7 @@
       </p:sp>
       <p:sp>
         <p:nvSpPr>
-          <p:cNvPr id="129" name="Shape 129"/>
+          <p:cNvPr id="128" name="Google Shape;128;p23"/>
           <p:cNvSpPr txBox="1"/>
           <p:nvPr>
             <p:ph idx="1" type="body"/>
@@ -8425,7 +9907,7 @@
           </a:bodyPr>
           <a:lstStyle/>
           <a:p>
-            <a:pPr indent="0" lvl="0" marL="0" rtl="0">
+            <a:pPr indent="0" lvl="0" marL="0" rtl="0" algn="l">
               <a:spcBef>
                 <a:spcPts val="0"/>
               </a:spcBef>
@@ -8443,7 +9925,7 @@
       </p:sp>
       <p:pic>
         <p:nvPicPr>
-          <p:cNvPr id="130" name="Shape 130"/>
+          <p:cNvPr id="129" name="Google Shape;129;p23"/>
           <p:cNvPicPr preferRelativeResize="0"/>
           <p:nvPr/>
         </p:nvPicPr>
@@ -8471,7 +9953,7 @@
       </p:pic>
       <p:pic>
         <p:nvPicPr>
-          <p:cNvPr id="131" name="Shape 131"/>
+          <p:cNvPr id="130" name="Google Shape;130;p23"/>
           <p:cNvPicPr preferRelativeResize="0"/>
           <p:nvPr/>
         </p:nvPicPr>
@@ -8499,7 +9981,7 @@
       </p:pic>
       <p:pic>
         <p:nvPicPr>
-          <p:cNvPr id="132" name="Shape 132"/>
+          <p:cNvPr id="131" name="Google Shape;131;p23"/>
           <p:cNvPicPr preferRelativeResize="0"/>
           <p:nvPr/>
         </p:nvPicPr>
@@ -8527,7 +10009,7 @@
       </p:pic>
       <p:pic>
         <p:nvPicPr>
-          <p:cNvPr id="133" name="Shape 133"/>
+          <p:cNvPr id="132" name="Google Shape;132;p23"/>
           <p:cNvPicPr preferRelativeResize="0"/>
           <p:nvPr/>
         </p:nvPicPr>
@@ -8555,7 +10037,7 @@
       </p:pic>
       <p:pic>
         <p:nvPicPr>
-          <p:cNvPr id="134" name="Shape 134"/>
+          <p:cNvPr id="133" name="Google Shape;133;p23"/>
           <p:cNvPicPr preferRelativeResize="0"/>
           <p:nvPr/>
         </p:nvPicPr>
@@ -8594,7 +10076,7 @@
   <p:cSld>
     <p:spTree>
       <p:nvGrpSpPr>
-        <p:cNvPr id="138" name="Shape 138"/>
+        <p:cNvPr id="137" name="Shape 137"/>
         <p:cNvGrpSpPr/>
         <p:nvPr/>
       </p:nvGrpSpPr>
@@ -8608,7 +10090,7 @@
       </p:grpSpPr>
       <p:sp>
         <p:nvSpPr>
-          <p:cNvPr id="139" name="Shape 139"/>
+          <p:cNvPr id="138" name="Google Shape;138;p24"/>
           <p:cNvSpPr txBox="1"/>
           <p:nvPr>
             <p:ph type="title"/>
@@ -8629,7 +10111,7 @@
           </a:bodyPr>
           <a:lstStyle/>
           <a:p>
-            <a:pPr indent="0" lvl="0" marL="0">
+            <a:pPr indent="0" lvl="0" marL="0" rtl="0" algn="l">
               <a:spcBef>
                 <a:spcPts val="0"/>
               </a:spcBef>
@@ -8648,7 +10130,7 @@
       </p:sp>
       <p:sp>
         <p:nvSpPr>
-          <p:cNvPr id="140" name="Shape 140"/>
+          <p:cNvPr id="139" name="Google Shape;139;p24"/>
           <p:cNvSpPr txBox="1"/>
           <p:nvPr>
             <p:ph idx="1" type="body"/>
@@ -8669,7 +10151,7 @@
           </a:bodyPr>
           <a:lstStyle/>
           <a:p>
-            <a:pPr indent="0" lvl="0" marL="0">
+            <a:pPr indent="0" lvl="0" marL="0" rtl="0" algn="l">
               <a:spcBef>
                 <a:spcPts val="0"/>
               </a:spcBef>
@@ -8685,6 +10167,62 @@
           </a:p>
         </p:txBody>
       </p:sp>
+      <p:pic>
+        <p:nvPicPr>
+          <p:cNvPr id="140" name="Google Shape;140;p24"/>
+          <p:cNvPicPr preferRelativeResize="0"/>
+          <p:nvPr/>
+        </p:nvPicPr>
+        <p:blipFill>
+          <a:blip r:embed="rId3">
+            <a:alphaModFix/>
+          </a:blip>
+          <a:stretch>
+            <a:fillRect/>
+          </a:stretch>
+        </p:blipFill>
+        <p:spPr>
+          <a:xfrm>
+            <a:off x="5608638" y="1547700"/>
+            <a:ext cx="2016926" cy="2048075"/>
+          </a:xfrm>
+          <a:prstGeom prst="rect">
+            <a:avLst/>
+          </a:prstGeom>
+          <a:noFill/>
+          <a:ln>
+            <a:noFill/>
+          </a:ln>
+        </p:spPr>
+      </p:pic>
+      <p:pic>
+        <p:nvPicPr>
+          <p:cNvPr id="141" name="Google Shape;141;p24"/>
+          <p:cNvPicPr preferRelativeResize="0"/>
+          <p:nvPr/>
+        </p:nvPicPr>
+        <p:blipFill>
+          <a:blip r:embed="rId4">
+            <a:alphaModFix/>
+          </a:blip>
+          <a:stretch>
+            <a:fillRect/>
+          </a:stretch>
+        </p:blipFill>
+        <p:spPr>
+          <a:xfrm>
+            <a:off x="1035325" y="1028700"/>
+            <a:ext cx="2781300" cy="3086100"/>
+          </a:xfrm>
+          <a:prstGeom prst="rect">
+            <a:avLst/>
+          </a:prstGeom>
+          <a:noFill/>
+          <a:ln>
+            <a:noFill/>
+          </a:ln>
+        </p:spPr>
+      </p:pic>
     </p:spTree>
   </p:cSld>
   <p:clrMapOvr>
@@ -8698,7 +10236,7 @@
   <p:cSld>
     <p:spTree>
       <p:nvGrpSpPr>
-        <p:cNvPr id="144" name="Shape 144"/>
+        <p:cNvPr id="145" name="Shape 145"/>
         <p:cNvGrpSpPr/>
         <p:nvPr/>
       </p:nvGrpSpPr>
@@ -8712,7 +10250,7 @@
       </p:grpSpPr>
       <p:sp>
         <p:nvSpPr>
-          <p:cNvPr id="145" name="Shape 145"/>
+          <p:cNvPr id="146" name="Google Shape;146;p25"/>
           <p:cNvSpPr txBox="1"/>
           <p:nvPr>
             <p:ph type="title"/>
@@ -8733,7 +10271,7 @@
           </a:bodyPr>
           <a:lstStyle/>
           <a:p>
-            <a:pPr indent="0" lvl="0" marL="0">
+            <a:pPr indent="0" lvl="0" marL="0" rtl="0" algn="l">
               <a:spcBef>
                 <a:spcPts val="0"/>
               </a:spcBef>
@@ -8752,7 +10290,7 @@
       </p:sp>
       <p:sp>
         <p:nvSpPr>
-          <p:cNvPr id="146" name="Shape 146"/>
+          <p:cNvPr id="147" name="Google Shape;147;p25"/>
           <p:cNvSpPr txBox="1"/>
           <p:nvPr>
             <p:ph idx="1" type="body"/>
@@ -8773,89 +10311,144 @@
           </a:bodyPr>
           <a:lstStyle/>
           <a:p>
-            <a:pPr indent="-381000" lvl="0" marL="457200" rtl="0">
-              <a:spcBef>
-                <a:spcPts val="0"/>
-              </a:spcBef>
-              <a:spcAft>
-                <a:spcPts val="0"/>
-              </a:spcAft>
+            <a:pPr indent="-381000" lvl="0" marL="457200" rtl="0" algn="l">
+              <a:spcBef>
+                <a:spcPts val="0"/>
+              </a:spcBef>
+              <a:spcAft>
+                <a:spcPts val="0"/>
+              </a:spcAft>
+              <a:buClr>
+                <a:srgbClr val="000000"/>
+              </a:buClr>
               <a:buSzPts val="2400"/>
               <a:buChar char="●"/>
             </a:pPr>
             <a:r>
-              <a:rPr lang="en" sz="2400"/>
+              <a:rPr lang="en" sz="2400">
+                <a:solidFill>
+                  <a:srgbClr val="000000"/>
+                </a:solidFill>
+              </a:rPr>
               <a:t>ExRLP</a:t>
             </a:r>
-            <a:endParaRPr sz="2400"/>
+            <a:endParaRPr sz="2400">
+              <a:solidFill>
+                <a:srgbClr val="000000"/>
+              </a:solidFill>
+            </a:endParaRPr>
           </a:p>
           <a:p>
-            <a:pPr indent="-381000" lvl="0" marL="457200" rtl="0">
-              <a:spcBef>
-                <a:spcPts val="0"/>
-              </a:spcBef>
-              <a:spcAft>
-                <a:spcPts val="0"/>
-              </a:spcAft>
+            <a:pPr indent="-381000" lvl="0" marL="457200" rtl="0" algn="l">
+              <a:spcBef>
+                <a:spcPts val="0"/>
+              </a:spcBef>
+              <a:spcAft>
+                <a:spcPts val="0"/>
+              </a:spcAft>
+              <a:buClr>
+                <a:srgbClr val="000000"/>
+              </a:buClr>
               <a:buSzPts val="2400"/>
               <a:buChar char="●"/>
             </a:pPr>
             <a:r>
-              <a:rPr lang="en" sz="2400"/>
+              <a:rPr lang="en" sz="2400">
+                <a:solidFill>
+                  <a:srgbClr val="000000"/>
+                </a:solidFill>
+              </a:rPr>
               <a:t>MerklePatriciaTree</a:t>
             </a:r>
-            <a:endParaRPr sz="2400"/>
+            <a:endParaRPr sz="2400">
+              <a:solidFill>
+                <a:srgbClr val="000000"/>
+              </a:solidFill>
+            </a:endParaRPr>
           </a:p>
           <a:p>
-            <a:pPr indent="-381000" lvl="0" marL="457200" rtl="0">
-              <a:spcBef>
-                <a:spcPts val="0"/>
-              </a:spcBef>
-              <a:spcAft>
-                <a:spcPts val="0"/>
-              </a:spcAft>
+            <a:pPr indent="-381000" lvl="0" marL="457200" rtl="0" algn="l">
+              <a:spcBef>
+                <a:spcPts val="0"/>
+              </a:spcBef>
+              <a:spcAft>
+                <a:spcPts val="0"/>
+              </a:spcAft>
+              <a:buClr>
+                <a:srgbClr val="000000"/>
+              </a:buClr>
               <a:buSzPts val="2400"/>
               <a:buChar char="●"/>
             </a:pPr>
             <a:r>
-              <a:rPr lang="en" sz="2400"/>
+              <a:rPr lang="en" sz="2400">
+                <a:solidFill>
+                  <a:srgbClr val="000000"/>
+                </a:solidFill>
+              </a:rPr>
               <a:t>EVM</a:t>
             </a:r>
-            <a:endParaRPr sz="2400"/>
+            <a:endParaRPr sz="2400">
+              <a:solidFill>
+                <a:srgbClr val="000000"/>
+              </a:solidFill>
+            </a:endParaRPr>
           </a:p>
           <a:p>
-            <a:pPr indent="-381000" lvl="0" marL="457200" rtl="0">
-              <a:spcBef>
-                <a:spcPts val="0"/>
-              </a:spcBef>
-              <a:spcAft>
-                <a:spcPts val="0"/>
-              </a:spcAft>
+            <a:pPr indent="-381000" lvl="0" marL="457200" rtl="0" algn="l">
+              <a:spcBef>
+                <a:spcPts val="0"/>
+              </a:spcBef>
+              <a:spcAft>
+                <a:spcPts val="0"/>
+              </a:spcAft>
+              <a:buClr>
+                <a:srgbClr val="000000"/>
+              </a:buClr>
               <a:buSzPts val="2400"/>
               <a:buChar char="●"/>
             </a:pPr>
             <a:r>
-              <a:rPr lang="en" sz="2400"/>
+              <a:rPr lang="en" sz="2400">
+                <a:solidFill>
+                  <a:srgbClr val="000000"/>
+                </a:solidFill>
+              </a:rPr>
               <a:t>Blockchain</a:t>
             </a:r>
-            <a:endParaRPr sz="2400"/>
+            <a:endParaRPr sz="2400">
+              <a:solidFill>
+                <a:srgbClr val="000000"/>
+              </a:solidFill>
+            </a:endParaRPr>
           </a:p>
           <a:p>
-            <a:pPr indent="-381000" lvl="0" marL="457200">
-              <a:spcBef>
-                <a:spcPts val="0"/>
-              </a:spcBef>
-              <a:spcAft>
-                <a:spcPts val="0"/>
-              </a:spcAft>
+            <a:pPr indent="-381000" lvl="0" marL="457200" rtl="0" algn="l">
+              <a:spcBef>
+                <a:spcPts val="0"/>
+              </a:spcBef>
+              <a:spcAft>
+                <a:spcPts val="0"/>
+              </a:spcAft>
+              <a:buClr>
+                <a:srgbClr val="000000"/>
+              </a:buClr>
               <a:buSzPts val="2400"/>
               <a:buChar char="●"/>
             </a:pPr>
             <a:r>
-              <a:rPr lang="en" sz="2400"/>
+              <a:rPr lang="en" sz="2400">
+                <a:solidFill>
+                  <a:srgbClr val="000000"/>
+                </a:solidFill>
+              </a:rPr>
               <a:t>ExWire</a:t>
             </a:r>
-            <a:endParaRPr sz="2400"/>
+            <a:endParaRPr sz="2400">
+              <a:solidFill>
+                <a:srgbClr val="000000"/>
+              </a:solidFill>
+            </a:endParaRPr>
           </a:p>
         </p:txBody>
       </p:sp>
@@ -8872,7 +10465,7 @@
   <p:cSld>
     <p:spTree>
       <p:nvGrpSpPr>
-        <p:cNvPr id="150" name="Shape 150"/>
+        <p:cNvPr id="151" name="Shape 151"/>
         <p:cNvGrpSpPr/>
         <p:nvPr/>
       </p:nvGrpSpPr>
@@ -8886,7 +10479,7 @@
       </p:grpSpPr>
       <p:sp>
         <p:nvSpPr>
-          <p:cNvPr id="151" name="Shape 151"/>
+          <p:cNvPr id="152" name="Google Shape;152;p26"/>
           <p:cNvSpPr txBox="1"/>
           <p:nvPr>
             <p:ph type="title"/>
@@ -8907,7 +10500,7 @@
           </a:bodyPr>
           <a:lstStyle/>
           <a:p>
-            <a:pPr indent="0" lvl="0" marL="0">
+            <a:pPr indent="0" lvl="0" marL="0" rtl="0" algn="l">
               <a:spcBef>
                 <a:spcPts val="0"/>
               </a:spcBef>
@@ -8926,7 +10519,7 @@
       </p:sp>
       <p:sp>
         <p:nvSpPr>
-          <p:cNvPr id="152" name="Shape 152"/>
+          <p:cNvPr id="153" name="Google Shape;153;p26"/>
           <p:cNvSpPr txBox="1"/>
           <p:nvPr>
             <p:ph idx="1" type="body"/>
@@ -8934,7 +10527,7 @@
         </p:nvSpPr>
         <p:spPr>
           <a:xfrm>
-            <a:off x="311700" y="1152475"/>
+            <a:off x="311700" y="1913425"/>
             <a:ext cx="8520600" cy="3416400"/>
           </a:xfrm>
           <a:prstGeom prst="rect">
@@ -8947,58 +10540,91 @@
           </a:bodyPr>
           <a:lstStyle/>
           <a:p>
-            <a:pPr indent="-342900" lvl="0" marL="457200" rtl="0">
-              <a:spcBef>
-                <a:spcPts val="0"/>
-              </a:spcBef>
-              <a:spcAft>
-                <a:spcPts val="0"/>
-              </a:spcAft>
-              <a:buSzPts val="1800"/>
+            <a:pPr indent="-419100" lvl="0" marL="457200" rtl="0" algn="l">
+              <a:spcBef>
+                <a:spcPts val="0"/>
+              </a:spcBef>
+              <a:spcAft>
+                <a:spcPts val="0"/>
+              </a:spcAft>
+              <a:buClr>
+                <a:srgbClr val="000000"/>
+              </a:buClr>
+              <a:buSzPts val="3000"/>
               <a:buChar char="●"/>
             </a:pPr>
             <a:r>
-              <a:rPr lang="en"/>
+              <a:rPr lang="en" sz="3000">
+                <a:solidFill>
+                  <a:srgbClr val="000000"/>
+                </a:solidFill>
+              </a:rPr>
               <a:t>Ethereum’s homebrew binary encoding</a:t>
             </a:r>
-            <a:endParaRPr/>
+            <a:endParaRPr sz="3000">
+              <a:solidFill>
+                <a:srgbClr val="000000"/>
+              </a:solidFill>
+            </a:endParaRPr>
           </a:p>
           <a:p>
-            <a:pPr indent="-342900" lvl="0" marL="457200" rtl="0">
-              <a:spcBef>
-                <a:spcPts val="0"/>
-              </a:spcBef>
-              <a:spcAft>
-                <a:spcPts val="0"/>
-              </a:spcAft>
-              <a:buSzPts val="1800"/>
+            <a:pPr indent="-419100" lvl="0" marL="457200" rtl="0" algn="l">
+              <a:spcBef>
+                <a:spcPts val="0"/>
+              </a:spcBef>
+              <a:spcAft>
+                <a:spcPts val="0"/>
+              </a:spcAft>
+              <a:buClr>
+                <a:srgbClr val="000000"/>
+              </a:buClr>
+              <a:buSzPts val="3000"/>
               <a:buChar char="●"/>
             </a:pPr>
             <a:r>
-              <a:rPr lang="en"/>
+              <a:rPr lang="en" sz="3000">
+                <a:solidFill>
+                  <a:srgbClr val="000000"/>
+                </a:solidFill>
+              </a:rPr>
               <a:t>simplicity of implementation</a:t>
             </a:r>
-            <a:endParaRPr/>
+            <a:endParaRPr sz="3000">
+              <a:solidFill>
+                <a:srgbClr val="000000"/>
+              </a:solidFill>
+            </a:endParaRPr>
           </a:p>
           <a:p>
-            <a:pPr indent="-342900" lvl="0" marL="457200" rtl="0">
-              <a:spcBef>
-                <a:spcPts val="0"/>
-              </a:spcBef>
-              <a:spcAft>
-                <a:spcPts val="0"/>
-              </a:spcAft>
-              <a:buSzPts val="1800"/>
+            <a:pPr indent="-419100" lvl="0" marL="457200" rtl="0" algn="l">
+              <a:spcBef>
+                <a:spcPts val="0"/>
+              </a:spcBef>
+              <a:spcAft>
+                <a:spcPts val="0"/>
+              </a:spcAft>
+              <a:buClr>
+                <a:srgbClr val="000000"/>
+              </a:buClr>
+              <a:buSzPts val="3000"/>
               <a:buChar char="●"/>
             </a:pPr>
             <a:r>
-              <a:rPr lang="en"/>
+              <a:rPr lang="en" sz="3000">
+                <a:solidFill>
+                  <a:srgbClr val="000000"/>
+                </a:solidFill>
+              </a:rPr>
               <a:t>guaranteed absolute byte-perfect consistency</a:t>
             </a:r>
-            <a:endParaRPr/>
+            <a:endParaRPr sz="3000">
+              <a:solidFill>
+                <a:srgbClr val="000000"/>
+              </a:solidFill>
+            </a:endParaRPr>
           </a:p>
           <a:p>
-            <a:pPr indent="0" lvl="0" marL="0">
+            <a:pPr indent="0" lvl="0" marL="0" rtl="0" algn="l">
               <a:spcBef>
                 <a:spcPts val="0"/>
               </a:spcBef>
@@ -9027,7 +10653,7 @@
   <p:cSld>
     <p:spTree>
       <p:nvGrpSpPr>
-        <p:cNvPr id="156" name="Shape 156"/>
+        <p:cNvPr id="157" name="Shape 157"/>
         <p:cNvGrpSpPr/>
         <p:nvPr/>
       </p:nvGrpSpPr>
@@ -9041,7 +10667,7 @@
       </p:grpSpPr>
       <p:sp>
         <p:nvSpPr>
-          <p:cNvPr id="157" name="Shape 157"/>
+          <p:cNvPr id="158" name="Google Shape;158;p27"/>
           <p:cNvSpPr txBox="1"/>
           <p:nvPr>
             <p:ph type="title"/>
@@ -9062,7 +10688,7 @@
           </a:bodyPr>
           <a:lstStyle/>
           <a:p>
-            <a:pPr indent="0" lvl="0" marL="0">
+            <a:pPr indent="0" lvl="0" marL="0" rtl="0" algn="l">
               <a:spcBef>
                 <a:spcPts val="0"/>
               </a:spcBef>
@@ -9073,22 +10699,31 @@
             </a:pPr>
             <a:r>
               <a:rPr lang="en"/>
-              <a:t>ExRLP</a:t>
-            </a:r>
-            <a:endParaRPr sz="1400"/>
+              <a:t>ExRLP - </a:t>
+            </a:r>
+            <a:r>
+              <a:rPr b="0" lang="en">
+                <a:latin typeface="Arial"/>
+                <a:ea typeface="Arial"/>
+                <a:cs typeface="Arial"/>
+                <a:sym typeface="Arial"/>
+              </a:rPr>
+              <a:t>recursive length prefix</a:t>
+            </a:r>
+            <a:endParaRPr/>
           </a:p>
         </p:txBody>
       </p:sp>
       <p:sp>
         <p:nvSpPr>
-          <p:cNvPr id="158" name="Shape 158"/>
+          <p:cNvPr id="159" name="Google Shape;159;p27"/>
           <p:cNvSpPr txBox="1"/>
           <p:nvPr/>
         </p:nvSpPr>
         <p:spPr>
           <a:xfrm>
-            <a:off x="267750" y="1528950"/>
-            <a:ext cx="8250600" cy="3191700"/>
+            <a:off x="267750" y="1220050"/>
+            <a:ext cx="3748500" cy="3923400"/>
           </a:xfrm>
           <a:prstGeom prst="rect">
             <a:avLst/>
@@ -9104,7 +10739,7 @@
           </a:bodyPr>
           <a:lstStyle/>
           <a:p>
-            <a:pPr indent="0" lvl="0" marL="88900" marR="88900" rtl="0">
+            <a:pPr indent="0" lvl="0" marL="88900" marR="88900" rtl="0" algn="l">
               <a:lnSpc>
                 <a:spcPct val="125000"/>
               </a:lnSpc>
@@ -9813,6 +11448,833 @@
                 <a:srgbClr val="FFFFFF"/>
               </a:highlight>
             </a:endParaRPr>
+          </a:p>
+        </p:txBody>
+      </p:sp>
+      <p:sp>
+        <p:nvSpPr>
+          <p:cNvPr id="160" name="Google Shape;160;p27"/>
+          <p:cNvSpPr txBox="1"/>
+          <p:nvPr/>
+        </p:nvSpPr>
+        <p:spPr>
+          <a:xfrm>
+            <a:off x="3737225" y="1117325"/>
+            <a:ext cx="4738800" cy="3852900"/>
+          </a:xfrm>
+          <a:prstGeom prst="rect">
+            <a:avLst/>
+          </a:prstGeom>
+          <a:noFill/>
+          <a:ln>
+            <a:noFill/>
+          </a:ln>
+        </p:spPr>
+        <p:txBody>
+          <a:bodyPr anchorCtr="0" anchor="t" bIns="91425" lIns="91425" spcFirstLastPara="1" rIns="91425" wrap="square" tIns="91425">
+            <a:noAutofit/>
+          </a:bodyPr>
+          <a:lstStyle/>
+          <a:p>
+            <a:pPr indent="0" lvl="0" marL="0" rtl="0" algn="l">
+              <a:lnSpc>
+                <a:spcPct val="125000"/>
+              </a:lnSpc>
+              <a:spcBef>
+                <a:spcPts val="0"/>
+              </a:spcBef>
+              <a:spcAft>
+                <a:spcPts val="0"/>
+              </a:spcAft>
+              <a:buClr>
+                <a:schemeClr val="dk2"/>
+              </a:buClr>
+              <a:buSzPts val="1100"/>
+              <a:buFont typeface="Arial"/>
+              <a:buNone/>
+            </a:pPr>
+            <a:r>
+              <a:rPr lang="en" sz="1100">
+                <a:solidFill>
+                  <a:schemeClr val="dk2"/>
+                </a:solidFill>
+              </a:rPr>
+              <a:t>iex</a:t>
+            </a:r>
+            <a:r>
+              <a:rPr lang="en" sz="1100">
+                <a:solidFill>
+                  <a:schemeClr val="accent1"/>
+                </a:solidFill>
+              </a:rPr>
+              <a:t>&gt;</a:t>
+            </a:r>
+            <a:r>
+              <a:rPr lang="en" sz="1100">
+                <a:solidFill>
+                  <a:schemeClr val="dk2"/>
+                </a:solidFill>
+              </a:rPr>
+              <a:t> [[[]], []] </a:t>
+            </a:r>
+            <a:r>
+              <a:rPr lang="en" sz="1100">
+                <a:solidFill>
+                  <a:schemeClr val="accent1"/>
+                </a:solidFill>
+              </a:rPr>
+              <a:t>|&gt;</a:t>
+            </a:r>
+            <a:r>
+              <a:rPr lang="en" sz="1100">
+                <a:solidFill>
+                  <a:schemeClr val="dk2"/>
+                </a:solidFill>
+              </a:rPr>
+              <a:t> ExRLP</a:t>
+            </a:r>
+            <a:r>
+              <a:rPr lang="en" sz="1100">
+                <a:solidFill>
+                  <a:schemeClr val="accent1"/>
+                </a:solidFill>
+              </a:rPr>
+              <a:t>.</a:t>
+            </a:r>
+            <a:r>
+              <a:rPr lang="en" sz="1100">
+                <a:solidFill>
+                  <a:schemeClr val="dk2"/>
+                </a:solidFill>
+              </a:rPr>
+              <a:t>Encode</a:t>
+            </a:r>
+            <a:r>
+              <a:rPr lang="en" sz="1100">
+                <a:solidFill>
+                  <a:schemeClr val="accent1"/>
+                </a:solidFill>
+              </a:rPr>
+              <a:t>.</a:t>
+            </a:r>
+            <a:r>
+              <a:rPr lang="en" sz="1100">
+                <a:solidFill>
+                  <a:schemeClr val="dk2"/>
+                </a:solidFill>
+              </a:rPr>
+              <a:t>encode</a:t>
+            </a:r>
+            <a:br>
+              <a:rPr lang="en" sz="1100">
+                <a:solidFill>
+                  <a:schemeClr val="dk2"/>
+                </a:solidFill>
+              </a:rPr>
+            </a:br>
+            <a:r>
+              <a:rPr lang="en" sz="1100">
+                <a:solidFill>
+                  <a:schemeClr val="accent1"/>
+                </a:solidFill>
+              </a:rPr>
+              <a:t>&lt;&lt;</a:t>
+            </a:r>
+            <a:r>
+              <a:rPr b="1" lang="en" sz="1100">
+                <a:solidFill>
+                  <a:srgbClr val="0000DD"/>
+                </a:solidFill>
+              </a:rPr>
+              <a:t>195</a:t>
+            </a:r>
+            <a:r>
+              <a:rPr lang="en" sz="1100">
+                <a:solidFill>
+                  <a:schemeClr val="dk2"/>
+                </a:solidFill>
+              </a:rPr>
+              <a:t>, </a:t>
+            </a:r>
+            <a:r>
+              <a:rPr b="1" lang="en" sz="1100">
+                <a:solidFill>
+                  <a:srgbClr val="0000DD"/>
+                </a:solidFill>
+              </a:rPr>
+              <a:t>193</a:t>
+            </a:r>
+            <a:r>
+              <a:rPr lang="en" sz="1100">
+                <a:solidFill>
+                  <a:schemeClr val="dk2"/>
+                </a:solidFill>
+              </a:rPr>
+              <a:t>, </a:t>
+            </a:r>
+            <a:r>
+              <a:rPr b="1" lang="en" sz="1100">
+                <a:solidFill>
+                  <a:srgbClr val="0000DD"/>
+                </a:solidFill>
+              </a:rPr>
+              <a:t>192</a:t>
+            </a:r>
+            <a:r>
+              <a:rPr lang="en" sz="1100">
+                <a:solidFill>
+                  <a:schemeClr val="dk2"/>
+                </a:solidFill>
+              </a:rPr>
+              <a:t>, </a:t>
+            </a:r>
+            <a:r>
+              <a:rPr b="1" lang="en" sz="1100">
+                <a:solidFill>
+                  <a:srgbClr val="0000DD"/>
+                </a:solidFill>
+              </a:rPr>
+              <a:t>192</a:t>
+            </a:r>
+            <a:r>
+              <a:rPr lang="en" sz="1100">
+                <a:solidFill>
+                  <a:schemeClr val="accent1"/>
+                </a:solidFill>
+              </a:rPr>
+              <a:t>&gt;&gt;</a:t>
+            </a:r>
+            <a:br>
+              <a:rPr lang="en" sz="1100">
+                <a:solidFill>
+                  <a:schemeClr val="dk2"/>
+                </a:solidFill>
+              </a:rPr>
+            </a:br>
+            <a:br>
+              <a:rPr lang="en" sz="1100">
+                <a:solidFill>
+                  <a:schemeClr val="dk2"/>
+                </a:solidFill>
+              </a:rPr>
+            </a:br>
+            <a:r>
+              <a:rPr lang="en" sz="1100">
+                <a:solidFill>
+                  <a:schemeClr val="dk2"/>
+                </a:solidFill>
+              </a:rPr>
+              <a:t>iex</a:t>
+            </a:r>
+            <a:r>
+              <a:rPr lang="en" sz="1100">
+                <a:solidFill>
+                  <a:schemeClr val="accent1"/>
+                </a:solidFill>
+              </a:rPr>
+              <a:t>&gt;</a:t>
+            </a:r>
+            <a:r>
+              <a:rPr lang="en" sz="1100">
+                <a:solidFill>
+                  <a:schemeClr val="dk2"/>
+                </a:solidFill>
+              </a:rPr>
+              <a:t> [</a:t>
+            </a:r>
+            <a:r>
+              <a:rPr b="1" lang="en" sz="1100">
+                <a:solidFill>
+                  <a:srgbClr val="0000DD"/>
+                </a:solidFill>
+              </a:rPr>
+              <a:t>42</a:t>
+            </a:r>
+            <a:r>
+              <a:rPr lang="en" sz="1100">
+                <a:solidFill>
+                  <a:schemeClr val="dk2"/>
+                </a:solidFill>
+              </a:rPr>
+              <a:t>, </a:t>
+            </a:r>
+            <a:r>
+              <a:rPr lang="en" sz="1100">
+                <a:solidFill>
+                  <a:schemeClr val="dk2"/>
+                </a:solidFill>
+                <a:highlight>
+                  <a:srgbClr val="FFF0F0"/>
+                </a:highlight>
+              </a:rPr>
+              <a:t>"eth"</a:t>
+            </a:r>
+            <a:r>
+              <a:rPr lang="en" sz="1100">
+                <a:solidFill>
+                  <a:schemeClr val="dk2"/>
+                </a:solidFill>
+              </a:rPr>
+              <a:t>] </a:t>
+            </a:r>
+            <a:r>
+              <a:rPr lang="en" sz="1100">
+                <a:solidFill>
+                  <a:schemeClr val="accent1"/>
+                </a:solidFill>
+              </a:rPr>
+              <a:t>|&gt;</a:t>
+            </a:r>
+            <a:r>
+              <a:rPr lang="en" sz="1100">
+                <a:solidFill>
+                  <a:schemeClr val="dk2"/>
+                </a:solidFill>
+              </a:rPr>
+              <a:t> ExRLP</a:t>
+            </a:r>
+            <a:r>
+              <a:rPr lang="en" sz="1100">
+                <a:solidFill>
+                  <a:schemeClr val="accent1"/>
+                </a:solidFill>
+              </a:rPr>
+              <a:t>.</a:t>
+            </a:r>
+            <a:r>
+              <a:rPr lang="en" sz="1100">
+                <a:solidFill>
+                  <a:schemeClr val="dk2"/>
+                </a:solidFill>
+              </a:rPr>
+              <a:t>Encode</a:t>
+            </a:r>
+            <a:r>
+              <a:rPr lang="en" sz="1100">
+                <a:solidFill>
+                  <a:schemeClr val="accent1"/>
+                </a:solidFill>
+              </a:rPr>
+              <a:t>.</a:t>
+            </a:r>
+            <a:r>
+              <a:rPr lang="en" sz="1100">
+                <a:solidFill>
+                  <a:schemeClr val="dk2"/>
+                </a:solidFill>
+              </a:rPr>
+              <a:t>encode</a:t>
+            </a:r>
+            <a:br>
+              <a:rPr lang="en" sz="1100">
+                <a:solidFill>
+                  <a:schemeClr val="dk2"/>
+                </a:solidFill>
+              </a:rPr>
+            </a:br>
+            <a:r>
+              <a:rPr lang="en" sz="1100">
+                <a:solidFill>
+                  <a:schemeClr val="accent1"/>
+                </a:solidFill>
+              </a:rPr>
+              <a:t>&lt;&lt;</a:t>
+            </a:r>
+            <a:r>
+              <a:rPr b="1" lang="en" sz="1100">
+                <a:solidFill>
+                  <a:srgbClr val="0000DD"/>
+                </a:solidFill>
+              </a:rPr>
+              <a:t>197</a:t>
+            </a:r>
+            <a:r>
+              <a:rPr lang="en" sz="1100">
+                <a:solidFill>
+                  <a:schemeClr val="dk2"/>
+                </a:solidFill>
+              </a:rPr>
+              <a:t>, </a:t>
+            </a:r>
+            <a:r>
+              <a:rPr b="1" lang="en" sz="1100">
+                <a:solidFill>
+                  <a:srgbClr val="0000DD"/>
+                </a:solidFill>
+              </a:rPr>
+              <a:t>42</a:t>
+            </a:r>
+            <a:r>
+              <a:rPr lang="en" sz="1100">
+                <a:solidFill>
+                  <a:schemeClr val="dk2"/>
+                </a:solidFill>
+              </a:rPr>
+              <a:t>, </a:t>
+            </a:r>
+            <a:r>
+              <a:rPr b="1" lang="en" sz="1100">
+                <a:solidFill>
+                  <a:srgbClr val="0000DD"/>
+                </a:solidFill>
+              </a:rPr>
+              <a:t>131</a:t>
+            </a:r>
+            <a:r>
+              <a:rPr lang="en" sz="1100">
+                <a:solidFill>
+                  <a:schemeClr val="dk2"/>
+                </a:solidFill>
+              </a:rPr>
+              <a:t>, </a:t>
+            </a:r>
+            <a:r>
+              <a:rPr b="1" lang="en" sz="1100">
+                <a:solidFill>
+                  <a:srgbClr val="0000DD"/>
+                </a:solidFill>
+              </a:rPr>
+              <a:t>101</a:t>
+            </a:r>
+            <a:r>
+              <a:rPr lang="en" sz="1100">
+                <a:solidFill>
+                  <a:schemeClr val="dk2"/>
+                </a:solidFill>
+              </a:rPr>
+              <a:t>, </a:t>
+            </a:r>
+            <a:r>
+              <a:rPr b="1" lang="en" sz="1100">
+                <a:solidFill>
+                  <a:srgbClr val="0000DD"/>
+                </a:solidFill>
+              </a:rPr>
+              <a:t>116</a:t>
+            </a:r>
+            <a:r>
+              <a:rPr lang="en" sz="1100">
+                <a:solidFill>
+                  <a:schemeClr val="dk2"/>
+                </a:solidFill>
+              </a:rPr>
+              <a:t>, </a:t>
+            </a:r>
+            <a:r>
+              <a:rPr b="1" lang="en" sz="1100">
+                <a:solidFill>
+                  <a:srgbClr val="0000DD"/>
+                </a:solidFill>
+              </a:rPr>
+              <a:t>104</a:t>
+            </a:r>
+            <a:r>
+              <a:rPr lang="en" sz="1100">
+                <a:solidFill>
+                  <a:schemeClr val="accent1"/>
+                </a:solidFill>
+              </a:rPr>
+              <a:t>&gt;&gt;</a:t>
+            </a:r>
+            <a:br>
+              <a:rPr lang="en" sz="1100">
+                <a:solidFill>
+                  <a:schemeClr val="dk2"/>
+                </a:solidFill>
+              </a:rPr>
+            </a:br>
+            <a:br>
+              <a:rPr lang="en" sz="1100">
+                <a:solidFill>
+                  <a:schemeClr val="dk2"/>
+                </a:solidFill>
+              </a:rPr>
+            </a:br>
+            <a:r>
+              <a:rPr lang="en" sz="1100">
+                <a:solidFill>
+                  <a:schemeClr val="dk2"/>
+                </a:solidFill>
+              </a:rPr>
+              <a:t>iex</a:t>
+            </a:r>
+            <a:r>
+              <a:rPr lang="en" sz="1100">
+                <a:solidFill>
+                  <a:schemeClr val="accent1"/>
+                </a:solidFill>
+              </a:rPr>
+              <a:t>&gt;</a:t>
+            </a:r>
+            <a:r>
+              <a:rPr lang="en" sz="1100">
+                <a:solidFill>
+                  <a:schemeClr val="dk2"/>
+                </a:solidFill>
+              </a:rPr>
+              <a:t> [</a:t>
+            </a:r>
+            <a:r>
+              <a:rPr b="1" lang="en" sz="1100">
+                <a:solidFill>
+                  <a:srgbClr val="0000DD"/>
+                </a:solidFill>
+              </a:rPr>
+              <a:t>42</a:t>
+            </a:r>
+            <a:r>
+              <a:rPr lang="en" sz="1100">
+                <a:solidFill>
+                  <a:schemeClr val="dk2"/>
+                </a:solidFill>
+              </a:rPr>
+              <a:t>, [</a:t>
+            </a:r>
+            <a:r>
+              <a:rPr lang="en" sz="1100">
+                <a:solidFill>
+                  <a:schemeClr val="dk2"/>
+                </a:solidFill>
+                <a:highlight>
+                  <a:srgbClr val="FFF0F0"/>
+                </a:highlight>
+              </a:rPr>
+              <a:t>"sun"</a:t>
+            </a:r>
+            <a:r>
+              <a:rPr lang="en" sz="1100">
+                <a:solidFill>
+                  <a:schemeClr val="dk2"/>
+                </a:solidFill>
+              </a:rPr>
+              <a:t>, </a:t>
+            </a:r>
+            <a:r>
+              <a:rPr lang="en" sz="1100">
+                <a:solidFill>
+                  <a:schemeClr val="dk2"/>
+                </a:solidFill>
+                <a:highlight>
+                  <a:srgbClr val="FFF0F0"/>
+                </a:highlight>
+              </a:rPr>
+              <a:t>"moon"</a:t>
+            </a:r>
+            <a:r>
+              <a:rPr lang="en" sz="1100">
+                <a:solidFill>
+                  <a:schemeClr val="dk2"/>
+                </a:solidFill>
+              </a:rPr>
+              <a:t>, </a:t>
+            </a:r>
+            <a:r>
+              <a:rPr b="1" lang="en" sz="1100">
+                <a:solidFill>
+                  <a:srgbClr val="0000DD"/>
+                </a:solidFill>
+              </a:rPr>
+              <a:t>5</a:t>
+            </a:r>
+            <a:r>
+              <a:rPr lang="en" sz="1100">
+                <a:solidFill>
+                  <a:schemeClr val="dk2"/>
+                </a:solidFill>
+              </a:rPr>
+              <a:t>]] </a:t>
+            </a:r>
+            <a:r>
+              <a:rPr lang="en" sz="1100">
+                <a:solidFill>
+                  <a:schemeClr val="accent1"/>
+                </a:solidFill>
+              </a:rPr>
+              <a:t>|&gt;</a:t>
+            </a:r>
+            <a:r>
+              <a:rPr lang="en" sz="1100">
+                <a:solidFill>
+                  <a:schemeClr val="dk2"/>
+                </a:solidFill>
+              </a:rPr>
+              <a:t> ExRLP</a:t>
+            </a:r>
+            <a:r>
+              <a:rPr lang="en" sz="1100">
+                <a:solidFill>
+                  <a:schemeClr val="accent1"/>
+                </a:solidFill>
+              </a:rPr>
+              <a:t>.</a:t>
+            </a:r>
+            <a:r>
+              <a:rPr lang="en" sz="1100">
+                <a:solidFill>
+                  <a:schemeClr val="dk2"/>
+                </a:solidFill>
+              </a:rPr>
+              <a:t>Encode</a:t>
+            </a:r>
+            <a:r>
+              <a:rPr lang="en" sz="1100">
+                <a:solidFill>
+                  <a:schemeClr val="accent1"/>
+                </a:solidFill>
+              </a:rPr>
+              <a:t>.</a:t>
+            </a:r>
+            <a:r>
+              <a:rPr lang="en" sz="1100">
+                <a:solidFill>
+                  <a:schemeClr val="dk2"/>
+                </a:solidFill>
+              </a:rPr>
+              <a:t>encode</a:t>
+            </a:r>
+            <a:br>
+              <a:rPr lang="en" sz="1100">
+                <a:solidFill>
+                  <a:schemeClr val="dk2"/>
+                </a:solidFill>
+              </a:rPr>
+            </a:br>
+            <a:r>
+              <a:rPr lang="en" sz="1100">
+                <a:solidFill>
+                  <a:schemeClr val="accent1"/>
+                </a:solidFill>
+              </a:rPr>
+              <a:t>&lt;&lt;</a:t>
+            </a:r>
+            <a:r>
+              <a:rPr b="1" lang="en" sz="1100">
+                <a:solidFill>
+                  <a:srgbClr val="0000DD"/>
+                </a:solidFill>
+              </a:rPr>
+              <a:t>204</a:t>
+            </a:r>
+            <a:r>
+              <a:rPr lang="en" sz="1100">
+                <a:solidFill>
+                  <a:schemeClr val="dk2"/>
+                </a:solidFill>
+              </a:rPr>
+              <a:t>, </a:t>
+            </a:r>
+            <a:r>
+              <a:rPr b="1" lang="en" sz="1100">
+                <a:solidFill>
+                  <a:srgbClr val="0000DD"/>
+                </a:solidFill>
+              </a:rPr>
+              <a:t>42</a:t>
+            </a:r>
+            <a:r>
+              <a:rPr lang="en" sz="1100">
+                <a:solidFill>
+                  <a:schemeClr val="dk2"/>
+                </a:solidFill>
+              </a:rPr>
+              <a:t>, </a:t>
+            </a:r>
+            <a:r>
+              <a:rPr b="1" lang="en" sz="1100">
+                <a:solidFill>
+                  <a:srgbClr val="0000DD"/>
+                </a:solidFill>
+              </a:rPr>
+              <a:t>202</a:t>
+            </a:r>
+            <a:r>
+              <a:rPr lang="en" sz="1100">
+                <a:solidFill>
+                  <a:schemeClr val="dk2"/>
+                </a:solidFill>
+              </a:rPr>
+              <a:t>, </a:t>
+            </a:r>
+            <a:r>
+              <a:rPr b="1" lang="en" sz="1100">
+                <a:solidFill>
+                  <a:srgbClr val="0000DD"/>
+                </a:solidFill>
+              </a:rPr>
+              <a:t>131</a:t>
+            </a:r>
+            <a:r>
+              <a:rPr lang="en" sz="1100">
+                <a:solidFill>
+                  <a:schemeClr val="dk2"/>
+                </a:solidFill>
+              </a:rPr>
+              <a:t>, </a:t>
+            </a:r>
+            <a:r>
+              <a:rPr b="1" lang="en" sz="1100">
+                <a:solidFill>
+                  <a:srgbClr val="0000DD"/>
+                </a:solidFill>
+              </a:rPr>
+              <a:t>115</a:t>
+            </a:r>
+            <a:r>
+              <a:rPr lang="en" sz="1100">
+                <a:solidFill>
+                  <a:schemeClr val="dk2"/>
+                </a:solidFill>
+              </a:rPr>
+              <a:t>, </a:t>
+            </a:r>
+            <a:r>
+              <a:rPr b="1" lang="en" sz="1100">
+                <a:solidFill>
+                  <a:srgbClr val="0000DD"/>
+                </a:solidFill>
+              </a:rPr>
+              <a:t>117</a:t>
+            </a:r>
+            <a:r>
+              <a:rPr lang="en" sz="1100">
+                <a:solidFill>
+                  <a:schemeClr val="dk2"/>
+                </a:solidFill>
+              </a:rPr>
+              <a:t>, </a:t>
+            </a:r>
+            <a:r>
+              <a:rPr b="1" lang="en" sz="1100">
+                <a:solidFill>
+                  <a:srgbClr val="0000DD"/>
+                </a:solidFill>
+              </a:rPr>
+              <a:t>110</a:t>
+            </a:r>
+            <a:r>
+              <a:rPr lang="en" sz="1100">
+                <a:solidFill>
+                  <a:schemeClr val="dk2"/>
+                </a:solidFill>
+              </a:rPr>
+              <a:t>, </a:t>
+            </a:r>
+            <a:r>
+              <a:rPr b="1" lang="en" sz="1100">
+                <a:solidFill>
+                  <a:srgbClr val="0000DD"/>
+                </a:solidFill>
+              </a:rPr>
+              <a:t>132</a:t>
+            </a:r>
+            <a:r>
+              <a:rPr lang="en" sz="1100">
+                <a:solidFill>
+                  <a:schemeClr val="dk2"/>
+                </a:solidFill>
+              </a:rPr>
+              <a:t>, </a:t>
+            </a:r>
+            <a:r>
+              <a:rPr b="1" lang="en" sz="1100">
+                <a:solidFill>
+                  <a:srgbClr val="0000DD"/>
+                </a:solidFill>
+              </a:rPr>
+              <a:t>109</a:t>
+            </a:r>
+            <a:r>
+              <a:rPr lang="en" sz="1100">
+                <a:solidFill>
+                  <a:schemeClr val="dk2"/>
+                </a:solidFill>
+              </a:rPr>
+              <a:t>, </a:t>
+            </a:r>
+            <a:r>
+              <a:rPr b="1" lang="en" sz="1100">
+                <a:solidFill>
+                  <a:srgbClr val="0000DD"/>
+                </a:solidFill>
+              </a:rPr>
+              <a:t>111</a:t>
+            </a:r>
+            <a:r>
+              <a:rPr lang="en" sz="1100">
+                <a:solidFill>
+                  <a:schemeClr val="dk2"/>
+                </a:solidFill>
+              </a:rPr>
+              <a:t>, </a:t>
+            </a:r>
+            <a:r>
+              <a:rPr b="1" lang="en" sz="1100">
+                <a:solidFill>
+                  <a:srgbClr val="0000DD"/>
+                </a:solidFill>
+              </a:rPr>
+              <a:t>111</a:t>
+            </a:r>
+            <a:r>
+              <a:rPr lang="en" sz="1100">
+                <a:solidFill>
+                  <a:schemeClr val="dk2"/>
+                </a:solidFill>
+              </a:rPr>
+              <a:t>, </a:t>
+            </a:r>
+            <a:r>
+              <a:rPr b="1" lang="en" sz="1100">
+                <a:solidFill>
+                  <a:srgbClr val="0000DD"/>
+                </a:solidFill>
+              </a:rPr>
+              <a:t>110</a:t>
+            </a:r>
+            <a:r>
+              <a:rPr lang="en" sz="1100">
+                <a:solidFill>
+                  <a:schemeClr val="dk2"/>
+                </a:solidFill>
+              </a:rPr>
+              <a:t>, </a:t>
+            </a:r>
+            <a:r>
+              <a:rPr b="1" lang="en" sz="1100">
+                <a:solidFill>
+                  <a:srgbClr val="0000DD"/>
+                </a:solidFill>
+              </a:rPr>
+              <a:t>5</a:t>
+            </a:r>
+            <a:r>
+              <a:rPr lang="en" sz="1100">
+                <a:solidFill>
+                  <a:schemeClr val="accent1"/>
+                </a:solidFill>
+              </a:rPr>
+              <a:t>&gt;&gt;</a:t>
+            </a:r>
+            <a:endParaRPr sz="1100">
+              <a:solidFill>
+                <a:schemeClr val="accent1"/>
+              </a:solidFill>
+            </a:endParaRPr>
+          </a:p>
+          <a:p>
+            <a:pPr indent="0" lvl="0" marL="0" rtl="0" algn="l">
+              <a:spcBef>
+                <a:spcPts val="0"/>
+              </a:spcBef>
+              <a:spcAft>
+                <a:spcPts val="0"/>
+              </a:spcAft>
+              <a:buNone/>
+            </a:pPr>
+            <a:r>
+              <a:t/>
+            </a:r>
+            <a:endParaRPr/>
           </a:p>
         </p:txBody>
       </p:sp>
@@ -9829,7 +12291,7 @@
   <p:cSld>
     <p:spTree>
       <p:nvGrpSpPr>
-        <p:cNvPr id="162" name="Shape 162"/>
+        <p:cNvPr id="164" name="Shape 164"/>
         <p:cNvGrpSpPr/>
         <p:nvPr/>
       </p:nvGrpSpPr>
@@ -9843,7 +12305,7 @@
       </p:grpSpPr>
       <p:sp>
         <p:nvSpPr>
-          <p:cNvPr id="163" name="Shape 163"/>
+          <p:cNvPr id="165" name="Google Shape;165;p28"/>
           <p:cNvSpPr txBox="1"/>
           <p:nvPr>
             <p:ph type="title"/>
@@ -9864,18 +12326,23 @@
           </a:bodyPr>
           <a:lstStyle/>
           <a:p>
-            <a:pPr indent="0" lvl="0" marL="0">
-              <a:spcBef>
-                <a:spcPts val="0"/>
-              </a:spcBef>
-              <a:spcAft>
-                <a:spcPts val="0"/>
-              </a:spcAft>
+            <a:pPr indent="0" lvl="0" marL="0" rtl="0" algn="l">
+              <a:spcBef>
+                <a:spcPts val="0"/>
+              </a:spcBef>
+              <a:spcAft>
+                <a:spcPts val="0"/>
+              </a:spcAft>
+              <a:buClr>
+                <a:schemeClr val="dk2"/>
+              </a:buClr>
+              <a:buSzPts val="1100"/>
+              <a:buFont typeface="Arial"/>
               <a:buNone/>
             </a:pPr>
             <a:r>
               <a:rPr lang="en"/>
-              <a:t>Merkle Patricia Tree (Trie)</a:t>
+              <a:t>ExRLP</a:t>
             </a:r>
             <a:endParaRPr/>
           </a:p>
@@ -9883,7 +12350,7 @@
       </p:sp>
       <p:sp>
         <p:nvSpPr>
-          <p:cNvPr id="164" name="Shape 164"/>
+          <p:cNvPr id="166" name="Google Shape;166;p28"/>
           <p:cNvSpPr txBox="1"/>
           <p:nvPr>
             <p:ph idx="1" type="body"/>
@@ -9897,6 +12364,9 @@
           <a:prstGeom prst="rect">
             <a:avLst/>
           </a:prstGeom>
+          <a:solidFill>
+            <a:srgbClr val="FFFFFF"/>
+          </a:solidFill>
         </p:spPr>
         <p:txBody>
           <a:bodyPr anchorCtr="0" anchor="t" bIns="91425" lIns="91425" spcFirstLastPara="1" rIns="91425" wrap="square" tIns="91425">
@@ -9904,19 +12374,68 @@
           </a:bodyPr>
           <a:lstStyle/>
           <a:p>
-            <a:pPr indent="0" lvl="0" marL="0">
-              <a:spcBef>
-                <a:spcPts val="0"/>
-              </a:spcBef>
-              <a:spcAft>
+            <a:pPr indent="0" lvl="0" marL="0" rtl="0" algn="l">
+              <a:spcBef>
+                <a:spcPts val="0"/>
+              </a:spcBef>
+              <a:spcAft>
+                <a:spcPts val="0"/>
+              </a:spcAft>
+              <a:buNone/>
+            </a:pPr>
+            <a:r>
+              <a:t/>
+            </a:r>
+            <a:endParaRPr/>
+          </a:p>
+          <a:p>
+            <a:pPr indent="0" lvl="0" marL="0" rtl="0" algn="l">
+              <a:spcBef>
                 <a:spcPts val="1600"/>
+              </a:spcBef>
+              <a:spcAft>
+                <a:spcPts val="0"/>
               </a:spcAft>
               <a:buNone/>
             </a:pPr>
             <a:r>
-              <a:t/>
-            </a:r>
-            <a:endParaRPr/>
+              <a:rPr lang="en" sz="3000" u="sng">
+                <a:solidFill>
+                  <a:srgbClr val="000000"/>
+                </a:solidFill>
+                <a:hlinkClick r:id="rId3"/>
+              </a:rPr>
+              <a:t>https://www.badykov.com/elixir/2018/05/06/rlp/</a:t>
+            </a:r>
+            <a:endParaRPr sz="3000">
+              <a:solidFill>
+                <a:srgbClr val="000000"/>
+              </a:solidFill>
+            </a:endParaRPr>
+          </a:p>
+          <a:p>
+            <a:pPr indent="0" lvl="0" marL="0" rtl="0" algn="l">
+              <a:spcBef>
+                <a:spcPts val="1600"/>
+              </a:spcBef>
+              <a:spcAft>
+                <a:spcPts val="1600"/>
+              </a:spcAft>
+              <a:buNone/>
+            </a:pPr>
+            <a:r>
+              <a:rPr lang="en" sz="3000">
+                <a:solidFill>
+                  <a:srgbClr val="000000"/>
+                </a:solidFill>
+              </a:rPr>
+              <a:t>https://github.com/exthereum/ex_rlp</a:t>
+            </a:r>
+            <a:endParaRPr sz="3000">
+              <a:solidFill>
+                <a:srgbClr val="000000"/>
+              </a:solidFill>
+            </a:endParaRPr>
           </a:p>
         </p:txBody>
       </p:sp>
@@ -9933,7 +12452,7 @@
   <p:cSld>
     <p:spTree>
       <p:nvGrpSpPr>
-        <p:cNvPr id="168" name="Shape 168"/>
+        <p:cNvPr id="170" name="Shape 170"/>
         <p:cNvGrpSpPr/>
         <p:nvPr/>
       </p:nvGrpSpPr>
@@ -9947,7 +12466,7 @@
       </p:grpSpPr>
       <p:sp>
         <p:nvSpPr>
-          <p:cNvPr id="169" name="Shape 169"/>
+          <p:cNvPr id="171" name="Google Shape;171;p29"/>
           <p:cNvSpPr txBox="1"/>
           <p:nvPr>
             <p:ph type="title"/>
@@ -9968,7 +12487,7 @@
           </a:bodyPr>
           <a:lstStyle/>
           <a:p>
-            <a:pPr indent="0" lvl="0" marL="0">
+            <a:pPr indent="0" lvl="0" marL="0" rtl="0" algn="l">
               <a:spcBef>
                 <a:spcPts val="0"/>
               </a:spcBef>
@@ -9979,7 +12498,7 @@
             </a:pPr>
             <a:r>
               <a:rPr lang="en"/>
-              <a:t>EVM</a:t>
+              <a:t>Merkle Patricia Tree (Trie)</a:t>
             </a:r>
             <a:endParaRPr/>
           </a:p>
@@ -9987,7 +12506,7 @@
       </p:sp>
       <p:sp>
         <p:nvSpPr>
-          <p:cNvPr id="170" name="Shape 170"/>
+          <p:cNvPr id="172" name="Google Shape;172;p29"/>
           <p:cNvSpPr txBox="1"/>
           <p:nvPr>
             <p:ph idx="1" type="body"/>
@@ -10008,17 +12527,53 @@
           </a:bodyPr>
           <a:lstStyle/>
           <a:p>
-            <a:pPr indent="0" lvl="0" marL="0">
-              <a:spcBef>
-                <a:spcPts val="0"/>
-              </a:spcBef>
-              <a:spcAft>
-                <a:spcPts val="1600"/>
-              </a:spcAft>
-              <a:buNone/>
+            <a:pPr indent="-342900" lvl="0" marL="457200" rtl="0" algn="l">
+              <a:spcBef>
+                <a:spcPts val="0"/>
+              </a:spcBef>
+              <a:spcAft>
+                <a:spcPts val="0"/>
+              </a:spcAft>
+              <a:buSzPts val="1800"/>
+              <a:buChar char="-"/>
             </a:pPr>
             <a:r>
-              <a:t/>
+              <a:rPr lang="en"/>
+              <a:t>cryptographically authenticated data structure</a:t>
+            </a:r>
+            <a:endParaRPr/>
+          </a:p>
+          <a:p>
+            <a:pPr indent="-342900" lvl="0" marL="457200" rtl="0" algn="l">
+              <a:spcBef>
+                <a:spcPts val="0"/>
+              </a:spcBef>
+              <a:spcAft>
+                <a:spcPts val="0"/>
+              </a:spcAft>
+              <a:buSzPts val="1800"/>
+              <a:buChar char="-"/>
+            </a:pPr>
+            <a:r>
+              <a:rPr lang="en"/>
+              <a:t>Key-value storage</a:t>
+            </a:r>
+            <a:endParaRPr/>
+          </a:p>
+          <a:p>
+            <a:pPr indent="-342900" lvl="0" marL="457200" rtl="0" algn="l">
+              <a:spcBef>
+                <a:spcPts val="0"/>
+              </a:spcBef>
+              <a:spcAft>
+                <a:spcPts val="0"/>
+              </a:spcAft>
+              <a:buSzPts val="1800"/>
+              <a:buChar char="-"/>
+            </a:pPr>
+            <a:r>
+              <a:rPr lang="en"/>
+              <a:t>O(log(n)) efficiency for inserts, lookups and deletes</a:t>
             </a:r>
             <a:endParaRPr/>
           </a:p>
@@ -10037,7 +12592,7 @@
   <p:cSld>
     <p:spTree>
       <p:nvGrpSpPr>
-        <p:cNvPr id="174" name="Shape 174"/>
+        <p:cNvPr id="176" name="Shape 176"/>
         <p:cNvGrpSpPr/>
         <p:nvPr/>
       </p:nvGrpSpPr>
@@ -10051,7 +12606,7 @@
       </p:grpSpPr>
       <p:sp>
         <p:nvSpPr>
-          <p:cNvPr id="175" name="Shape 175"/>
+          <p:cNvPr id="177" name="Google Shape;177;p30"/>
           <p:cNvSpPr txBox="1"/>
           <p:nvPr>
             <p:ph type="title"/>
@@ -10072,62 +12627,71 @@
           </a:bodyPr>
           <a:lstStyle/>
           <a:p>
-            <a:pPr indent="0" lvl="0" marL="0">
-              <a:spcBef>
-                <a:spcPts val="0"/>
-              </a:spcBef>
-              <a:spcAft>
-                <a:spcPts val="0"/>
-              </a:spcAft>
+            <a:pPr indent="0" lvl="0" marL="0" rtl="0" algn="l">
+              <a:spcBef>
+                <a:spcPts val="0"/>
+              </a:spcBef>
+              <a:spcAft>
+                <a:spcPts val="0"/>
+              </a:spcAft>
+              <a:buClr>
+                <a:schemeClr val="dk2"/>
+              </a:buClr>
+              <a:buSzPts val="1100"/>
+              <a:buFont typeface="Arial"/>
               <a:buNone/>
             </a:pPr>
             <a:r>
               <a:rPr lang="en"/>
-              <a:t>Blockchain</a:t>
+              <a:t>Merkle Patricia Tree (Trie)</a:t>
+            </a:r>
+            <a:endParaRPr/>
+          </a:p>
+          <a:p>
+            <a:pPr indent="0" lvl="0" marL="0" rtl="0" algn="l">
+              <a:spcBef>
+                <a:spcPts val="0"/>
+              </a:spcBef>
+              <a:spcAft>
+                <a:spcPts val="0"/>
+              </a:spcAft>
+              <a:buNone/>
+            </a:pPr>
+            <a:r>
+              <a:t/>
             </a:r>
             <a:endParaRPr/>
           </a:p>
         </p:txBody>
       </p:sp>
-      <p:sp>
-        <p:nvSpPr>
-          <p:cNvPr id="176" name="Shape 176"/>
-          <p:cNvSpPr txBox="1"/>
-          <p:nvPr>
-            <p:ph idx="1" type="body"/>
-          </p:nvPr>
-        </p:nvSpPr>
-        <p:spPr>
-          <a:xfrm>
-            <a:off x="311700" y="1152475"/>
-            <a:ext cx="8520600" cy="3416400"/>
+      <p:pic>
+        <p:nvPicPr>
+          <p:cNvPr id="178" name="Google Shape;178;p30"/>
+          <p:cNvPicPr preferRelativeResize="0"/>
+          <p:nvPr/>
+        </p:nvPicPr>
+        <p:blipFill>
+          <a:blip r:embed="rId3">
+            <a:alphaModFix/>
+          </a:blip>
+          <a:stretch>
+            <a:fillRect/>
+          </a:stretch>
+        </p:blipFill>
+        <p:spPr>
+          <a:xfrm>
+            <a:off x="1292714" y="899325"/>
+            <a:ext cx="6363410" cy="4075076"/>
           </a:xfrm>
           <a:prstGeom prst="rect">
             <a:avLst/>
           </a:prstGeom>
-        </p:spPr>
-        <p:txBody>
-          <a:bodyPr anchorCtr="0" anchor="t" bIns="91425" lIns="91425" spcFirstLastPara="1" rIns="91425" wrap="square" tIns="91425">
-            <a:noAutofit/>
-          </a:bodyPr>
-          <a:lstStyle/>
-          <a:p>
-            <a:pPr indent="0" lvl="0" marL="0">
-              <a:spcBef>
-                <a:spcPts val="0"/>
-              </a:spcBef>
-              <a:spcAft>
-                <a:spcPts val="1600"/>
-              </a:spcAft>
-              <a:buNone/>
-            </a:pPr>
-            <a:r>
-              <a:t/>
-            </a:r>
-            <a:endParaRPr/>
-          </a:p>
-        </p:txBody>
-      </p:sp>
+          <a:noFill/>
+          <a:ln>
+            <a:noFill/>
+          </a:ln>
+        </p:spPr>
+      </p:pic>
     </p:spTree>
   </p:cSld>
   <p:clrMapOvr>
@@ -10141,7 +12705,7 @@
   <p:cSld>
     <p:spTree>
       <p:nvGrpSpPr>
-        <p:cNvPr id="180" name="Shape 180"/>
+        <p:cNvPr id="182" name="Shape 182"/>
         <p:cNvGrpSpPr/>
         <p:nvPr/>
       </p:nvGrpSpPr>
@@ -10155,7 +12719,7 @@
       </p:grpSpPr>
       <p:sp>
         <p:nvSpPr>
-          <p:cNvPr id="181" name="Shape 181"/>
+          <p:cNvPr id="183" name="Google Shape;183;p31"/>
           <p:cNvSpPr txBox="1"/>
           <p:nvPr>
             <p:ph type="title"/>
@@ -10176,7 +12740,7 @@
           </a:bodyPr>
           <a:lstStyle/>
           <a:p>
-            <a:pPr indent="0" lvl="0" marL="0">
+            <a:pPr indent="0" lvl="0" marL="0" rtl="0" algn="l">
               <a:spcBef>
                 <a:spcPts val="0"/>
               </a:spcBef>
@@ -10187,7 +12751,7 @@
             </a:pPr>
             <a:r>
               <a:rPr lang="en"/>
-              <a:t>ExWire</a:t>
+              <a:t>Storage overview</a:t>
             </a:r>
             <a:endParaRPr/>
           </a:p>
@@ -10195,7 +12759,7 @@
       </p:sp>
       <p:sp>
         <p:nvSpPr>
-          <p:cNvPr id="182" name="Shape 182"/>
+          <p:cNvPr id="184" name="Google Shape;184;p31"/>
           <p:cNvSpPr txBox="1"/>
           <p:nvPr>
             <p:ph idx="1" type="body"/>
@@ -10216,7 +12780,7 @@
           </a:bodyPr>
           <a:lstStyle/>
           <a:p>
-            <a:pPr indent="0" lvl="0" marL="0">
+            <a:pPr indent="0" lvl="0" marL="0" rtl="0" algn="l">
               <a:spcBef>
                 <a:spcPts val="0"/>
               </a:spcBef>
@@ -10232,6 +12796,34 @@
           </a:p>
         </p:txBody>
       </p:sp>
+      <p:pic>
+        <p:nvPicPr>
+          <p:cNvPr id="185" name="Google Shape;185;p31"/>
+          <p:cNvPicPr preferRelativeResize="0"/>
+          <p:nvPr/>
+        </p:nvPicPr>
+        <p:blipFill>
+          <a:blip r:embed="rId3">
+            <a:alphaModFix/>
+          </a:blip>
+          <a:stretch>
+            <a:fillRect/>
+          </a:stretch>
+        </p:blipFill>
+        <p:spPr>
+          <a:xfrm>
+            <a:off x="2475700" y="1068425"/>
+            <a:ext cx="3807224" cy="3807224"/>
+          </a:xfrm>
+          <a:prstGeom prst="rect">
+            <a:avLst/>
+          </a:prstGeom>
+          <a:noFill/>
+          <a:ln>
+            <a:noFill/>
+          </a:ln>
+        </p:spPr>
+      </p:pic>
     </p:spTree>
   </p:cSld>
   <p:clrMapOvr>
@@ -10259,7 +12851,7 @@
       </p:grpSpPr>
       <p:sp>
         <p:nvSpPr>
-          <p:cNvPr id="66" name="Shape 66"/>
+          <p:cNvPr id="66" name="Google Shape;66;p14"/>
           <p:cNvSpPr txBox="1"/>
           <p:nvPr>
             <p:ph type="title"/>
@@ -10280,7 +12872,7 @@
           </a:bodyPr>
           <a:lstStyle/>
           <a:p>
-            <a:pPr indent="0" lvl="0" marL="0">
+            <a:pPr indent="0" lvl="0" marL="0" rtl="0" algn="l">
               <a:spcBef>
                 <a:spcPts val="0"/>
               </a:spcBef>
@@ -10303,7 +12895,7 @@
       </p:sp>
       <p:sp>
         <p:nvSpPr>
-          <p:cNvPr id="67" name="Shape 67"/>
+          <p:cNvPr id="67" name="Google Shape;67;p14"/>
           <p:cNvSpPr txBox="1"/>
           <p:nvPr>
             <p:ph idx="1" type="body"/>
@@ -10324,7 +12916,7 @@
           </a:bodyPr>
           <a:lstStyle/>
           <a:p>
-            <a:pPr indent="0" lvl="0" marL="0">
+            <a:pPr indent="0" lvl="0" marL="0" rtl="0" algn="l">
               <a:spcBef>
                 <a:spcPts val="0"/>
               </a:spcBef>
@@ -10342,7 +12934,7 @@
       </p:sp>
       <p:pic>
         <p:nvPicPr>
-          <p:cNvPr id="68" name="Shape 68"/>
+          <p:cNvPr id="68" name="Google Shape;68;p14"/>
           <p:cNvPicPr preferRelativeResize="0"/>
           <p:nvPr/>
         </p:nvPicPr>
@@ -10355,36 +12947,8 @@
         </p:blipFill>
         <p:spPr>
           <a:xfrm>
-            <a:off x="1085075" y="1614638"/>
+            <a:off x="3159300" y="1571938"/>
             <a:ext cx="2825400" cy="2224275"/>
-          </a:xfrm>
-          <a:prstGeom prst="rect">
-            <a:avLst/>
-          </a:prstGeom>
-          <a:noFill/>
-          <a:ln>
-            <a:noFill/>
-          </a:ln>
-        </p:spPr>
-      </p:pic>
-      <p:pic>
-        <p:nvPicPr>
-          <p:cNvPr id="69" name="Shape 69"/>
-          <p:cNvPicPr preferRelativeResize="0"/>
-          <p:nvPr/>
-        </p:nvPicPr>
-        <p:blipFill>
-          <a:blip r:embed="rId4">
-            <a:alphaModFix/>
-          </a:blip>
-          <a:stretch>
-            <a:fillRect/>
-          </a:stretch>
-        </p:blipFill>
-        <p:spPr>
-          <a:xfrm>
-            <a:off x="5713250" y="1734150"/>
-            <a:ext cx="2115349" cy="2104776"/>
           </a:xfrm>
           <a:prstGeom prst="rect">
             <a:avLst/>
@@ -10408,7 +12972,7 @@
   <p:cSld>
     <p:spTree>
       <p:nvGrpSpPr>
-        <p:cNvPr id="186" name="Shape 186"/>
+        <p:cNvPr id="189" name="Shape 189"/>
         <p:cNvGrpSpPr/>
         <p:nvPr/>
       </p:nvGrpSpPr>
@@ -10422,7 +12986,7 @@
       </p:grpSpPr>
       <p:sp>
         <p:nvSpPr>
-          <p:cNvPr id="187" name="Shape 187"/>
+          <p:cNvPr id="190" name="Google Shape;190;p32"/>
           <p:cNvSpPr txBox="1"/>
           <p:nvPr>
             <p:ph type="title"/>
@@ -10430,8 +12994,8 @@
         </p:nvSpPr>
         <p:spPr>
           <a:xfrm>
-            <a:off x="311700" y="445025"/>
-            <a:ext cx="8520600" cy="623400"/>
+            <a:off x="254275" y="143575"/>
+            <a:ext cx="8520600" cy="416100"/>
           </a:xfrm>
           <a:prstGeom prst="rect">
             <a:avLst/>
@@ -10443,18 +13007,161 @@
           </a:bodyPr>
           <a:lstStyle/>
           <a:p>
-            <a:pPr indent="0" lvl="0" marL="0">
-              <a:spcBef>
-                <a:spcPts val="0"/>
-              </a:spcBef>
-              <a:spcAft>
-                <a:spcPts val="0"/>
-              </a:spcAft>
+            <a:pPr indent="0" lvl="0" marL="0" rtl="0" algn="l">
+              <a:lnSpc>
+                <a:spcPct val="115000"/>
+              </a:lnSpc>
+              <a:spcBef>
+                <a:spcPts val="2400"/>
+              </a:spcBef>
+              <a:spcAft>
+                <a:spcPts val="0"/>
+              </a:spcAft>
+              <a:buClr>
+                <a:schemeClr val="dk2"/>
+              </a:buClr>
+              <a:buSzPts val="1100"/>
+              <a:buFont typeface="Arial"/>
               <a:buNone/>
             </a:pPr>
             <a:r>
+              <a:rPr lang="en" sz="2300">
+                <a:latin typeface="Arial"/>
+                <a:ea typeface="Arial"/>
+                <a:cs typeface="Arial"/>
+                <a:sym typeface="Arial"/>
+              </a:rPr>
+              <a:t>Storage in Ethereum</a:t>
+            </a:r>
+            <a:endParaRPr sz="2300">
+              <a:latin typeface="Arial"/>
+              <a:ea typeface="Arial"/>
+              <a:cs typeface="Arial"/>
+              <a:sym typeface="Arial"/>
+            </a:endParaRPr>
+          </a:p>
+          <a:p>
+            <a:pPr indent="0" lvl="0" marL="0" rtl="0" algn="l">
+              <a:spcBef>
+                <a:spcPts val="600"/>
+              </a:spcBef>
+              <a:spcAft>
+                <a:spcPts val="0"/>
+              </a:spcAft>
+              <a:buNone/>
+            </a:pPr>
+            <a:r>
+              <a:t/>
+            </a:r>
+            <a:endParaRPr sz="2300">
+              <a:latin typeface="Arial"/>
+              <a:ea typeface="Arial"/>
+              <a:cs typeface="Arial"/>
+              <a:sym typeface="Arial"/>
+            </a:endParaRPr>
+          </a:p>
+        </p:txBody>
+      </p:sp>
+      <p:sp>
+        <p:nvSpPr>
+          <p:cNvPr id="191" name="Google Shape;191;p32"/>
+          <p:cNvSpPr txBox="1"/>
+          <p:nvPr>
+            <p:ph idx="1" type="body"/>
+          </p:nvPr>
+        </p:nvSpPr>
+        <p:spPr>
+          <a:xfrm>
+            <a:off x="311700" y="1152475"/>
+            <a:ext cx="8520600" cy="3416400"/>
+          </a:xfrm>
+          <a:prstGeom prst="rect">
+            <a:avLst/>
+          </a:prstGeom>
+        </p:spPr>
+        <p:txBody>
+          <a:bodyPr anchorCtr="0" anchor="t" bIns="91425" lIns="91425" spcFirstLastPara="1" rIns="91425" wrap="square" tIns="91425">
+            <a:noAutofit/>
+          </a:bodyPr>
+          <a:lstStyle/>
+          <a:p>
+            <a:pPr indent="0" lvl="0" marL="0" rtl="0" algn="l">
+              <a:spcBef>
+                <a:spcPts val="0"/>
+              </a:spcBef>
+              <a:spcAft>
+                <a:spcPts val="1600"/>
+              </a:spcAft>
+              <a:buNone/>
+            </a:pPr>
+            <a:r>
               <a:rPr lang="en"/>
-              <a:t>Current state</a:t>
+              <a:t>https://www.badykov.com/ethereum/2018/11/10/storage-in-ethereum/</a:t>
+            </a:r>
+            <a:endParaRPr/>
+          </a:p>
+        </p:txBody>
+      </p:sp>
+    </p:spTree>
+  </p:cSld>
+  <p:clrMapOvr>
+    <a:masterClrMapping/>
+  </p:clrMapOvr>
+</p:sld>
+</file>
+
+<file path=ppt/slides/slide21.xml><?xml version="1.0" encoding="utf-8"?>
+<p:sld xmlns:a="http://schemas.openxmlformats.org/drawingml/2006/main" xmlns:r="http://schemas.openxmlformats.org/officeDocument/2006/relationships" xmlns:mc="http://schemas.openxmlformats.org/markup-compatibility/2006" xmlns:mv="urn:schemas-microsoft-com:mac:vml" xmlns:p="http://schemas.openxmlformats.org/presentationml/2006/main" xmlns:c="http://schemas.openxmlformats.org/drawingml/2006/chart" xmlns:dgm="http://schemas.openxmlformats.org/drawingml/2006/diagram" xmlns:o="urn:schemas-microsoft-com:office:office" xmlns:v="urn:schemas-microsoft-com:vml" xmlns:pvml="urn:schemas-microsoft-com:office:powerpoint" xmlns:com="http://schemas.openxmlformats.org/drawingml/2006/compatibility" xmlns:p14="http://schemas.microsoft.com/office/powerpoint/2010/main" xmlns:p15="http://schemas.microsoft.com/office/powerpoint/2012/main">
+  <p:cSld>
+    <p:spTree>
+      <p:nvGrpSpPr>
+        <p:cNvPr id="195" name="Shape 195"/>
+        <p:cNvGrpSpPr/>
+        <p:nvPr/>
+      </p:nvGrpSpPr>
+      <p:grpSpPr>
+        <a:xfrm>
+          <a:off x="0" y="0"/>
+          <a:ext cx="0" cy="0"/>
+          <a:chOff x="0" y="0"/>
+          <a:chExt cx="0" cy="0"/>
+        </a:xfrm>
+      </p:grpSpPr>
+      <p:sp>
+        <p:nvSpPr>
+          <p:cNvPr id="196" name="Google Shape;196;p33"/>
+          <p:cNvSpPr txBox="1"/>
+          <p:nvPr>
+            <p:ph type="title"/>
+          </p:nvPr>
+        </p:nvSpPr>
+        <p:spPr>
+          <a:xfrm>
+            <a:off x="311700" y="445025"/>
+            <a:ext cx="8520600" cy="623400"/>
+          </a:xfrm>
+          <a:prstGeom prst="rect">
+            <a:avLst/>
+          </a:prstGeom>
+        </p:spPr>
+        <p:txBody>
+          <a:bodyPr anchorCtr="0" anchor="t" bIns="91425" lIns="91425" spcFirstLastPara="1" rIns="91425" wrap="square" tIns="91425">
+            <a:noAutofit/>
+          </a:bodyPr>
+          <a:lstStyle/>
+          <a:p>
+            <a:pPr indent="0" lvl="0" marL="0" rtl="0" algn="l">
+              <a:spcBef>
+                <a:spcPts val="0"/>
+              </a:spcBef>
+              <a:spcAft>
+                <a:spcPts val="0"/>
+              </a:spcAft>
+              <a:buNone/>
+            </a:pPr>
+            <a:r>
+              <a:rPr lang="en"/>
+              <a:t>EVM</a:t>
             </a:r>
             <a:endParaRPr/>
           </a:p>
@@ -10462,7 +13169,7 @@
       </p:sp>
       <p:sp>
         <p:nvSpPr>
-          <p:cNvPr id="188" name="Shape 188"/>
+          <p:cNvPr id="197" name="Google Shape;197;p33"/>
           <p:cNvSpPr txBox="1"/>
           <p:nvPr>
             <p:ph idx="1" type="body"/>
@@ -10483,12 +13190,1453 @@
           </a:bodyPr>
           <a:lstStyle/>
           <a:p>
-            <a:pPr indent="0" lvl="0" marL="0">
-              <a:spcBef>
-                <a:spcPts val="0"/>
-              </a:spcBef>
-              <a:spcAft>
+            <a:pPr indent="-342900" lvl="0" marL="457200" rtl="0" algn="l">
+              <a:spcBef>
+                <a:spcPts val="0"/>
+              </a:spcBef>
+              <a:spcAft>
+                <a:spcPts val="0"/>
+              </a:spcAft>
+              <a:buSzPts val="1800"/>
+              <a:buChar char="-"/>
+            </a:pPr>
+            <a:r>
+              <a:rPr lang="en"/>
+              <a:t>internal state and computation</a:t>
+            </a:r>
+            <a:endParaRPr/>
+          </a:p>
+          <a:p>
+            <a:pPr indent="-342900" lvl="0" marL="457200" rtl="0" algn="l">
+              <a:spcBef>
+                <a:spcPts val="0"/>
+              </a:spcBef>
+              <a:spcAft>
+                <a:spcPts val="0"/>
+              </a:spcAft>
+              <a:buSzPts val="1800"/>
+              <a:buChar char="-"/>
+            </a:pPr>
+            <a:r>
+              <a:rPr lang="en"/>
+              <a:t>executes machine code compiled from Solidity, LLL etc</a:t>
+            </a:r>
+            <a:endParaRPr/>
+          </a:p>
+          <a:p>
+            <a:pPr indent="-342900" lvl="0" marL="457200" rtl="0" algn="l">
+              <a:spcBef>
+                <a:spcPts val="0"/>
+              </a:spcBef>
+              <a:spcAft>
+                <a:spcPts val="0"/>
+              </a:spcAft>
+              <a:buSzPts val="1800"/>
+              <a:buChar char="-"/>
+            </a:pPr>
+            <a:r>
+              <a:rPr lang="en"/>
+              <a:t>stack machine, the stack has a maximum size of 1024</a:t>
+            </a:r>
+            <a:endParaRPr/>
+          </a:p>
+        </p:txBody>
+      </p:sp>
+    </p:spTree>
+  </p:cSld>
+  <p:clrMapOvr>
+    <a:masterClrMapping/>
+  </p:clrMapOvr>
+</p:sld>
+</file>
+
+<file path=ppt/slides/slide22.xml><?xml version="1.0" encoding="utf-8"?>
+<p:sld xmlns:a="http://schemas.openxmlformats.org/drawingml/2006/main" xmlns:r="http://schemas.openxmlformats.org/officeDocument/2006/relationships" xmlns:mc="http://schemas.openxmlformats.org/markup-compatibility/2006" xmlns:mv="urn:schemas-microsoft-com:mac:vml" xmlns:p="http://schemas.openxmlformats.org/presentationml/2006/main" xmlns:c="http://schemas.openxmlformats.org/drawingml/2006/chart" xmlns:dgm="http://schemas.openxmlformats.org/drawingml/2006/diagram" xmlns:o="urn:schemas-microsoft-com:office:office" xmlns:v="urn:schemas-microsoft-com:vml" xmlns:pvml="urn:schemas-microsoft-com:office:powerpoint" xmlns:com="http://schemas.openxmlformats.org/drawingml/2006/compatibility" xmlns:p14="http://schemas.microsoft.com/office/powerpoint/2010/main" xmlns:p15="http://schemas.microsoft.com/office/powerpoint/2012/main">
+  <p:cSld>
+    <p:spTree>
+      <p:nvGrpSpPr>
+        <p:cNvPr id="201" name="Shape 201"/>
+        <p:cNvGrpSpPr/>
+        <p:nvPr/>
+      </p:nvGrpSpPr>
+      <p:grpSpPr>
+        <a:xfrm>
+          <a:off x="0" y="0"/>
+          <a:ext cx="0" cy="0"/>
+          <a:chOff x="0" y="0"/>
+          <a:chExt cx="0" cy="0"/>
+        </a:xfrm>
+      </p:grpSpPr>
+      <p:sp>
+        <p:nvSpPr>
+          <p:cNvPr id="202" name="Google Shape;202;p34"/>
+          <p:cNvSpPr txBox="1"/>
+          <p:nvPr>
+            <p:ph type="title"/>
+          </p:nvPr>
+        </p:nvSpPr>
+        <p:spPr>
+          <a:xfrm>
+            <a:off x="311700" y="445025"/>
+            <a:ext cx="8520600" cy="623400"/>
+          </a:xfrm>
+          <a:prstGeom prst="rect">
+            <a:avLst/>
+          </a:prstGeom>
+        </p:spPr>
+        <p:txBody>
+          <a:bodyPr anchorCtr="0" anchor="t" bIns="91425" lIns="91425" spcFirstLastPara="1" rIns="91425" wrap="square" tIns="91425">
+            <a:noAutofit/>
+          </a:bodyPr>
+          <a:lstStyle/>
+          <a:p>
+            <a:pPr indent="0" lvl="0" marL="0" rtl="0" algn="l">
+              <a:spcBef>
+                <a:spcPts val="0"/>
+              </a:spcBef>
+              <a:spcAft>
+                <a:spcPts val="0"/>
+              </a:spcAft>
+              <a:buNone/>
+            </a:pPr>
+            <a:r>
+              <a:rPr lang="en"/>
+              <a:t>EVM</a:t>
+            </a:r>
+            <a:endParaRPr/>
+          </a:p>
+        </p:txBody>
+      </p:sp>
+      <p:sp>
+        <p:nvSpPr>
+          <p:cNvPr id="203" name="Google Shape;203;p34"/>
+          <p:cNvSpPr txBox="1"/>
+          <p:nvPr>
+            <p:ph idx="1" type="body"/>
+          </p:nvPr>
+        </p:nvSpPr>
+        <p:spPr>
+          <a:xfrm>
+            <a:off x="311700" y="1152475"/>
+            <a:ext cx="4211700" cy="3416400"/>
+          </a:xfrm>
+          <a:prstGeom prst="rect">
+            <a:avLst/>
+          </a:prstGeom>
+        </p:spPr>
+        <p:txBody>
+          <a:bodyPr anchorCtr="0" anchor="t" bIns="91425" lIns="91425" spcFirstLastPara="1" rIns="91425" wrap="square" tIns="91425">
+            <a:noAutofit/>
+          </a:bodyPr>
+          <a:lstStyle/>
+          <a:p>
+            <a:pPr indent="0" lvl="0" marL="88900" marR="88900" rtl="0" algn="l">
+              <a:lnSpc>
+                <a:spcPct val="125000"/>
+              </a:lnSpc>
+              <a:spcBef>
+                <a:spcPts val="0"/>
+              </a:spcBef>
+              <a:spcAft>
+                <a:spcPts val="0"/>
+              </a:spcAft>
+              <a:buNone/>
+            </a:pPr>
+            <a:r>
+              <a:rPr lang="en" sz="1200">
+                <a:solidFill>
+                  <a:schemeClr val="dk2"/>
+                </a:solidFill>
+                <a:highlight>
+                  <a:srgbClr val="FFFFFF"/>
+                </a:highlight>
+                <a:latin typeface="Arial"/>
+                <a:ea typeface="Arial"/>
+                <a:cs typeface="Arial"/>
+                <a:sym typeface="Arial"/>
+              </a:rPr>
+              <a:t>iex</a:t>
+            </a:r>
+            <a:r>
+              <a:rPr lang="en" sz="1200">
+                <a:solidFill>
+                  <a:schemeClr val="accent1"/>
+                </a:solidFill>
+                <a:highlight>
+                  <a:srgbClr val="FFFFFF"/>
+                </a:highlight>
+                <a:latin typeface="Arial"/>
+                <a:ea typeface="Arial"/>
+                <a:cs typeface="Arial"/>
+                <a:sym typeface="Arial"/>
+              </a:rPr>
+              <a:t>&gt;</a:t>
+            </a:r>
+            <a:r>
+              <a:rPr lang="en" sz="1200">
+                <a:solidFill>
+                  <a:schemeClr val="dk2"/>
+                </a:solidFill>
+                <a:highlight>
+                  <a:srgbClr val="FFFFFF"/>
+                </a:highlight>
+                <a:latin typeface="Arial"/>
+                <a:ea typeface="Arial"/>
+                <a:cs typeface="Arial"/>
+                <a:sym typeface="Arial"/>
+              </a:rPr>
+              <a:t> code </a:t>
+            </a:r>
+            <a:r>
+              <a:rPr lang="en" sz="1200">
+                <a:solidFill>
+                  <a:schemeClr val="accent1"/>
+                </a:solidFill>
+                <a:highlight>
+                  <a:srgbClr val="FFFFFF"/>
+                </a:highlight>
+                <a:latin typeface="Arial"/>
+                <a:ea typeface="Arial"/>
+                <a:cs typeface="Arial"/>
+                <a:sym typeface="Arial"/>
+              </a:rPr>
+              <a:t>=</a:t>
+            </a:r>
+            <a:r>
+              <a:rPr lang="en" sz="1200">
+                <a:solidFill>
+                  <a:schemeClr val="dk2"/>
+                </a:solidFill>
+                <a:highlight>
+                  <a:srgbClr val="FFFFFF"/>
+                </a:highlight>
+                <a:latin typeface="Arial"/>
+                <a:ea typeface="Arial"/>
+                <a:cs typeface="Arial"/>
+                <a:sym typeface="Arial"/>
+              </a:rPr>
+              <a:t> </a:t>
+            </a:r>
+            <a:r>
+              <a:rPr lang="en" sz="1200">
+                <a:solidFill>
+                  <a:schemeClr val="accent1"/>
+                </a:solidFill>
+                <a:highlight>
+                  <a:srgbClr val="FFFFFF"/>
+                </a:highlight>
+                <a:latin typeface="Arial"/>
+                <a:ea typeface="Arial"/>
+                <a:cs typeface="Arial"/>
+                <a:sym typeface="Arial"/>
+              </a:rPr>
+              <a:t>&lt;&lt;</a:t>
+            </a:r>
+            <a:r>
+              <a:rPr b="1" lang="en" sz="1200">
+                <a:solidFill>
+                  <a:srgbClr val="0000DD"/>
+                </a:solidFill>
+                <a:highlight>
+                  <a:srgbClr val="FFFFFF"/>
+                </a:highlight>
+                <a:latin typeface="Arial"/>
+                <a:ea typeface="Arial"/>
+                <a:cs typeface="Arial"/>
+                <a:sym typeface="Arial"/>
+              </a:rPr>
+              <a:t>96</a:t>
+            </a:r>
+            <a:r>
+              <a:rPr lang="en" sz="1200">
+                <a:solidFill>
+                  <a:schemeClr val="dk2"/>
+                </a:solidFill>
+                <a:highlight>
+                  <a:srgbClr val="FFFFFF"/>
+                </a:highlight>
+                <a:latin typeface="Arial"/>
+                <a:ea typeface="Arial"/>
+                <a:cs typeface="Arial"/>
+                <a:sym typeface="Arial"/>
+              </a:rPr>
+              <a:t>, </a:t>
+            </a:r>
+            <a:r>
+              <a:rPr b="1" lang="en" sz="1200">
+                <a:solidFill>
+                  <a:srgbClr val="0000DD"/>
+                </a:solidFill>
+                <a:highlight>
+                  <a:srgbClr val="FFFFFF"/>
+                </a:highlight>
+                <a:latin typeface="Arial"/>
+                <a:ea typeface="Arial"/>
+                <a:cs typeface="Arial"/>
+                <a:sym typeface="Arial"/>
+              </a:rPr>
+              <a:t>0</a:t>
+            </a:r>
+            <a:r>
+              <a:rPr lang="en" sz="1200">
+                <a:solidFill>
+                  <a:schemeClr val="dk2"/>
+                </a:solidFill>
+                <a:highlight>
+                  <a:srgbClr val="FFFFFF"/>
+                </a:highlight>
+                <a:latin typeface="Arial"/>
+                <a:ea typeface="Arial"/>
+                <a:cs typeface="Arial"/>
+                <a:sym typeface="Arial"/>
+              </a:rPr>
+              <a:t>, </a:t>
+            </a:r>
+            <a:r>
+              <a:rPr b="1" lang="en" sz="1200">
+                <a:solidFill>
+                  <a:srgbClr val="0000DD"/>
+                </a:solidFill>
+                <a:highlight>
+                  <a:srgbClr val="FFFFFF"/>
+                </a:highlight>
+                <a:latin typeface="Arial"/>
+                <a:ea typeface="Arial"/>
+                <a:cs typeface="Arial"/>
+                <a:sym typeface="Arial"/>
+              </a:rPr>
+              <a:t>96</a:t>
+            </a:r>
+            <a:r>
+              <a:rPr lang="en" sz="1200">
+                <a:solidFill>
+                  <a:schemeClr val="dk2"/>
+                </a:solidFill>
+                <a:highlight>
+                  <a:srgbClr val="FFFFFF"/>
+                </a:highlight>
+                <a:latin typeface="Arial"/>
+                <a:ea typeface="Arial"/>
+                <a:cs typeface="Arial"/>
+                <a:sym typeface="Arial"/>
+              </a:rPr>
+              <a:t>, </a:t>
+            </a:r>
+            <a:r>
+              <a:rPr b="1" lang="en" sz="1200">
+                <a:solidFill>
+                  <a:srgbClr val="0000DD"/>
+                </a:solidFill>
+                <a:highlight>
+                  <a:srgbClr val="FFFFFF"/>
+                </a:highlight>
+                <a:latin typeface="Arial"/>
+                <a:ea typeface="Arial"/>
+                <a:cs typeface="Arial"/>
+                <a:sym typeface="Arial"/>
+              </a:rPr>
+              <a:t>0</a:t>
+            </a:r>
+            <a:r>
+              <a:rPr lang="en" sz="1200">
+                <a:solidFill>
+                  <a:schemeClr val="dk2"/>
+                </a:solidFill>
+                <a:highlight>
+                  <a:srgbClr val="FFFFFF"/>
+                </a:highlight>
+                <a:latin typeface="Arial"/>
+                <a:ea typeface="Arial"/>
+                <a:cs typeface="Arial"/>
+                <a:sym typeface="Arial"/>
+              </a:rPr>
+              <a:t>, </a:t>
+            </a:r>
+            <a:r>
+              <a:rPr b="1" lang="en" sz="1200">
+                <a:solidFill>
+                  <a:srgbClr val="0000DD"/>
+                </a:solidFill>
+                <a:highlight>
+                  <a:srgbClr val="FFFFFF"/>
+                </a:highlight>
+                <a:latin typeface="Arial"/>
+                <a:ea typeface="Arial"/>
+                <a:cs typeface="Arial"/>
+                <a:sym typeface="Arial"/>
+              </a:rPr>
+              <a:t>1</a:t>
+            </a:r>
+            <a:r>
+              <a:rPr lang="en" sz="1200">
+                <a:solidFill>
+                  <a:schemeClr val="dk2"/>
+                </a:solidFill>
+                <a:highlight>
+                  <a:srgbClr val="FFFFFF"/>
+                </a:highlight>
+                <a:latin typeface="Arial"/>
+                <a:ea typeface="Arial"/>
+                <a:cs typeface="Arial"/>
+                <a:sym typeface="Arial"/>
+              </a:rPr>
+              <a:t>, </a:t>
+            </a:r>
+            <a:r>
+              <a:rPr b="1" lang="en" sz="1200">
+                <a:solidFill>
+                  <a:srgbClr val="0000DD"/>
+                </a:solidFill>
+                <a:highlight>
+                  <a:srgbClr val="FFFFFF"/>
+                </a:highlight>
+                <a:latin typeface="Arial"/>
+                <a:ea typeface="Arial"/>
+                <a:cs typeface="Arial"/>
+                <a:sym typeface="Arial"/>
+              </a:rPr>
+              <a:t>96</a:t>
+            </a:r>
+            <a:r>
+              <a:rPr lang="en" sz="1200">
+                <a:solidFill>
+                  <a:schemeClr val="dk2"/>
+                </a:solidFill>
+                <a:highlight>
+                  <a:srgbClr val="FFFFFF"/>
+                </a:highlight>
+                <a:latin typeface="Arial"/>
+                <a:ea typeface="Arial"/>
+                <a:cs typeface="Arial"/>
+                <a:sym typeface="Arial"/>
+              </a:rPr>
+              <a:t>, </a:t>
+            </a:r>
+            <a:r>
+              <a:rPr b="1" lang="en" sz="1200">
+                <a:solidFill>
+                  <a:srgbClr val="0000DD"/>
+                </a:solidFill>
+                <a:highlight>
+                  <a:srgbClr val="FFFFFF"/>
+                </a:highlight>
+                <a:latin typeface="Arial"/>
+                <a:ea typeface="Arial"/>
+                <a:cs typeface="Arial"/>
+                <a:sym typeface="Arial"/>
+              </a:rPr>
+              <a:t>0</a:t>
+            </a:r>
+            <a:r>
+              <a:rPr lang="en" sz="1200">
+                <a:solidFill>
+                  <a:schemeClr val="dk2"/>
+                </a:solidFill>
+                <a:highlight>
+                  <a:srgbClr val="FFFFFF"/>
+                </a:highlight>
+                <a:latin typeface="Arial"/>
+                <a:ea typeface="Arial"/>
+                <a:cs typeface="Arial"/>
+                <a:sym typeface="Arial"/>
+              </a:rPr>
+              <a:t>, </a:t>
+            </a:r>
+            <a:r>
+              <a:rPr b="1" lang="en" sz="1200">
+                <a:solidFill>
+                  <a:srgbClr val="0000DD"/>
+                </a:solidFill>
+                <a:highlight>
+                  <a:srgbClr val="FFFFFF"/>
+                </a:highlight>
+                <a:latin typeface="Arial"/>
+                <a:ea typeface="Arial"/>
+                <a:cs typeface="Arial"/>
+                <a:sym typeface="Arial"/>
+              </a:rPr>
+              <a:t>85</a:t>
+            </a:r>
+            <a:r>
+              <a:rPr lang="en" sz="1200">
+                <a:solidFill>
+                  <a:schemeClr val="accent1"/>
+                </a:solidFill>
+                <a:highlight>
+                  <a:srgbClr val="FFFFFF"/>
+                </a:highlight>
+                <a:latin typeface="Arial"/>
+                <a:ea typeface="Arial"/>
+                <a:cs typeface="Arial"/>
+                <a:sym typeface="Arial"/>
+              </a:rPr>
+              <a:t>&gt;&gt;</a:t>
+            </a:r>
+            <a:br>
+              <a:rPr lang="en" sz="1200">
+                <a:solidFill>
+                  <a:schemeClr val="dk2"/>
+                </a:solidFill>
+                <a:highlight>
+                  <a:srgbClr val="FFFFFF"/>
+                </a:highlight>
+                <a:latin typeface="Arial"/>
+                <a:ea typeface="Arial"/>
+                <a:cs typeface="Arial"/>
+                <a:sym typeface="Arial"/>
+              </a:rPr>
+            </a:br>
+            <a:br>
+              <a:rPr lang="en" sz="1200">
+                <a:solidFill>
+                  <a:schemeClr val="dk2"/>
+                </a:solidFill>
+                <a:highlight>
+                  <a:srgbClr val="FFFFFF"/>
+                </a:highlight>
+                <a:latin typeface="Arial"/>
+                <a:ea typeface="Arial"/>
+                <a:cs typeface="Arial"/>
+                <a:sym typeface="Arial"/>
+              </a:rPr>
+            </a:br>
+            <a:r>
+              <a:rPr lang="en" sz="1200">
+                <a:solidFill>
+                  <a:schemeClr val="dk2"/>
+                </a:solidFill>
+                <a:highlight>
+                  <a:srgbClr val="FFFFFF"/>
+                </a:highlight>
+                <a:latin typeface="Arial"/>
+                <a:ea typeface="Arial"/>
+                <a:cs typeface="Arial"/>
+                <a:sym typeface="Arial"/>
+              </a:rPr>
+              <a:t>iex</a:t>
+            </a:r>
+            <a:r>
+              <a:rPr lang="en" sz="1200">
+                <a:solidFill>
+                  <a:schemeClr val="accent1"/>
+                </a:solidFill>
+                <a:highlight>
+                  <a:srgbClr val="FFFFFF"/>
+                </a:highlight>
+                <a:latin typeface="Arial"/>
+                <a:ea typeface="Arial"/>
+                <a:cs typeface="Arial"/>
+                <a:sym typeface="Arial"/>
+              </a:rPr>
+              <a:t>&gt;</a:t>
+            </a:r>
+            <a:r>
+              <a:rPr lang="en" sz="1200">
+                <a:solidFill>
+                  <a:schemeClr val="dk2"/>
+                </a:solidFill>
+                <a:highlight>
+                  <a:srgbClr val="FFFFFF"/>
+                </a:highlight>
+                <a:latin typeface="Arial"/>
+                <a:ea typeface="Arial"/>
+                <a:cs typeface="Arial"/>
+                <a:sym typeface="Arial"/>
+              </a:rPr>
+              <a:t> code |</a:t>
+            </a:r>
+            <a:r>
+              <a:rPr lang="en" sz="1200">
+                <a:solidFill>
+                  <a:schemeClr val="accent1"/>
+                </a:solidFill>
+                <a:highlight>
+                  <a:srgbClr val="FFFFFF"/>
+                </a:highlight>
+                <a:latin typeface="Arial"/>
+                <a:ea typeface="Arial"/>
+                <a:cs typeface="Arial"/>
+                <a:sym typeface="Arial"/>
+              </a:rPr>
+              <a:t>&gt;</a:t>
+            </a:r>
+            <a:r>
+              <a:rPr lang="en" sz="1200">
+                <a:solidFill>
+                  <a:schemeClr val="dk2"/>
+                </a:solidFill>
+                <a:highlight>
+                  <a:srgbClr val="FFFFFF"/>
+                </a:highlight>
+                <a:latin typeface="Arial"/>
+                <a:ea typeface="Arial"/>
+                <a:cs typeface="Arial"/>
+                <a:sym typeface="Arial"/>
+              </a:rPr>
+              <a:t> </a:t>
+            </a:r>
+            <a:r>
+              <a:rPr lang="en" sz="1200">
+                <a:solidFill>
+                  <a:srgbClr val="996633"/>
+                </a:solidFill>
+                <a:highlight>
+                  <a:srgbClr val="FFFFFF"/>
+                </a:highlight>
+                <a:latin typeface="Arial"/>
+                <a:ea typeface="Arial"/>
+                <a:cs typeface="Arial"/>
+                <a:sym typeface="Arial"/>
+              </a:rPr>
+              <a:t>EVM</a:t>
+            </a:r>
+            <a:r>
+              <a:rPr lang="en" sz="1200">
+                <a:solidFill>
+                  <a:schemeClr val="dk2"/>
+                </a:solidFill>
+                <a:highlight>
+                  <a:srgbClr val="FFFFFF"/>
+                </a:highlight>
+                <a:latin typeface="Arial"/>
+                <a:ea typeface="Arial"/>
+                <a:cs typeface="Arial"/>
+                <a:sym typeface="Arial"/>
+              </a:rPr>
+              <a:t>.</a:t>
+            </a:r>
+            <a:r>
+              <a:rPr lang="en" sz="1200">
+                <a:solidFill>
+                  <a:srgbClr val="996633"/>
+                </a:solidFill>
+                <a:highlight>
+                  <a:srgbClr val="FFFFFF"/>
+                </a:highlight>
+                <a:latin typeface="Arial"/>
+                <a:ea typeface="Arial"/>
+                <a:cs typeface="Arial"/>
+                <a:sym typeface="Arial"/>
+              </a:rPr>
+              <a:t>MachineCode</a:t>
+            </a:r>
+            <a:r>
+              <a:rPr lang="en" sz="1200">
+                <a:solidFill>
+                  <a:schemeClr val="dk2"/>
+                </a:solidFill>
+                <a:highlight>
+                  <a:srgbClr val="FFFFFF"/>
+                </a:highlight>
+                <a:latin typeface="Arial"/>
+                <a:ea typeface="Arial"/>
+                <a:cs typeface="Arial"/>
+                <a:sym typeface="Arial"/>
+              </a:rPr>
+              <a:t>.decompile</a:t>
+            </a:r>
+            <a:br>
+              <a:rPr lang="en" sz="1200">
+                <a:solidFill>
+                  <a:schemeClr val="dk2"/>
+                </a:solidFill>
+                <a:highlight>
+                  <a:srgbClr val="FFFFFF"/>
+                </a:highlight>
+                <a:latin typeface="Arial"/>
+                <a:ea typeface="Arial"/>
+                <a:cs typeface="Arial"/>
+                <a:sym typeface="Arial"/>
+              </a:rPr>
+            </a:br>
+            <a:r>
+              <a:rPr lang="en" sz="1200">
+                <a:solidFill>
+                  <a:schemeClr val="dk2"/>
+                </a:solidFill>
+                <a:highlight>
+                  <a:srgbClr val="FFFFFF"/>
+                </a:highlight>
+                <a:latin typeface="Arial"/>
+                <a:ea typeface="Arial"/>
+                <a:cs typeface="Arial"/>
+                <a:sym typeface="Arial"/>
+              </a:rPr>
+              <a:t>[:push1, </a:t>
+            </a:r>
+            <a:r>
+              <a:rPr b="1" lang="en" sz="1200">
+                <a:solidFill>
+                  <a:srgbClr val="0000DD"/>
+                </a:solidFill>
+                <a:highlight>
+                  <a:srgbClr val="FFFFFF"/>
+                </a:highlight>
+                <a:latin typeface="Arial"/>
+                <a:ea typeface="Arial"/>
+                <a:cs typeface="Arial"/>
+                <a:sym typeface="Arial"/>
+              </a:rPr>
+              <a:t>0</a:t>
+            </a:r>
+            <a:r>
+              <a:rPr lang="en" sz="1200">
+                <a:solidFill>
+                  <a:schemeClr val="dk2"/>
+                </a:solidFill>
+                <a:highlight>
+                  <a:srgbClr val="FFFFFF"/>
+                </a:highlight>
+                <a:latin typeface="Arial"/>
+                <a:ea typeface="Arial"/>
+                <a:cs typeface="Arial"/>
+                <a:sym typeface="Arial"/>
+              </a:rPr>
+              <a:t>, :push1, </a:t>
+            </a:r>
+            <a:r>
+              <a:rPr b="1" lang="en" sz="1200">
+                <a:solidFill>
+                  <a:srgbClr val="0000DD"/>
+                </a:solidFill>
+                <a:highlight>
+                  <a:srgbClr val="FFFFFF"/>
+                </a:highlight>
+                <a:latin typeface="Arial"/>
+                <a:ea typeface="Arial"/>
+                <a:cs typeface="Arial"/>
+                <a:sym typeface="Arial"/>
+              </a:rPr>
+              <a:t>0</a:t>
+            </a:r>
+            <a:r>
+              <a:rPr lang="en" sz="1200">
+                <a:solidFill>
+                  <a:schemeClr val="dk2"/>
+                </a:solidFill>
+                <a:highlight>
+                  <a:srgbClr val="FFFFFF"/>
+                </a:highlight>
+                <a:latin typeface="Arial"/>
+                <a:ea typeface="Arial"/>
+                <a:cs typeface="Arial"/>
+                <a:sym typeface="Arial"/>
+              </a:rPr>
+              <a:t>, :add, :push1, </a:t>
+            </a:r>
+            <a:r>
+              <a:rPr b="1" lang="en" sz="1200">
+                <a:solidFill>
+                  <a:srgbClr val="0000DD"/>
+                </a:solidFill>
+                <a:highlight>
+                  <a:srgbClr val="FFFFFF"/>
+                </a:highlight>
+                <a:latin typeface="Arial"/>
+                <a:ea typeface="Arial"/>
+                <a:cs typeface="Arial"/>
+                <a:sym typeface="Arial"/>
+              </a:rPr>
+              <a:t>0</a:t>
+            </a:r>
+            <a:r>
+              <a:rPr lang="en" sz="1200">
+                <a:solidFill>
+                  <a:schemeClr val="dk2"/>
+                </a:solidFill>
+                <a:highlight>
+                  <a:srgbClr val="FFFFFF"/>
+                </a:highlight>
+                <a:latin typeface="Arial"/>
+                <a:ea typeface="Arial"/>
+                <a:cs typeface="Arial"/>
+                <a:sym typeface="Arial"/>
+              </a:rPr>
+              <a:t>, :sstore]</a:t>
+            </a:r>
+            <a:br>
+              <a:rPr lang="en" sz="1100">
+                <a:solidFill>
+                  <a:schemeClr val="dk2"/>
+                </a:solidFill>
+                <a:highlight>
+                  <a:srgbClr val="FFFFFF"/>
+                </a:highlight>
+                <a:latin typeface="Arial"/>
+                <a:ea typeface="Arial"/>
+                <a:cs typeface="Arial"/>
+                <a:sym typeface="Arial"/>
+              </a:rPr>
+            </a:br>
+            <a:endParaRPr sz="1100">
+              <a:solidFill>
+                <a:schemeClr val="dk2"/>
+              </a:solidFill>
+              <a:highlight>
+                <a:srgbClr val="FFFFFF"/>
+              </a:highlight>
+              <a:latin typeface="Arial"/>
+              <a:ea typeface="Arial"/>
+              <a:cs typeface="Arial"/>
+              <a:sym typeface="Arial"/>
+            </a:endParaRPr>
+          </a:p>
+          <a:p>
+            <a:pPr indent="0" lvl="0" marL="0" rtl="0" algn="l">
+              <a:lnSpc>
+                <a:spcPct val="125000"/>
+              </a:lnSpc>
+              <a:spcBef>
+                <a:spcPts val="0"/>
+              </a:spcBef>
+              <a:spcAft>
+                <a:spcPts val="0"/>
+              </a:spcAft>
+              <a:buNone/>
+            </a:pPr>
+            <a:r>
+              <a:t/>
+            </a:r>
+            <a:endParaRPr sz="1200">
+              <a:solidFill>
+                <a:schemeClr val="dk2"/>
+              </a:solidFill>
+              <a:latin typeface="Arial"/>
+              <a:ea typeface="Arial"/>
+              <a:cs typeface="Arial"/>
+              <a:sym typeface="Arial"/>
+            </a:endParaRPr>
+          </a:p>
+          <a:p>
+            <a:pPr indent="0" lvl="0" marL="0" rtl="0" algn="l">
+              <a:lnSpc>
+                <a:spcPct val="150000"/>
+              </a:lnSpc>
+              <a:spcBef>
+                <a:spcPts val="0"/>
+              </a:spcBef>
+              <a:spcAft>
+                <a:spcPts val="0"/>
+              </a:spcAft>
+              <a:buNone/>
+            </a:pPr>
+            <a:br>
+              <a:rPr lang="en" sz="900">
+                <a:solidFill>
+                  <a:schemeClr val="dk2"/>
+                </a:solidFill>
+                <a:latin typeface="Arial"/>
+                <a:ea typeface="Arial"/>
+                <a:cs typeface="Arial"/>
+                <a:sym typeface="Arial"/>
+              </a:rPr>
+            </a:br>
+            <a:br>
+              <a:rPr lang="en" sz="900">
+                <a:solidFill>
+                  <a:schemeClr val="dk2"/>
+                </a:solidFill>
+                <a:latin typeface="Arial"/>
+                <a:ea typeface="Arial"/>
+                <a:cs typeface="Arial"/>
+                <a:sym typeface="Arial"/>
+              </a:rPr>
+            </a:br>
+            <a:endParaRPr sz="1150">
+              <a:solidFill>
+                <a:schemeClr val="dk2"/>
+              </a:solidFill>
+              <a:latin typeface="Arial"/>
+              <a:ea typeface="Arial"/>
+              <a:cs typeface="Arial"/>
+              <a:sym typeface="Arial"/>
+            </a:endParaRPr>
+          </a:p>
+        </p:txBody>
+      </p:sp>
+      <p:sp>
+        <p:nvSpPr>
+          <p:cNvPr id="204" name="Google Shape;204;p34"/>
+          <p:cNvSpPr txBox="1"/>
+          <p:nvPr/>
+        </p:nvSpPr>
+        <p:spPr>
+          <a:xfrm>
+            <a:off x="5085600" y="920450"/>
+            <a:ext cx="4058400" cy="473400"/>
+          </a:xfrm>
+          <a:prstGeom prst="rect">
+            <a:avLst/>
+          </a:prstGeom>
+          <a:noFill/>
+          <a:ln>
+            <a:noFill/>
+          </a:ln>
+        </p:spPr>
+        <p:txBody>
+          <a:bodyPr anchorCtr="0" anchor="t" bIns="91425" lIns="91425" spcFirstLastPara="1" rIns="91425" wrap="square" tIns="91425">
+            <a:noAutofit/>
+          </a:bodyPr>
+          <a:lstStyle/>
+          <a:p>
+            <a:pPr indent="0" lvl="0" marL="0" rtl="0" algn="l">
+              <a:lnSpc>
+                <a:spcPct val="125000"/>
+              </a:lnSpc>
+              <a:spcBef>
+                <a:spcPts val="0"/>
+              </a:spcBef>
+              <a:spcAft>
+                <a:spcPts val="0"/>
+              </a:spcAft>
+              <a:buNone/>
+            </a:pPr>
+            <a:r>
+              <a:rPr lang="en" sz="1100">
+                <a:solidFill>
+                  <a:schemeClr val="dk2"/>
+                </a:solidFill>
+              </a:rPr>
+              <a:t>iex</a:t>
+            </a:r>
+            <a:r>
+              <a:rPr lang="en" sz="1100">
+                <a:solidFill>
+                  <a:schemeClr val="accent1"/>
+                </a:solidFill>
+              </a:rPr>
+              <a:t>&gt;</a:t>
+            </a:r>
+            <a:r>
+              <a:rPr lang="en" sz="1100">
+                <a:solidFill>
+                  <a:schemeClr val="dk2"/>
+                </a:solidFill>
+              </a:rPr>
+              <a:t> </a:t>
+            </a:r>
+            <a:r>
+              <a:rPr lang="en" sz="1100">
+                <a:solidFill>
+                  <a:srgbClr val="996633"/>
+                </a:solidFill>
+              </a:rPr>
+              <a:t>EVM</a:t>
+            </a:r>
+            <a:r>
+              <a:rPr lang="en" sz="1100">
+                <a:solidFill>
+                  <a:schemeClr val="dk2"/>
+                </a:solidFill>
+              </a:rPr>
+              <a:t>.run(code)</a:t>
+            </a:r>
+            <a:br>
+              <a:rPr lang="en" sz="1100">
+                <a:solidFill>
+                  <a:schemeClr val="dk2"/>
+                </a:solidFill>
+              </a:rPr>
+            </a:br>
+            <a:r>
+              <a:rPr b="1" lang="en" sz="1100">
+                <a:solidFill>
+                  <a:srgbClr val="0E84B5"/>
+                </a:solidFill>
+              </a:rPr>
+              <a:t>stack</a:t>
+            </a:r>
+            <a:r>
+              <a:rPr lang="en" sz="1100">
+                <a:solidFill>
+                  <a:schemeClr val="dk2"/>
+                </a:solidFill>
+              </a:rPr>
+              <a:t>:</a:t>
+            </a:r>
+            <a:br>
+              <a:rPr lang="en" sz="1100">
+                <a:solidFill>
+                  <a:schemeClr val="dk2"/>
+                </a:solidFill>
+              </a:rPr>
+            </a:br>
+            <a:r>
+              <a:rPr lang="en" sz="1100">
+                <a:solidFill>
+                  <a:schemeClr val="dk2"/>
+                </a:solidFill>
+              </a:rPr>
+              <a:t>[]</a:t>
+            </a:r>
+            <a:br>
+              <a:rPr lang="en" sz="1100">
+                <a:solidFill>
+                  <a:schemeClr val="dk2"/>
+                </a:solidFill>
+              </a:rPr>
+            </a:br>
+            <a:r>
+              <a:rPr b="1" lang="en" sz="1100">
+                <a:solidFill>
+                  <a:srgbClr val="0E84B5"/>
+                </a:solidFill>
+              </a:rPr>
+              <a:t>operation</a:t>
+            </a:r>
+            <a:r>
+              <a:rPr lang="en" sz="1100">
+                <a:solidFill>
+                  <a:schemeClr val="dk2"/>
+                </a:solidFill>
+              </a:rPr>
+              <a:t>: push1</a:t>
+            </a:r>
+            <a:br>
+              <a:rPr lang="en" sz="1100">
+                <a:solidFill>
+                  <a:schemeClr val="dk2"/>
+                </a:solidFill>
+              </a:rPr>
+            </a:br>
+            <a:r>
+              <a:rPr b="1" lang="en" sz="1100">
+                <a:solidFill>
+                  <a:srgbClr val="0E84B5"/>
+                </a:solidFill>
+              </a:rPr>
+              <a:t>stack</a:t>
+            </a:r>
+            <a:r>
+              <a:rPr lang="en" sz="1100">
+                <a:solidFill>
+                  <a:schemeClr val="dk2"/>
+                </a:solidFill>
+              </a:rPr>
+              <a:t>:</a:t>
+            </a:r>
+            <a:br>
+              <a:rPr lang="en" sz="1100">
+                <a:solidFill>
+                  <a:schemeClr val="dk2"/>
+                </a:solidFill>
+              </a:rPr>
+            </a:br>
+            <a:r>
+              <a:rPr lang="en" sz="1100">
+                <a:solidFill>
+                  <a:schemeClr val="dk2"/>
+                </a:solidFill>
+              </a:rPr>
+              <a:t>[</a:t>
+            </a:r>
+            <a:r>
+              <a:rPr b="1" lang="en" sz="1100">
+                <a:solidFill>
+                  <a:srgbClr val="0000DD"/>
+                </a:solidFill>
+              </a:rPr>
+              <a:t>0</a:t>
+            </a:r>
+            <a:r>
+              <a:rPr lang="en" sz="1100">
+                <a:solidFill>
+                  <a:schemeClr val="dk2"/>
+                </a:solidFill>
+              </a:rPr>
+              <a:t>]</a:t>
+            </a:r>
+            <a:br>
+              <a:rPr lang="en" sz="1100">
+                <a:solidFill>
+                  <a:schemeClr val="dk2"/>
+                </a:solidFill>
+              </a:rPr>
+            </a:br>
+            <a:r>
+              <a:rPr b="1" lang="en" sz="1100">
+                <a:solidFill>
+                  <a:srgbClr val="0E84B5"/>
+                </a:solidFill>
+              </a:rPr>
+              <a:t>operation</a:t>
+            </a:r>
+            <a:r>
+              <a:rPr lang="en" sz="1100">
+                <a:solidFill>
+                  <a:schemeClr val="dk2"/>
+                </a:solidFill>
+              </a:rPr>
+              <a:t>: push1</a:t>
+            </a:r>
+            <a:br>
+              <a:rPr lang="en" sz="1100">
+                <a:solidFill>
+                  <a:schemeClr val="dk2"/>
+                </a:solidFill>
+              </a:rPr>
+            </a:br>
+            <a:r>
+              <a:rPr b="1" lang="en" sz="1100">
+                <a:solidFill>
+                  <a:srgbClr val="0E84B5"/>
+                </a:solidFill>
+              </a:rPr>
+              <a:t>stack</a:t>
+            </a:r>
+            <a:r>
+              <a:rPr lang="en" sz="1100">
+                <a:solidFill>
+                  <a:schemeClr val="dk2"/>
+                </a:solidFill>
+              </a:rPr>
+              <a:t>:</a:t>
+            </a:r>
+            <a:br>
+              <a:rPr lang="en" sz="1100">
+                <a:solidFill>
+                  <a:schemeClr val="dk2"/>
+                </a:solidFill>
+              </a:rPr>
+            </a:br>
+            <a:r>
+              <a:rPr lang="en" sz="1100">
+                <a:solidFill>
+                  <a:schemeClr val="dk2"/>
+                </a:solidFill>
+              </a:rPr>
+              <a:t>[</a:t>
+            </a:r>
+            <a:r>
+              <a:rPr b="1" lang="en" sz="1100">
+                <a:solidFill>
+                  <a:srgbClr val="0000DD"/>
+                </a:solidFill>
+              </a:rPr>
+              <a:t>0</a:t>
+            </a:r>
+            <a:r>
+              <a:rPr lang="en" sz="1100">
+                <a:solidFill>
+                  <a:schemeClr val="dk2"/>
+                </a:solidFill>
+              </a:rPr>
+              <a:t>, </a:t>
+            </a:r>
+            <a:r>
+              <a:rPr b="1" lang="en" sz="1100">
+                <a:solidFill>
+                  <a:srgbClr val="0000DD"/>
+                </a:solidFill>
+              </a:rPr>
+              <a:t>0</a:t>
+            </a:r>
+            <a:r>
+              <a:rPr lang="en" sz="1100">
+                <a:solidFill>
+                  <a:schemeClr val="dk2"/>
+                </a:solidFill>
+              </a:rPr>
+              <a:t>]</a:t>
+            </a:r>
+            <a:br>
+              <a:rPr lang="en" sz="1100">
+                <a:solidFill>
+                  <a:schemeClr val="dk2"/>
+                </a:solidFill>
+              </a:rPr>
+            </a:br>
+            <a:r>
+              <a:rPr b="1" lang="en" sz="1100">
+                <a:solidFill>
+                  <a:srgbClr val="0E84B5"/>
+                </a:solidFill>
+              </a:rPr>
+              <a:t>operation</a:t>
+            </a:r>
+            <a:r>
+              <a:rPr lang="en" sz="1100">
+                <a:solidFill>
+                  <a:schemeClr val="dk2"/>
+                </a:solidFill>
+              </a:rPr>
+              <a:t>: add</a:t>
+            </a:r>
+            <a:br>
+              <a:rPr lang="en" sz="1100">
+                <a:solidFill>
+                  <a:schemeClr val="dk2"/>
+                </a:solidFill>
+              </a:rPr>
+            </a:br>
+            <a:r>
+              <a:rPr b="1" lang="en" sz="1100">
+                <a:solidFill>
+                  <a:srgbClr val="0E84B5"/>
+                </a:solidFill>
+              </a:rPr>
+              <a:t>stack</a:t>
+            </a:r>
+            <a:r>
+              <a:rPr lang="en" sz="1100">
+                <a:solidFill>
+                  <a:schemeClr val="dk2"/>
+                </a:solidFill>
+              </a:rPr>
+              <a:t>:</a:t>
+            </a:r>
+            <a:br>
+              <a:rPr lang="en" sz="1100">
+                <a:solidFill>
+                  <a:schemeClr val="dk2"/>
+                </a:solidFill>
+              </a:rPr>
+            </a:br>
+            <a:r>
+              <a:rPr lang="en" sz="1100">
+                <a:solidFill>
+                  <a:schemeClr val="dk2"/>
+                </a:solidFill>
+              </a:rPr>
+              <a:t>[</a:t>
+            </a:r>
+            <a:r>
+              <a:rPr b="1" lang="en" sz="1100">
+                <a:solidFill>
+                  <a:srgbClr val="0000DD"/>
+                </a:solidFill>
+              </a:rPr>
+              <a:t>0</a:t>
+            </a:r>
+            <a:r>
+              <a:rPr lang="en" sz="1100">
+                <a:solidFill>
+                  <a:schemeClr val="dk2"/>
+                </a:solidFill>
+              </a:rPr>
+              <a:t>]</a:t>
+            </a:r>
+            <a:br>
+              <a:rPr lang="en" sz="1100">
+                <a:solidFill>
+                  <a:schemeClr val="dk2"/>
+                </a:solidFill>
+              </a:rPr>
+            </a:br>
+            <a:r>
+              <a:rPr b="1" lang="en" sz="1100">
+                <a:solidFill>
+                  <a:srgbClr val="0E84B5"/>
+                </a:solidFill>
+              </a:rPr>
+              <a:t>operation</a:t>
+            </a:r>
+            <a:r>
+              <a:rPr lang="en" sz="1100">
+                <a:solidFill>
+                  <a:schemeClr val="dk2"/>
+                </a:solidFill>
+              </a:rPr>
+              <a:t>: push1</a:t>
+            </a:r>
+            <a:br>
+              <a:rPr lang="en" sz="1100">
+                <a:solidFill>
+                  <a:schemeClr val="dk2"/>
+                </a:solidFill>
+              </a:rPr>
+            </a:br>
+            <a:r>
+              <a:rPr b="1" lang="en" sz="1100">
+                <a:solidFill>
+                  <a:srgbClr val="0E84B5"/>
+                </a:solidFill>
+              </a:rPr>
+              <a:t>stack</a:t>
+            </a:r>
+            <a:r>
+              <a:rPr lang="en" sz="1100">
+                <a:solidFill>
+                  <a:schemeClr val="dk2"/>
+                </a:solidFill>
+              </a:rPr>
+              <a:t>:</a:t>
+            </a:r>
+            <a:br>
+              <a:rPr lang="en" sz="1100">
+                <a:solidFill>
+                  <a:schemeClr val="dk2"/>
+                </a:solidFill>
+              </a:rPr>
+            </a:br>
+            <a:r>
+              <a:rPr lang="en" sz="1100">
+                <a:solidFill>
+                  <a:schemeClr val="dk2"/>
+                </a:solidFill>
+              </a:rPr>
+              <a:t>[</a:t>
+            </a:r>
+            <a:r>
+              <a:rPr b="1" lang="en" sz="1100">
+                <a:solidFill>
+                  <a:srgbClr val="0000DD"/>
+                </a:solidFill>
+              </a:rPr>
+              <a:t>0</a:t>
+            </a:r>
+            <a:r>
+              <a:rPr lang="en" sz="1100">
+                <a:solidFill>
+                  <a:schemeClr val="dk2"/>
+                </a:solidFill>
+              </a:rPr>
+              <a:t>, </a:t>
+            </a:r>
+            <a:r>
+              <a:rPr b="1" lang="en" sz="1100">
+                <a:solidFill>
+                  <a:srgbClr val="0000DD"/>
+                </a:solidFill>
+              </a:rPr>
+              <a:t>0</a:t>
+            </a:r>
+            <a:r>
+              <a:rPr lang="en" sz="1100">
+                <a:solidFill>
+                  <a:schemeClr val="dk2"/>
+                </a:solidFill>
+              </a:rPr>
+              <a:t>]</a:t>
+            </a:r>
+            <a:br>
+              <a:rPr lang="en" sz="1100">
+                <a:solidFill>
+                  <a:schemeClr val="dk2"/>
+                </a:solidFill>
+              </a:rPr>
+            </a:br>
+            <a:r>
+              <a:rPr b="1" lang="en" sz="1100">
+                <a:solidFill>
+                  <a:srgbClr val="0E84B5"/>
+                </a:solidFill>
+              </a:rPr>
+              <a:t>operation</a:t>
+            </a:r>
+            <a:r>
+              <a:rPr lang="en" sz="1100">
+                <a:solidFill>
+                  <a:schemeClr val="dk2"/>
+                </a:solidFill>
+              </a:rPr>
+              <a:t>: sstore</a:t>
+            </a:r>
+            <a:br>
+              <a:rPr lang="en" sz="1100">
+                <a:solidFill>
+                  <a:schemeClr val="dk2"/>
+                </a:solidFill>
+              </a:rPr>
+            </a:br>
+            <a:r>
+              <a:rPr b="1" lang="en" sz="1100">
+                <a:solidFill>
+                  <a:srgbClr val="0E84B5"/>
+                </a:solidFill>
+              </a:rPr>
+              <a:t>stack</a:t>
+            </a:r>
+            <a:r>
+              <a:rPr lang="en" sz="1100">
+                <a:solidFill>
+                  <a:schemeClr val="dk2"/>
+                </a:solidFill>
+              </a:rPr>
+              <a:t>:</a:t>
+            </a:r>
+            <a:br>
+              <a:rPr lang="en" sz="1100">
+                <a:solidFill>
+                  <a:schemeClr val="dk2"/>
+                </a:solidFill>
+              </a:rPr>
+            </a:br>
+            <a:r>
+              <a:rPr lang="en" sz="1100">
+                <a:solidFill>
+                  <a:schemeClr val="dk2"/>
+                </a:solidFill>
+              </a:rPr>
+              <a:t>[]</a:t>
+            </a:r>
+            <a:endParaRPr sz="1100">
+              <a:solidFill>
+                <a:schemeClr val="dk2"/>
+              </a:solidFill>
+            </a:endParaRPr>
+          </a:p>
+          <a:p>
+            <a:pPr indent="0" lvl="0" marL="0" rtl="0" algn="l">
+              <a:lnSpc>
+                <a:spcPct val="150000"/>
+              </a:lnSpc>
+              <a:spcBef>
+                <a:spcPts val="0"/>
+              </a:spcBef>
+              <a:spcAft>
+                <a:spcPts val="0"/>
+              </a:spcAft>
+              <a:buClr>
+                <a:schemeClr val="dk2"/>
+              </a:buClr>
+              <a:buSzPts val="1100"/>
+              <a:buFont typeface="Arial"/>
+              <a:buNone/>
+            </a:pPr>
+            <a:r>
+              <a:t/>
+            </a:r>
+            <a:endParaRPr sz="1000">
+              <a:solidFill>
+                <a:schemeClr val="dk2"/>
+              </a:solidFill>
+            </a:endParaRPr>
+          </a:p>
+          <a:p>
+            <a:pPr indent="0" lvl="0" marL="0" rtl="0" algn="l">
+              <a:lnSpc>
+                <a:spcPct val="115000"/>
+              </a:lnSpc>
+              <a:spcBef>
+                <a:spcPts val="0"/>
+              </a:spcBef>
+              <a:spcAft>
+                <a:spcPts val="0"/>
+              </a:spcAft>
+              <a:buClr>
+                <a:schemeClr val="dk2"/>
+              </a:buClr>
+              <a:buSzPts val="1100"/>
+              <a:buFont typeface="Arial"/>
+              <a:buNone/>
+            </a:pPr>
+            <a:r>
+              <a:t/>
+            </a:r>
+            <a:endParaRPr sz="1150">
+              <a:solidFill>
+                <a:schemeClr val="dk2"/>
+              </a:solidFill>
+            </a:endParaRPr>
+          </a:p>
+          <a:p>
+            <a:pPr indent="0" lvl="0" marL="0" rtl="0" algn="l">
+              <a:spcBef>
                 <a:spcPts val="1600"/>
+              </a:spcBef>
+              <a:spcAft>
+                <a:spcPts val="0"/>
               </a:spcAft>
               <a:buNone/>
             </a:pPr>
@@ -10496,6 +14644,1239 @@
               <a:t/>
             </a:r>
             <a:endParaRPr/>
+          </a:p>
+        </p:txBody>
+      </p:sp>
+    </p:spTree>
+  </p:cSld>
+  <p:clrMapOvr>
+    <a:masterClrMapping/>
+  </p:clrMapOvr>
+</p:sld>
+</file>
+
+<file path=ppt/slides/slide23.xml><?xml version="1.0" encoding="utf-8"?>
+<p:sld xmlns:a="http://schemas.openxmlformats.org/drawingml/2006/main" xmlns:r="http://schemas.openxmlformats.org/officeDocument/2006/relationships" xmlns:mc="http://schemas.openxmlformats.org/markup-compatibility/2006" xmlns:mv="urn:schemas-microsoft-com:mac:vml" xmlns:p="http://schemas.openxmlformats.org/presentationml/2006/main" xmlns:c="http://schemas.openxmlformats.org/drawingml/2006/chart" xmlns:dgm="http://schemas.openxmlformats.org/drawingml/2006/diagram" xmlns:o="urn:schemas-microsoft-com:office:office" xmlns:v="urn:schemas-microsoft-com:vml" xmlns:pvml="urn:schemas-microsoft-com:office:powerpoint" xmlns:com="http://schemas.openxmlformats.org/drawingml/2006/compatibility" xmlns:p14="http://schemas.microsoft.com/office/powerpoint/2010/main" xmlns:p15="http://schemas.microsoft.com/office/powerpoint/2012/main">
+  <p:cSld>
+    <p:spTree>
+      <p:nvGrpSpPr>
+        <p:cNvPr id="208" name="Shape 208"/>
+        <p:cNvGrpSpPr/>
+        <p:nvPr/>
+      </p:nvGrpSpPr>
+      <p:grpSpPr>
+        <a:xfrm>
+          <a:off x="0" y="0"/>
+          <a:ext cx="0" cy="0"/>
+          <a:chOff x="0" y="0"/>
+          <a:chExt cx="0" cy="0"/>
+        </a:xfrm>
+      </p:grpSpPr>
+      <p:sp>
+        <p:nvSpPr>
+          <p:cNvPr id="209" name="Google Shape;209;p35"/>
+          <p:cNvSpPr txBox="1"/>
+          <p:nvPr>
+            <p:ph type="title"/>
+          </p:nvPr>
+        </p:nvSpPr>
+        <p:spPr>
+          <a:xfrm>
+            <a:off x="311700" y="445025"/>
+            <a:ext cx="8520600" cy="623400"/>
+          </a:xfrm>
+          <a:prstGeom prst="rect">
+            <a:avLst/>
+          </a:prstGeom>
+        </p:spPr>
+        <p:txBody>
+          <a:bodyPr anchorCtr="0" anchor="t" bIns="91425" lIns="91425" spcFirstLastPara="1" rIns="91425" wrap="square" tIns="91425">
+            <a:noAutofit/>
+          </a:bodyPr>
+          <a:lstStyle/>
+          <a:p>
+            <a:pPr indent="0" lvl="0" marL="0" rtl="0" algn="l">
+              <a:spcBef>
+                <a:spcPts val="0"/>
+              </a:spcBef>
+              <a:spcAft>
+                <a:spcPts val="0"/>
+              </a:spcAft>
+              <a:buNone/>
+            </a:pPr>
+            <a:r>
+              <a:rPr lang="en"/>
+              <a:t>EVM</a:t>
+            </a:r>
+            <a:endParaRPr/>
+          </a:p>
+        </p:txBody>
+      </p:sp>
+      <p:sp>
+        <p:nvSpPr>
+          <p:cNvPr id="210" name="Google Shape;210;p35"/>
+          <p:cNvSpPr txBox="1"/>
+          <p:nvPr/>
+        </p:nvSpPr>
+        <p:spPr>
+          <a:xfrm>
+            <a:off x="255325" y="1395075"/>
+            <a:ext cx="6515700" cy="790500"/>
+          </a:xfrm>
+          <a:prstGeom prst="rect">
+            <a:avLst/>
+          </a:prstGeom>
+          <a:noFill/>
+          <a:ln>
+            <a:noFill/>
+          </a:ln>
+        </p:spPr>
+        <p:txBody>
+          <a:bodyPr anchorCtr="0" anchor="t" bIns="91425" lIns="91425" spcFirstLastPara="1" rIns="91425" wrap="square" tIns="91425">
+            <a:noAutofit/>
+          </a:bodyPr>
+          <a:lstStyle/>
+          <a:p>
+            <a:pPr indent="0" lvl="0" marL="0" rtl="0" algn="l">
+              <a:spcBef>
+                <a:spcPts val="0"/>
+              </a:spcBef>
+              <a:spcAft>
+                <a:spcPts val="0"/>
+              </a:spcAft>
+              <a:buNone/>
+            </a:pPr>
+            <a:r>
+              <a:rPr b="1" lang="en" sz="1800"/>
+              <a:t>https://www.badykov.com/elixir/2018/04/29/evm-basics/</a:t>
+            </a:r>
+            <a:endParaRPr b="1" sz="1800"/>
+          </a:p>
+        </p:txBody>
+      </p:sp>
+    </p:spTree>
+  </p:cSld>
+  <p:clrMapOvr>
+    <a:masterClrMapping/>
+  </p:clrMapOvr>
+</p:sld>
+</file>
+
+<file path=ppt/slides/slide24.xml><?xml version="1.0" encoding="utf-8"?>
+<p:sld xmlns:a="http://schemas.openxmlformats.org/drawingml/2006/main" xmlns:r="http://schemas.openxmlformats.org/officeDocument/2006/relationships" xmlns:mc="http://schemas.openxmlformats.org/markup-compatibility/2006" xmlns:mv="urn:schemas-microsoft-com:mac:vml" xmlns:p="http://schemas.openxmlformats.org/presentationml/2006/main" xmlns:c="http://schemas.openxmlformats.org/drawingml/2006/chart" xmlns:dgm="http://schemas.openxmlformats.org/drawingml/2006/diagram" xmlns:o="urn:schemas-microsoft-com:office:office" xmlns:v="urn:schemas-microsoft-com:vml" xmlns:pvml="urn:schemas-microsoft-com:office:powerpoint" xmlns:com="http://schemas.openxmlformats.org/drawingml/2006/compatibility" xmlns:p14="http://schemas.microsoft.com/office/powerpoint/2010/main" xmlns:p15="http://schemas.microsoft.com/office/powerpoint/2012/main">
+  <p:cSld>
+    <p:spTree>
+      <p:nvGrpSpPr>
+        <p:cNvPr id="214" name="Shape 214"/>
+        <p:cNvGrpSpPr/>
+        <p:nvPr/>
+      </p:nvGrpSpPr>
+      <p:grpSpPr>
+        <a:xfrm>
+          <a:off x="0" y="0"/>
+          <a:ext cx="0" cy="0"/>
+          <a:chOff x="0" y="0"/>
+          <a:chExt cx="0" cy="0"/>
+        </a:xfrm>
+      </p:grpSpPr>
+      <p:sp>
+        <p:nvSpPr>
+          <p:cNvPr id="215" name="Google Shape;215;p36"/>
+          <p:cNvSpPr txBox="1"/>
+          <p:nvPr>
+            <p:ph type="title"/>
+          </p:nvPr>
+        </p:nvSpPr>
+        <p:spPr>
+          <a:xfrm>
+            <a:off x="311700" y="445025"/>
+            <a:ext cx="8520600" cy="623400"/>
+          </a:xfrm>
+          <a:prstGeom prst="rect">
+            <a:avLst/>
+          </a:prstGeom>
+        </p:spPr>
+        <p:txBody>
+          <a:bodyPr anchorCtr="0" anchor="t" bIns="91425" lIns="91425" spcFirstLastPara="1" rIns="91425" wrap="square" tIns="91425">
+            <a:noAutofit/>
+          </a:bodyPr>
+          <a:lstStyle/>
+          <a:p>
+            <a:pPr indent="0" lvl="0" marL="0" rtl="0" algn="l">
+              <a:spcBef>
+                <a:spcPts val="0"/>
+              </a:spcBef>
+              <a:spcAft>
+                <a:spcPts val="0"/>
+              </a:spcAft>
+              <a:buNone/>
+            </a:pPr>
+            <a:r>
+              <a:rPr lang="en"/>
+              <a:t>Blockchain</a:t>
+            </a:r>
+            <a:endParaRPr/>
+          </a:p>
+        </p:txBody>
+      </p:sp>
+      <p:sp>
+        <p:nvSpPr>
+          <p:cNvPr id="216" name="Google Shape;216;p36"/>
+          <p:cNvSpPr txBox="1"/>
+          <p:nvPr>
+            <p:ph idx="1" type="body"/>
+          </p:nvPr>
+        </p:nvSpPr>
+        <p:spPr>
+          <a:xfrm>
+            <a:off x="311700" y="1152475"/>
+            <a:ext cx="8520600" cy="3416400"/>
+          </a:xfrm>
+          <a:prstGeom prst="rect">
+            <a:avLst/>
+          </a:prstGeom>
+        </p:spPr>
+        <p:txBody>
+          <a:bodyPr anchorCtr="0" anchor="t" bIns="91425" lIns="91425" spcFirstLastPara="1" rIns="91425" wrap="square" tIns="91425">
+            <a:noAutofit/>
+          </a:bodyPr>
+          <a:lstStyle/>
+          <a:p>
+            <a:pPr indent="0" lvl="0" marL="0" rtl="0" algn="l">
+              <a:spcBef>
+                <a:spcPts val="0"/>
+              </a:spcBef>
+              <a:spcAft>
+                <a:spcPts val="0"/>
+              </a:spcAft>
+              <a:buClr>
+                <a:schemeClr val="dk2"/>
+              </a:buClr>
+              <a:buSzPts val="1100"/>
+              <a:buFont typeface="Arial"/>
+              <a:buNone/>
+            </a:pPr>
+            <a:r>
+              <a:rPr lang="en"/>
+              <a:t>The process of finalising a block involves four stages:</a:t>
+            </a:r>
+            <a:endParaRPr/>
+          </a:p>
+          <a:p>
+            <a:pPr indent="0" lvl="0" marL="0" rtl="0" algn="l">
+              <a:spcBef>
+                <a:spcPts val="1600"/>
+              </a:spcBef>
+              <a:spcAft>
+                <a:spcPts val="0"/>
+              </a:spcAft>
+              <a:buClr>
+                <a:schemeClr val="dk2"/>
+              </a:buClr>
+              <a:buSzPts val="1100"/>
+              <a:buFont typeface="Arial"/>
+              <a:buNone/>
+            </a:pPr>
+            <a:r>
+              <a:rPr lang="en"/>
+              <a:t>(1) Validate (or, if mining, determine) ommers;</a:t>
+            </a:r>
+            <a:endParaRPr/>
+          </a:p>
+          <a:p>
+            <a:pPr indent="0" lvl="0" marL="0" rtl="0" algn="l">
+              <a:spcBef>
+                <a:spcPts val="1600"/>
+              </a:spcBef>
+              <a:spcAft>
+                <a:spcPts val="0"/>
+              </a:spcAft>
+              <a:buClr>
+                <a:schemeClr val="dk2"/>
+              </a:buClr>
+              <a:buSzPts val="1100"/>
+              <a:buFont typeface="Arial"/>
+              <a:buNone/>
+            </a:pPr>
+            <a:r>
+              <a:rPr lang="en"/>
+              <a:t>(2) validate (or, if mining, determine) transactions;</a:t>
+            </a:r>
+            <a:endParaRPr/>
+          </a:p>
+          <a:p>
+            <a:pPr indent="0" lvl="0" marL="0" rtl="0" algn="l">
+              <a:spcBef>
+                <a:spcPts val="1600"/>
+              </a:spcBef>
+              <a:spcAft>
+                <a:spcPts val="0"/>
+              </a:spcAft>
+              <a:buClr>
+                <a:schemeClr val="dk2"/>
+              </a:buClr>
+              <a:buSzPts val="1100"/>
+              <a:buFont typeface="Arial"/>
+              <a:buNone/>
+            </a:pPr>
+            <a:r>
+              <a:rPr lang="en"/>
+              <a:t>(3) apply rewards;</a:t>
+            </a:r>
+            <a:endParaRPr/>
+          </a:p>
+          <a:p>
+            <a:pPr indent="0" lvl="0" marL="0" rtl="0" algn="l">
+              <a:spcBef>
+                <a:spcPts val="1600"/>
+              </a:spcBef>
+              <a:spcAft>
+                <a:spcPts val="1600"/>
+              </a:spcAft>
+              <a:buNone/>
+            </a:pPr>
+            <a:r>
+              <a:rPr lang="en"/>
+              <a:t>(4) verify (or, if mining, compute a valid) state and block nonce</a:t>
+            </a:r>
+            <a:endParaRPr/>
+          </a:p>
+        </p:txBody>
+      </p:sp>
+    </p:spTree>
+  </p:cSld>
+  <p:clrMapOvr>
+    <a:masterClrMapping/>
+  </p:clrMapOvr>
+</p:sld>
+</file>
+
+<file path=ppt/slides/slide25.xml><?xml version="1.0" encoding="utf-8"?>
+<p:sld xmlns:a="http://schemas.openxmlformats.org/drawingml/2006/main" xmlns:r="http://schemas.openxmlformats.org/officeDocument/2006/relationships" xmlns:mc="http://schemas.openxmlformats.org/markup-compatibility/2006" xmlns:mv="urn:schemas-microsoft-com:mac:vml" xmlns:p="http://schemas.openxmlformats.org/presentationml/2006/main" xmlns:c="http://schemas.openxmlformats.org/drawingml/2006/chart" xmlns:dgm="http://schemas.openxmlformats.org/drawingml/2006/diagram" xmlns:o="urn:schemas-microsoft-com:office:office" xmlns:v="urn:schemas-microsoft-com:vml" xmlns:pvml="urn:schemas-microsoft-com:office:powerpoint" xmlns:com="http://schemas.openxmlformats.org/drawingml/2006/compatibility" xmlns:p14="http://schemas.microsoft.com/office/powerpoint/2010/main" xmlns:p15="http://schemas.microsoft.com/office/powerpoint/2012/main">
+  <p:cSld>
+    <p:spTree>
+      <p:nvGrpSpPr>
+        <p:cNvPr id="220" name="Shape 220"/>
+        <p:cNvGrpSpPr/>
+        <p:nvPr/>
+      </p:nvGrpSpPr>
+      <p:grpSpPr>
+        <a:xfrm>
+          <a:off x="0" y="0"/>
+          <a:ext cx="0" cy="0"/>
+          <a:chOff x="0" y="0"/>
+          <a:chExt cx="0" cy="0"/>
+        </a:xfrm>
+      </p:grpSpPr>
+      <p:sp>
+        <p:nvSpPr>
+          <p:cNvPr id="221" name="Google Shape;221;p37"/>
+          <p:cNvSpPr txBox="1"/>
+          <p:nvPr>
+            <p:ph type="title"/>
+          </p:nvPr>
+        </p:nvSpPr>
+        <p:spPr>
+          <a:xfrm>
+            <a:off x="311700" y="445025"/>
+            <a:ext cx="8520600" cy="623400"/>
+          </a:xfrm>
+          <a:prstGeom prst="rect">
+            <a:avLst/>
+          </a:prstGeom>
+        </p:spPr>
+        <p:txBody>
+          <a:bodyPr anchorCtr="0" anchor="t" bIns="91425" lIns="91425" spcFirstLastPara="1" rIns="91425" wrap="square" tIns="91425">
+            <a:noAutofit/>
+          </a:bodyPr>
+          <a:lstStyle/>
+          <a:p>
+            <a:pPr indent="0" lvl="0" marL="0" rtl="0" algn="l">
+              <a:spcBef>
+                <a:spcPts val="0"/>
+              </a:spcBef>
+              <a:spcAft>
+                <a:spcPts val="0"/>
+              </a:spcAft>
+              <a:buNone/>
+            </a:pPr>
+            <a:r>
+              <a:rPr lang="en"/>
+              <a:t>Blockchain hardfork configuration</a:t>
+            </a:r>
+            <a:endParaRPr/>
+          </a:p>
+        </p:txBody>
+      </p:sp>
+      <p:sp>
+        <p:nvSpPr>
+          <p:cNvPr id="222" name="Google Shape;222;p37"/>
+          <p:cNvSpPr txBox="1"/>
+          <p:nvPr>
+            <p:ph idx="1" type="body"/>
+          </p:nvPr>
+        </p:nvSpPr>
+        <p:spPr>
+          <a:xfrm>
+            <a:off x="311700" y="1152475"/>
+            <a:ext cx="8520600" cy="3416400"/>
+          </a:xfrm>
+          <a:prstGeom prst="rect">
+            <a:avLst/>
+          </a:prstGeom>
+        </p:spPr>
+        <p:txBody>
+          <a:bodyPr anchorCtr="0" anchor="t" bIns="91425" lIns="91425" spcFirstLastPara="1" rIns="91425" wrap="square" tIns="91425">
+            <a:noAutofit/>
+          </a:bodyPr>
+          <a:lstStyle/>
+          <a:p>
+            <a:pPr indent="-342900" lvl="0" marL="457200" rtl="0" algn="l">
+              <a:spcBef>
+                <a:spcPts val="0"/>
+              </a:spcBef>
+              <a:spcAft>
+                <a:spcPts val="0"/>
+              </a:spcAft>
+              <a:buSzPts val="1800"/>
+              <a:buChar char="-"/>
+            </a:pPr>
+            <a:r>
+              <a:rPr lang="en"/>
+              <a:t>Upgrades in Ethereum</a:t>
+            </a:r>
+            <a:endParaRPr/>
+          </a:p>
+          <a:p>
+            <a:pPr indent="-342900" lvl="0" marL="457200" rtl="0" algn="l">
+              <a:spcBef>
+                <a:spcPts val="0"/>
+              </a:spcBef>
+              <a:spcAft>
+                <a:spcPts val="0"/>
+              </a:spcAft>
+              <a:buSzPts val="1800"/>
+              <a:buChar char="-"/>
+            </a:pPr>
+            <a:r>
+              <a:rPr lang="en"/>
+              <a:t>Way to introduce new changes to the chain </a:t>
+            </a:r>
+            <a:endParaRPr/>
+          </a:p>
+        </p:txBody>
+      </p:sp>
+    </p:spTree>
+  </p:cSld>
+  <p:clrMapOvr>
+    <a:masterClrMapping/>
+  </p:clrMapOvr>
+</p:sld>
+</file>
+
+<file path=ppt/slides/slide26.xml><?xml version="1.0" encoding="utf-8"?>
+<p:sld xmlns:a="http://schemas.openxmlformats.org/drawingml/2006/main" xmlns:r="http://schemas.openxmlformats.org/officeDocument/2006/relationships" xmlns:mc="http://schemas.openxmlformats.org/markup-compatibility/2006" xmlns:mv="urn:schemas-microsoft-com:mac:vml" xmlns:p="http://schemas.openxmlformats.org/presentationml/2006/main" xmlns:c="http://schemas.openxmlformats.org/drawingml/2006/chart" xmlns:dgm="http://schemas.openxmlformats.org/drawingml/2006/diagram" xmlns:o="urn:schemas-microsoft-com:office:office" xmlns:v="urn:schemas-microsoft-com:vml" xmlns:pvml="urn:schemas-microsoft-com:office:powerpoint" xmlns:com="http://schemas.openxmlformats.org/drawingml/2006/compatibility" xmlns:p14="http://schemas.microsoft.com/office/powerpoint/2010/main" xmlns:p15="http://schemas.microsoft.com/office/powerpoint/2012/main">
+  <p:cSld>
+    <p:spTree>
+      <p:nvGrpSpPr>
+        <p:cNvPr id="226" name="Shape 226"/>
+        <p:cNvGrpSpPr/>
+        <p:nvPr/>
+      </p:nvGrpSpPr>
+      <p:grpSpPr>
+        <a:xfrm>
+          <a:off x="0" y="0"/>
+          <a:ext cx="0" cy="0"/>
+          <a:chOff x="0" y="0"/>
+          <a:chExt cx="0" cy="0"/>
+        </a:xfrm>
+      </p:grpSpPr>
+      <p:sp>
+        <p:nvSpPr>
+          <p:cNvPr id="227" name="Google Shape;227;p38"/>
+          <p:cNvSpPr txBox="1"/>
+          <p:nvPr>
+            <p:ph type="title"/>
+          </p:nvPr>
+        </p:nvSpPr>
+        <p:spPr>
+          <a:xfrm>
+            <a:off x="311700" y="445025"/>
+            <a:ext cx="8520600" cy="623400"/>
+          </a:xfrm>
+          <a:prstGeom prst="rect">
+            <a:avLst/>
+          </a:prstGeom>
+        </p:spPr>
+        <p:txBody>
+          <a:bodyPr anchorCtr="0" anchor="t" bIns="91425" lIns="91425" spcFirstLastPara="1" rIns="91425" wrap="square" tIns="91425">
+            <a:noAutofit/>
+          </a:bodyPr>
+          <a:lstStyle/>
+          <a:p>
+            <a:pPr indent="0" lvl="0" marL="0" rtl="0" algn="l">
+              <a:spcBef>
+                <a:spcPts val="0"/>
+              </a:spcBef>
+              <a:spcAft>
+                <a:spcPts val="0"/>
+              </a:spcAft>
+              <a:buNone/>
+            </a:pPr>
+            <a:r>
+              <a:rPr lang="en"/>
+              <a:t>Blockchain hardfork configuration</a:t>
+            </a:r>
+            <a:endParaRPr/>
+          </a:p>
+        </p:txBody>
+      </p:sp>
+      <p:sp>
+        <p:nvSpPr>
+          <p:cNvPr id="228" name="Google Shape;228;p38"/>
+          <p:cNvSpPr txBox="1"/>
+          <p:nvPr>
+            <p:ph idx="1" type="body"/>
+          </p:nvPr>
+        </p:nvSpPr>
+        <p:spPr>
+          <a:xfrm>
+            <a:off x="311700" y="1152475"/>
+            <a:ext cx="8520600" cy="3416400"/>
+          </a:xfrm>
+          <a:prstGeom prst="rect">
+            <a:avLst/>
+          </a:prstGeom>
+        </p:spPr>
+        <p:txBody>
+          <a:bodyPr anchorCtr="0" anchor="t" bIns="91425" lIns="91425" spcFirstLastPara="1" rIns="91425" wrap="square" tIns="91425">
+            <a:noAutofit/>
+          </a:bodyPr>
+          <a:lstStyle/>
+          <a:p>
+            <a:pPr indent="0" lvl="0" marL="0" rtl="0" algn="l">
+              <a:spcBef>
+                <a:spcPts val="0"/>
+              </a:spcBef>
+              <a:spcAft>
+                <a:spcPts val="1600"/>
+              </a:spcAft>
+              <a:buNone/>
+            </a:pPr>
+            <a:r>
+              <a:rPr lang="en" sz="1200">
+                <a:solidFill>
+                  <a:srgbClr val="000000"/>
+                </a:solidFill>
+              </a:rPr>
+              <a:t>defmodule EVM.Configuration do</a:t>
+            </a:r>
+            <a:br>
+              <a:rPr lang="en" sz="1200">
+                <a:solidFill>
+                  <a:srgbClr val="000000"/>
+                </a:solidFill>
+              </a:rPr>
+            </a:br>
+            <a:r>
+              <a:rPr lang="en" sz="1200">
+                <a:solidFill>
+                  <a:srgbClr val="000000"/>
+                </a:solidFill>
+              </a:rPr>
+              <a:t>  @moduledoc """</a:t>
+            </a:r>
+            <a:br>
+              <a:rPr lang="en" sz="1200">
+                <a:solidFill>
+                  <a:srgbClr val="000000"/>
+                </a:solidFill>
+              </a:rPr>
+            </a:br>
+            <a:r>
+              <a:rPr lang="en" sz="1200">
+                <a:solidFill>
+                  <a:srgbClr val="000000"/>
+                </a:solidFill>
+              </a:rPr>
+              <a:t>  Behaviour for hardfork configurations.</a:t>
+            </a:r>
+            <a:br>
+              <a:rPr lang="en" sz="1200">
+                <a:solidFill>
+                  <a:srgbClr val="000000"/>
+                </a:solidFill>
+              </a:rPr>
+            </a:br>
+            <a:r>
+              <a:rPr lang="en" sz="1200">
+                <a:solidFill>
+                  <a:srgbClr val="000000"/>
+                </a:solidFill>
+              </a:rPr>
+              <a:t>  """</a:t>
+            </a:r>
+            <a:br>
+              <a:rPr lang="en" sz="1200">
+                <a:solidFill>
+                  <a:srgbClr val="000000"/>
+                </a:solidFill>
+              </a:rPr>
+            </a:br>
+            <a:br>
+              <a:rPr lang="en" sz="1200">
+                <a:solidFill>
+                  <a:srgbClr val="000000"/>
+                </a:solidFill>
+              </a:rPr>
+            </a:br>
+            <a:r>
+              <a:rPr lang="en" sz="1200">
+                <a:solidFill>
+                  <a:srgbClr val="000000"/>
+                </a:solidFill>
+              </a:rPr>
+              <a:t>  @type t :: struct()</a:t>
+            </a:r>
+            <a:br>
+              <a:rPr lang="en" sz="1200">
+                <a:solidFill>
+                  <a:srgbClr val="000000"/>
+                </a:solidFill>
+              </a:rPr>
+            </a:br>
+            <a:br>
+              <a:rPr lang="en" sz="1200">
+                <a:solidFill>
+                  <a:srgbClr val="000000"/>
+                </a:solidFill>
+              </a:rPr>
+            </a:br>
+            <a:r>
+              <a:rPr lang="en" sz="1200">
+                <a:solidFill>
+                  <a:srgbClr val="000000"/>
+                </a:solidFill>
+              </a:rPr>
+              <a:t>  # EIP2</a:t>
+            </a:r>
+            <a:br>
+              <a:rPr lang="en" sz="1200">
+                <a:solidFill>
+                  <a:srgbClr val="000000"/>
+                </a:solidFill>
+              </a:rPr>
+            </a:br>
+            <a:r>
+              <a:rPr lang="en" sz="1200">
+                <a:solidFill>
+                  <a:srgbClr val="000000"/>
+                </a:solidFill>
+              </a:rPr>
+              <a:t>  @callback contract_creation_cost(t) :: integer()</a:t>
+            </a:r>
+            <a:br>
+              <a:rPr lang="en" sz="1200">
+                <a:solidFill>
+                  <a:srgbClr val="000000"/>
+                </a:solidFill>
+              </a:rPr>
+            </a:br>
+            <a:br>
+              <a:rPr lang="en" sz="1200">
+                <a:solidFill>
+                  <a:srgbClr val="000000"/>
+                </a:solidFill>
+              </a:rPr>
+            </a:br>
+            <a:r>
+              <a:rPr lang="en" sz="1200">
+                <a:solidFill>
+                  <a:srgbClr val="000000"/>
+                </a:solidFill>
+              </a:rPr>
+              <a:t>  # EIP150</a:t>
+            </a:r>
+            <a:br>
+              <a:rPr lang="en" sz="1200">
+                <a:solidFill>
+                  <a:srgbClr val="000000"/>
+                </a:solidFill>
+              </a:rPr>
+            </a:br>
+            <a:r>
+              <a:rPr lang="en" sz="1200">
+                <a:solidFill>
+                  <a:srgbClr val="000000"/>
+                </a:solidFill>
+              </a:rPr>
+              <a:t>  @callback extcodesize_cost(t) :: integer()</a:t>
+            </a:r>
+            <a:br>
+              <a:rPr lang="en" sz="1200"/>
+            </a:br>
+            <a:endParaRPr sz="1200"/>
+          </a:p>
+        </p:txBody>
+      </p:sp>
+    </p:spTree>
+  </p:cSld>
+  <p:clrMapOvr>
+    <a:masterClrMapping/>
+  </p:clrMapOvr>
+</p:sld>
+</file>
+
+<file path=ppt/slides/slide27.xml><?xml version="1.0" encoding="utf-8"?>
+<p:sld xmlns:a="http://schemas.openxmlformats.org/drawingml/2006/main" xmlns:r="http://schemas.openxmlformats.org/officeDocument/2006/relationships" xmlns:mc="http://schemas.openxmlformats.org/markup-compatibility/2006" xmlns:mv="urn:schemas-microsoft-com:mac:vml" xmlns:p="http://schemas.openxmlformats.org/presentationml/2006/main" xmlns:c="http://schemas.openxmlformats.org/drawingml/2006/chart" xmlns:dgm="http://schemas.openxmlformats.org/drawingml/2006/diagram" xmlns:o="urn:schemas-microsoft-com:office:office" xmlns:v="urn:schemas-microsoft-com:vml" xmlns:pvml="urn:schemas-microsoft-com:office:powerpoint" xmlns:com="http://schemas.openxmlformats.org/drawingml/2006/compatibility" xmlns:p14="http://schemas.microsoft.com/office/powerpoint/2010/main" xmlns:p15="http://schemas.microsoft.com/office/powerpoint/2012/main">
+  <p:cSld>
+    <p:spTree>
+      <p:nvGrpSpPr>
+        <p:cNvPr id="232" name="Shape 232"/>
+        <p:cNvGrpSpPr/>
+        <p:nvPr/>
+      </p:nvGrpSpPr>
+      <p:grpSpPr>
+        <a:xfrm>
+          <a:off x="0" y="0"/>
+          <a:ext cx="0" cy="0"/>
+          <a:chOff x="0" y="0"/>
+          <a:chExt cx="0" cy="0"/>
+        </a:xfrm>
+      </p:grpSpPr>
+      <p:sp>
+        <p:nvSpPr>
+          <p:cNvPr id="233" name="Google Shape;233;p39"/>
+          <p:cNvSpPr txBox="1"/>
+          <p:nvPr>
+            <p:ph type="title"/>
+          </p:nvPr>
+        </p:nvSpPr>
+        <p:spPr>
+          <a:xfrm>
+            <a:off x="311700" y="445025"/>
+            <a:ext cx="8520600" cy="623400"/>
+          </a:xfrm>
+          <a:prstGeom prst="rect">
+            <a:avLst/>
+          </a:prstGeom>
+        </p:spPr>
+        <p:txBody>
+          <a:bodyPr anchorCtr="0" anchor="t" bIns="91425" lIns="91425" spcFirstLastPara="1" rIns="91425" wrap="square" tIns="91425">
+            <a:noAutofit/>
+          </a:bodyPr>
+          <a:lstStyle/>
+          <a:p>
+            <a:pPr indent="0" lvl="0" marL="0" rtl="0" algn="l">
+              <a:spcBef>
+                <a:spcPts val="0"/>
+              </a:spcBef>
+              <a:spcAft>
+                <a:spcPts val="0"/>
+              </a:spcAft>
+              <a:buNone/>
+            </a:pPr>
+            <a:r>
+              <a:rPr lang="en"/>
+              <a:t>ExWire</a:t>
+            </a:r>
+            <a:endParaRPr/>
+          </a:p>
+        </p:txBody>
+      </p:sp>
+      <p:sp>
+        <p:nvSpPr>
+          <p:cNvPr id="234" name="Google Shape;234;p39"/>
+          <p:cNvSpPr txBox="1"/>
+          <p:nvPr>
+            <p:ph idx="1" type="body"/>
+          </p:nvPr>
+        </p:nvSpPr>
+        <p:spPr>
+          <a:xfrm>
+            <a:off x="311700" y="1152475"/>
+            <a:ext cx="8520600" cy="3416400"/>
+          </a:xfrm>
+          <a:prstGeom prst="rect">
+            <a:avLst/>
+          </a:prstGeom>
+        </p:spPr>
+        <p:txBody>
+          <a:bodyPr anchorCtr="0" anchor="t" bIns="91425" lIns="91425" spcFirstLastPara="1" rIns="91425" wrap="square" tIns="91425">
+            <a:noAutofit/>
+          </a:bodyPr>
+          <a:lstStyle/>
+          <a:p>
+            <a:pPr indent="-342900" lvl="0" marL="457200" rtl="0" algn="l">
+              <a:spcBef>
+                <a:spcPts val="0"/>
+              </a:spcBef>
+              <a:spcAft>
+                <a:spcPts val="0"/>
+              </a:spcAft>
+              <a:buSzPts val="1800"/>
+              <a:buChar char="-"/>
+            </a:pPr>
+            <a:r>
+              <a:rPr lang="en"/>
+              <a:t>RLPx</a:t>
+            </a:r>
+            <a:endParaRPr/>
+          </a:p>
+          <a:p>
+            <a:pPr indent="-342900" lvl="0" marL="457200" rtl="0" algn="l">
+              <a:spcBef>
+                <a:spcPts val="0"/>
+              </a:spcBef>
+              <a:spcAft>
+                <a:spcPts val="0"/>
+              </a:spcAft>
+              <a:buSzPts val="1800"/>
+              <a:buChar char="-"/>
+            </a:pPr>
+            <a:r>
+              <a:rPr lang="en"/>
+              <a:t>DevP2P</a:t>
+            </a:r>
+            <a:endParaRPr/>
+          </a:p>
+          <a:p>
+            <a:pPr indent="-342900" lvl="0" marL="457200" rtl="0" algn="l">
+              <a:spcBef>
+                <a:spcPts val="0"/>
+              </a:spcBef>
+              <a:spcAft>
+                <a:spcPts val="0"/>
+              </a:spcAft>
+              <a:buSzPts val="1800"/>
+              <a:buChar char="-"/>
+            </a:pPr>
+            <a:r>
+              <a:rPr lang="en"/>
+              <a:t>Eth Wire</a:t>
+            </a:r>
+            <a:endParaRPr/>
+          </a:p>
+        </p:txBody>
+      </p:sp>
+    </p:spTree>
+  </p:cSld>
+  <p:clrMapOvr>
+    <a:masterClrMapping/>
+  </p:clrMapOvr>
+</p:sld>
+</file>
+
+<file path=ppt/slides/slide28.xml><?xml version="1.0" encoding="utf-8"?>
+<p:sld xmlns:a="http://schemas.openxmlformats.org/drawingml/2006/main" xmlns:r="http://schemas.openxmlformats.org/officeDocument/2006/relationships" xmlns:mc="http://schemas.openxmlformats.org/markup-compatibility/2006" xmlns:mv="urn:schemas-microsoft-com:mac:vml" xmlns:p="http://schemas.openxmlformats.org/presentationml/2006/main" xmlns:c="http://schemas.openxmlformats.org/drawingml/2006/chart" xmlns:dgm="http://schemas.openxmlformats.org/drawingml/2006/diagram" xmlns:o="urn:schemas-microsoft-com:office:office" xmlns:v="urn:schemas-microsoft-com:vml" xmlns:pvml="urn:schemas-microsoft-com:office:powerpoint" xmlns:com="http://schemas.openxmlformats.org/drawingml/2006/compatibility" xmlns:p14="http://schemas.microsoft.com/office/powerpoint/2010/main" xmlns:p15="http://schemas.microsoft.com/office/powerpoint/2012/main">
+  <p:cSld>
+    <p:spTree>
+      <p:nvGrpSpPr>
+        <p:cNvPr id="238" name="Shape 238"/>
+        <p:cNvGrpSpPr/>
+        <p:nvPr/>
+      </p:nvGrpSpPr>
+      <p:grpSpPr>
+        <a:xfrm>
+          <a:off x="0" y="0"/>
+          <a:ext cx="0" cy="0"/>
+          <a:chOff x="0" y="0"/>
+          <a:chExt cx="0" cy="0"/>
+        </a:xfrm>
+      </p:grpSpPr>
+      <p:sp>
+        <p:nvSpPr>
+          <p:cNvPr id="239" name="Google Shape;239;p40"/>
+          <p:cNvSpPr txBox="1"/>
+          <p:nvPr>
+            <p:ph type="title"/>
+          </p:nvPr>
+        </p:nvSpPr>
+        <p:spPr>
+          <a:xfrm>
+            <a:off x="311700" y="445025"/>
+            <a:ext cx="8520600" cy="623400"/>
+          </a:xfrm>
+          <a:prstGeom prst="rect">
+            <a:avLst/>
+          </a:prstGeom>
+        </p:spPr>
+        <p:txBody>
+          <a:bodyPr anchorCtr="0" anchor="t" bIns="91425" lIns="91425" spcFirstLastPara="1" rIns="91425" wrap="square" tIns="91425">
+            <a:noAutofit/>
+          </a:bodyPr>
+          <a:lstStyle/>
+          <a:p>
+            <a:pPr indent="0" lvl="0" marL="0" rtl="0" algn="l">
+              <a:spcBef>
+                <a:spcPts val="0"/>
+              </a:spcBef>
+              <a:spcAft>
+                <a:spcPts val="0"/>
+              </a:spcAft>
+              <a:buNone/>
+            </a:pPr>
+            <a:r>
+              <a:rPr lang="en"/>
+              <a:t>RLPx</a:t>
+            </a:r>
+            <a:endParaRPr/>
+          </a:p>
+        </p:txBody>
+      </p:sp>
+      <p:sp>
+        <p:nvSpPr>
+          <p:cNvPr id="240" name="Google Shape;240;p40"/>
+          <p:cNvSpPr txBox="1"/>
+          <p:nvPr>
+            <p:ph idx="1" type="body"/>
+          </p:nvPr>
+        </p:nvSpPr>
+        <p:spPr>
+          <a:xfrm>
+            <a:off x="311700" y="1152475"/>
+            <a:ext cx="8520600" cy="3416400"/>
+          </a:xfrm>
+          <a:prstGeom prst="rect">
+            <a:avLst/>
+          </a:prstGeom>
+        </p:spPr>
+        <p:txBody>
+          <a:bodyPr anchorCtr="0" anchor="t" bIns="91425" lIns="91425" spcFirstLastPara="1" rIns="91425" wrap="square" tIns="91425">
+            <a:noAutofit/>
+          </a:bodyPr>
+          <a:lstStyle/>
+          <a:p>
+            <a:pPr indent="-381000" lvl="0" marL="457200" rtl="0" algn="l">
+              <a:spcBef>
+                <a:spcPts val="0"/>
+              </a:spcBef>
+              <a:spcAft>
+                <a:spcPts val="0"/>
+              </a:spcAft>
+              <a:buClr>
+                <a:schemeClr val="dk2"/>
+              </a:buClr>
+              <a:buSzPts val="2400"/>
+              <a:buFont typeface="Arial"/>
+              <a:buChar char="●"/>
+            </a:pPr>
+            <a:r>
+              <a:rPr lang="en" sz="2400"/>
+              <a:t>Node Discovery and Network Formation</a:t>
+            </a:r>
+            <a:endParaRPr sz="2400"/>
+          </a:p>
+          <a:p>
+            <a:pPr indent="-381000" lvl="0" marL="457200" rtl="0" algn="l">
+              <a:spcBef>
+                <a:spcPts val="0"/>
+              </a:spcBef>
+              <a:spcAft>
+                <a:spcPts val="0"/>
+              </a:spcAft>
+              <a:buClr>
+                <a:schemeClr val="dk2"/>
+              </a:buClr>
+              <a:buSzPts val="2400"/>
+              <a:buFont typeface="Arial"/>
+              <a:buChar char="●"/>
+            </a:pPr>
+            <a:r>
+              <a:rPr lang="en" sz="2400"/>
+              <a:t>Encrypted handshake</a:t>
+            </a:r>
+            <a:endParaRPr sz="2400"/>
+          </a:p>
+          <a:p>
+            <a:pPr indent="-381000" lvl="0" marL="457200" rtl="0" algn="l">
+              <a:spcBef>
+                <a:spcPts val="0"/>
+              </a:spcBef>
+              <a:spcAft>
+                <a:spcPts val="0"/>
+              </a:spcAft>
+              <a:buClr>
+                <a:schemeClr val="dk2"/>
+              </a:buClr>
+              <a:buSzPts val="2400"/>
+              <a:buFont typeface="Arial"/>
+              <a:buChar char="●"/>
+            </a:pPr>
+            <a:r>
+              <a:rPr lang="en" sz="2400"/>
+              <a:t>Encrypted transport</a:t>
+            </a:r>
+            <a:endParaRPr sz="2400"/>
+          </a:p>
+          <a:p>
+            <a:pPr indent="-381000" lvl="0" marL="457200" rtl="0" algn="l">
+              <a:spcBef>
+                <a:spcPts val="0"/>
+              </a:spcBef>
+              <a:spcAft>
+                <a:spcPts val="0"/>
+              </a:spcAft>
+              <a:buClr>
+                <a:schemeClr val="dk2"/>
+              </a:buClr>
+              <a:buSzPts val="2400"/>
+              <a:buFont typeface="Arial"/>
+              <a:buChar char="●"/>
+            </a:pPr>
+            <a:r>
+              <a:rPr lang="en" sz="2400"/>
+              <a:t>Peer Reputation</a:t>
+            </a:r>
+            <a:endParaRPr sz="2400"/>
+          </a:p>
+          <a:p>
+            <a:pPr indent="0" lvl="0" marL="0" rtl="0" algn="l">
+              <a:spcBef>
+                <a:spcPts val="0"/>
+              </a:spcBef>
+              <a:spcAft>
+                <a:spcPts val="1600"/>
+              </a:spcAft>
+              <a:buNone/>
+            </a:pPr>
+            <a:r>
+              <a:t/>
+            </a:r>
+            <a:endParaRPr/>
+          </a:p>
+        </p:txBody>
+      </p:sp>
+    </p:spTree>
+  </p:cSld>
+  <p:clrMapOvr>
+    <a:masterClrMapping/>
+  </p:clrMapOvr>
+</p:sld>
+</file>
+
+<file path=ppt/slides/slide29.xml><?xml version="1.0" encoding="utf-8"?>
+<p:sld xmlns:a="http://schemas.openxmlformats.org/drawingml/2006/main" xmlns:r="http://schemas.openxmlformats.org/officeDocument/2006/relationships" xmlns:mc="http://schemas.openxmlformats.org/markup-compatibility/2006" xmlns:mv="urn:schemas-microsoft-com:mac:vml" xmlns:p="http://schemas.openxmlformats.org/presentationml/2006/main" xmlns:c="http://schemas.openxmlformats.org/drawingml/2006/chart" xmlns:dgm="http://schemas.openxmlformats.org/drawingml/2006/diagram" xmlns:o="urn:schemas-microsoft-com:office:office" xmlns:v="urn:schemas-microsoft-com:vml" xmlns:pvml="urn:schemas-microsoft-com:office:powerpoint" xmlns:com="http://schemas.openxmlformats.org/drawingml/2006/compatibility" xmlns:p14="http://schemas.microsoft.com/office/powerpoint/2010/main" xmlns:p15="http://schemas.microsoft.com/office/powerpoint/2012/main">
+  <p:cSld>
+    <p:spTree>
+      <p:nvGrpSpPr>
+        <p:cNvPr id="244" name="Shape 244"/>
+        <p:cNvGrpSpPr/>
+        <p:nvPr/>
+      </p:nvGrpSpPr>
+      <p:grpSpPr>
+        <a:xfrm>
+          <a:off x="0" y="0"/>
+          <a:ext cx="0" cy="0"/>
+          <a:chOff x="0" y="0"/>
+          <a:chExt cx="0" cy="0"/>
+        </a:xfrm>
+      </p:grpSpPr>
+      <p:sp>
+        <p:nvSpPr>
+          <p:cNvPr id="245" name="Google Shape;245;p41"/>
+          <p:cNvSpPr txBox="1"/>
+          <p:nvPr>
+            <p:ph type="title"/>
+          </p:nvPr>
+        </p:nvSpPr>
+        <p:spPr>
+          <a:xfrm>
+            <a:off x="311700" y="445025"/>
+            <a:ext cx="8520600" cy="623400"/>
+          </a:xfrm>
+          <a:prstGeom prst="rect">
+            <a:avLst/>
+          </a:prstGeom>
+        </p:spPr>
+        <p:txBody>
+          <a:bodyPr anchorCtr="0" anchor="t" bIns="91425" lIns="91425" spcFirstLastPara="1" rIns="91425" wrap="square" tIns="91425">
+            <a:noAutofit/>
+          </a:bodyPr>
+          <a:lstStyle/>
+          <a:p>
+            <a:pPr indent="0" lvl="0" marL="0" rtl="0" algn="l">
+              <a:spcBef>
+                <a:spcPts val="0"/>
+              </a:spcBef>
+              <a:spcAft>
+                <a:spcPts val="0"/>
+              </a:spcAft>
+              <a:buNone/>
+            </a:pPr>
+            <a:r>
+              <a:rPr lang="en"/>
+              <a:t>DevP2P</a:t>
+            </a:r>
+            <a:endParaRPr/>
+          </a:p>
+        </p:txBody>
+      </p:sp>
+      <p:sp>
+        <p:nvSpPr>
+          <p:cNvPr id="246" name="Google Shape;246;p41"/>
+          <p:cNvSpPr txBox="1"/>
+          <p:nvPr>
+            <p:ph idx="1" type="body"/>
+          </p:nvPr>
+        </p:nvSpPr>
+        <p:spPr>
+          <a:xfrm>
+            <a:off x="311700" y="1152475"/>
+            <a:ext cx="8520600" cy="3416400"/>
+          </a:xfrm>
+          <a:prstGeom prst="rect">
+            <a:avLst/>
+          </a:prstGeom>
+        </p:spPr>
+        <p:txBody>
+          <a:bodyPr anchorCtr="0" anchor="t" bIns="91425" lIns="91425" spcFirstLastPara="1" rIns="91425" wrap="square" tIns="91425">
+            <a:noAutofit/>
+          </a:bodyPr>
+          <a:lstStyle/>
+          <a:p>
+            <a:pPr indent="-317500" lvl="0" marL="457200" rtl="0" algn="l">
+              <a:spcBef>
+                <a:spcPts val="0"/>
+              </a:spcBef>
+              <a:spcAft>
+                <a:spcPts val="0"/>
+              </a:spcAft>
+              <a:buSzPts val="1400"/>
+              <a:buChar char="-"/>
+            </a:pPr>
+            <a:r>
+              <a:rPr b="1" lang="en" sz="1400">
+                <a:solidFill>
+                  <a:schemeClr val="dk2"/>
+                </a:solidFill>
+                <a:latin typeface="Arial"/>
+                <a:ea typeface="Arial"/>
+                <a:cs typeface="Arial"/>
+                <a:sym typeface="Arial"/>
+              </a:rPr>
+              <a:t>Hello</a:t>
+            </a:r>
+            <a:endParaRPr b="1" sz="1400">
+              <a:solidFill>
+                <a:schemeClr val="dk2"/>
+              </a:solidFill>
+              <a:latin typeface="Arial"/>
+              <a:ea typeface="Arial"/>
+              <a:cs typeface="Arial"/>
+              <a:sym typeface="Arial"/>
+            </a:endParaRPr>
+          </a:p>
+          <a:p>
+            <a:pPr indent="-317500" lvl="0" marL="457200" rtl="0" algn="l">
+              <a:spcBef>
+                <a:spcPts val="0"/>
+              </a:spcBef>
+              <a:spcAft>
+                <a:spcPts val="0"/>
+              </a:spcAft>
+              <a:buClr>
+                <a:schemeClr val="dk2"/>
+              </a:buClr>
+              <a:buSzPts val="1400"/>
+              <a:buFont typeface="Arial"/>
+              <a:buChar char="-"/>
+            </a:pPr>
+            <a:r>
+              <a:rPr b="1" lang="en" sz="1400">
+                <a:solidFill>
+                  <a:schemeClr val="dk2"/>
+                </a:solidFill>
+                <a:latin typeface="Arial"/>
+                <a:ea typeface="Arial"/>
+                <a:cs typeface="Arial"/>
+                <a:sym typeface="Arial"/>
+              </a:rPr>
+              <a:t>Disconnect</a:t>
+            </a:r>
+            <a:endParaRPr b="1" sz="1400">
+              <a:solidFill>
+                <a:schemeClr val="dk2"/>
+              </a:solidFill>
+              <a:latin typeface="Arial"/>
+              <a:ea typeface="Arial"/>
+              <a:cs typeface="Arial"/>
+              <a:sym typeface="Arial"/>
+            </a:endParaRPr>
+          </a:p>
+          <a:p>
+            <a:pPr indent="-317500" lvl="0" marL="457200" rtl="0" algn="l">
+              <a:spcBef>
+                <a:spcPts val="0"/>
+              </a:spcBef>
+              <a:spcAft>
+                <a:spcPts val="0"/>
+              </a:spcAft>
+              <a:buClr>
+                <a:schemeClr val="dk2"/>
+              </a:buClr>
+              <a:buSzPts val="1400"/>
+              <a:buFont typeface="Arial"/>
+              <a:buChar char="-"/>
+            </a:pPr>
+            <a:r>
+              <a:rPr b="1" lang="en" sz="1400">
+                <a:solidFill>
+                  <a:schemeClr val="dk2"/>
+                </a:solidFill>
+                <a:latin typeface="Arial"/>
+                <a:ea typeface="Arial"/>
+                <a:cs typeface="Arial"/>
+                <a:sym typeface="Arial"/>
+              </a:rPr>
+              <a:t>Ping</a:t>
+            </a:r>
+            <a:endParaRPr b="1" sz="1400">
+              <a:solidFill>
+                <a:schemeClr val="dk2"/>
+              </a:solidFill>
+              <a:latin typeface="Arial"/>
+              <a:ea typeface="Arial"/>
+              <a:cs typeface="Arial"/>
+              <a:sym typeface="Arial"/>
+            </a:endParaRPr>
+          </a:p>
+          <a:p>
+            <a:pPr indent="-317500" lvl="0" marL="457200" rtl="0" algn="l">
+              <a:spcBef>
+                <a:spcPts val="0"/>
+              </a:spcBef>
+              <a:spcAft>
+                <a:spcPts val="0"/>
+              </a:spcAft>
+              <a:buClr>
+                <a:schemeClr val="dk2"/>
+              </a:buClr>
+              <a:buSzPts val="1400"/>
+              <a:buFont typeface="Arial"/>
+              <a:buChar char="-"/>
+            </a:pPr>
+            <a:r>
+              <a:rPr b="1" lang="en" sz="1400">
+                <a:solidFill>
+                  <a:schemeClr val="dk2"/>
+                </a:solidFill>
+                <a:latin typeface="Arial"/>
+                <a:ea typeface="Arial"/>
+                <a:cs typeface="Arial"/>
+                <a:sym typeface="Arial"/>
+              </a:rPr>
+              <a:t>Pong</a:t>
+            </a:r>
+            <a:endParaRPr b="1" sz="1400">
+              <a:solidFill>
+                <a:schemeClr val="dk2"/>
+              </a:solidFill>
+              <a:latin typeface="Arial"/>
+              <a:ea typeface="Arial"/>
+              <a:cs typeface="Arial"/>
+              <a:sym typeface="Arial"/>
+            </a:endParaRPr>
           </a:p>
         </p:txBody>
       </p:sp>
@@ -10512,7 +15893,7 @@
   <p:cSld>
     <p:spTree>
       <p:nvGrpSpPr>
-        <p:cNvPr id="73" name="Shape 73"/>
+        <p:cNvPr id="72" name="Shape 72"/>
         <p:cNvGrpSpPr/>
         <p:nvPr/>
       </p:nvGrpSpPr>
@@ -10526,7 +15907,7 @@
       </p:grpSpPr>
       <p:sp>
         <p:nvSpPr>
-          <p:cNvPr id="74" name="Shape 74"/>
+          <p:cNvPr id="73" name="Google Shape;73;p15"/>
           <p:cNvSpPr txBox="1"/>
           <p:nvPr>
             <p:ph type="title"/>
@@ -10547,7 +15928,7 @@
           </a:bodyPr>
           <a:lstStyle/>
           <a:p>
-            <a:pPr indent="0" lvl="0" marL="0">
+            <a:pPr indent="0" lvl="0" marL="0" rtl="0" algn="l">
               <a:spcBef>
                 <a:spcPts val="0"/>
               </a:spcBef>
@@ -10566,7 +15947,7 @@
       </p:sp>
       <p:sp>
         <p:nvSpPr>
-          <p:cNvPr id="75" name="Shape 75"/>
+          <p:cNvPr id="74" name="Google Shape;74;p15"/>
           <p:cNvSpPr txBox="1"/>
           <p:nvPr>
             <p:ph idx="1" type="body"/>
@@ -10587,7 +15968,7 @@
           </a:bodyPr>
           <a:lstStyle/>
           <a:p>
-            <a:pPr indent="0" lvl="0" marL="0">
+            <a:pPr indent="0" lvl="0" marL="0" rtl="0" algn="l">
               <a:spcBef>
                 <a:spcPts val="0"/>
               </a:spcBef>
@@ -10612,7 +15993,7 @@
             <a:endParaRPr sz="2400"/>
           </a:p>
           <a:p>
-            <a:pPr indent="0" lvl="0" marL="0">
+            <a:pPr indent="0" lvl="0" marL="0" rtl="0" algn="l">
               <a:spcBef>
                 <a:spcPts val="1600"/>
               </a:spcBef>
@@ -10632,7 +16013,7 @@
             <a:endParaRPr sz="2400"/>
           </a:p>
           <a:p>
-            <a:pPr indent="0" lvl="0" marL="0">
+            <a:pPr indent="0" lvl="0" marL="0" rtl="0" algn="l">
               <a:spcBef>
                 <a:spcPts val="1600"/>
               </a:spcBef>
@@ -10652,7 +16033,7 @@
             <a:endParaRPr sz="2400"/>
           </a:p>
           <a:p>
-            <a:pPr indent="0" lvl="0" marL="0">
+            <a:pPr indent="0" lvl="0" marL="0" rtl="0" algn="l">
               <a:spcBef>
                 <a:spcPts val="1600"/>
               </a:spcBef>
@@ -10672,7 +16053,7 @@
             <a:endParaRPr sz="2400"/>
           </a:p>
           <a:p>
-            <a:pPr indent="0" lvl="0" marL="0">
+            <a:pPr indent="0" lvl="0" marL="0" rtl="0" algn="l">
               <a:spcBef>
                 <a:spcPts val="1600"/>
               </a:spcBef>
@@ -10685,6 +16066,401 @@
               <a:t/>
             </a:r>
             <a:endParaRPr/>
+          </a:p>
+        </p:txBody>
+      </p:sp>
+    </p:spTree>
+  </p:cSld>
+  <p:clrMapOvr>
+    <a:masterClrMapping/>
+  </p:clrMapOvr>
+</p:sld>
+</file>
+
+<file path=ppt/slides/slide30.xml><?xml version="1.0" encoding="utf-8"?>
+<p:sld xmlns:a="http://schemas.openxmlformats.org/drawingml/2006/main" xmlns:r="http://schemas.openxmlformats.org/officeDocument/2006/relationships" xmlns:mc="http://schemas.openxmlformats.org/markup-compatibility/2006" xmlns:mv="urn:schemas-microsoft-com:mac:vml" xmlns:p="http://schemas.openxmlformats.org/presentationml/2006/main" xmlns:c="http://schemas.openxmlformats.org/drawingml/2006/chart" xmlns:dgm="http://schemas.openxmlformats.org/drawingml/2006/diagram" xmlns:o="urn:schemas-microsoft-com:office:office" xmlns:v="urn:schemas-microsoft-com:vml" xmlns:pvml="urn:schemas-microsoft-com:office:powerpoint" xmlns:com="http://schemas.openxmlformats.org/drawingml/2006/compatibility" xmlns:p14="http://schemas.microsoft.com/office/powerpoint/2010/main" xmlns:p15="http://schemas.microsoft.com/office/powerpoint/2012/main">
+  <p:cSld>
+    <p:spTree>
+      <p:nvGrpSpPr>
+        <p:cNvPr id="250" name="Shape 250"/>
+        <p:cNvGrpSpPr/>
+        <p:nvPr/>
+      </p:nvGrpSpPr>
+      <p:grpSpPr>
+        <a:xfrm>
+          <a:off x="0" y="0"/>
+          <a:ext cx="0" cy="0"/>
+          <a:chOff x="0" y="0"/>
+          <a:chExt cx="0" cy="0"/>
+        </a:xfrm>
+      </p:grpSpPr>
+      <p:sp>
+        <p:nvSpPr>
+          <p:cNvPr id="251" name="Google Shape;251;p42"/>
+          <p:cNvSpPr txBox="1"/>
+          <p:nvPr>
+            <p:ph type="title"/>
+          </p:nvPr>
+        </p:nvSpPr>
+        <p:spPr>
+          <a:xfrm>
+            <a:off x="311700" y="445025"/>
+            <a:ext cx="8520600" cy="623400"/>
+          </a:xfrm>
+          <a:prstGeom prst="rect">
+            <a:avLst/>
+          </a:prstGeom>
+        </p:spPr>
+        <p:txBody>
+          <a:bodyPr anchorCtr="0" anchor="t" bIns="91425" lIns="91425" spcFirstLastPara="1" rIns="91425" wrap="square" tIns="91425">
+            <a:noAutofit/>
+          </a:bodyPr>
+          <a:lstStyle/>
+          <a:p>
+            <a:pPr indent="0" lvl="0" marL="0" rtl="0" algn="l">
+              <a:spcBef>
+                <a:spcPts val="0"/>
+              </a:spcBef>
+              <a:spcAft>
+                <a:spcPts val="0"/>
+              </a:spcAft>
+              <a:buNone/>
+            </a:pPr>
+            <a:r>
+              <a:rPr lang="en"/>
+              <a:t>Web3 protocols</a:t>
+            </a:r>
+            <a:endParaRPr/>
+          </a:p>
+        </p:txBody>
+      </p:sp>
+      <p:sp>
+        <p:nvSpPr>
+          <p:cNvPr id="252" name="Google Shape;252;p42"/>
+          <p:cNvSpPr txBox="1"/>
+          <p:nvPr>
+            <p:ph idx="1" type="body"/>
+          </p:nvPr>
+        </p:nvSpPr>
+        <p:spPr>
+          <a:xfrm>
+            <a:off x="311700" y="1152475"/>
+            <a:ext cx="8520600" cy="3416400"/>
+          </a:xfrm>
+          <a:prstGeom prst="rect">
+            <a:avLst/>
+          </a:prstGeom>
+        </p:spPr>
+        <p:txBody>
+          <a:bodyPr anchorCtr="0" anchor="t" bIns="91425" lIns="91425" spcFirstLastPara="1" rIns="91425" wrap="square" tIns="91425">
+            <a:noAutofit/>
+          </a:bodyPr>
+          <a:lstStyle/>
+          <a:p>
+            <a:pPr indent="-342900" lvl="0" marL="457200" rtl="0" algn="l">
+              <a:spcBef>
+                <a:spcPts val="0"/>
+              </a:spcBef>
+              <a:spcAft>
+                <a:spcPts val="0"/>
+              </a:spcAft>
+              <a:buSzPts val="1800"/>
+              <a:buChar char="-"/>
+            </a:pPr>
+            <a:r>
+              <a:rPr lang="en"/>
+              <a:t>Eth</a:t>
+            </a:r>
+            <a:endParaRPr/>
+          </a:p>
+          <a:p>
+            <a:pPr indent="-342900" lvl="0" marL="457200" rtl="0" algn="l">
+              <a:spcBef>
+                <a:spcPts val="0"/>
+              </a:spcBef>
+              <a:spcAft>
+                <a:spcPts val="0"/>
+              </a:spcAft>
+              <a:buSzPts val="1800"/>
+              <a:buChar char="-"/>
+            </a:pPr>
+            <a:r>
+              <a:rPr lang="en"/>
+              <a:t>Whisper</a:t>
+            </a:r>
+            <a:endParaRPr/>
+          </a:p>
+          <a:p>
+            <a:pPr indent="-342900" lvl="0" marL="457200" rtl="0" algn="l">
+              <a:spcBef>
+                <a:spcPts val="0"/>
+              </a:spcBef>
+              <a:spcAft>
+                <a:spcPts val="0"/>
+              </a:spcAft>
+              <a:buSzPts val="1800"/>
+              <a:buChar char="-"/>
+            </a:pPr>
+            <a:r>
+              <a:rPr lang="en"/>
+              <a:t>Swarm</a:t>
+            </a:r>
+            <a:endParaRPr/>
+          </a:p>
+        </p:txBody>
+      </p:sp>
+    </p:spTree>
+  </p:cSld>
+  <p:clrMapOvr>
+    <a:masterClrMapping/>
+  </p:clrMapOvr>
+</p:sld>
+</file>
+
+<file path=ppt/slides/slide31.xml><?xml version="1.0" encoding="utf-8"?>
+<p:sld xmlns:a="http://schemas.openxmlformats.org/drawingml/2006/main" xmlns:r="http://schemas.openxmlformats.org/officeDocument/2006/relationships" xmlns:mc="http://schemas.openxmlformats.org/markup-compatibility/2006" xmlns:mv="urn:schemas-microsoft-com:mac:vml" xmlns:p="http://schemas.openxmlformats.org/presentationml/2006/main" xmlns:c="http://schemas.openxmlformats.org/drawingml/2006/chart" xmlns:dgm="http://schemas.openxmlformats.org/drawingml/2006/diagram" xmlns:o="urn:schemas-microsoft-com:office:office" xmlns:v="urn:schemas-microsoft-com:vml" xmlns:pvml="urn:schemas-microsoft-com:office:powerpoint" xmlns:com="http://schemas.openxmlformats.org/drawingml/2006/compatibility" xmlns:p14="http://schemas.microsoft.com/office/powerpoint/2010/main" xmlns:p15="http://schemas.microsoft.com/office/powerpoint/2012/main">
+  <p:cSld>
+    <p:spTree>
+      <p:nvGrpSpPr>
+        <p:cNvPr id="256" name="Shape 256"/>
+        <p:cNvGrpSpPr/>
+        <p:nvPr/>
+      </p:nvGrpSpPr>
+      <p:grpSpPr>
+        <a:xfrm>
+          <a:off x="0" y="0"/>
+          <a:ext cx="0" cy="0"/>
+          <a:chOff x="0" y="0"/>
+          <a:chExt cx="0" cy="0"/>
+        </a:xfrm>
+      </p:grpSpPr>
+      <p:sp>
+        <p:nvSpPr>
+          <p:cNvPr id="257" name="Google Shape;257;p43"/>
+          <p:cNvSpPr txBox="1"/>
+          <p:nvPr>
+            <p:ph type="title"/>
+          </p:nvPr>
+        </p:nvSpPr>
+        <p:spPr>
+          <a:xfrm>
+            <a:off x="311700" y="445025"/>
+            <a:ext cx="8520600" cy="623400"/>
+          </a:xfrm>
+          <a:prstGeom prst="rect">
+            <a:avLst/>
+          </a:prstGeom>
+        </p:spPr>
+        <p:txBody>
+          <a:bodyPr anchorCtr="0" anchor="t" bIns="91425" lIns="91425" spcFirstLastPara="1" rIns="91425" wrap="square" tIns="91425">
+            <a:noAutofit/>
+          </a:bodyPr>
+          <a:lstStyle/>
+          <a:p>
+            <a:pPr indent="0" lvl="0" marL="0" rtl="0" algn="l">
+              <a:spcBef>
+                <a:spcPts val="0"/>
+              </a:spcBef>
+              <a:spcAft>
+                <a:spcPts val="0"/>
+              </a:spcAft>
+              <a:buNone/>
+            </a:pPr>
+            <a:r>
+              <a:rPr lang="en"/>
+              <a:t>Current state</a:t>
+            </a:r>
+            <a:endParaRPr/>
+          </a:p>
+        </p:txBody>
+      </p:sp>
+      <p:sp>
+        <p:nvSpPr>
+          <p:cNvPr id="258" name="Google Shape;258;p43"/>
+          <p:cNvSpPr txBox="1"/>
+          <p:nvPr>
+            <p:ph idx="1" type="body"/>
+          </p:nvPr>
+        </p:nvSpPr>
+        <p:spPr>
+          <a:xfrm>
+            <a:off x="311700" y="1152475"/>
+            <a:ext cx="8520600" cy="3416400"/>
+          </a:xfrm>
+          <a:prstGeom prst="rect">
+            <a:avLst/>
+          </a:prstGeom>
+        </p:spPr>
+        <p:txBody>
+          <a:bodyPr anchorCtr="0" anchor="t" bIns="91425" lIns="91425" spcFirstLastPara="1" rIns="91425" wrap="square" tIns="91425">
+            <a:noAutofit/>
+          </a:bodyPr>
+          <a:lstStyle/>
+          <a:p>
+            <a:pPr indent="-342900" lvl="0" marL="457200" rtl="0" algn="l">
+              <a:spcBef>
+                <a:spcPts val="0"/>
+              </a:spcBef>
+              <a:spcAft>
+                <a:spcPts val="0"/>
+              </a:spcAft>
+              <a:buSzPts val="1800"/>
+              <a:buChar char="-"/>
+            </a:pPr>
+            <a:r>
+              <a:rPr lang="en"/>
+              <a:t>Almost passing all Frontier tests</a:t>
+            </a:r>
+            <a:endParaRPr/>
+          </a:p>
+          <a:p>
+            <a:pPr indent="-342900" lvl="0" marL="457200" rtl="0" algn="l">
+              <a:spcBef>
+                <a:spcPts val="0"/>
+              </a:spcBef>
+              <a:spcAft>
+                <a:spcPts val="0"/>
+              </a:spcAft>
+              <a:buSzPts val="1800"/>
+              <a:buChar char="-"/>
+            </a:pPr>
+            <a:r>
+              <a:rPr lang="en"/>
+              <a:t>Hard fork configuration</a:t>
+            </a:r>
+            <a:endParaRPr/>
+          </a:p>
+          <a:p>
+            <a:pPr indent="-342900" lvl="0" marL="457200" rtl="0" algn="l">
+              <a:spcBef>
+                <a:spcPts val="0"/>
+              </a:spcBef>
+              <a:spcAft>
+                <a:spcPts val="0"/>
+              </a:spcAft>
+              <a:buSzPts val="1800"/>
+              <a:buChar char="-"/>
+            </a:pPr>
+            <a:r>
+              <a:rPr lang="en"/>
+              <a:t>Working on Eth protocol sync</a:t>
+            </a:r>
+            <a:endParaRPr/>
+          </a:p>
+        </p:txBody>
+      </p:sp>
+    </p:spTree>
+  </p:cSld>
+  <p:clrMapOvr>
+    <a:masterClrMapping/>
+  </p:clrMapOvr>
+</p:sld>
+</file>
+
+<file path=ppt/slides/slide32.xml><?xml version="1.0" encoding="utf-8"?>
+<p:sld xmlns:a="http://schemas.openxmlformats.org/drawingml/2006/main" xmlns:r="http://schemas.openxmlformats.org/officeDocument/2006/relationships" xmlns:mc="http://schemas.openxmlformats.org/markup-compatibility/2006" xmlns:mv="urn:schemas-microsoft-com:mac:vml" xmlns:p="http://schemas.openxmlformats.org/presentationml/2006/main" xmlns:c="http://schemas.openxmlformats.org/drawingml/2006/chart" xmlns:dgm="http://schemas.openxmlformats.org/drawingml/2006/diagram" xmlns:o="urn:schemas-microsoft-com:office:office" xmlns:v="urn:schemas-microsoft-com:vml" xmlns:pvml="urn:schemas-microsoft-com:office:powerpoint" xmlns:com="http://schemas.openxmlformats.org/drawingml/2006/compatibility" xmlns:p14="http://schemas.microsoft.com/office/powerpoint/2010/main" xmlns:p15="http://schemas.microsoft.com/office/powerpoint/2012/main">
+  <p:cSld>
+    <p:spTree>
+      <p:nvGrpSpPr>
+        <p:cNvPr id="262" name="Shape 262"/>
+        <p:cNvGrpSpPr/>
+        <p:nvPr/>
+      </p:nvGrpSpPr>
+      <p:grpSpPr>
+        <a:xfrm>
+          <a:off x="0" y="0"/>
+          <a:ext cx="0" cy="0"/>
+          <a:chOff x="0" y="0"/>
+          <a:chExt cx="0" cy="0"/>
+        </a:xfrm>
+      </p:grpSpPr>
+      <p:sp>
+        <p:nvSpPr>
+          <p:cNvPr id="263" name="Google Shape;263;p44"/>
+          <p:cNvSpPr txBox="1"/>
+          <p:nvPr>
+            <p:ph idx="1" type="body"/>
+          </p:nvPr>
+        </p:nvSpPr>
+        <p:spPr>
+          <a:xfrm>
+            <a:off x="3079050" y="359350"/>
+            <a:ext cx="2318100" cy="662400"/>
+          </a:xfrm>
+          <a:prstGeom prst="rect">
+            <a:avLst/>
+          </a:prstGeom>
+        </p:spPr>
+        <p:txBody>
+          <a:bodyPr anchorCtr="0" anchor="t" bIns="91425" lIns="91425" spcFirstLastPara="1" rIns="91425" wrap="square" tIns="91425">
+            <a:noAutofit/>
+          </a:bodyPr>
+          <a:lstStyle/>
+          <a:p>
+            <a:pPr indent="0" lvl="0" marL="0" rtl="0" algn="l">
+              <a:spcBef>
+                <a:spcPts val="0"/>
+              </a:spcBef>
+              <a:spcAft>
+                <a:spcPts val="1600"/>
+              </a:spcAft>
+              <a:buNone/>
+            </a:pPr>
+            <a:r>
+              <a:rPr lang="en" sz="3000">
+                <a:solidFill>
+                  <a:srgbClr val="000000"/>
+                </a:solidFill>
+              </a:rPr>
+              <a:t>Thanks!</a:t>
+            </a:r>
+            <a:endParaRPr sz="3000">
+              <a:solidFill>
+                <a:srgbClr val="000000"/>
+              </a:solidFill>
+            </a:endParaRPr>
+          </a:p>
+        </p:txBody>
+      </p:sp>
+      <p:sp>
+        <p:nvSpPr>
+          <p:cNvPr id="264" name="Google Shape;264;p44"/>
+          <p:cNvSpPr txBox="1"/>
+          <p:nvPr/>
+        </p:nvSpPr>
+        <p:spPr>
+          <a:xfrm>
+            <a:off x="521375" y="1317600"/>
+            <a:ext cx="7327800" cy="473400"/>
+          </a:xfrm>
+          <a:prstGeom prst="rect">
+            <a:avLst/>
+          </a:prstGeom>
+          <a:noFill/>
+          <a:ln>
+            <a:noFill/>
+          </a:ln>
+        </p:spPr>
+        <p:txBody>
+          <a:bodyPr anchorCtr="0" anchor="t" bIns="91425" lIns="91425" spcFirstLastPara="1" rIns="91425" wrap="square" tIns="91425">
+            <a:noAutofit/>
+          </a:bodyPr>
+          <a:lstStyle/>
+          <a:p>
+            <a:pPr indent="0" lvl="0" marL="0" rtl="0" algn="l">
+              <a:spcBef>
+                <a:spcPts val="0"/>
+              </a:spcBef>
+              <a:spcAft>
+                <a:spcPts val="0"/>
+              </a:spcAft>
+              <a:buNone/>
+            </a:pPr>
+            <a:r>
+              <a:rPr lang="en" sz="3000"/>
+              <a:t>https://github.com/poanetwork/mana</a:t>
+            </a:r>
+            <a:endParaRPr sz="3000"/>
           </a:p>
         </p:txBody>
       </p:sp>
@@ -10701,7 +16477,7 @@
   <p:cSld>
     <p:spTree>
       <p:nvGrpSpPr>
-        <p:cNvPr id="79" name="Shape 79"/>
+        <p:cNvPr id="78" name="Shape 78"/>
         <p:cNvGrpSpPr/>
         <p:nvPr/>
       </p:nvGrpSpPr>
@@ -10715,7 +16491,7 @@
       </p:grpSpPr>
       <p:sp>
         <p:nvSpPr>
-          <p:cNvPr id="80" name="Shape 80"/>
+          <p:cNvPr id="79" name="Google Shape;79;p16"/>
           <p:cNvSpPr txBox="1"/>
           <p:nvPr>
             <p:ph type="title"/>
@@ -10736,7 +16512,7 @@
           </a:bodyPr>
           <a:lstStyle/>
           <a:p>
-            <a:pPr indent="0" lvl="0" marL="0">
+            <a:pPr indent="0" lvl="0" marL="0" rtl="0" algn="l">
               <a:spcBef>
                 <a:spcPts val="0"/>
               </a:spcBef>
@@ -10755,7 +16531,7 @@
       </p:sp>
       <p:sp>
         <p:nvSpPr>
-          <p:cNvPr id="81" name="Shape 81"/>
+          <p:cNvPr id="80" name="Google Shape;80;p16"/>
           <p:cNvSpPr txBox="1"/>
           <p:nvPr>
             <p:ph idx="1" type="body"/>
@@ -10776,7 +16552,7 @@
           </a:bodyPr>
           <a:lstStyle/>
           <a:p>
-            <a:pPr indent="0" lvl="0" marL="0">
+            <a:pPr indent="0" lvl="0" marL="0" rtl="0" algn="l">
               <a:spcBef>
                 <a:spcPts val="0"/>
               </a:spcBef>
@@ -10794,7 +16570,7 @@
       </p:sp>
       <p:pic>
         <p:nvPicPr>
-          <p:cNvPr id="82" name="Shape 82"/>
+          <p:cNvPr id="81" name="Google Shape;81;p16"/>
           <p:cNvPicPr preferRelativeResize="0"/>
           <p:nvPr/>
         </p:nvPicPr>
@@ -10833,7 +16609,7 @@
   <p:cSld>
     <p:spTree>
       <p:nvGrpSpPr>
-        <p:cNvPr id="86" name="Shape 86"/>
+        <p:cNvPr id="85" name="Shape 85"/>
         <p:cNvGrpSpPr/>
         <p:nvPr/>
       </p:nvGrpSpPr>
@@ -10847,7 +16623,7 @@
       </p:grpSpPr>
       <p:sp>
         <p:nvSpPr>
-          <p:cNvPr id="87" name="Shape 87"/>
+          <p:cNvPr id="86" name="Google Shape;86;p17"/>
           <p:cNvSpPr txBox="1"/>
           <p:nvPr>
             <p:ph type="title"/>
@@ -10868,7 +16644,7 @@
           </a:bodyPr>
           <a:lstStyle/>
           <a:p>
-            <a:pPr indent="0" lvl="0" marL="0">
+            <a:pPr indent="0" lvl="0" marL="0" rtl="0" algn="l">
               <a:spcBef>
                 <a:spcPts val="0"/>
               </a:spcBef>
@@ -10887,7 +16663,7 @@
       </p:sp>
       <p:sp>
         <p:nvSpPr>
-          <p:cNvPr id="88" name="Shape 88"/>
+          <p:cNvPr id="87" name="Google Shape;87;p17"/>
           <p:cNvSpPr txBox="1"/>
           <p:nvPr>
             <p:ph idx="1" type="body"/>
@@ -10908,7 +16684,7 @@
           </a:bodyPr>
           <a:lstStyle/>
           <a:p>
-            <a:pPr indent="-457200" lvl="0" marL="457200" rtl="0">
+            <a:pPr indent="-457200" lvl="0" marL="457200" rtl="0" algn="l">
               <a:spcBef>
                 <a:spcPts val="0"/>
               </a:spcBef>
@@ -10936,7 +16712,7 @@
             </a:endParaRPr>
           </a:p>
           <a:p>
-            <a:pPr indent="-457200" lvl="0" marL="457200" rtl="0">
+            <a:pPr indent="-457200" lvl="0" marL="457200" rtl="0" algn="l">
               <a:spcBef>
                 <a:spcPts val="0"/>
               </a:spcBef>
@@ -10964,7 +16740,7 @@
             </a:endParaRPr>
           </a:p>
           <a:p>
-            <a:pPr indent="-457200" lvl="0" marL="457200" rtl="0">
+            <a:pPr indent="-457200" lvl="0" marL="457200" rtl="0" algn="l">
               <a:spcBef>
                 <a:spcPts val="0"/>
               </a:spcBef>
@@ -10992,7 +16768,7 @@
             </a:endParaRPr>
           </a:p>
           <a:p>
-            <a:pPr indent="0" lvl="0" marL="0">
+            <a:pPr indent="0" lvl="0" marL="0" rtl="0" algn="l">
               <a:spcBef>
                 <a:spcPts val="1600"/>
               </a:spcBef>
@@ -11030,7 +16806,7 @@
   <p:cSld>
     <p:spTree>
       <p:nvGrpSpPr>
-        <p:cNvPr id="92" name="Shape 92"/>
+        <p:cNvPr id="91" name="Shape 91"/>
         <p:cNvGrpSpPr/>
         <p:nvPr/>
       </p:nvGrpSpPr>
@@ -11044,7 +16820,7 @@
       </p:grpSpPr>
       <p:sp>
         <p:nvSpPr>
-          <p:cNvPr id="93" name="Shape 93"/>
+          <p:cNvPr id="92" name="Google Shape;92;p18"/>
           <p:cNvSpPr txBox="1"/>
           <p:nvPr>
             <p:ph type="title"/>
@@ -11065,7 +16841,7 @@
           </a:bodyPr>
           <a:lstStyle/>
           <a:p>
-            <a:pPr indent="0" lvl="0" marL="0">
+            <a:pPr indent="0" lvl="0" marL="0" rtl="0" algn="l">
               <a:spcBef>
                 <a:spcPts val="0"/>
               </a:spcBef>
@@ -11084,7 +16860,7 @@
       </p:sp>
       <p:sp>
         <p:nvSpPr>
-          <p:cNvPr id="94" name="Shape 94"/>
+          <p:cNvPr id="93" name="Google Shape;93;p18"/>
           <p:cNvSpPr txBox="1"/>
           <p:nvPr>
             <p:ph idx="1" type="body"/>
@@ -11105,7 +16881,7 @@
           </a:bodyPr>
           <a:lstStyle/>
           <a:p>
-            <a:pPr indent="0" lvl="0" marL="0">
+            <a:pPr indent="0" lvl="0" marL="0" rtl="0" algn="l">
               <a:spcBef>
                 <a:spcPts val="0"/>
               </a:spcBef>
@@ -11123,7 +16899,7 @@
       </p:sp>
       <p:pic>
         <p:nvPicPr>
-          <p:cNvPr id="95" name="Shape 95"/>
+          <p:cNvPr id="94" name="Google Shape;94;p18"/>
           <p:cNvPicPr preferRelativeResize="0"/>
           <p:nvPr/>
         </p:nvPicPr>
@@ -11151,7 +16927,7 @@
       </p:pic>
       <p:pic>
         <p:nvPicPr>
-          <p:cNvPr id="96" name="Shape 96"/>
+          <p:cNvPr id="95" name="Google Shape;95;p18"/>
           <p:cNvPicPr preferRelativeResize="0"/>
           <p:nvPr/>
         </p:nvPicPr>
@@ -11179,7 +16955,7 @@
       </p:pic>
       <p:pic>
         <p:nvPicPr>
-          <p:cNvPr id="97" name="Shape 97"/>
+          <p:cNvPr id="96" name="Google Shape;96;p18"/>
           <p:cNvPicPr preferRelativeResize="0"/>
           <p:nvPr/>
         </p:nvPicPr>
@@ -11207,7 +16983,7 @@
       </p:pic>
       <p:pic>
         <p:nvPicPr>
-          <p:cNvPr id="98" name="Shape 98"/>
+          <p:cNvPr id="97" name="Google Shape;97;p18"/>
           <p:cNvPicPr preferRelativeResize="0"/>
           <p:nvPr/>
         </p:nvPicPr>
@@ -11235,7 +17011,7 @@
       </p:pic>
       <p:pic>
         <p:nvPicPr>
-          <p:cNvPr id="99" name="Shape 99"/>
+          <p:cNvPr id="98" name="Google Shape;98;p18"/>
           <p:cNvPicPr preferRelativeResize="0"/>
           <p:nvPr/>
         </p:nvPicPr>
@@ -11274,7 +17050,7 @@
   <p:cSld>
     <p:spTree>
       <p:nvGrpSpPr>
-        <p:cNvPr id="103" name="Shape 103"/>
+        <p:cNvPr id="102" name="Shape 102"/>
         <p:cNvGrpSpPr/>
         <p:nvPr/>
       </p:nvGrpSpPr>
@@ -11288,7 +17064,7 @@
       </p:grpSpPr>
       <p:sp>
         <p:nvSpPr>
-          <p:cNvPr id="104" name="Shape 104"/>
+          <p:cNvPr id="103" name="Google Shape;103;p19"/>
           <p:cNvSpPr txBox="1"/>
           <p:nvPr>
             <p:ph type="title"/>
@@ -11309,7 +17085,7 @@
           </a:bodyPr>
           <a:lstStyle/>
           <a:p>
-            <a:pPr indent="0" lvl="0" marL="0">
+            <a:pPr indent="0" lvl="0" marL="0" rtl="0" algn="l">
               <a:spcBef>
                 <a:spcPts val="0"/>
               </a:spcBef>
@@ -11328,7 +17104,7 @@
       </p:sp>
       <p:sp>
         <p:nvSpPr>
-          <p:cNvPr id="105" name="Shape 105"/>
+          <p:cNvPr id="104" name="Google Shape;104;p19"/>
           <p:cNvSpPr txBox="1"/>
           <p:nvPr>
             <p:ph idx="1" type="body"/>
@@ -11349,7 +17125,7 @@
           </a:bodyPr>
           <a:lstStyle/>
           <a:p>
-            <a:pPr indent="-457200" lvl="0" marL="457200" rtl="0">
+            <a:pPr indent="-457200" lvl="0" marL="457200" rtl="0" algn="l">
               <a:spcBef>
                 <a:spcPts val="0"/>
               </a:spcBef>
@@ -11377,7 +17153,7 @@
             </a:endParaRPr>
           </a:p>
           <a:p>
-            <a:pPr indent="-457200" lvl="0" marL="457200" rtl="0">
+            <a:pPr indent="-457200" lvl="0" marL="457200" rtl="0" algn="l">
               <a:spcBef>
                 <a:spcPts val="0"/>
               </a:spcBef>
@@ -11405,7 +17181,7 @@
             </a:endParaRPr>
           </a:p>
           <a:p>
-            <a:pPr indent="-457200" lvl="0" marL="457200">
+            <a:pPr indent="-457200" lvl="0" marL="457200" rtl="0" algn="l">
               <a:spcBef>
                 <a:spcPts val="0"/>
               </a:spcBef>
@@ -11447,7 +17223,7 @@
   <p:cSld>
     <p:spTree>
       <p:nvGrpSpPr>
-        <p:cNvPr id="109" name="Shape 109"/>
+        <p:cNvPr id="108" name="Shape 108"/>
         <p:cNvGrpSpPr/>
         <p:nvPr/>
       </p:nvGrpSpPr>
@@ -11461,7 +17237,7 @@
       </p:grpSpPr>
       <p:sp>
         <p:nvSpPr>
-          <p:cNvPr id="110" name="Shape 110"/>
+          <p:cNvPr id="109" name="Google Shape;109;p20"/>
           <p:cNvSpPr txBox="1"/>
           <p:nvPr>
             <p:ph type="title"/>
@@ -11482,7 +17258,7 @@
           </a:bodyPr>
           <a:lstStyle/>
           <a:p>
-            <a:pPr indent="0" lvl="0" marL="0">
+            <a:pPr indent="0" lvl="0" marL="0" rtl="0" algn="l">
               <a:spcBef>
                 <a:spcPts val="0"/>
               </a:spcBef>
@@ -11501,7 +17277,7 @@
       </p:sp>
       <p:sp>
         <p:nvSpPr>
-          <p:cNvPr id="111" name="Shape 111"/>
+          <p:cNvPr id="110" name="Google Shape;110;p20"/>
           <p:cNvSpPr txBox="1"/>
           <p:nvPr>
             <p:ph idx="1" type="body"/>
@@ -11522,7 +17298,7 @@
           </a:bodyPr>
           <a:lstStyle/>
           <a:p>
-            <a:pPr indent="-419100" lvl="0" marL="457200" rtl="0">
+            <a:pPr indent="-419100" lvl="0" marL="457200" rtl="0" algn="l">
               <a:spcBef>
                 <a:spcPts val="0"/>
               </a:spcBef>
@@ -11530,7 +17306,7 @@
                 <a:spcPts val="0"/>
               </a:spcAft>
               <a:buClr>
-                <a:schemeClr val="dk2"/>
+                <a:srgbClr val="000000"/>
               </a:buClr>
               <a:buSzPts val="3000"/>
               <a:buChar char="●"/>
@@ -11538,66 +17314,75 @@
             <a:r>
               <a:rPr lang="en" sz="3000">
                 <a:solidFill>
-                  <a:schemeClr val="dk2"/>
-                </a:solidFill>
-              </a:rPr>
-              <a:t>a lot of computational power</a:t>
-            </a:r>
-            <a:endParaRPr sz="3000"/>
+                  <a:srgbClr val="000000"/>
+                </a:solidFill>
+              </a:rPr>
+              <a:t>hard, useless problem</a:t>
+            </a:r>
+            <a:endParaRPr sz="3000">
+              <a:solidFill>
+                <a:srgbClr val="000000"/>
+              </a:solidFill>
+            </a:endParaRPr>
           </a:p>
           <a:p>
-            <a:pPr indent="-419100" lvl="0" marL="457200" rtl="0">
-              <a:spcBef>
-                <a:spcPts val="0"/>
-              </a:spcBef>
-              <a:spcAft>
-                <a:spcPts val="0"/>
-              </a:spcAft>
+            <a:pPr indent="-419100" lvl="0" marL="457200" rtl="0" algn="l">
+              <a:spcBef>
+                <a:spcPts val="0"/>
+              </a:spcBef>
+              <a:spcAft>
+                <a:spcPts val="0"/>
+              </a:spcAft>
+              <a:buClr>
+                <a:srgbClr val="000000"/>
+              </a:buClr>
               <a:buSzPts val="3000"/>
               <a:buChar char="●"/>
             </a:pPr>
             <a:r>
-              <a:rPr lang="en" sz="3000"/>
-              <a:t>a significant amount of energy</a:t>
-            </a:r>
-            <a:endParaRPr sz="3000"/>
+              <a:rPr lang="en" sz="3000">
+                <a:solidFill>
+                  <a:srgbClr val="000000"/>
+                </a:solidFill>
+              </a:rPr>
+              <a:t>a lot of computational power</a:t>
+            </a:r>
+            <a:endParaRPr sz="3000">
+              <a:solidFill>
+                <a:srgbClr val="000000"/>
+              </a:solidFill>
+            </a:endParaRPr>
           </a:p>
           <a:p>
-            <a:pPr indent="-419100" lvl="0" marL="457200" rtl="0">
-              <a:spcBef>
-                <a:spcPts val="0"/>
-              </a:spcBef>
-              <a:spcAft>
-                <a:spcPts val="0"/>
-              </a:spcAft>
+            <a:pPr indent="-419100" lvl="0" marL="457200" rtl="0" algn="l">
+              <a:spcBef>
+                <a:spcPts val="0"/>
+              </a:spcBef>
+              <a:spcAft>
+                <a:spcPts val="0"/>
+              </a:spcAft>
+              <a:buClr>
+                <a:srgbClr val="000000"/>
+              </a:buClr>
               <a:buSzPts val="3000"/>
               <a:buChar char="●"/>
             </a:pPr>
             <a:r>
-              <a:rPr lang="en" sz="3000"/>
-              <a:t>computational power goes up over time</a:t>
-            </a:r>
-            <a:endParaRPr sz="3000"/>
+              <a:rPr lang="en" sz="3000">
+                <a:solidFill>
+                  <a:srgbClr val="000000"/>
+                </a:solidFill>
+              </a:rPr>
+              <a:t>a significant amount of energy</a:t>
+            </a:r>
+            <a:endParaRPr sz="3000">
+              <a:solidFill>
+                <a:srgbClr val="000000"/>
+              </a:solidFill>
+            </a:endParaRPr>
           </a:p>
           <a:p>
-            <a:pPr indent="-419100" lvl="0" marL="457200" rtl="0">
-              <a:spcBef>
-                <a:spcPts val="0"/>
-              </a:spcBef>
-              <a:spcAft>
-                <a:spcPts val="0"/>
-              </a:spcAft>
-              <a:buSzPts val="3000"/>
-              <a:buChar char="●"/>
-            </a:pPr>
-            <a:r>
-              <a:rPr lang="en" sz="3000"/>
-              <a:t>large costs required for expensive computing equipment</a:t>
-            </a:r>
-            <a:endParaRPr sz="3000"/>
-          </a:p>
-          <a:p>
-            <a:pPr indent="0" lvl="0" marL="0">
+            <a:pPr indent="0" lvl="0" marL="0" rtl="0" algn="l">
               <a:spcBef>
                 <a:spcPts val="1600"/>
               </a:spcBef>
@@ -11626,7 +17411,7 @@
   <p:cSld>
     <p:spTree>
       <p:nvGrpSpPr>
-        <p:cNvPr id="115" name="Shape 115"/>
+        <p:cNvPr id="114" name="Shape 114"/>
         <p:cNvGrpSpPr/>
         <p:nvPr/>
       </p:nvGrpSpPr>
@@ -11640,7 +17425,7 @@
       </p:grpSpPr>
       <p:sp>
         <p:nvSpPr>
-          <p:cNvPr id="116" name="Shape 116"/>
+          <p:cNvPr id="115" name="Google Shape;115;p21"/>
           <p:cNvSpPr txBox="1"/>
           <p:nvPr>
             <p:ph type="title"/>
@@ -11661,7 +17446,7 @@
           </a:bodyPr>
           <a:lstStyle/>
           <a:p>
-            <a:pPr indent="0" lvl="0" marL="0">
+            <a:pPr indent="0" lvl="0" marL="0" rtl="0" algn="l">
               <a:spcBef>
                 <a:spcPts val="0"/>
               </a:spcBef>
@@ -11680,7 +17465,7 @@
       </p:sp>
       <p:sp>
         <p:nvSpPr>
-          <p:cNvPr id="117" name="Shape 117"/>
+          <p:cNvPr id="116" name="Google Shape;116;p21"/>
           <p:cNvSpPr txBox="1"/>
           <p:nvPr>
             <p:ph idx="1" type="body"/>
@@ -11688,7 +17473,7 @@
         </p:nvSpPr>
         <p:spPr>
           <a:xfrm>
-            <a:off x="311700" y="1152475"/>
+            <a:off x="311700" y="1680925"/>
             <a:ext cx="8520600" cy="3416400"/>
           </a:xfrm>
           <a:prstGeom prst="rect">
@@ -11701,24 +17486,79 @@
           </a:bodyPr>
           <a:lstStyle/>
           <a:p>
-            <a:pPr indent="-342900" lvl="0" marL="457200" rtl="0">
-              <a:spcBef>
-                <a:spcPts val="0"/>
-              </a:spcBef>
-              <a:spcAft>
-                <a:spcPts val="0"/>
-              </a:spcAft>
-              <a:buSzPts val="1800"/>
+            <a:pPr indent="-419100" lvl="0" marL="457200" rtl="0" algn="l">
+              <a:spcBef>
+                <a:spcPts val="0"/>
+              </a:spcBef>
+              <a:spcAft>
+                <a:spcPts val="0"/>
+              </a:spcAft>
+              <a:buClr>
+                <a:srgbClr val="000000"/>
+              </a:buClr>
+              <a:buSzPts val="3000"/>
               <a:buChar char="●"/>
             </a:pPr>
             <a:r>
-              <a:rPr lang="en"/>
-              <a:t>poor stay poor, rich get richer</a:t>
-            </a:r>
-            <a:endParaRPr/>
+              <a:rPr lang="en" sz="3000">
+                <a:solidFill>
+                  <a:schemeClr val="dk2"/>
+                </a:solidFill>
+              </a:rPr>
+              <a:t>depends on a </a:t>
+            </a:r>
+            <a:r>
+              <a:rPr lang="en" sz="3000">
+                <a:solidFill>
+                  <a:schemeClr val="dk2"/>
+                </a:solidFill>
+              </a:rPr>
+              <a:t>validator’s</a:t>
+            </a:r>
+            <a:r>
+              <a:rPr lang="en" sz="3000">
+                <a:solidFill>
+                  <a:schemeClr val="dk2"/>
+                </a:solidFill>
+              </a:rPr>
+              <a:t> economic stake</a:t>
+            </a:r>
+            <a:endParaRPr sz="3000">
+              <a:solidFill>
+                <a:schemeClr val="dk2"/>
+              </a:solidFill>
+            </a:endParaRPr>
           </a:p>
           <a:p>
-            <a:pPr indent="-342900" lvl="0" marL="457200">
+            <a:pPr indent="-419100" lvl="0" marL="457200" rtl="0" algn="l">
+              <a:spcBef>
+                <a:spcPts val="0"/>
+              </a:spcBef>
+              <a:spcAft>
+                <a:spcPts val="0"/>
+              </a:spcAft>
+              <a:buClr>
+                <a:srgbClr val="000000"/>
+              </a:buClr>
+              <a:buSzPts val="3000"/>
+              <a:buChar char="●"/>
+            </a:pPr>
+            <a:r>
+              <a:rPr lang="en" sz="3000">
+                <a:solidFill>
+                  <a:srgbClr val="000000"/>
+                </a:solidFill>
+              </a:rPr>
+              <a:t>number of tokens you own matter</a:t>
+            </a:r>
+            <a:endParaRPr sz="3000">
+              <a:solidFill>
+                <a:srgbClr val="000000"/>
+              </a:solidFill>
+            </a:endParaRPr>
+          </a:p>
+          <a:p>
+            <a:pPr indent="-419100" lvl="0" marL="457200" rtl="0" algn="l">
               <a:spcBef>
                 <a:spcPts val="0"/>
               </a:spcBef>
@@ -11728,18 +17568,18 @@
               <a:buClr>
                 <a:schemeClr val="dk2"/>
               </a:buClr>
-              <a:buSzPts val="1800"/>
+              <a:buSzPts val="3000"/>
               <a:buChar char="●"/>
             </a:pPr>
             <a:r>
-              <a:rPr lang="en">
+              <a:rPr lang="en" sz="3000">
                 <a:solidFill>
                   <a:schemeClr val="dk2"/>
                 </a:solidFill>
               </a:rPr>
               <a:t>small numbers of people own the majority of stakes</a:t>
             </a:r>
-            <a:endParaRPr/>
+            <a:endParaRPr sz="3000"/>
           </a:p>
         </p:txBody>
       </p:sp>
@@ -11752,6 +17592,285 @@
 </file>
 
 <file path=ppt/theme/theme1.xml><?xml version="1.0" encoding="utf-8"?>
+<a:theme xmlns:a="http://schemas.openxmlformats.org/drawingml/2006/main" xmlns:r="http://schemas.openxmlformats.org/officeDocument/2006/relationships" name="Plum">
+  <a:themeElements>
+    <a:clrScheme name="Plum">
+      <a:dk1>
+        <a:srgbClr val="611BB8"/>
+      </a:dk1>
+      <a:lt1>
+        <a:srgbClr val="FFFFFF"/>
+      </a:lt1>
+      <a:dk2>
+        <a:srgbClr val="000000"/>
+      </a:dk2>
+      <a:lt2>
+        <a:srgbClr val="7F7F7F"/>
+      </a:lt2>
+      <a:accent1>
+        <a:srgbClr val="333333"/>
+      </a:accent1>
+      <a:accent2>
+        <a:srgbClr val="5E2B97"/>
+      </a:accent2>
+      <a:accent3>
+        <a:srgbClr val="7E57C2"/>
+      </a:accent3>
+      <a:accent4>
+        <a:srgbClr val="C77025"/>
+      </a:accent4>
+      <a:accent5>
+        <a:srgbClr val="009688"/>
+      </a:accent5>
+      <a:accent6>
+        <a:srgbClr val="FFD600"/>
+      </a:accent6>
+      <a:hlink>
+        <a:srgbClr val="009688"/>
+      </a:hlink>
+      <a:folHlink>
+        <a:srgbClr val="009688"/>
+      </a:folHlink>
+    </a:clrScheme>
+    <a:fontScheme name="Office">
+      <a:majorFont>
+        <a:latin typeface="Arial"/>
+        <a:ea typeface=""/>
+        <a:cs typeface=""/>
+        <a:font script="Jpan" typeface="ＭＳ Ｐゴシック"/>
+        <a:font script="Hang" typeface="맑은 고딕"/>
+        <a:font script="Hans" typeface="宋体"/>
+        <a:font script="Hant" typeface="新細明體"/>
+        <a:font script="Arab" typeface="Times New Roman"/>
+        <a:font script="Hebr" typeface="Times New Roman"/>
+        <a:font script="Thai" typeface="Angsana New"/>
+        <a:font script="Ethi" typeface="Nyala"/>
+        <a:font script="Beng" typeface="Vrinda"/>
+        <a:font script="Gujr" typeface="Shruti"/>
+        <a:font script="Khmr" typeface="MoolBoran"/>
+        <a:font script="Knda" typeface="Tunga"/>
+        <a:font script="Guru" typeface="Raavi"/>
+        <a:font script="Cans" typeface="Euphemia"/>
+        <a:font script="Cher" typeface="Plantagenet Cherokee"/>
+        <a:font script="Yiii" typeface="Microsoft Yi Baiti"/>
+        <a:font script="Tibt" typeface="Microsoft Himalaya"/>
+        <a:font script="Thaa" typeface="MV Boli"/>
+        <a:font script="Deva" typeface="Mangal"/>
+        <a:font script="Telu" typeface="Gautami"/>
+        <a:font script="Taml" typeface="Latha"/>
+        <a:font script="Syrc" typeface="Estrangelo Edessa"/>
+        <a:font script="Orya" typeface="Kalinga"/>
+        <a:font script="Mlym" typeface="Kartika"/>
+        <a:font script="Laoo" typeface="DokChampa"/>
+        <a:font script="Sinh" typeface="Iskoola Pota"/>
+        <a:font script="Mong" typeface="Mongolian Baiti"/>
+        <a:font script="Viet" typeface="Times New Roman"/>
+        <a:font script="Uigh" typeface="Microsoft Uighur"/>
+        <a:font script="Geor" typeface="Sylfaen"/>
+      </a:majorFont>
+      <a:minorFont>
+        <a:latin typeface="Arial"/>
+        <a:ea typeface=""/>
+        <a:cs typeface=""/>
+        <a:font script="Jpan" typeface="ＭＳ Ｐゴシック"/>
+        <a:font script="Hang" typeface="맑은 고딕"/>
+        <a:font script="Hans" typeface="宋体"/>
+        <a:font script="Hant" typeface="新細明體"/>
+        <a:font script="Arab" typeface="Arial"/>
+        <a:font script="Hebr" typeface="Arial"/>
+        <a:font script="Thai" typeface="Cordia New"/>
+        <a:font script="Ethi" typeface="Nyala"/>
+        <a:font script="Beng" typeface="Vrinda"/>
+        <a:font script="Gujr" typeface="Shruti"/>
+        <a:font script="Khmr" typeface="DaunPenh"/>
+        <a:font script="Knda" typeface="Tunga"/>
+        <a:font script="Guru" typeface="Raavi"/>
+        <a:font script="Cans" typeface="Euphemia"/>
+        <a:font script="Cher" typeface="Plantagenet Cherokee"/>
+        <a:font script="Yiii" typeface="Microsoft Yi Baiti"/>
+        <a:font script="Tibt" typeface="Microsoft Himalaya"/>
+        <a:font script="Thaa" typeface="MV Boli"/>
+        <a:font script="Deva" typeface="Mangal"/>
+        <a:font script="Telu" typeface="Gautami"/>
+        <a:font script="Taml" typeface="Latha"/>
+        <a:font script="Syrc" typeface="Estrangelo Edessa"/>
+        <a:font script="Orya" typeface="Kalinga"/>
+        <a:font script="Mlym" typeface="Kartika"/>
+        <a:font script="Laoo" typeface="DokChampa"/>
+        <a:font script="Sinh" typeface="Iskoola Pota"/>
+        <a:font script="Mong" typeface="Mongolian Baiti"/>
+        <a:font script="Viet" typeface="Arial"/>
+        <a:font script="Uigh" typeface="Microsoft Uighur"/>
+        <a:font script="Geor" typeface="Sylfaen"/>
+      </a:minorFont>
+    </a:fontScheme>
+    <a:fmtScheme name="Office">
+      <a:fillStyleLst>
+        <a:solidFill>
+          <a:schemeClr val="phClr"/>
+        </a:solidFill>
+        <a:gradFill rotWithShape="1">
+          <a:gsLst>
+            <a:gs pos="0">
+              <a:schemeClr val="phClr">
+                <a:tint val="50000"/>
+                <a:satMod val="300000"/>
+              </a:schemeClr>
+            </a:gs>
+            <a:gs pos="35000">
+              <a:schemeClr val="phClr">
+                <a:tint val="37000"/>
+                <a:satMod val="300000"/>
+              </a:schemeClr>
+            </a:gs>
+            <a:gs pos="100000">
+              <a:schemeClr val="phClr">
+                <a:tint val="15000"/>
+                <a:satMod val="350000"/>
+              </a:schemeClr>
+            </a:gs>
+          </a:gsLst>
+          <a:lin ang="16200000" scaled="1"/>
+        </a:gradFill>
+        <a:gradFill rotWithShape="1">
+          <a:gsLst>
+            <a:gs pos="0">
+              <a:schemeClr val="phClr">
+                <a:tint val="100000"/>
+                <a:shade val="100000"/>
+                <a:satMod val="130000"/>
+              </a:schemeClr>
+            </a:gs>
+            <a:gs pos="100000">
+              <a:schemeClr val="phClr">
+                <a:tint val="50000"/>
+                <a:shade val="100000"/>
+                <a:satMod val="350000"/>
+              </a:schemeClr>
+            </a:gs>
+          </a:gsLst>
+          <a:lin ang="16200000" scaled="0"/>
+        </a:gradFill>
+      </a:fillStyleLst>
+      <a:lnStyleLst>
+        <a:ln w="9525" cap="flat" cmpd="sng" algn="ctr">
+          <a:solidFill>
+            <a:schemeClr val="phClr">
+              <a:shade val="95000"/>
+              <a:satMod val="105000"/>
+            </a:schemeClr>
+          </a:solidFill>
+          <a:prstDash val="solid"/>
+        </a:ln>
+        <a:ln w="25400" cap="flat" cmpd="sng" algn="ctr">
+          <a:solidFill>
+            <a:schemeClr val="phClr"/>
+          </a:solidFill>
+          <a:prstDash val="solid"/>
+        </a:ln>
+        <a:ln w="38100" cap="flat" cmpd="sng" algn="ctr">
+          <a:solidFill>
+            <a:schemeClr val="phClr"/>
+          </a:solidFill>
+          <a:prstDash val="solid"/>
+        </a:ln>
+      </a:lnStyleLst>
+      <a:effectStyleLst>
+        <a:effectStyle>
+          <a:effectLst>
+            <a:outerShdw blurRad="40000" dist="20000" dir="5400000" rotWithShape="0">
+              <a:srgbClr val="000000">
+                <a:alpha val="38000"/>
+              </a:srgbClr>
+            </a:outerShdw>
+          </a:effectLst>
+        </a:effectStyle>
+        <a:effectStyle>
+          <a:effectLst>
+            <a:outerShdw blurRad="40000" dist="23000" dir="5400000" rotWithShape="0">
+              <a:srgbClr val="000000">
+                <a:alpha val="35000"/>
+              </a:srgbClr>
+            </a:outerShdw>
+          </a:effectLst>
+        </a:effectStyle>
+        <a:effectStyle>
+          <a:effectLst>
+            <a:outerShdw blurRad="40000" dist="23000" dir="5400000" rotWithShape="0">
+              <a:srgbClr val="000000">
+                <a:alpha val="35000"/>
+              </a:srgbClr>
+            </a:outerShdw>
+          </a:effectLst>
+          <a:scene3d>
+            <a:camera prst="orthographicFront">
+              <a:rot lat="0" lon="0" rev="0"/>
+            </a:camera>
+            <a:lightRig rig="threePt" dir="t">
+              <a:rot lat="0" lon="0" rev="1200000"/>
+            </a:lightRig>
+          </a:scene3d>
+          <a:sp3d>
+            <a:bevelT w="63500" h="25400"/>
+          </a:sp3d>
+        </a:effectStyle>
+      </a:effectStyleLst>
+      <a:bgFillStyleLst>
+        <a:solidFill>
+          <a:schemeClr val="phClr"/>
+        </a:solidFill>
+        <a:gradFill rotWithShape="1">
+          <a:gsLst>
+            <a:gs pos="0">
+              <a:schemeClr val="phClr">
+                <a:tint val="40000"/>
+                <a:satMod val="350000"/>
+              </a:schemeClr>
+            </a:gs>
+            <a:gs pos="40000">
+              <a:schemeClr val="phClr">
+                <a:tint val="45000"/>
+                <a:shade val="99000"/>
+                <a:satMod val="350000"/>
+              </a:schemeClr>
+            </a:gs>
+            <a:gs pos="100000">
+              <a:schemeClr val="phClr">
+                <a:shade val="20000"/>
+                <a:satMod val="255000"/>
+              </a:schemeClr>
+            </a:gs>
+          </a:gsLst>
+          <a:path path="circle">
+            <a:fillToRect l="50000" t="-80000" r="50000" b="180000"/>
+          </a:path>
+        </a:gradFill>
+        <a:gradFill rotWithShape="1">
+          <a:gsLst>
+            <a:gs pos="0">
+              <a:schemeClr val="phClr">
+                <a:tint val="80000"/>
+                <a:satMod val="300000"/>
+              </a:schemeClr>
+            </a:gs>
+            <a:gs pos="100000">
+              <a:schemeClr val="phClr">
+                <a:shade val="30000"/>
+                <a:satMod val="200000"/>
+              </a:schemeClr>
+            </a:gs>
+          </a:gsLst>
+          <a:path path="circle">
+            <a:fillToRect l="50000" t="50000" r="50000" b="50000"/>
+          </a:path>
+        </a:gradFill>
+      </a:bgFillStyleLst>
+    </a:fmtScheme>
+  </a:themeElements>
+</a:theme>
+</file>
+
+<file path=ppt/theme/theme2.xml><?xml version="1.0" encoding="utf-8"?>
 <a:theme xmlns:a="http://schemas.openxmlformats.org/drawingml/2006/main" xmlns:r="http://schemas.openxmlformats.org/officeDocument/2006/relationships">
   <a:themeElements>
     <a:clrScheme name="Default">
@@ -12028,283 +18147,4 @@
     </a:fmtScheme>
   </a:themeElements>
 </a:theme>
-</file>
-
-<file path=ppt/theme/theme2.xml><?xml version="1.0" encoding="utf-8"?>
-<a:theme xmlns:a="http://schemas.openxmlformats.org/drawingml/2006/main" xmlns:r="http://schemas.openxmlformats.org/officeDocument/2006/relationships" name="Plum">
-  <a:themeElements>
-    <a:clrScheme name="Plum">
-      <a:dk1>
-        <a:srgbClr val="611BB8"/>
-      </a:dk1>
-      <a:lt1>
-        <a:srgbClr val="FFFFFF"/>
-      </a:lt1>
-      <a:dk2>
-        <a:srgbClr val="000000"/>
-      </a:dk2>
-      <a:lt2>
-        <a:srgbClr val="7F7F7F"/>
-      </a:lt2>
-      <a:accent1>
-        <a:srgbClr val="333333"/>
-      </a:accent1>
-      <a:accent2>
-        <a:srgbClr val="5E2B97"/>
-      </a:accent2>
-      <a:accent3>
-        <a:srgbClr val="7E57C2"/>
-      </a:accent3>
-      <a:accent4>
-        <a:srgbClr val="C77025"/>
-      </a:accent4>
-      <a:accent5>
-        <a:srgbClr val="009688"/>
-      </a:accent5>
-      <a:accent6>
-        <a:srgbClr val="FFD600"/>
-      </a:accent6>
-      <a:hlink>
-        <a:srgbClr val="009688"/>
-      </a:hlink>
-      <a:folHlink>
-        <a:srgbClr val="009688"/>
-      </a:folHlink>
-    </a:clrScheme>
-    <a:fontScheme name="Office">
-      <a:majorFont>
-        <a:latin typeface="Arial"/>
-        <a:ea typeface=""/>
-        <a:cs typeface=""/>
-        <a:font script="Jpan" typeface="ＭＳ Ｐゴシック"/>
-        <a:font script="Hang" typeface="맑은 고딕"/>
-        <a:font script="Hans" typeface="宋体"/>
-        <a:font script="Hant" typeface="新細明體"/>
-        <a:font script="Arab" typeface="Times New Roman"/>
-        <a:font script="Hebr" typeface="Times New Roman"/>
-        <a:font script="Thai" typeface="Angsana New"/>
-        <a:font script="Ethi" typeface="Nyala"/>
-        <a:font script="Beng" typeface="Vrinda"/>
-        <a:font script="Gujr" typeface="Shruti"/>
-        <a:font script="Khmr" typeface="MoolBoran"/>
-        <a:font script="Knda" typeface="Tunga"/>
-        <a:font script="Guru" typeface="Raavi"/>
-        <a:font script="Cans" typeface="Euphemia"/>
-        <a:font script="Cher" typeface="Plantagenet Cherokee"/>
-        <a:font script="Yiii" typeface="Microsoft Yi Baiti"/>
-        <a:font script="Tibt" typeface="Microsoft Himalaya"/>
-        <a:font script="Thaa" typeface="MV Boli"/>
-        <a:font script="Deva" typeface="Mangal"/>
-        <a:font script="Telu" typeface="Gautami"/>
-        <a:font script="Taml" typeface="Latha"/>
-        <a:font script="Syrc" typeface="Estrangelo Edessa"/>
-        <a:font script="Orya" typeface="Kalinga"/>
-        <a:font script="Mlym" typeface="Kartika"/>
-        <a:font script="Laoo" typeface="DokChampa"/>
-        <a:font script="Sinh" typeface="Iskoola Pota"/>
-        <a:font script="Mong" typeface="Mongolian Baiti"/>
-        <a:font script="Viet" typeface="Times New Roman"/>
-        <a:font script="Uigh" typeface="Microsoft Uighur"/>
-        <a:font script="Geor" typeface="Sylfaen"/>
-      </a:majorFont>
-      <a:minorFont>
-        <a:latin typeface="Arial"/>
-        <a:ea typeface=""/>
-        <a:cs typeface=""/>
-        <a:font script="Jpan" typeface="ＭＳ Ｐゴシック"/>
-        <a:font script="Hang" typeface="맑은 고딕"/>
-        <a:font script="Hans" typeface="宋体"/>
-        <a:font script="Hant" typeface="新細明體"/>
-        <a:font script="Arab" typeface="Arial"/>
-        <a:font script="Hebr" typeface="Arial"/>
-        <a:font script="Thai" typeface="Cordia New"/>
-        <a:font script="Ethi" typeface="Nyala"/>
-        <a:font script="Beng" typeface="Vrinda"/>
-        <a:font script="Gujr" typeface="Shruti"/>
-        <a:font script="Khmr" typeface="DaunPenh"/>
-        <a:font script="Knda" typeface="Tunga"/>
-        <a:font script="Guru" typeface="Raavi"/>
-        <a:font script="Cans" typeface="Euphemia"/>
-        <a:font script="Cher" typeface="Plantagenet Cherokee"/>
-        <a:font script="Yiii" typeface="Microsoft Yi Baiti"/>
-        <a:font script="Tibt" typeface="Microsoft Himalaya"/>
-        <a:font script="Thaa" typeface="MV Boli"/>
-        <a:font script="Deva" typeface="Mangal"/>
-        <a:font script="Telu" typeface="Gautami"/>
-        <a:font script="Taml" typeface="Latha"/>
-        <a:font script="Syrc" typeface="Estrangelo Edessa"/>
-        <a:font script="Orya" typeface="Kalinga"/>
-        <a:font script="Mlym" typeface="Kartika"/>
-        <a:font script="Laoo" typeface="DokChampa"/>
-        <a:font script="Sinh" typeface="Iskoola Pota"/>
-        <a:font script="Mong" typeface="Mongolian Baiti"/>
-        <a:font script="Viet" typeface="Arial"/>
-        <a:font script="Uigh" typeface="Microsoft Uighur"/>
-        <a:font script="Geor" typeface="Sylfaen"/>
-      </a:minorFont>
-    </a:fontScheme>
-    <a:fmtScheme name="Office">
-      <a:fillStyleLst>
-        <a:solidFill>
-          <a:schemeClr val="phClr"/>
-        </a:solidFill>
-        <a:gradFill rotWithShape="1">
-          <a:gsLst>
-            <a:gs pos="0">
-              <a:schemeClr val="phClr">
-                <a:tint val="50000"/>
-                <a:satMod val="300000"/>
-              </a:schemeClr>
-            </a:gs>
-            <a:gs pos="35000">
-              <a:schemeClr val="phClr">
-                <a:tint val="37000"/>
-                <a:satMod val="300000"/>
-              </a:schemeClr>
-            </a:gs>
-            <a:gs pos="100000">
-              <a:schemeClr val="phClr">
-                <a:tint val="15000"/>
-                <a:satMod val="350000"/>
-              </a:schemeClr>
-            </a:gs>
-          </a:gsLst>
-          <a:lin ang="16200000" scaled="1"/>
-        </a:gradFill>
-        <a:gradFill rotWithShape="1">
-          <a:gsLst>
-            <a:gs pos="0">
-              <a:schemeClr val="phClr">
-                <a:tint val="100000"/>
-                <a:shade val="100000"/>
-                <a:satMod val="130000"/>
-              </a:schemeClr>
-            </a:gs>
-            <a:gs pos="100000">
-              <a:schemeClr val="phClr">
-                <a:tint val="50000"/>
-                <a:shade val="100000"/>
-                <a:satMod val="350000"/>
-              </a:schemeClr>
-            </a:gs>
-          </a:gsLst>
-          <a:lin ang="16200000" scaled="0"/>
-        </a:gradFill>
-      </a:fillStyleLst>
-      <a:lnStyleLst>
-        <a:ln w="9525" cap="flat" cmpd="sng" algn="ctr">
-          <a:solidFill>
-            <a:schemeClr val="phClr">
-              <a:shade val="95000"/>
-              <a:satMod val="105000"/>
-            </a:schemeClr>
-          </a:solidFill>
-          <a:prstDash val="solid"/>
-        </a:ln>
-        <a:ln w="25400" cap="flat" cmpd="sng" algn="ctr">
-          <a:solidFill>
-            <a:schemeClr val="phClr"/>
-          </a:solidFill>
-          <a:prstDash val="solid"/>
-        </a:ln>
-        <a:ln w="38100" cap="flat" cmpd="sng" algn="ctr">
-          <a:solidFill>
-            <a:schemeClr val="phClr"/>
-          </a:solidFill>
-          <a:prstDash val="solid"/>
-        </a:ln>
-      </a:lnStyleLst>
-      <a:effectStyleLst>
-        <a:effectStyle>
-          <a:effectLst>
-            <a:outerShdw blurRad="40000" dist="20000" dir="5400000" rotWithShape="0">
-              <a:srgbClr val="000000">
-                <a:alpha val="38000"/>
-              </a:srgbClr>
-            </a:outerShdw>
-          </a:effectLst>
-        </a:effectStyle>
-        <a:effectStyle>
-          <a:effectLst>
-            <a:outerShdw blurRad="40000" dist="23000" dir="5400000" rotWithShape="0">
-              <a:srgbClr val="000000">
-                <a:alpha val="35000"/>
-              </a:srgbClr>
-            </a:outerShdw>
-          </a:effectLst>
-        </a:effectStyle>
-        <a:effectStyle>
-          <a:effectLst>
-            <a:outerShdw blurRad="40000" dist="23000" dir="5400000" rotWithShape="0">
-              <a:srgbClr val="000000">
-                <a:alpha val="35000"/>
-              </a:srgbClr>
-            </a:outerShdw>
-          </a:effectLst>
-          <a:scene3d>
-            <a:camera prst="orthographicFront">
-              <a:rot lat="0" lon="0" rev="0"/>
-            </a:camera>
-            <a:lightRig rig="threePt" dir="t">
-              <a:rot lat="0" lon="0" rev="1200000"/>
-            </a:lightRig>
-          </a:scene3d>
-          <a:sp3d>
-            <a:bevelT w="63500" h="25400"/>
-          </a:sp3d>
-        </a:effectStyle>
-      </a:effectStyleLst>
-      <a:bgFillStyleLst>
-        <a:solidFill>
-          <a:schemeClr val="phClr"/>
-        </a:solidFill>
-        <a:gradFill rotWithShape="1">
-          <a:gsLst>
-            <a:gs pos="0">
-              <a:schemeClr val="phClr">
-                <a:tint val="40000"/>
-                <a:satMod val="350000"/>
-              </a:schemeClr>
-            </a:gs>
-            <a:gs pos="40000">
-              <a:schemeClr val="phClr">
-                <a:tint val="45000"/>
-                <a:shade val="99000"/>
-                <a:satMod val="350000"/>
-              </a:schemeClr>
-            </a:gs>
-            <a:gs pos="100000">
-              <a:schemeClr val="phClr">
-                <a:shade val="20000"/>
-                <a:satMod val="255000"/>
-              </a:schemeClr>
-            </a:gs>
-          </a:gsLst>
-          <a:path path="circle">
-            <a:fillToRect l="50000" t="-80000" r="50000" b="180000"/>
-          </a:path>
-        </a:gradFill>
-        <a:gradFill rotWithShape="1">
-          <a:gsLst>
-            <a:gs pos="0">
-              <a:schemeClr val="phClr">
-                <a:tint val="80000"/>
-                <a:satMod val="300000"/>
-              </a:schemeClr>
-            </a:gs>
-            <a:gs pos="100000">
-              <a:schemeClr val="phClr">
-                <a:shade val="30000"/>
-                <a:satMod val="200000"/>
-              </a:schemeClr>
-            </a:gs>
-          </a:gsLst>
-          <a:path path="circle">
-            <a:fillToRect l="50000" t="50000" r="50000" b="50000"/>
-          </a:path>
-        </a:gradFill>
-      </a:bgFillStyleLst>
-    </a:fmtScheme>
-  </a:themeElements>
-</a:theme>
 </file>
--- a/mana/Mana.pptx
+++ b/mana/Mana.pptx
@@ -40,23 +40,31 @@
     <p:sldId id="285" r:id="rId35"/>
     <p:sldId id="286" r:id="rId36"/>
     <p:sldId id="287" r:id="rId37"/>
+    <p:sldId id="288" r:id="rId38"/>
+    <p:sldId id="289" r:id="rId39"/>
+    <p:sldId id="290" r:id="rId40"/>
+    <p:sldId id="291" r:id="rId41"/>
+    <p:sldId id="292" r:id="rId42"/>
+    <p:sldId id="293" r:id="rId43"/>
+    <p:sldId id="294" r:id="rId44"/>
+    <p:sldId id="295" r:id="rId45"/>
   </p:sldIdLst>
   <p:sldSz cy="5143500" cx="9144000"/>
   <p:notesSz cx="6858000" cy="9144000"/>
   <p:embeddedFontLst>
     <p:embeddedFont>
       <p:font typeface="Raleway"/>
-      <p:regular r:id="rId38"/>
-      <p:bold r:id="rId39"/>
-      <p:italic r:id="rId40"/>
-      <p:boldItalic r:id="rId41"/>
+      <p:regular r:id="rId46"/>
+      <p:bold r:id="rId47"/>
+      <p:italic r:id="rId48"/>
+      <p:boldItalic r:id="rId49"/>
     </p:embeddedFont>
     <p:embeddedFont>
       <p:font typeface="Source Sans Pro"/>
-      <p:regular r:id="rId42"/>
-      <p:bold r:id="rId43"/>
-      <p:italic r:id="rId44"/>
-      <p:boldItalic r:id="rId45"/>
+      <p:regular r:id="rId50"/>
+      <p:bold r:id="rId51"/>
+      <p:italic r:id="rId52"/>
+      <p:boldItalic r:id="rId53"/>
     </p:embeddedFont>
   </p:embeddedFontLst>
   <p:defaultTextStyle>
@@ -817,7 +825,7 @@
             </a:pPr>
             <a:r>
               <a:rPr lang="en"/>
-              <a:t>Добрый день. Меня зовут Айрат Бадыков, я core разработчик маны - клиента эфириума на эликсире. Cегодня я расскажу, подходит ли эликсир для блокчейна, из чего состоит мана и как она появилась и если останется время затрону процесс node discovery в Ethereum’е и соответвенно его имплементацию у нас в проекте.</a:t>
+              <a:t>Добрый день. Меня зовут Айрат Бадыков, я core разработчик маны - клиента эфириума на эликсире. Cегодня я расскажу, подходит ли эликсир для блокчейна, из чего состоит мана и как она появилась. Также обзорно пройдусь по Эфириуму когда буду рассказывать о разных частях маны. Если останется время, расскажу про поиск нод в мане.</a:t>
             </a:r>
             <a:endParaRPr/>
           </a:p>
@@ -2258,7 +2266,7 @@
       </p:grpSpPr>
       <p:sp>
         <p:nvSpPr>
-          <p:cNvPr id="199" name="Google Shape;199;g3d61b9f945_0_13:notes"/>
+          <p:cNvPr id="199" name="Google Shape;199;g4fb1491851_1_28:notes"/>
           <p:cNvSpPr/>
           <p:nvPr>
             <p:ph idx="2" type="sldImg"/>
@@ -2293,7 +2301,7 @@
       </p:sp>
       <p:sp>
         <p:nvSpPr>
-          <p:cNvPr id="200" name="Google Shape;200;g3d61b9f945_0_13:notes"/>
+          <p:cNvPr id="200" name="Google Shape;200;g4fb1491851_1_28:notes"/>
           <p:cNvSpPr txBox="1"/>
           <p:nvPr>
             <p:ph idx="1" type="body"/>
@@ -2325,7 +2333,109 @@
             </a:pPr>
             <a:r>
               <a:rPr lang="en"/>
-              <a:t>Рассмотрим простой пример.</a:t>
+              <a:t>На этой диаграмме можно увидеть простую диаграмму архитектуры EVM:</a:t>
+            </a:r>
+            <a:endParaRPr/>
+          </a:p>
+          <a:p>
+            <a:pPr indent="-298450" lvl="0" marL="457200" rtl="0" algn="l">
+              <a:spcBef>
+                <a:spcPts val="0"/>
+              </a:spcBef>
+              <a:spcAft>
+                <a:spcPts val="0"/>
+              </a:spcAft>
+              <a:buSzPts val="1100"/>
+              <a:buChar char="-"/>
+            </a:pPr>
+            <a:r>
+              <a:rPr lang="en"/>
+              <a:t>Неизменяемый код, который выпоняется на EVM</a:t>
+            </a:r>
+            <a:endParaRPr/>
+          </a:p>
+          <a:p>
+            <a:pPr indent="-298450" lvl="0" marL="457200" rtl="0" algn="l">
+              <a:spcBef>
+                <a:spcPts val="0"/>
+              </a:spcBef>
+              <a:spcAft>
+                <a:spcPts val="0"/>
+              </a:spcAft>
+              <a:buSzPts val="1100"/>
+              <a:buChar char="-"/>
+            </a:pPr>
+            <a:r>
+              <a:rPr lang="en"/>
+              <a:t>Stack куда записываются аргументы и промежуточные значения для кодов операций виртуальной машины</a:t>
+            </a:r>
+            <a:endParaRPr/>
+          </a:p>
+          <a:p>
+            <a:pPr indent="-298450" lvl="0" marL="457200" rtl="0" algn="l">
+              <a:spcBef>
+                <a:spcPts val="0"/>
+              </a:spcBef>
+              <a:spcAft>
+                <a:spcPts val="0"/>
+              </a:spcAft>
+              <a:buSzPts val="1100"/>
+              <a:buChar char="-"/>
+            </a:pPr>
+            <a:r>
+              <a:rPr lang="en"/>
+              <a:t>Программный счетчик</a:t>
+            </a:r>
+            <a:endParaRPr/>
+          </a:p>
+          <a:p>
+            <a:pPr indent="-298450" lvl="0" marL="457200" rtl="0" algn="l">
+              <a:spcBef>
+                <a:spcPts val="0"/>
+              </a:spcBef>
+              <a:spcAft>
+                <a:spcPts val="0"/>
+              </a:spcAft>
+              <a:buSzPts val="1100"/>
+              <a:buChar char="-"/>
+            </a:pPr>
+            <a:r>
+              <a:rPr lang="en"/>
+              <a:t>Газ. Что такое газ? Как было сказано ранее каждая операция, которая выполняется в EVM, выполняется на всех нодах одновременно. Недостаток этого, что каждый шаг выполнения очень дорог. Gas - это плата за выполнение. Причем каждая операция имеет разную цену, которая заввисит от сложности операции.</a:t>
+            </a:r>
+            <a:endParaRPr/>
+          </a:p>
+          <a:p>
+            <a:pPr indent="-298450" lvl="0" marL="457200" rtl="0" algn="l">
+              <a:spcBef>
+                <a:spcPts val="0"/>
+              </a:spcBef>
+              <a:spcAft>
+                <a:spcPts val="0"/>
+              </a:spcAft>
+              <a:buSzPts val="1100"/>
+              <a:buChar char="-"/>
+            </a:pPr>
+            <a:r>
+              <a:rPr lang="en"/>
+              <a:t>Память</a:t>
+            </a:r>
+            <a:endParaRPr/>
+          </a:p>
+          <a:p>
+            <a:pPr indent="-298450" lvl="0" marL="457200" rtl="0" algn="l">
+              <a:spcBef>
+                <a:spcPts val="0"/>
+              </a:spcBef>
+              <a:spcAft>
+                <a:spcPts val="0"/>
+              </a:spcAft>
+              <a:buSzPts val="1100"/>
+              <a:buChar char="-"/>
+            </a:pPr>
+            <a:r>
+              <a:rPr lang="en"/>
+              <a:t>Хранилище аккаунта - это глобальное состояние</a:t>
             </a:r>
             <a:endParaRPr/>
           </a:p>
@@ -2358,7 +2468,7 @@
       </p:grpSpPr>
       <p:sp>
         <p:nvSpPr>
-          <p:cNvPr id="206" name="Google Shape;206;g3d61b9f945_0_30:notes"/>
+          <p:cNvPr id="206" name="Google Shape;206;g3d61b9f945_0_13:notes"/>
           <p:cNvSpPr/>
           <p:nvPr>
             <p:ph idx="2" type="sldImg"/>
@@ -2393,7 +2503,7 @@
       </p:sp>
       <p:sp>
         <p:nvSpPr>
-          <p:cNvPr id="207" name="Google Shape;207;g3d61b9f945_0_30:notes"/>
+          <p:cNvPr id="207" name="Google Shape;207;g3d61b9f945_0_13:notes"/>
           <p:cNvSpPr txBox="1"/>
           <p:nvPr>
             <p:ph idx="1" type="body"/>
@@ -2425,7 +2535,7 @@
             </a:pPr>
             <a:r>
               <a:rPr lang="en"/>
-              <a:t>Больше примеров различных кодов виртуальной машины с описанием их выпонения можно найти по этой ссылке в моем блоге.</a:t>
+              <a:t>Рассмотрим простой пример.</a:t>
             </a:r>
             <a:endParaRPr/>
           </a:p>
@@ -2444,7 +2554,7 @@
   <p:cSld>
     <p:spTree>
       <p:nvGrpSpPr>
-        <p:cNvPr id="211" name="Shape 211"/>
+        <p:cNvPr id="212" name="Shape 212"/>
         <p:cNvGrpSpPr/>
         <p:nvPr/>
       </p:nvGrpSpPr>
@@ -2458,7 +2568,7 @@
       </p:grpSpPr>
       <p:sp>
         <p:nvSpPr>
-          <p:cNvPr id="212" name="Google Shape;212;g3b522d7651_0_77:notes"/>
+          <p:cNvPr id="213" name="Google Shape;213;g3d61b9f945_0_30:notes"/>
           <p:cNvSpPr/>
           <p:nvPr>
             <p:ph idx="2" type="sldImg"/>
@@ -2493,7 +2603,7 @@
       </p:sp>
       <p:sp>
         <p:nvSpPr>
-          <p:cNvPr id="213" name="Google Shape;213;g3b522d7651_0_77:notes"/>
+          <p:cNvPr id="214" name="Google Shape;214;g3d61b9f945_0_30:notes"/>
           <p:cNvSpPr txBox="1"/>
           <p:nvPr>
             <p:ph idx="1" type="body"/>
@@ -2521,28 +2631,11 @@
               <a:spcAft>
                 <a:spcPts val="0"/>
               </a:spcAft>
-              <a:buClr>
-                <a:schemeClr val="dk2"/>
-              </a:buClr>
-              <a:buSzPts val="1100"/>
-              <a:buFont typeface="Arial"/>
-              <a:buNone/>
-            </a:pPr>
-            <a:r>
-              <a:rPr lang="en">
-                <a:solidFill>
-                  <a:schemeClr val="dk2"/>
-                </a:solidFill>
-              </a:rPr>
-              <a:t>Блокчейн занимается </a:t>
-            </a:r>
-            <a:r>
-              <a:rPr lang="en">
-                <a:solidFill>
-                  <a:schemeClr val="dk2"/>
-                </a:solidFill>
-              </a:rPr>
-              <a:t>валидацией блоков и транзакций. Процесс валидации включает в себя: ...</a:t>
+              <a:buNone/>
+            </a:pPr>
+            <a:r>
+              <a:rPr lang="en"/>
+              <a:t>Больше примеров различных кодов виртуальной машины с описанием их выпонения можно найти по этой ссылке в моем блоге.</a:t>
             </a:r>
             <a:endParaRPr/>
           </a:p>
@@ -2561,7 +2654,7 @@
   <p:cSld>
     <p:spTree>
       <p:nvGrpSpPr>
-        <p:cNvPr id="217" name="Shape 217"/>
+        <p:cNvPr id="218" name="Shape 218"/>
         <p:cNvGrpSpPr/>
         <p:nvPr/>
       </p:nvGrpSpPr>
@@ -2575,7 +2668,7 @@
       </p:grpSpPr>
       <p:sp>
         <p:nvSpPr>
-          <p:cNvPr id="218" name="Google Shape;218;g4fb1491851_1_14:notes"/>
+          <p:cNvPr id="219" name="Google Shape;219;g3b522d7651_0_77:notes"/>
           <p:cNvSpPr/>
           <p:nvPr>
             <p:ph idx="2" type="sldImg"/>
@@ -2610,7 +2703,7 @@
       </p:sp>
       <p:sp>
         <p:nvSpPr>
-          <p:cNvPr id="219" name="Google Shape;219;g4fb1491851_1_14:notes"/>
+          <p:cNvPr id="220" name="Google Shape;220;g3b522d7651_0_77:notes"/>
           <p:cNvSpPr txBox="1"/>
           <p:nvPr>
             <p:ph idx="1" type="body"/>
@@ -2638,11 +2731,28 @@
               <a:spcAft>
                 <a:spcPts val="0"/>
               </a:spcAft>
-              <a:buNone/>
-            </a:pPr>
-            <a:r>
-              <a:rPr lang="en"/>
-              <a:t>В Эфириуме и во многих других криптовалютах хардфорк - это способ ввести новые изменения в цепь. Хардфорк - это изменение правил валидации. Таким образом если не обновить программное обеспечение на нодах они будут считать новые блоки невалидными. Если не все ноды обновляются создается новая криптовалюта. Такое произошло 1 августа 2017 года, Часть майнеров совершила хардфорк и появился Bitcoin Cash.</a:t>
+              <a:buClr>
+                <a:schemeClr val="dk2"/>
+              </a:buClr>
+              <a:buSzPts val="1100"/>
+              <a:buFont typeface="Arial"/>
+              <a:buNone/>
+            </a:pPr>
+            <a:r>
+              <a:rPr lang="en">
+                <a:solidFill>
+                  <a:schemeClr val="dk2"/>
+                </a:solidFill>
+              </a:rPr>
+              <a:t>Блокчейн занимается </a:t>
+            </a:r>
+            <a:r>
+              <a:rPr lang="en">
+                <a:solidFill>
+                  <a:schemeClr val="dk2"/>
+                </a:solidFill>
+              </a:rPr>
+              <a:t>валидацией блоков и транзакций. Процесс валидации включает в себя: ...</a:t>
             </a:r>
             <a:endParaRPr/>
           </a:p>
@@ -2661,7 +2771,7 @@
   <p:cSld>
     <p:spTree>
       <p:nvGrpSpPr>
-        <p:cNvPr id="223" name="Shape 223"/>
+        <p:cNvPr id="224" name="Shape 224"/>
         <p:cNvGrpSpPr/>
         <p:nvPr/>
       </p:nvGrpSpPr>
@@ -2675,7 +2785,7 @@
       </p:grpSpPr>
       <p:sp>
         <p:nvSpPr>
-          <p:cNvPr id="224" name="Google Shape;224;g4fb1491851_1_19:notes"/>
+          <p:cNvPr id="225" name="Google Shape;225;g4fb1491851_1_34:notes"/>
           <p:cNvSpPr/>
           <p:nvPr>
             <p:ph idx="2" type="sldImg"/>
@@ -2710,7 +2820,7 @@
       </p:sp>
       <p:sp>
         <p:nvSpPr>
-          <p:cNvPr id="225" name="Google Shape;225;g4fb1491851_1_19:notes"/>
+          <p:cNvPr id="226" name="Google Shape;226;g4fb1491851_1_34:notes"/>
           <p:cNvSpPr txBox="1"/>
           <p:nvPr>
             <p:ph idx="1" type="body"/>
@@ -2742,7 +2852,107 @@
             </a:pPr>
             <a:r>
               <a:rPr lang="en"/>
-              <a:t>В Эфириуме новые предложения по изменению которые предлагаются сообществом. Называются EIP - Ethereum Improvement Proposal. В мане конфигурация хардфорков сделана через behaviour’ы. Когда пояляется новое изменение в Эфириуме. Мы добаяляем новый метод в базовый behaviour. Все конфигурации хардфорков его имплементируют.</a:t>
+              <a:t>Опишем каждый шаг валидации более подробно на основе кода у нас в проекте:</a:t>
+            </a:r>
+            <a:endParaRPr/>
+          </a:p>
+          <a:p>
+            <a:pPr indent="-298450" lvl="0" marL="457200" rtl="0" algn="l">
+              <a:spcBef>
+                <a:spcPts val="0"/>
+              </a:spcBef>
+              <a:spcAft>
+                <a:spcPts val="0"/>
+              </a:spcAft>
+              <a:buSzPts val="1100"/>
+              <a:buChar char="-"/>
+            </a:pPr>
+            <a:r>
+              <a:rPr lang="en"/>
+              <a:t>Check state root validity - проверяет совпадает ли корневой хэш глобального хранилища. В этом хранилище хранятся все состояния аккаунтов</a:t>
+            </a:r>
+            <a:endParaRPr/>
+          </a:p>
+          <a:p>
+            <a:pPr indent="-298450" lvl="0" marL="457200" rtl="0" algn="l">
+              <a:spcBef>
+                <a:spcPts val="0"/>
+              </a:spcBef>
+              <a:spcAft>
+                <a:spcPts val="0"/>
+              </a:spcAft>
+              <a:buSzPts val="1100"/>
+              <a:buChar char="-"/>
+            </a:pPr>
+            <a:r>
+              <a:rPr lang="en"/>
+              <a:t>Check ommers hash validity  - полученный оммеры сериализуются с помощью RLP кодировки, затем от полученного значение получается хеш. Этот хеш мы и сравниваем</a:t>
+            </a:r>
+            <a:endParaRPr/>
+          </a:p>
+          <a:p>
+            <a:pPr indent="-298450" lvl="0" marL="457200" rtl="0" algn="l">
+              <a:spcBef>
+                <a:spcPts val="0"/>
+              </a:spcBef>
+              <a:spcAft>
+                <a:spcPts val="0"/>
+              </a:spcAft>
+              <a:buSzPts val="1100"/>
+              <a:buChar char="-"/>
+            </a:pPr>
+            <a:r>
+              <a:rPr lang="en"/>
+              <a:t>Check transactions root validity - все транзакции блока тоже записываются в отдельное меркл три хранилище. И на этом шаге мы сравниваем хеши корней</a:t>
+            </a:r>
+            <a:endParaRPr/>
+          </a:p>
+          <a:p>
+            <a:pPr indent="-298450" lvl="0" marL="457200" rtl="0" algn="l">
+              <a:spcBef>
+                <a:spcPts val="0"/>
+              </a:spcBef>
+              <a:spcAft>
+                <a:spcPts val="0"/>
+              </a:spcAft>
+              <a:buSzPts val="1100"/>
+              <a:buChar char="-"/>
+            </a:pPr>
+            <a:r>
+              <a:rPr lang="en"/>
+              <a:t>Check receipts root validity - валидириует корневой хеш чеков блока. Чек содержит различную информацию о транзакции. Как много газа было использовано EVM и так далее</a:t>
+            </a:r>
+            <a:endParaRPr/>
+          </a:p>
+          <a:p>
+            <a:pPr indent="-298450" lvl="0" marL="457200" rtl="0" algn="l">
+              <a:spcBef>
+                <a:spcPts val="0"/>
+              </a:spcBef>
+              <a:spcAft>
+                <a:spcPts val="0"/>
+              </a:spcAft>
+              <a:buSzPts val="1100"/>
+              <a:buChar char="-"/>
+            </a:pPr>
+            <a:r>
+              <a:rPr lang="en"/>
+              <a:t>Сheck logs bloom - валидирует блум фильт логов блока. Подробно про логи блум фильтры вы можете почитать у меня в блоге</a:t>
+            </a:r>
+            <a:endParaRPr/>
+          </a:p>
+          <a:p>
+            <a:pPr indent="0" lvl="0" marL="0" rtl="0" algn="l">
+              <a:spcBef>
+                <a:spcPts val="0"/>
+              </a:spcBef>
+              <a:spcAft>
+                <a:spcPts val="0"/>
+              </a:spcAft>
+              <a:buNone/>
+            </a:pPr>
+            <a:r>
+              <a:t/>
             </a:r>
             <a:endParaRPr/>
           </a:p>
@@ -2761,7 +2971,7 @@
   <p:cSld>
     <p:spTree>
       <p:nvGrpSpPr>
-        <p:cNvPr id="229" name="Shape 229"/>
+        <p:cNvPr id="230" name="Shape 230"/>
         <p:cNvGrpSpPr/>
         <p:nvPr/>
       </p:nvGrpSpPr>
@@ -2775,7 +2985,7 @@
       </p:grpSpPr>
       <p:sp>
         <p:nvSpPr>
-          <p:cNvPr id="230" name="Google Shape;230;g3b522d7651_0_82:notes"/>
+          <p:cNvPr id="231" name="Google Shape;231;g4fb1491851_1_14:notes"/>
           <p:cNvSpPr/>
           <p:nvPr>
             <p:ph idx="2" type="sldImg"/>
@@ -2810,7 +3020,7 @@
       </p:sp>
       <p:sp>
         <p:nvSpPr>
-          <p:cNvPr id="231" name="Google Shape;231;g3b522d7651_0_82:notes"/>
+          <p:cNvPr id="232" name="Google Shape;232;g4fb1491851_1_14:notes"/>
           <p:cNvSpPr txBox="1"/>
           <p:nvPr>
             <p:ph idx="1" type="body"/>
@@ -2842,7 +3052,7 @@
             </a:pPr>
             <a:r>
               <a:rPr lang="en"/>
-              <a:t>Проект ExWire - это клиент для RLPx, DevP2P, EthWire</a:t>
+              <a:t>В Эфириуме и во многих других криптовалютах хардфорк - это способ ввести новые изменения в цепь. Хардфорк - это изменение правил валидации. Таким образом если не обновить программное обеспечение на нодах они будут считать новые блоки невалидными. Если не все ноды обновляются создается новая криптовалюта. Такое произошло 1 августа 2017 года, Часть майнеров совершила хардфорк и появился Bitcoin Cash.</a:t>
             </a:r>
             <a:endParaRPr/>
           </a:p>
@@ -2861,7 +3071,7 @@
   <p:cSld>
     <p:spTree>
       <p:nvGrpSpPr>
-        <p:cNvPr id="235" name="Shape 235"/>
+        <p:cNvPr id="236" name="Shape 236"/>
         <p:cNvGrpSpPr/>
         <p:nvPr/>
       </p:nvGrpSpPr>
@@ -2875,7 +3085,7 @@
       </p:grpSpPr>
       <p:sp>
         <p:nvSpPr>
-          <p:cNvPr id="236" name="Google Shape;236;g3d6208d859_0_12:notes"/>
+          <p:cNvPr id="237" name="Google Shape;237;g4fb1491851_1_19:notes"/>
           <p:cNvSpPr/>
           <p:nvPr>
             <p:ph idx="2" type="sldImg"/>
@@ -2910,7 +3120,7 @@
       </p:sp>
       <p:sp>
         <p:nvSpPr>
-          <p:cNvPr id="237" name="Google Shape;237;g3d6208d859_0_12:notes"/>
+          <p:cNvPr id="238" name="Google Shape;238;g4fb1491851_1_19:notes"/>
           <p:cNvSpPr txBox="1"/>
           <p:nvPr>
             <p:ph idx="1" type="body"/>
@@ -2942,7 +3152,7 @@
             </a:pPr>
             <a:r>
               <a:rPr lang="en"/>
-              <a:t>RLPx - это криптографический p2p протокол, который предоставляет приложениям интерфейс общего назначения для взаимодействия между собой. По RLPx могут обмениваться сообщениями множество протоколов/</a:t>
+              <a:t>В Эфириуме новые предложения по изменению которые предлагаются сообществом. Называются EIP - Ethereum Improvement Proposal. В мане конфигурация хардфорков сделана через behaviour’ы. Когда пояляется новое изменение в Эфириуме. Мы добаяляем новый метод в базовый behaviour. Все конфигурации хардфорков его имплементируют.</a:t>
             </a:r>
             <a:endParaRPr/>
           </a:p>
@@ -2961,7 +3171,7 @@
   <p:cSld>
     <p:spTree>
       <p:nvGrpSpPr>
-        <p:cNvPr id="241" name="Shape 241"/>
+        <p:cNvPr id="242" name="Shape 242"/>
         <p:cNvGrpSpPr/>
         <p:nvPr/>
       </p:nvGrpSpPr>
@@ -2975,7 +3185,7 @@
       </p:grpSpPr>
       <p:sp>
         <p:nvSpPr>
-          <p:cNvPr id="242" name="Google Shape;242;g3d6208d859_0_18:notes"/>
+          <p:cNvPr id="243" name="Google Shape;243;g3b522d7651_0_82:notes"/>
           <p:cNvSpPr/>
           <p:nvPr>
             <p:ph idx="2" type="sldImg"/>
@@ -3010,7 +3220,7 @@
       </p:sp>
       <p:sp>
         <p:nvSpPr>
-          <p:cNvPr id="243" name="Google Shape;243;g3d6208d859_0_18:notes"/>
+          <p:cNvPr id="244" name="Google Shape;244;g3b522d7651_0_82:notes"/>
           <p:cNvSpPr txBox="1"/>
           <p:nvPr>
             <p:ph idx="1" type="body"/>
@@ -3042,7 +3252,32 @@
             </a:pPr>
             <a:r>
               <a:rPr lang="en"/>
-              <a:t>DevP2P - это основные сообщения, которыми обмениваются ноды в RLPx. Hello - обмени версиями протоколоа и общей информацией о нодах. Disconnect - уведомление ноды об отключении пира. Ping - запрос на Pong, Pong - ответ на Ping.</a:t>
+              <a:t>Это p2p уровень взаимодействия нод. Как известно, в p2p системах, каждый пир может посылать и получать данные напрямую от другого клиента, каждый пир играет роль и клиента и сервера. В Эфириуме все ноды могут посылать запросы для получения информации от других нод о текущем состоянии Эфириума (блоки и так далее) Нода уверена, что данные валидны потому что она может их валидировать их в соответствии с консенсусом Эфириума.</a:t>
+            </a:r>
+            <a:endParaRPr/>
+          </a:p>
+          <a:p>
+            <a:pPr indent="0" lvl="0" marL="0" rtl="0" algn="l">
+              <a:spcBef>
+                <a:spcPts val="0"/>
+              </a:spcBef>
+              <a:spcAft>
+                <a:spcPts val="0"/>
+              </a:spcAft>
+              <a:buClr>
+                <a:schemeClr val="dk2"/>
+              </a:buClr>
+              <a:buSzPts val="1100"/>
+              <a:buFont typeface="Arial"/>
+              <a:buNone/>
+            </a:pPr>
+            <a:r>
+              <a:rPr lang="en">
+                <a:solidFill>
+                  <a:schemeClr val="dk2"/>
+                </a:solidFill>
+              </a:rPr>
+              <a:t>Проект ExWire - это клиент для RLPx, DevP2P, EthWire. </a:t>
             </a:r>
             <a:endParaRPr/>
           </a:p>
@@ -3193,7 +3428,7 @@
   <p:cSld>
     <p:spTree>
       <p:nvGrpSpPr>
-        <p:cNvPr id="247" name="Shape 247"/>
+        <p:cNvPr id="248" name="Shape 248"/>
         <p:cNvGrpSpPr/>
         <p:nvPr/>
       </p:nvGrpSpPr>
@@ -3207,7 +3442,7 @@
       </p:grpSpPr>
       <p:sp>
         <p:nvSpPr>
-          <p:cNvPr id="248" name="Google Shape;248;g3d6208d859_0_24:notes"/>
+          <p:cNvPr id="249" name="Google Shape;249;g3d6208d859_0_12:notes"/>
           <p:cNvSpPr/>
           <p:nvPr>
             <p:ph idx="2" type="sldImg"/>
@@ -3242,7 +3477,7 @@
       </p:sp>
       <p:sp>
         <p:nvSpPr>
-          <p:cNvPr id="249" name="Google Shape;249;g3d6208d859_0_24:notes"/>
+          <p:cNvPr id="250" name="Google Shape;250;g3d6208d859_0_12:notes"/>
           <p:cNvSpPr txBox="1"/>
           <p:nvPr>
             <p:ph idx="1" type="body"/>
@@ -3274,7 +3509,7 @@
             </a:pPr>
             <a:r>
               <a:rPr lang="en"/>
-              <a:t>Eth - основной протокол. По нему осуществляется синхронизация сети и обмен информацией о блоках, транзакциях и так далее. Whisper - приватный обмен соббщениями между нодами, swarm - p2p обмен файлами.</a:t>
+              <a:t>RLPx - это криптографический p2p протокол, который предоставляет приложениям интерфейс общего назначения для взаимодействия между собой. Он использует алгоритм, основанный на алгоритме Kademlia, для поиска новых нод. В моем блоге подробно описано устроиство алгоритма Кадемлия и ее имплементация у нас в проекте</a:t>
             </a:r>
             <a:endParaRPr/>
           </a:p>
@@ -3293,7 +3528,7 @@
   <p:cSld>
     <p:spTree>
       <p:nvGrpSpPr>
-        <p:cNvPr id="253" name="Shape 253"/>
+        <p:cNvPr id="254" name="Shape 254"/>
         <p:cNvGrpSpPr/>
         <p:nvPr/>
       </p:nvGrpSpPr>
@@ -3307,7 +3542,7 @@
       </p:grpSpPr>
       <p:sp>
         <p:nvSpPr>
-          <p:cNvPr id="254" name="Google Shape;254;g3b522d7651_0_87:notes"/>
+          <p:cNvPr id="255" name="Google Shape;255;g3d6208d859_0_18:notes"/>
           <p:cNvSpPr/>
           <p:nvPr>
             <p:ph idx="2" type="sldImg"/>
@@ -3342,7 +3577,7 @@
       </p:sp>
       <p:sp>
         <p:nvSpPr>
-          <p:cNvPr id="255" name="Google Shape;255;g3b522d7651_0_87:notes"/>
+          <p:cNvPr id="256" name="Google Shape;256;g3d6208d859_0_18:notes"/>
           <p:cNvSpPr txBox="1"/>
           <p:nvPr>
             <p:ph idx="1" type="body"/>
@@ -3373,7 +3608,118 @@
               <a:buNone/>
             </a:pPr>
             <a:r>
+              <a:rPr lang="en"/>
+              <a:t>DevP2P - это основные сообщения, которыми обмениваются ноды в RLPx. Ноды могут поддерживать любое число сабпротоколов. Devp2p отвечает за согласование поддерживаемых сабпротоколов на обоих сторонах и осуществляет обмен сообщениями по одному соединению. Сообщения передаются в формате RLP.</a:t>
+            </a:r>
+            <a:endParaRPr/>
+          </a:p>
+          <a:p>
+            <a:pPr indent="0" lvl="0" marL="0" rtl="0" algn="l">
+              <a:spcBef>
+                <a:spcPts val="0"/>
+              </a:spcBef>
+              <a:spcAft>
+                <a:spcPts val="0"/>
+              </a:spcAft>
+              <a:buNone/>
+            </a:pPr>
+            <a:r>
               <a:t/>
+            </a:r>
+            <a:endParaRPr/>
+          </a:p>
+          <a:p>
+            <a:pPr indent="0" lvl="0" marL="0" rtl="0" algn="l">
+              <a:spcBef>
+                <a:spcPts val="0"/>
+              </a:spcBef>
+              <a:spcAft>
+                <a:spcPts val="0"/>
+              </a:spcAft>
+              <a:buNone/>
+            </a:pPr>
+            <a:r>
+              <a:rPr lang="en"/>
+              <a:t>Сообщения:</a:t>
+            </a:r>
+            <a:endParaRPr/>
+          </a:p>
+          <a:p>
+            <a:pPr indent="0" lvl="0" marL="0" rtl="0" algn="l">
+              <a:spcBef>
+                <a:spcPts val="0"/>
+              </a:spcBef>
+              <a:spcAft>
+                <a:spcPts val="0"/>
+              </a:spcAft>
+              <a:buNone/>
+            </a:pPr>
+            <a:r>
+              <a:rPr lang="en"/>
+              <a:t>Hello - первый пакет, который отправляется по соединение, отправляется один от обоих сторон. В сообщении содержится версии протокол и общая информацией о нодах.</a:t>
+            </a:r>
+            <a:endParaRPr/>
+          </a:p>
+          <a:p>
+            <a:pPr indent="0" lvl="0" marL="0" rtl="0" algn="l">
+              <a:spcBef>
+                <a:spcPts val="0"/>
+              </a:spcBef>
+              <a:spcAft>
+                <a:spcPts val="0"/>
+              </a:spcAft>
+              <a:buNone/>
+            </a:pPr>
+            <a:r>
+              <a:rPr lang="en"/>
+              <a:t>Disconnect - уведомление ноды об отключении пира. Ping - запрос на Pong, Pong - ответ на Ping.</a:t>
+            </a:r>
+            <a:endParaRPr/>
+          </a:p>
+          <a:p>
+            <a:pPr indent="0" lvl="0" marL="0" rtl="0" algn="l">
+              <a:spcBef>
+                <a:spcPts val="0"/>
+              </a:spcBef>
+              <a:spcAft>
+                <a:spcPts val="0"/>
+              </a:spcAft>
+              <a:buNone/>
+            </a:pPr>
+            <a:r>
+              <a:rPr lang="en"/>
+              <a:t>Ping и Pong используются для проверки того, что пир все еще онлайн.</a:t>
+            </a:r>
+            <a:endParaRPr/>
+          </a:p>
+          <a:p>
+            <a:pPr indent="0" lvl="0" marL="0" rtl="0" algn="l">
+              <a:spcBef>
+                <a:spcPts val="0"/>
+              </a:spcBef>
+              <a:spcAft>
+                <a:spcPts val="0"/>
+              </a:spcAft>
+              <a:buNone/>
+            </a:pPr>
+            <a:r>
+              <a:t/>
+            </a:r>
+            <a:endParaRPr/>
+          </a:p>
+          <a:p>
+            <a:pPr indent="0" lvl="0" marL="0" rtl="0" algn="l">
+              <a:spcBef>
+                <a:spcPts val="0"/>
+              </a:spcBef>
+              <a:spcAft>
+                <a:spcPts val="0"/>
+              </a:spcAft>
+              <a:buNone/>
+            </a:pPr>
+            <a:r>
+              <a:rPr lang="en"/>
+              <a:t>Теперь рассмотрим какие сабпротоколы существуют в сети.</a:t>
             </a:r>
             <a:endParaRPr/>
           </a:p>
@@ -3392,7 +3738,7 @@
   <p:cSld>
     <p:spTree>
       <p:nvGrpSpPr>
-        <p:cNvPr id="259" name="Shape 259"/>
+        <p:cNvPr id="260" name="Shape 260"/>
         <p:cNvGrpSpPr/>
         <p:nvPr/>
       </p:nvGrpSpPr>
@@ -3406,7 +3752,7 @@
       </p:grpSpPr>
       <p:sp>
         <p:nvSpPr>
-          <p:cNvPr id="260" name="Google Shape;260;g3d6208d859_0_2:notes"/>
+          <p:cNvPr id="261" name="Google Shape;261;g3d6208d859_0_24:notes"/>
           <p:cNvSpPr/>
           <p:nvPr>
             <p:ph idx="2" type="sldImg"/>
@@ -3441,7 +3787,7 @@
       </p:sp>
       <p:sp>
         <p:nvSpPr>
-          <p:cNvPr id="261" name="Google Shape;261;g3d6208d859_0_2:notes"/>
+          <p:cNvPr id="262" name="Google Shape;262;g3d6208d859_0_24:notes"/>
           <p:cNvSpPr txBox="1"/>
           <p:nvPr>
             <p:ph idx="1" type="body"/>
@@ -3473,7 +3819,989 @@
             </a:pPr>
             <a:r>
               <a:rPr lang="en"/>
-              <a:t>Спасибо за внимание. Можете перейти на гитхаб репозитория, познакомится с кодом. Много issues’оа открыто, можете законтрибьютить.  Если у вас есть вопросы по проекту или по докладу, можете подойти ко мне после митапа и задать мне их.</a:t>
+              <a:t>Eth - основной протокол. По нему осуществляется синхронизация сети и обмен информацией о блоках, транзакциях и так далее. </a:t>
+            </a:r>
+            <a:endParaRPr/>
+          </a:p>
+          <a:p>
+            <a:pPr indent="0" lvl="0" marL="0" rtl="0" algn="l">
+              <a:spcBef>
+                <a:spcPts val="0"/>
+              </a:spcBef>
+              <a:spcAft>
+                <a:spcPts val="0"/>
+              </a:spcAft>
+              <a:buNone/>
+            </a:pPr>
+            <a:r>
+              <a:rPr lang="en">
+                <a:solidFill>
+                  <a:schemeClr val="dk2"/>
+                </a:solidFill>
+              </a:rPr>
+              <a:t> swarm - p2p обмен файлами. Файлы адресованы по хэшу от их контента, Близко к Битторенту, возможно получать данные от многих нод одновременно и до тех пор пока хотя бы одна нода содержит кусок данных, данные будут доступны.</a:t>
+            </a:r>
+            <a:endParaRPr/>
+          </a:p>
+          <a:p>
+            <a:pPr indent="0" lvl="0" marL="0" rtl="0" algn="l">
+              <a:spcBef>
+                <a:spcPts val="0"/>
+              </a:spcBef>
+              <a:spcAft>
+                <a:spcPts val="0"/>
+              </a:spcAft>
+              <a:buNone/>
+            </a:pPr>
+            <a:r>
+              <a:rPr lang="en"/>
+              <a:t>Whisper - приватный безопасный обмен собщениями между нодами,</a:t>
+            </a:r>
+            <a:endParaRPr/>
+          </a:p>
+        </p:txBody>
+      </p:sp>
+    </p:spTree>
+  </p:cSld>
+  <p:clrMapOvr>
+    <a:masterClrMapping/>
+  </p:clrMapOvr>
+</p:notes>
+</file>
+
+<file path=ppt/notesSlides/notesSlide33.xml><?xml version="1.0" encoding="utf-8"?>
+<p:notes xmlns:a="http://schemas.openxmlformats.org/drawingml/2006/main" xmlns:r="http://schemas.openxmlformats.org/officeDocument/2006/relationships" xmlns:mc="http://schemas.openxmlformats.org/markup-compatibility/2006" xmlns:mv="urn:schemas-microsoft-com:mac:vml" xmlns:p="http://schemas.openxmlformats.org/presentationml/2006/main" xmlns:c="http://schemas.openxmlformats.org/drawingml/2006/chart" xmlns:dgm="http://schemas.openxmlformats.org/drawingml/2006/diagram" xmlns:o="urn:schemas-microsoft-com:office:office" xmlns:v="urn:schemas-microsoft-com:vml" xmlns:pvml="urn:schemas-microsoft-com:office:powerpoint" xmlns:com="http://schemas.openxmlformats.org/drawingml/2006/compatibility" xmlns:p14="http://schemas.microsoft.com/office/powerpoint/2010/main" xmlns:p15="http://schemas.microsoft.com/office/powerpoint/2012/main" showMasterPhAnim="0" showMasterSp="0">
+  <p:cSld>
+    <p:spTree>
+      <p:nvGrpSpPr>
+        <p:cNvPr id="267" name="Shape 267"/>
+        <p:cNvGrpSpPr/>
+        <p:nvPr/>
+      </p:nvGrpSpPr>
+      <p:grpSpPr>
+        <a:xfrm>
+          <a:off x="0" y="0"/>
+          <a:ext cx="0" cy="0"/>
+          <a:chOff x="0" y="0"/>
+          <a:chExt cx="0" cy="0"/>
+        </a:xfrm>
+      </p:grpSpPr>
+      <p:sp>
+        <p:nvSpPr>
+          <p:cNvPr id="268" name="Google Shape;268;g3b522d7651_0_87:notes"/>
+          <p:cNvSpPr/>
+          <p:nvPr>
+            <p:ph idx="2" type="sldImg"/>
+          </p:nvPr>
+        </p:nvSpPr>
+        <p:spPr>
+          <a:xfrm>
+            <a:off x="381300" y="685800"/>
+            <a:ext cx="6096000" cy="3429000"/>
+          </a:xfrm>
+          <a:custGeom>
+            <a:rect b="b" l="l" r="r" t="t"/>
+            <a:pathLst>
+              <a:path extrusionOk="0" h="120000" w="120000">
+                <a:moveTo>
+                  <a:pt x="0" y="0"/>
+                </a:moveTo>
+                <a:lnTo>
+                  <a:pt x="120000" y="0"/>
+                </a:lnTo>
+                <a:lnTo>
+                  <a:pt x="120000" y="120000"/>
+                </a:lnTo>
+                <a:lnTo>
+                  <a:pt x="0" y="120000"/>
+                </a:lnTo>
+                <a:close/>
+              </a:path>
+            </a:pathLst>
+          </a:custGeom>
+        </p:spPr>
+      </p:sp>
+      <p:sp>
+        <p:nvSpPr>
+          <p:cNvPr id="269" name="Google Shape;269;g3b522d7651_0_87:notes"/>
+          <p:cNvSpPr txBox="1"/>
+          <p:nvPr>
+            <p:ph idx="1" type="body"/>
+          </p:nvPr>
+        </p:nvSpPr>
+        <p:spPr>
+          <a:xfrm>
+            <a:off x="685800" y="4343400"/>
+            <a:ext cx="5486400" cy="4114800"/>
+          </a:xfrm>
+          <a:prstGeom prst="rect">
+            <a:avLst/>
+          </a:prstGeom>
+        </p:spPr>
+        <p:txBody>
+          <a:bodyPr anchorCtr="0" anchor="t" bIns="91425" lIns="91425" spcFirstLastPara="1" rIns="91425" wrap="square" tIns="91425">
+            <a:noAutofit/>
+          </a:bodyPr>
+          <a:lstStyle/>
+          <a:p>
+            <a:pPr indent="0" lvl="0" marL="0" rtl="0" algn="l">
+              <a:spcBef>
+                <a:spcPts val="0"/>
+              </a:spcBef>
+              <a:spcAft>
+                <a:spcPts val="0"/>
+              </a:spcAft>
+              <a:buNone/>
+            </a:pPr>
+            <a:r>
+              <a:rPr lang="en"/>
+              <a:t>На каком мы сейчас этапе. У Эфириума есть репозиторий с тестами. В них тестируеются коды операций виртуальной машины, транзакции, вложенные сообщения, условия различных хардфорков, очень много краевых условий. Мана проходит 100 % этих тестов. Их достаточно много. Больше ~10_000. Мы прогнали все блоки ропстена через наш клиент и все они успешно импортировались. Ропсен - это тестовая сеть Эфириума. У нас законченный p2p слой, т.е мы можем обмениваться данными с другими нодами в сети. У нас нет Proof of Work консенсуса, который используется в Эфириуме. Наш клиент можно будет использовать для получение данных из Эфириума.</a:t>
+            </a:r>
+            <a:endParaRPr/>
+          </a:p>
+        </p:txBody>
+      </p:sp>
+    </p:spTree>
+  </p:cSld>
+  <p:clrMapOvr>
+    <a:masterClrMapping/>
+  </p:clrMapOvr>
+</p:notes>
+</file>
+
+<file path=ppt/notesSlides/notesSlide34.xml><?xml version="1.0" encoding="utf-8"?>
+<p:notes xmlns:a="http://schemas.openxmlformats.org/drawingml/2006/main" xmlns:r="http://schemas.openxmlformats.org/officeDocument/2006/relationships" xmlns:mc="http://schemas.openxmlformats.org/markup-compatibility/2006" xmlns:mv="urn:schemas-microsoft-com:mac:vml" xmlns:p="http://schemas.openxmlformats.org/presentationml/2006/main" xmlns:c="http://schemas.openxmlformats.org/drawingml/2006/chart" xmlns:dgm="http://schemas.openxmlformats.org/drawingml/2006/diagram" xmlns:o="urn:schemas-microsoft-com:office:office" xmlns:v="urn:schemas-microsoft-com:vml" xmlns:pvml="urn:schemas-microsoft-com:office:powerpoint" xmlns:com="http://schemas.openxmlformats.org/drawingml/2006/compatibility" xmlns:p14="http://schemas.microsoft.com/office/powerpoint/2010/main" xmlns:p15="http://schemas.microsoft.com/office/powerpoint/2012/main" showMasterPhAnim="0" showMasterSp="0">
+  <p:cSld>
+    <p:spTree>
+      <p:nvGrpSpPr>
+        <p:cNvPr id="273" name="Shape 273"/>
+        <p:cNvGrpSpPr/>
+        <p:nvPr/>
+      </p:nvGrpSpPr>
+      <p:grpSpPr>
+        <a:xfrm>
+          <a:off x="0" y="0"/>
+          <a:ext cx="0" cy="0"/>
+          <a:chOff x="0" y="0"/>
+          <a:chExt cx="0" cy="0"/>
+        </a:xfrm>
+      </p:grpSpPr>
+      <p:sp>
+        <p:nvSpPr>
+          <p:cNvPr id="274" name="Google Shape;274;g4fb1491851_1_55:notes"/>
+          <p:cNvSpPr/>
+          <p:nvPr>
+            <p:ph idx="2" type="sldImg"/>
+          </p:nvPr>
+        </p:nvSpPr>
+        <p:spPr>
+          <a:xfrm>
+            <a:off x="381300" y="685800"/>
+            <a:ext cx="6096000" cy="3429000"/>
+          </a:xfrm>
+          <a:custGeom>
+            <a:rect b="b" l="l" r="r" t="t"/>
+            <a:pathLst>
+              <a:path extrusionOk="0" h="120000" w="120000">
+                <a:moveTo>
+                  <a:pt x="0" y="0"/>
+                </a:moveTo>
+                <a:lnTo>
+                  <a:pt x="120000" y="0"/>
+                </a:lnTo>
+                <a:lnTo>
+                  <a:pt x="120000" y="120000"/>
+                </a:lnTo>
+                <a:lnTo>
+                  <a:pt x="0" y="120000"/>
+                </a:lnTo>
+                <a:close/>
+              </a:path>
+            </a:pathLst>
+          </a:custGeom>
+        </p:spPr>
+      </p:sp>
+      <p:sp>
+        <p:nvSpPr>
+          <p:cNvPr id="275" name="Google Shape;275;g4fb1491851_1_55:notes"/>
+          <p:cNvSpPr txBox="1"/>
+          <p:nvPr>
+            <p:ph idx="1" type="body"/>
+          </p:nvPr>
+        </p:nvSpPr>
+        <p:spPr>
+          <a:xfrm>
+            <a:off x="685800" y="4343400"/>
+            <a:ext cx="5486400" cy="4114800"/>
+          </a:xfrm>
+          <a:prstGeom prst="rect">
+            <a:avLst/>
+          </a:prstGeom>
+        </p:spPr>
+        <p:txBody>
+          <a:bodyPr anchorCtr="0" anchor="t" bIns="91425" lIns="91425" spcFirstLastPara="1" rIns="91425" wrap="square" tIns="91425">
+            <a:noAutofit/>
+          </a:bodyPr>
+          <a:lstStyle/>
+          <a:p>
+            <a:pPr indent="0" lvl="0" marL="0" rtl="0" algn="l">
+              <a:spcBef>
+                <a:spcPts val="0"/>
+              </a:spcBef>
+              <a:spcAft>
+                <a:spcPts val="0"/>
+              </a:spcAft>
+              <a:buNone/>
+            </a:pPr>
+            <a:r>
+              <a:rPr lang="en"/>
+              <a:t>Сейчас мы работаем над JSON-RPC API. Спецификация этого апи общая для всех клиентов. Осталось имплементировать пару методов и наш клиент можно подключить к метамаску. Метамаск - это расширение для браузера, которое предоставляет возможность подключить к Эфириуму.</a:t>
+            </a:r>
+            <a:endParaRPr/>
+          </a:p>
+          <a:p>
+            <a:pPr indent="0" lvl="0" marL="0" rtl="0" algn="l">
+              <a:spcBef>
+                <a:spcPts val="0"/>
+              </a:spcBef>
+              <a:spcAft>
+                <a:spcPts val="0"/>
+              </a:spcAft>
+              <a:buNone/>
+            </a:pPr>
+            <a:r>
+              <a:rPr lang="en"/>
+              <a:t>Еще нам нужно избаваиться от нескольких узких мест. Одно из которых хранилище.</a:t>
+            </a:r>
+            <a:endParaRPr/>
+          </a:p>
+          <a:p>
+            <a:pPr indent="0" lvl="0" marL="0" rtl="0" algn="l">
+              <a:spcBef>
+                <a:spcPts val="0"/>
+              </a:spcBef>
+              <a:spcAft>
+                <a:spcPts val="0"/>
+              </a:spcAft>
+              <a:buNone/>
+            </a:pPr>
+            <a:r>
+              <a:rPr lang="en"/>
+              <a:t>Дальше у нас в планах сделать возможность использование маны с различными алгоритмами консенсуса. Proof of A, Proof of Stake.</a:t>
+            </a:r>
+            <a:endParaRPr/>
+          </a:p>
+        </p:txBody>
+      </p:sp>
+    </p:spTree>
+  </p:cSld>
+  <p:clrMapOvr>
+    <a:masterClrMapping/>
+  </p:clrMapOvr>
+</p:notes>
+</file>
+
+<file path=ppt/notesSlides/notesSlide35.xml><?xml version="1.0" encoding="utf-8"?>
+<p:notes xmlns:a="http://schemas.openxmlformats.org/drawingml/2006/main" xmlns:r="http://schemas.openxmlformats.org/officeDocument/2006/relationships" xmlns:mc="http://schemas.openxmlformats.org/markup-compatibility/2006" xmlns:mv="urn:schemas-microsoft-com:mac:vml" xmlns:p="http://schemas.openxmlformats.org/presentationml/2006/main" xmlns:c="http://schemas.openxmlformats.org/drawingml/2006/chart" xmlns:dgm="http://schemas.openxmlformats.org/drawingml/2006/diagram" xmlns:o="urn:schemas-microsoft-com:office:office" xmlns:v="urn:schemas-microsoft-com:vml" xmlns:pvml="urn:schemas-microsoft-com:office:powerpoint" xmlns:com="http://schemas.openxmlformats.org/drawingml/2006/compatibility" xmlns:p14="http://schemas.microsoft.com/office/powerpoint/2010/main" xmlns:p15="http://schemas.microsoft.com/office/powerpoint/2012/main" showMasterPhAnim="0" showMasterSp="0">
+  <p:cSld>
+    <p:spTree>
+      <p:nvGrpSpPr>
+        <p:cNvPr id="279" name="Shape 279"/>
+        <p:cNvGrpSpPr/>
+        <p:nvPr/>
+      </p:nvGrpSpPr>
+      <p:grpSpPr>
+        <a:xfrm>
+          <a:off x="0" y="0"/>
+          <a:ext cx="0" cy="0"/>
+          <a:chOff x="0" y="0"/>
+          <a:chExt cx="0" cy="0"/>
+        </a:xfrm>
+      </p:grpSpPr>
+      <p:sp>
+        <p:nvSpPr>
+          <p:cNvPr id="280" name="Google Shape;280;g4fb1491851_1_40:notes"/>
+          <p:cNvSpPr/>
+          <p:nvPr>
+            <p:ph idx="2" type="sldImg"/>
+          </p:nvPr>
+        </p:nvSpPr>
+        <p:spPr>
+          <a:xfrm>
+            <a:off x="381300" y="685800"/>
+            <a:ext cx="6096000" cy="3429000"/>
+          </a:xfrm>
+          <a:custGeom>
+            <a:rect b="b" l="l" r="r" t="t"/>
+            <a:pathLst>
+              <a:path extrusionOk="0" h="120000" w="120000">
+                <a:moveTo>
+                  <a:pt x="0" y="0"/>
+                </a:moveTo>
+                <a:lnTo>
+                  <a:pt x="120000" y="0"/>
+                </a:lnTo>
+                <a:lnTo>
+                  <a:pt x="120000" y="120000"/>
+                </a:lnTo>
+                <a:lnTo>
+                  <a:pt x="0" y="120000"/>
+                </a:lnTo>
+                <a:close/>
+              </a:path>
+            </a:pathLst>
+          </a:custGeom>
+        </p:spPr>
+      </p:sp>
+      <p:sp>
+        <p:nvSpPr>
+          <p:cNvPr id="281" name="Google Shape;281;g4fb1491851_1_40:notes"/>
+          <p:cNvSpPr txBox="1"/>
+          <p:nvPr>
+            <p:ph idx="1" type="body"/>
+          </p:nvPr>
+        </p:nvSpPr>
+        <p:spPr>
+          <a:xfrm>
+            <a:off x="685800" y="4343400"/>
+            <a:ext cx="5486400" cy="4114800"/>
+          </a:xfrm>
+          <a:prstGeom prst="rect">
+            <a:avLst/>
+          </a:prstGeom>
+        </p:spPr>
+        <p:txBody>
+          <a:bodyPr anchorCtr="0" anchor="t" bIns="91425" lIns="91425" spcFirstLastPara="1" rIns="91425" wrap="square" tIns="91425">
+            <a:noAutofit/>
+          </a:bodyPr>
+          <a:lstStyle/>
+          <a:p>
+            <a:pPr indent="0" lvl="0" marL="0" rtl="0" algn="l">
+              <a:spcBef>
+                <a:spcPts val="0"/>
+              </a:spcBef>
+              <a:spcAft>
+                <a:spcPts val="0"/>
+              </a:spcAft>
+              <a:buNone/>
+            </a:pPr>
+            <a:r>
+              <a:rPr lang="en"/>
+              <a:t>Преимущества использование Эликсира для нашего клиента:</a:t>
+            </a:r>
+            <a:endParaRPr/>
+          </a:p>
+          <a:p>
+            <a:pPr indent="-298450" lvl="0" marL="457200" rtl="0" algn="l">
+              <a:spcBef>
+                <a:spcPts val="0"/>
+              </a:spcBef>
+              <a:spcAft>
+                <a:spcPts val="0"/>
+              </a:spcAft>
+              <a:buSzPts val="1100"/>
+              <a:buChar char="-"/>
+            </a:pPr>
+            <a:r>
+              <a:rPr lang="en"/>
+              <a:t>Лаконичный и краткий синтакс, который помог зафиксировать в коде не самую простую предметную область Эфириума. Могу сказать по личному опыту, наш клиент один самых близких к Yellow Paper Эфириума.  Yellow Paper - это спецификация Эфириума.</a:t>
+            </a:r>
+            <a:endParaRPr/>
+          </a:p>
+          <a:p>
+            <a:pPr indent="-298450" lvl="0" marL="457200" rtl="0" algn="l">
+              <a:spcBef>
+                <a:spcPts val="0"/>
+              </a:spcBef>
+              <a:spcAft>
+                <a:spcPts val="0"/>
+              </a:spcAft>
+              <a:buSzPts val="1100"/>
+              <a:buChar char="-"/>
+            </a:pPr>
+            <a:r>
+              <a:rPr lang="en"/>
+              <a:t>Конкурентное выполнение кода. Основной профит который мы получили от конкурентного выполнения кода - это скорость выполнения тестов. Как было сказано ранее у Эфириума огрмоное количество общих тестов. Я разговаривал с проджект менеджером клиента на расте - парити. Он сказал что тесты в ci - у них занимают много времени. Это связано с долгой компиляцией раста и с тем что тесты у них выполняются в одном потоке. У нас тесты для каждого харфока выпоняются в своем процессе.  Тесты выполняются за 10-12 минут.</a:t>
+            </a:r>
+            <a:endParaRPr/>
+          </a:p>
+          <a:p>
+            <a:pPr indent="0" lvl="0" marL="457200" rtl="0" algn="l">
+              <a:spcBef>
+                <a:spcPts val="0"/>
+              </a:spcBef>
+              <a:spcAft>
+                <a:spcPts val="0"/>
+              </a:spcAft>
+              <a:buNone/>
+            </a:pPr>
+            <a:r>
+              <a:rPr lang="en"/>
+              <a:t>Еще мы планируем использовать процессы эрланга для конкуретного исполнения транзакций.</a:t>
+            </a:r>
+            <a:endParaRPr/>
+          </a:p>
+          <a:p>
+            <a:pPr indent="-298450" lvl="0" marL="457200" rtl="0" algn="l">
+              <a:spcBef>
+                <a:spcPts val="0"/>
+              </a:spcBef>
+              <a:spcAft>
+                <a:spcPts val="0"/>
+              </a:spcAft>
+              <a:buSzPts val="1100"/>
+              <a:buChar char="-"/>
+            </a:pPr>
+            <a:r>
+              <a:rPr lang="en"/>
+              <a:t>У нас хорошо документрированный код. Эликсир имеет хорошие инструменты для написания и публикации документации. Плюс очень сильно помогают доктесты.</a:t>
+            </a:r>
+            <a:endParaRPr/>
+          </a:p>
+        </p:txBody>
+      </p:sp>
+    </p:spTree>
+  </p:cSld>
+  <p:clrMapOvr>
+    <a:masterClrMapping/>
+  </p:clrMapOvr>
+</p:notes>
+</file>
+
+<file path=ppt/notesSlides/notesSlide36.xml><?xml version="1.0" encoding="utf-8"?>
+<p:notes xmlns:a="http://schemas.openxmlformats.org/drawingml/2006/main" xmlns:r="http://schemas.openxmlformats.org/officeDocument/2006/relationships" xmlns:mc="http://schemas.openxmlformats.org/markup-compatibility/2006" xmlns:mv="urn:schemas-microsoft-com:mac:vml" xmlns:p="http://schemas.openxmlformats.org/presentationml/2006/main" xmlns:c="http://schemas.openxmlformats.org/drawingml/2006/chart" xmlns:dgm="http://schemas.openxmlformats.org/drawingml/2006/diagram" xmlns:o="urn:schemas-microsoft-com:office:office" xmlns:v="urn:schemas-microsoft-com:vml" xmlns:pvml="urn:schemas-microsoft-com:office:powerpoint" xmlns:com="http://schemas.openxmlformats.org/drawingml/2006/compatibility" xmlns:p14="http://schemas.microsoft.com/office/powerpoint/2010/main" xmlns:p15="http://schemas.microsoft.com/office/powerpoint/2012/main" showMasterPhAnim="0" showMasterSp="0">
+  <p:cSld>
+    <p:spTree>
+      <p:nvGrpSpPr>
+        <p:cNvPr id="285" name="Shape 285"/>
+        <p:cNvGrpSpPr/>
+        <p:nvPr/>
+      </p:nvGrpSpPr>
+      <p:grpSpPr>
+        <a:xfrm>
+          <a:off x="0" y="0"/>
+          <a:ext cx="0" cy="0"/>
+          <a:chOff x="0" y="0"/>
+          <a:chExt cx="0" cy="0"/>
+        </a:xfrm>
+      </p:grpSpPr>
+      <p:sp>
+        <p:nvSpPr>
+          <p:cNvPr id="286" name="Google Shape;286;g4fb1491851_1_50:notes"/>
+          <p:cNvSpPr/>
+          <p:nvPr>
+            <p:ph idx="2" type="sldImg"/>
+          </p:nvPr>
+        </p:nvSpPr>
+        <p:spPr>
+          <a:xfrm>
+            <a:off x="381300" y="685800"/>
+            <a:ext cx="6096000" cy="3429000"/>
+          </a:xfrm>
+          <a:custGeom>
+            <a:rect b="b" l="l" r="r" t="t"/>
+            <a:pathLst>
+              <a:path extrusionOk="0" h="120000" w="120000">
+                <a:moveTo>
+                  <a:pt x="0" y="0"/>
+                </a:moveTo>
+                <a:lnTo>
+                  <a:pt x="120000" y="0"/>
+                </a:lnTo>
+                <a:lnTo>
+                  <a:pt x="120000" y="120000"/>
+                </a:lnTo>
+                <a:lnTo>
+                  <a:pt x="0" y="120000"/>
+                </a:lnTo>
+                <a:close/>
+              </a:path>
+            </a:pathLst>
+          </a:custGeom>
+        </p:spPr>
+      </p:sp>
+      <p:sp>
+        <p:nvSpPr>
+          <p:cNvPr id="287" name="Google Shape;287;g4fb1491851_1_50:notes"/>
+          <p:cNvSpPr txBox="1"/>
+          <p:nvPr>
+            <p:ph idx="1" type="body"/>
+          </p:nvPr>
+        </p:nvSpPr>
+        <p:spPr>
+          <a:xfrm>
+            <a:off x="685800" y="4343400"/>
+            <a:ext cx="5486400" cy="4114800"/>
+          </a:xfrm>
+          <a:prstGeom prst="rect">
+            <a:avLst/>
+          </a:prstGeom>
+        </p:spPr>
+        <p:txBody>
+          <a:bodyPr anchorCtr="0" anchor="t" bIns="91425" lIns="91425" spcFirstLastPara="1" rIns="91425" wrap="square" tIns="91425">
+            <a:noAutofit/>
+          </a:bodyPr>
+          <a:lstStyle/>
+          <a:p>
+            <a:pPr indent="0" lvl="0" marL="0" rtl="0" algn="l">
+              <a:spcBef>
+                <a:spcPts val="0"/>
+              </a:spcBef>
+              <a:spcAft>
+                <a:spcPts val="0"/>
+              </a:spcAft>
+              <a:buNone/>
+            </a:pPr>
+            <a:r>
+              <a:rPr lang="en"/>
+              <a:t>Теперь расскажу с какими проблемами в сообществе разработчиков Эфириума мы столкнулись разрабатывая наш клиент:</a:t>
+            </a:r>
+            <a:endParaRPr/>
+          </a:p>
+          <a:p>
+            <a:pPr indent="-298450" lvl="0" marL="457200" rtl="0" algn="l">
+              <a:spcBef>
+                <a:spcPts val="0"/>
+              </a:spcBef>
+              <a:spcAft>
+                <a:spcPts val="0"/>
+              </a:spcAft>
+              <a:buSzPts val="1100"/>
+              <a:buChar char="-"/>
+            </a:pPr>
+            <a:r>
+              <a:rPr lang="en"/>
+              <a:t>Общие тесты не документированы и в большинстве случаев не понятно, что они тестируют. У многих тестов очень странные название. Например vitalikTransactionTest или ShanghaiLove</a:t>
+            </a:r>
+            <a:endParaRPr/>
+          </a:p>
+          <a:p>
+            <a:pPr indent="-298450" lvl="0" marL="457200" rtl="0" algn="l">
+              <a:spcBef>
+                <a:spcPts val="0"/>
+              </a:spcBef>
+              <a:spcAft>
+                <a:spcPts val="0"/>
+              </a:spcAft>
+              <a:buSzPts val="1100"/>
+              <a:buChar char="-"/>
+            </a:pPr>
+            <a:r>
+              <a:rPr lang="en"/>
+              <a:t>Как было сказано апгрейды в Эфириуме производятся через хардфорки. И в большинстве случаев это читается плохо и выглядит как грязный хак с проверкой на номер блока.</a:t>
+            </a:r>
+            <a:endParaRPr/>
+          </a:p>
+          <a:p>
+            <a:pPr indent="-298450" lvl="0" marL="457200" rtl="0" algn="l">
+              <a:spcBef>
+                <a:spcPts val="0"/>
+              </a:spcBef>
+              <a:spcAft>
+                <a:spcPts val="0"/>
+              </a:spcAft>
+              <a:buSzPts val="1100"/>
+              <a:buChar char="-"/>
+            </a:pPr>
+            <a:r>
+              <a:rPr lang="en"/>
+              <a:t>P2p слой документирован очень плохо. Он документирован нстолько плохо, что логика в некоторых клиентах отличается друг друга. Я встретил это в вычислении расстояния между нодами в алгоритме поиска нод.</a:t>
+            </a:r>
+            <a:endParaRPr/>
+          </a:p>
+          <a:p>
+            <a:pPr indent="0" lvl="0" marL="0" rtl="0" algn="l">
+              <a:spcBef>
+                <a:spcPts val="0"/>
+              </a:spcBef>
+              <a:spcAft>
+                <a:spcPts val="0"/>
+              </a:spcAft>
+              <a:buNone/>
+            </a:pPr>
+            <a:r>
+              <a:t/>
+            </a:r>
+            <a:endParaRPr/>
+          </a:p>
+          <a:p>
+            <a:pPr indent="0" lvl="0" marL="0" rtl="0" algn="l">
+              <a:spcBef>
+                <a:spcPts val="0"/>
+              </a:spcBef>
+              <a:spcAft>
+                <a:spcPts val="0"/>
+              </a:spcAft>
+              <a:buNone/>
+            </a:pPr>
+            <a:r>
+              <a:rPr lang="en"/>
+              <a:t>Более развернуто об этих проблемах вы можете почитать в моем блоге. После публикации моего поста со мной связались представители Эфириума, чтобы обсудить пути решения.</a:t>
+            </a:r>
+            <a:endParaRPr/>
+          </a:p>
+        </p:txBody>
+      </p:sp>
+    </p:spTree>
+  </p:cSld>
+  <p:clrMapOvr>
+    <a:masterClrMapping/>
+  </p:clrMapOvr>
+</p:notes>
+</file>
+
+<file path=ppt/notesSlides/notesSlide37.xml><?xml version="1.0" encoding="utf-8"?>
+<p:notes xmlns:a="http://schemas.openxmlformats.org/drawingml/2006/main" xmlns:r="http://schemas.openxmlformats.org/officeDocument/2006/relationships" xmlns:mc="http://schemas.openxmlformats.org/markup-compatibility/2006" xmlns:mv="urn:schemas-microsoft-com:mac:vml" xmlns:p="http://schemas.openxmlformats.org/presentationml/2006/main" xmlns:c="http://schemas.openxmlformats.org/drawingml/2006/chart" xmlns:dgm="http://schemas.openxmlformats.org/drawingml/2006/diagram" xmlns:o="urn:schemas-microsoft-com:office:office" xmlns:v="urn:schemas-microsoft-com:vml" xmlns:pvml="urn:schemas-microsoft-com:office:powerpoint" xmlns:com="http://schemas.openxmlformats.org/drawingml/2006/compatibility" xmlns:p14="http://schemas.microsoft.com/office/powerpoint/2010/main" xmlns:p15="http://schemas.microsoft.com/office/powerpoint/2012/main" showMasterPhAnim="0" showMasterSp="0">
+  <p:cSld>
+    <p:spTree>
+      <p:nvGrpSpPr>
+        <p:cNvPr id="291" name="Shape 291"/>
+        <p:cNvGrpSpPr/>
+        <p:nvPr/>
+      </p:nvGrpSpPr>
+      <p:grpSpPr>
+        <a:xfrm>
+          <a:off x="0" y="0"/>
+          <a:ext cx="0" cy="0"/>
+          <a:chOff x="0" y="0"/>
+          <a:chExt cx="0" cy="0"/>
+        </a:xfrm>
+      </p:grpSpPr>
+      <p:sp>
+        <p:nvSpPr>
+          <p:cNvPr id="292" name="Google Shape;292;g4fb1491851_1_45:notes"/>
+          <p:cNvSpPr/>
+          <p:nvPr>
+            <p:ph idx="2" type="sldImg"/>
+          </p:nvPr>
+        </p:nvSpPr>
+        <p:spPr>
+          <a:xfrm>
+            <a:off x="381300" y="685800"/>
+            <a:ext cx="6096000" cy="3429000"/>
+          </a:xfrm>
+          <a:custGeom>
+            <a:rect b="b" l="l" r="r" t="t"/>
+            <a:pathLst>
+              <a:path extrusionOk="0" h="120000" w="120000">
+                <a:moveTo>
+                  <a:pt x="0" y="0"/>
+                </a:moveTo>
+                <a:lnTo>
+                  <a:pt x="120000" y="0"/>
+                </a:lnTo>
+                <a:lnTo>
+                  <a:pt x="120000" y="120000"/>
+                </a:lnTo>
+                <a:lnTo>
+                  <a:pt x="0" y="120000"/>
+                </a:lnTo>
+                <a:close/>
+              </a:path>
+            </a:pathLst>
+          </a:custGeom>
+        </p:spPr>
+      </p:sp>
+      <p:sp>
+        <p:nvSpPr>
+          <p:cNvPr id="293" name="Google Shape;293;g4fb1491851_1_45:notes"/>
+          <p:cNvSpPr txBox="1"/>
+          <p:nvPr>
+            <p:ph idx="1" type="body"/>
+          </p:nvPr>
+        </p:nvSpPr>
+        <p:spPr>
+          <a:xfrm>
+            <a:off x="685800" y="4343400"/>
+            <a:ext cx="5486400" cy="4114800"/>
+          </a:xfrm>
+          <a:prstGeom prst="rect">
+            <a:avLst/>
+          </a:prstGeom>
+        </p:spPr>
+        <p:txBody>
+          <a:bodyPr anchorCtr="0" anchor="t" bIns="91425" lIns="91425" spcFirstLastPara="1" rIns="91425" wrap="square" tIns="91425">
+            <a:noAutofit/>
+          </a:bodyPr>
+          <a:lstStyle/>
+          <a:p>
+            <a:pPr indent="0" lvl="0" marL="0" rtl="0" algn="l">
+              <a:spcBef>
+                <a:spcPts val="0"/>
+              </a:spcBef>
+              <a:spcAft>
+                <a:spcPts val="0"/>
+              </a:spcAft>
+              <a:buNone/>
+            </a:pPr>
+            <a:r>
+              <a:rPr lang="en"/>
+              <a:t>Кроме основного проекта Маны, мы написали еще несколько библиотек которые используеются сообществом:</a:t>
+            </a:r>
+            <a:endParaRPr/>
+          </a:p>
+          <a:p>
+            <a:pPr indent="-298450" lvl="0" marL="457200" rtl="0" algn="l">
+              <a:spcBef>
+                <a:spcPts val="0"/>
+              </a:spcBef>
+              <a:spcAft>
+                <a:spcPts val="0"/>
+              </a:spcAft>
+              <a:buSzPts val="1100"/>
+              <a:buChar char="-"/>
+            </a:pPr>
+            <a:r>
+              <a:rPr lang="en"/>
+              <a:t>Ethereumex - JSON RPC клиент для Эфириума. Обертка над апи с поддержкой Unix сокетов.</a:t>
+            </a:r>
+            <a:endParaRPr/>
+          </a:p>
+          <a:p>
+            <a:pPr indent="-298450" lvl="0" marL="457200" rtl="0" algn="l">
+              <a:spcBef>
+                <a:spcPts val="0"/>
+              </a:spcBef>
+              <a:spcAft>
+                <a:spcPts val="0"/>
+              </a:spcAft>
+              <a:buSzPts val="1100"/>
+              <a:buChar char="-"/>
+            </a:pPr>
+            <a:r>
+              <a:rPr lang="en"/>
+              <a:t>Ex_abi - ABI кодировка Эфириума. Application Binary Interface - используется для вызова функций смарт контрактов из виртуальной машины.</a:t>
+            </a:r>
+            <a:endParaRPr/>
+          </a:p>
+          <a:p>
+            <a:pPr indent="-298450" lvl="0" marL="457200" rtl="0" algn="l">
+              <a:spcBef>
+                <a:spcPts val="0"/>
+              </a:spcBef>
+              <a:spcAft>
+                <a:spcPts val="0"/>
+              </a:spcAft>
+              <a:buSzPts val="1100"/>
+              <a:buChar char="-"/>
+            </a:pPr>
+            <a:r>
+              <a:rPr lang="en"/>
+              <a:t>BN - арифметические операции над кривой BN128. Используются для zkSNARK’ов. Доказательства с нулевым знанием.</a:t>
+            </a:r>
+            <a:endParaRPr/>
+          </a:p>
+          <a:p>
+            <a:pPr indent="0" lvl="0" marL="0" rtl="0" algn="l">
+              <a:spcBef>
+                <a:spcPts val="0"/>
+              </a:spcBef>
+              <a:spcAft>
+                <a:spcPts val="0"/>
+              </a:spcAft>
+              <a:buNone/>
+            </a:pPr>
+            <a:r>
+              <a:rPr lang="en"/>
+              <a:t>Обо всех трез библиотеках у в моем блоге есть подробные посты.</a:t>
+            </a:r>
+            <a:endParaRPr/>
+          </a:p>
+        </p:txBody>
+      </p:sp>
+    </p:spTree>
+  </p:cSld>
+  <p:clrMapOvr>
+    <a:masterClrMapping/>
+  </p:clrMapOvr>
+</p:notes>
+</file>
+
+<file path=ppt/notesSlides/notesSlide38.xml><?xml version="1.0" encoding="utf-8"?>
+<p:notes xmlns:a="http://schemas.openxmlformats.org/drawingml/2006/main" xmlns:r="http://schemas.openxmlformats.org/officeDocument/2006/relationships" xmlns:mc="http://schemas.openxmlformats.org/markup-compatibility/2006" xmlns:mv="urn:schemas-microsoft-com:mac:vml" xmlns:p="http://schemas.openxmlformats.org/presentationml/2006/main" xmlns:c="http://schemas.openxmlformats.org/drawingml/2006/chart" xmlns:dgm="http://schemas.openxmlformats.org/drawingml/2006/diagram" xmlns:o="urn:schemas-microsoft-com:office:office" xmlns:v="urn:schemas-microsoft-com:vml" xmlns:pvml="urn:schemas-microsoft-com:office:powerpoint" xmlns:com="http://schemas.openxmlformats.org/drawingml/2006/compatibility" xmlns:p14="http://schemas.microsoft.com/office/powerpoint/2010/main" xmlns:p15="http://schemas.microsoft.com/office/powerpoint/2012/main" showMasterPhAnim="0" showMasterSp="0">
+  <p:cSld>
+    <p:spTree>
+      <p:nvGrpSpPr>
+        <p:cNvPr id="297" name="Shape 297"/>
+        <p:cNvGrpSpPr/>
+        <p:nvPr/>
+      </p:nvGrpSpPr>
+      <p:grpSpPr>
+        <a:xfrm>
+          <a:off x="0" y="0"/>
+          <a:ext cx="0" cy="0"/>
+          <a:chOff x="0" y="0"/>
+          <a:chExt cx="0" cy="0"/>
+        </a:xfrm>
+      </p:grpSpPr>
+      <p:sp>
+        <p:nvSpPr>
+          <p:cNvPr id="298" name="Google Shape;298;g4fb1491851_1_63:notes"/>
+          <p:cNvSpPr/>
+          <p:nvPr>
+            <p:ph idx="2" type="sldImg"/>
+          </p:nvPr>
+        </p:nvSpPr>
+        <p:spPr>
+          <a:xfrm>
+            <a:off x="381300" y="685800"/>
+            <a:ext cx="6096000" cy="3429000"/>
+          </a:xfrm>
+          <a:custGeom>
+            <a:rect b="b" l="l" r="r" t="t"/>
+            <a:pathLst>
+              <a:path extrusionOk="0" h="120000" w="120000">
+                <a:moveTo>
+                  <a:pt x="0" y="0"/>
+                </a:moveTo>
+                <a:lnTo>
+                  <a:pt x="120000" y="0"/>
+                </a:lnTo>
+                <a:lnTo>
+                  <a:pt x="120000" y="120000"/>
+                </a:lnTo>
+                <a:lnTo>
+                  <a:pt x="0" y="120000"/>
+                </a:lnTo>
+                <a:close/>
+              </a:path>
+            </a:pathLst>
+          </a:custGeom>
+        </p:spPr>
+      </p:sp>
+      <p:sp>
+        <p:nvSpPr>
+          <p:cNvPr id="299" name="Google Shape;299;g4fb1491851_1_63:notes"/>
+          <p:cNvSpPr txBox="1"/>
+          <p:nvPr>
+            <p:ph idx="1" type="body"/>
+          </p:nvPr>
+        </p:nvSpPr>
+        <p:spPr>
+          <a:xfrm>
+            <a:off x="685800" y="4343400"/>
+            <a:ext cx="5486400" cy="4114800"/>
+          </a:xfrm>
+          <a:prstGeom prst="rect">
+            <a:avLst/>
+          </a:prstGeom>
+        </p:spPr>
+        <p:txBody>
+          <a:bodyPr anchorCtr="0" anchor="t" bIns="91425" lIns="91425" spcFirstLastPara="1" rIns="91425" wrap="square" tIns="91425">
+            <a:noAutofit/>
+          </a:bodyPr>
+          <a:lstStyle/>
+          <a:p>
+            <a:pPr indent="0" lvl="0" marL="0" rtl="0" algn="l">
+              <a:spcBef>
+                <a:spcPts val="0"/>
+              </a:spcBef>
+              <a:spcAft>
+                <a:spcPts val="0"/>
+              </a:spcAft>
+              <a:buNone/>
+            </a:pPr>
+            <a:r>
+              <a:t/>
+            </a:r>
+            <a:endParaRPr/>
+          </a:p>
+        </p:txBody>
+      </p:sp>
+    </p:spTree>
+  </p:cSld>
+  <p:clrMapOvr>
+    <a:masterClrMapping/>
+  </p:clrMapOvr>
+</p:notes>
+</file>
+
+<file path=ppt/notesSlides/notesSlide39.xml><?xml version="1.0" encoding="utf-8"?>
+<p:notes xmlns:a="http://schemas.openxmlformats.org/drawingml/2006/main" xmlns:r="http://schemas.openxmlformats.org/officeDocument/2006/relationships" xmlns:mc="http://schemas.openxmlformats.org/markup-compatibility/2006" xmlns:mv="urn:schemas-microsoft-com:mac:vml" xmlns:p="http://schemas.openxmlformats.org/presentationml/2006/main" xmlns:c="http://schemas.openxmlformats.org/drawingml/2006/chart" xmlns:dgm="http://schemas.openxmlformats.org/drawingml/2006/diagram" xmlns:o="urn:schemas-microsoft-com:office:office" xmlns:v="urn:schemas-microsoft-com:vml" xmlns:pvml="urn:schemas-microsoft-com:office:powerpoint" xmlns:com="http://schemas.openxmlformats.org/drawingml/2006/compatibility" xmlns:p14="http://schemas.microsoft.com/office/powerpoint/2010/main" xmlns:p15="http://schemas.microsoft.com/office/powerpoint/2012/main" showMasterPhAnim="0" showMasterSp="0">
+  <p:cSld>
+    <p:spTree>
+      <p:nvGrpSpPr>
+        <p:cNvPr id="303" name="Shape 303"/>
+        <p:cNvGrpSpPr/>
+        <p:nvPr/>
+      </p:nvGrpSpPr>
+      <p:grpSpPr>
+        <a:xfrm>
+          <a:off x="0" y="0"/>
+          <a:ext cx="0" cy="0"/>
+          <a:chOff x="0" y="0"/>
+          <a:chExt cx="0" cy="0"/>
+        </a:xfrm>
+      </p:grpSpPr>
+      <p:sp>
+        <p:nvSpPr>
+          <p:cNvPr id="304" name="Google Shape;304;g4fb1491851_1_68:notes"/>
+          <p:cNvSpPr/>
+          <p:nvPr>
+            <p:ph idx="2" type="sldImg"/>
+          </p:nvPr>
+        </p:nvSpPr>
+        <p:spPr>
+          <a:xfrm>
+            <a:off x="381300" y="685800"/>
+            <a:ext cx="6096000" cy="3429000"/>
+          </a:xfrm>
+          <a:custGeom>
+            <a:rect b="b" l="l" r="r" t="t"/>
+            <a:pathLst>
+              <a:path extrusionOk="0" h="120000" w="120000">
+                <a:moveTo>
+                  <a:pt x="0" y="0"/>
+                </a:moveTo>
+                <a:lnTo>
+                  <a:pt x="120000" y="0"/>
+                </a:lnTo>
+                <a:lnTo>
+                  <a:pt x="120000" y="120000"/>
+                </a:lnTo>
+                <a:lnTo>
+                  <a:pt x="0" y="120000"/>
+                </a:lnTo>
+                <a:close/>
+              </a:path>
+            </a:pathLst>
+          </a:custGeom>
+        </p:spPr>
+      </p:sp>
+      <p:sp>
+        <p:nvSpPr>
+          <p:cNvPr id="305" name="Google Shape;305;g4fb1491851_1_68:notes"/>
+          <p:cNvSpPr txBox="1"/>
+          <p:nvPr>
+            <p:ph idx="1" type="body"/>
+          </p:nvPr>
+        </p:nvSpPr>
+        <p:spPr>
+          <a:xfrm>
+            <a:off x="685800" y="4343400"/>
+            <a:ext cx="5486400" cy="4114800"/>
+          </a:xfrm>
+          <a:prstGeom prst="rect">
+            <a:avLst/>
+          </a:prstGeom>
+        </p:spPr>
+        <p:txBody>
+          <a:bodyPr anchorCtr="0" anchor="t" bIns="91425" lIns="91425" spcFirstLastPara="1" rIns="91425" wrap="square" tIns="91425">
+            <a:noAutofit/>
+          </a:bodyPr>
+          <a:lstStyle/>
+          <a:p>
+            <a:pPr indent="0" lvl="0" marL="0" rtl="0" algn="l">
+              <a:spcBef>
+                <a:spcPts val="0"/>
+              </a:spcBef>
+              <a:spcAft>
+                <a:spcPts val="0"/>
+              </a:spcAft>
+              <a:buNone/>
+            </a:pPr>
+            <a:r>
+              <a:t/>
             </a:r>
             <a:endParaRPr/>
           </a:p>
@@ -3590,6 +4918,106 @@
             <a:r>
               <a:rPr lang="en"/>
               <a:t>Поэтому Этериум можно рассматривать как распределенный компьютер, который выполняет небольшие программы - смарт контракты. </a:t>
+            </a:r>
+            <a:endParaRPr/>
+          </a:p>
+        </p:txBody>
+      </p:sp>
+    </p:spTree>
+  </p:cSld>
+  <p:clrMapOvr>
+    <a:masterClrMapping/>
+  </p:clrMapOvr>
+</p:notes>
+</file>
+
+<file path=ppt/notesSlides/notesSlide40.xml><?xml version="1.0" encoding="utf-8"?>
+<p:notes xmlns:a="http://schemas.openxmlformats.org/drawingml/2006/main" xmlns:r="http://schemas.openxmlformats.org/officeDocument/2006/relationships" xmlns:mc="http://schemas.openxmlformats.org/markup-compatibility/2006" xmlns:mv="urn:schemas-microsoft-com:mac:vml" xmlns:p="http://schemas.openxmlformats.org/presentationml/2006/main" xmlns:c="http://schemas.openxmlformats.org/drawingml/2006/chart" xmlns:dgm="http://schemas.openxmlformats.org/drawingml/2006/diagram" xmlns:o="urn:schemas-microsoft-com:office:office" xmlns:v="urn:schemas-microsoft-com:vml" xmlns:pvml="urn:schemas-microsoft-com:office:powerpoint" xmlns:com="http://schemas.openxmlformats.org/drawingml/2006/compatibility" xmlns:p14="http://schemas.microsoft.com/office/powerpoint/2010/main" xmlns:p15="http://schemas.microsoft.com/office/powerpoint/2012/main" showMasterPhAnim="0" showMasterSp="0">
+  <p:cSld>
+    <p:spTree>
+      <p:nvGrpSpPr>
+        <p:cNvPr id="309" name="Shape 309"/>
+        <p:cNvGrpSpPr/>
+        <p:nvPr/>
+      </p:nvGrpSpPr>
+      <p:grpSpPr>
+        <a:xfrm>
+          <a:off x="0" y="0"/>
+          <a:ext cx="0" cy="0"/>
+          <a:chOff x="0" y="0"/>
+          <a:chExt cx="0" cy="0"/>
+        </a:xfrm>
+      </p:grpSpPr>
+      <p:sp>
+        <p:nvSpPr>
+          <p:cNvPr id="310" name="Google Shape;310;g3d6208d859_0_2:notes"/>
+          <p:cNvSpPr/>
+          <p:nvPr>
+            <p:ph idx="2" type="sldImg"/>
+          </p:nvPr>
+        </p:nvSpPr>
+        <p:spPr>
+          <a:xfrm>
+            <a:off x="381300" y="685800"/>
+            <a:ext cx="6096000" cy="3429000"/>
+          </a:xfrm>
+          <a:custGeom>
+            <a:rect b="b" l="l" r="r" t="t"/>
+            <a:pathLst>
+              <a:path extrusionOk="0" h="120000" w="120000">
+                <a:moveTo>
+                  <a:pt x="0" y="0"/>
+                </a:moveTo>
+                <a:lnTo>
+                  <a:pt x="120000" y="0"/>
+                </a:lnTo>
+                <a:lnTo>
+                  <a:pt x="120000" y="120000"/>
+                </a:lnTo>
+                <a:lnTo>
+                  <a:pt x="0" y="120000"/>
+                </a:lnTo>
+                <a:close/>
+              </a:path>
+            </a:pathLst>
+          </a:custGeom>
+        </p:spPr>
+      </p:sp>
+      <p:sp>
+        <p:nvSpPr>
+          <p:cNvPr id="311" name="Google Shape;311;g3d6208d859_0_2:notes"/>
+          <p:cNvSpPr txBox="1"/>
+          <p:nvPr>
+            <p:ph idx="1" type="body"/>
+          </p:nvPr>
+        </p:nvSpPr>
+        <p:spPr>
+          <a:xfrm>
+            <a:off x="685800" y="4343400"/>
+            <a:ext cx="5486400" cy="4114800"/>
+          </a:xfrm>
+          <a:prstGeom prst="rect">
+            <a:avLst/>
+          </a:prstGeom>
+        </p:spPr>
+        <p:txBody>
+          <a:bodyPr anchorCtr="0" anchor="t" bIns="91425" lIns="91425" spcFirstLastPara="1" rIns="91425" wrap="square" tIns="91425">
+            <a:noAutofit/>
+          </a:bodyPr>
+          <a:lstStyle/>
+          <a:p>
+            <a:pPr indent="0" lvl="0" marL="0" rtl="0" algn="l">
+              <a:spcBef>
+                <a:spcPts val="0"/>
+              </a:spcBef>
+              <a:spcAft>
+                <a:spcPts val="0"/>
+              </a:spcAft>
+              <a:buNone/>
+            </a:pPr>
+            <a:r>
+              <a:rPr lang="en"/>
+              <a:t>Спасибо за внимание. Можете перейти на гитхаб репозитория, познакомится с кодом. Много issues’оа открыто, можете законтрибьютить.  Если у вас есть вопросы по проекту или по докладу, можете подойти ко мне после митапа и задать мне их.</a:t>
             </a:r>
             <a:endParaRPr/>
           </a:p>
@@ -13318,7 +14746,7 @@
         <p:spPr>
           <a:xfrm>
             <a:off x="311700" y="1152475"/>
-            <a:ext cx="4211700" cy="3416400"/>
+            <a:ext cx="8520600" cy="3416400"/>
           </a:xfrm>
           <a:prstGeom prst="rect">
             <a:avLst/>
@@ -13330,740 +14758,40 @@
           </a:bodyPr>
           <a:lstStyle/>
           <a:p>
-            <a:pPr indent="0" lvl="0" marL="88900" marR="88900" rtl="0" algn="l">
-              <a:lnSpc>
-                <a:spcPct val="125000"/>
-              </a:lnSpc>
-              <a:spcBef>
-                <a:spcPts val="0"/>
-              </a:spcBef>
-              <a:spcAft>
-                <a:spcPts val="0"/>
-              </a:spcAft>
-              <a:buNone/>
-            </a:pPr>
-            <a:r>
-              <a:rPr lang="en" sz="1200">
-                <a:solidFill>
-                  <a:schemeClr val="dk2"/>
-                </a:solidFill>
-                <a:highlight>
-                  <a:srgbClr val="FFFFFF"/>
-                </a:highlight>
-                <a:latin typeface="Arial"/>
-                <a:ea typeface="Arial"/>
-                <a:cs typeface="Arial"/>
-                <a:sym typeface="Arial"/>
-              </a:rPr>
-              <a:t>iex</a:t>
-            </a:r>
-            <a:r>
-              <a:rPr lang="en" sz="1200">
-                <a:solidFill>
-                  <a:schemeClr val="accent1"/>
-                </a:solidFill>
-                <a:highlight>
-                  <a:srgbClr val="FFFFFF"/>
-                </a:highlight>
-                <a:latin typeface="Arial"/>
-                <a:ea typeface="Arial"/>
-                <a:cs typeface="Arial"/>
-                <a:sym typeface="Arial"/>
-              </a:rPr>
-              <a:t>&gt;</a:t>
-            </a:r>
-            <a:r>
-              <a:rPr lang="en" sz="1200">
-                <a:solidFill>
-                  <a:schemeClr val="dk2"/>
-                </a:solidFill>
-                <a:highlight>
-                  <a:srgbClr val="FFFFFF"/>
-                </a:highlight>
-                <a:latin typeface="Arial"/>
-                <a:ea typeface="Arial"/>
-                <a:cs typeface="Arial"/>
-                <a:sym typeface="Arial"/>
-              </a:rPr>
-              <a:t> code </a:t>
-            </a:r>
-            <a:r>
-              <a:rPr lang="en" sz="1200">
-                <a:solidFill>
-                  <a:schemeClr val="accent1"/>
-                </a:solidFill>
-                <a:highlight>
-                  <a:srgbClr val="FFFFFF"/>
-                </a:highlight>
-                <a:latin typeface="Arial"/>
-                <a:ea typeface="Arial"/>
-                <a:cs typeface="Arial"/>
-                <a:sym typeface="Arial"/>
-              </a:rPr>
-              <a:t>=</a:t>
-            </a:r>
-            <a:r>
-              <a:rPr lang="en" sz="1200">
-                <a:solidFill>
-                  <a:schemeClr val="dk2"/>
-                </a:solidFill>
-                <a:highlight>
-                  <a:srgbClr val="FFFFFF"/>
-                </a:highlight>
-                <a:latin typeface="Arial"/>
-                <a:ea typeface="Arial"/>
-                <a:cs typeface="Arial"/>
-                <a:sym typeface="Arial"/>
-              </a:rPr>
-              <a:t> </a:t>
-            </a:r>
-            <a:r>
-              <a:rPr lang="en" sz="1200">
-                <a:solidFill>
-                  <a:schemeClr val="accent1"/>
-                </a:solidFill>
-                <a:highlight>
-                  <a:srgbClr val="FFFFFF"/>
-                </a:highlight>
-                <a:latin typeface="Arial"/>
-                <a:ea typeface="Arial"/>
-                <a:cs typeface="Arial"/>
-                <a:sym typeface="Arial"/>
-              </a:rPr>
-              <a:t>&lt;&lt;</a:t>
-            </a:r>
-            <a:r>
-              <a:rPr b="1" lang="en" sz="1200">
-                <a:solidFill>
-                  <a:srgbClr val="0000DD"/>
-                </a:solidFill>
-                <a:highlight>
-                  <a:srgbClr val="FFFFFF"/>
-                </a:highlight>
-                <a:latin typeface="Arial"/>
-                <a:ea typeface="Arial"/>
-                <a:cs typeface="Arial"/>
-                <a:sym typeface="Arial"/>
-              </a:rPr>
-              <a:t>96</a:t>
-            </a:r>
-            <a:r>
-              <a:rPr lang="en" sz="1200">
-                <a:solidFill>
-                  <a:schemeClr val="dk2"/>
-                </a:solidFill>
-                <a:highlight>
-                  <a:srgbClr val="FFFFFF"/>
-                </a:highlight>
-                <a:latin typeface="Arial"/>
-                <a:ea typeface="Arial"/>
-                <a:cs typeface="Arial"/>
-                <a:sym typeface="Arial"/>
-              </a:rPr>
-              <a:t>, </a:t>
-            </a:r>
-            <a:r>
-              <a:rPr b="1" lang="en" sz="1200">
-                <a:solidFill>
-                  <a:srgbClr val="0000DD"/>
-                </a:solidFill>
-                <a:highlight>
-                  <a:srgbClr val="FFFFFF"/>
-                </a:highlight>
-                <a:latin typeface="Arial"/>
-                <a:ea typeface="Arial"/>
-                <a:cs typeface="Arial"/>
-                <a:sym typeface="Arial"/>
-              </a:rPr>
-              <a:t>0</a:t>
-            </a:r>
-            <a:r>
-              <a:rPr lang="en" sz="1200">
-                <a:solidFill>
-                  <a:schemeClr val="dk2"/>
-                </a:solidFill>
-                <a:highlight>
-                  <a:srgbClr val="FFFFFF"/>
-                </a:highlight>
-                <a:latin typeface="Arial"/>
-                <a:ea typeface="Arial"/>
-                <a:cs typeface="Arial"/>
-                <a:sym typeface="Arial"/>
-              </a:rPr>
-              <a:t>, </a:t>
-            </a:r>
-            <a:r>
-              <a:rPr b="1" lang="en" sz="1200">
-                <a:solidFill>
-                  <a:srgbClr val="0000DD"/>
-                </a:solidFill>
-                <a:highlight>
-                  <a:srgbClr val="FFFFFF"/>
-                </a:highlight>
-                <a:latin typeface="Arial"/>
-                <a:ea typeface="Arial"/>
-                <a:cs typeface="Arial"/>
-                <a:sym typeface="Arial"/>
-              </a:rPr>
-              <a:t>96</a:t>
-            </a:r>
-            <a:r>
-              <a:rPr lang="en" sz="1200">
-                <a:solidFill>
-                  <a:schemeClr val="dk2"/>
-                </a:solidFill>
-                <a:highlight>
-                  <a:srgbClr val="FFFFFF"/>
-                </a:highlight>
-                <a:latin typeface="Arial"/>
-                <a:ea typeface="Arial"/>
-                <a:cs typeface="Arial"/>
-                <a:sym typeface="Arial"/>
-              </a:rPr>
-              <a:t>, </a:t>
-            </a:r>
-            <a:r>
-              <a:rPr b="1" lang="en" sz="1200">
-                <a:solidFill>
-                  <a:srgbClr val="0000DD"/>
-                </a:solidFill>
-                <a:highlight>
-                  <a:srgbClr val="FFFFFF"/>
-                </a:highlight>
-                <a:latin typeface="Arial"/>
-                <a:ea typeface="Arial"/>
-                <a:cs typeface="Arial"/>
-                <a:sym typeface="Arial"/>
-              </a:rPr>
-              <a:t>0</a:t>
-            </a:r>
-            <a:r>
-              <a:rPr lang="en" sz="1200">
-                <a:solidFill>
-                  <a:schemeClr val="dk2"/>
-                </a:solidFill>
-                <a:highlight>
-                  <a:srgbClr val="FFFFFF"/>
-                </a:highlight>
-                <a:latin typeface="Arial"/>
-                <a:ea typeface="Arial"/>
-                <a:cs typeface="Arial"/>
-                <a:sym typeface="Arial"/>
-              </a:rPr>
-              <a:t>, </a:t>
-            </a:r>
-            <a:r>
-              <a:rPr b="1" lang="en" sz="1200">
-                <a:solidFill>
-                  <a:srgbClr val="0000DD"/>
-                </a:solidFill>
-                <a:highlight>
-                  <a:srgbClr val="FFFFFF"/>
-                </a:highlight>
-                <a:latin typeface="Arial"/>
-                <a:ea typeface="Arial"/>
-                <a:cs typeface="Arial"/>
-                <a:sym typeface="Arial"/>
-              </a:rPr>
-              <a:t>1</a:t>
-            </a:r>
-            <a:r>
-              <a:rPr lang="en" sz="1200">
-                <a:solidFill>
-                  <a:schemeClr val="dk2"/>
-                </a:solidFill>
-                <a:highlight>
-                  <a:srgbClr val="FFFFFF"/>
-                </a:highlight>
-                <a:latin typeface="Arial"/>
-                <a:ea typeface="Arial"/>
-                <a:cs typeface="Arial"/>
-                <a:sym typeface="Arial"/>
-              </a:rPr>
-              <a:t>, </a:t>
-            </a:r>
-            <a:r>
-              <a:rPr b="1" lang="en" sz="1200">
-                <a:solidFill>
-                  <a:srgbClr val="0000DD"/>
-                </a:solidFill>
-                <a:highlight>
-                  <a:srgbClr val="FFFFFF"/>
-                </a:highlight>
-                <a:latin typeface="Arial"/>
-                <a:ea typeface="Arial"/>
-                <a:cs typeface="Arial"/>
-                <a:sym typeface="Arial"/>
-              </a:rPr>
-              <a:t>96</a:t>
-            </a:r>
-            <a:r>
-              <a:rPr lang="en" sz="1200">
-                <a:solidFill>
-                  <a:schemeClr val="dk2"/>
-                </a:solidFill>
-                <a:highlight>
-                  <a:srgbClr val="FFFFFF"/>
-                </a:highlight>
-                <a:latin typeface="Arial"/>
-                <a:ea typeface="Arial"/>
-                <a:cs typeface="Arial"/>
-                <a:sym typeface="Arial"/>
-              </a:rPr>
-              <a:t>, </a:t>
-            </a:r>
-            <a:r>
-              <a:rPr b="1" lang="en" sz="1200">
-                <a:solidFill>
-                  <a:srgbClr val="0000DD"/>
-                </a:solidFill>
-                <a:highlight>
-                  <a:srgbClr val="FFFFFF"/>
-                </a:highlight>
-                <a:latin typeface="Arial"/>
-                <a:ea typeface="Arial"/>
-                <a:cs typeface="Arial"/>
-                <a:sym typeface="Arial"/>
-              </a:rPr>
-              <a:t>0</a:t>
-            </a:r>
-            <a:r>
-              <a:rPr lang="en" sz="1200">
-                <a:solidFill>
-                  <a:schemeClr val="dk2"/>
-                </a:solidFill>
-                <a:highlight>
-                  <a:srgbClr val="FFFFFF"/>
-                </a:highlight>
-                <a:latin typeface="Arial"/>
-                <a:ea typeface="Arial"/>
-                <a:cs typeface="Arial"/>
-                <a:sym typeface="Arial"/>
-              </a:rPr>
-              <a:t>, </a:t>
-            </a:r>
-            <a:r>
-              <a:rPr b="1" lang="en" sz="1200">
-                <a:solidFill>
-                  <a:srgbClr val="0000DD"/>
-                </a:solidFill>
-                <a:highlight>
-                  <a:srgbClr val="FFFFFF"/>
-                </a:highlight>
-                <a:latin typeface="Arial"/>
-                <a:ea typeface="Arial"/>
-                <a:cs typeface="Arial"/>
-                <a:sym typeface="Arial"/>
-              </a:rPr>
-              <a:t>85</a:t>
-            </a:r>
-            <a:r>
-              <a:rPr lang="en" sz="1200">
-                <a:solidFill>
-                  <a:schemeClr val="accent1"/>
-                </a:solidFill>
-                <a:highlight>
-                  <a:srgbClr val="FFFFFF"/>
-                </a:highlight>
-                <a:latin typeface="Arial"/>
-                <a:ea typeface="Arial"/>
-                <a:cs typeface="Arial"/>
-                <a:sym typeface="Arial"/>
-              </a:rPr>
-              <a:t>&gt;&gt;</a:t>
-            </a:r>
-            <a:br>
-              <a:rPr lang="en" sz="1200">
-                <a:solidFill>
-                  <a:schemeClr val="dk2"/>
-                </a:solidFill>
-                <a:highlight>
-                  <a:srgbClr val="FFFFFF"/>
-                </a:highlight>
-                <a:latin typeface="Arial"/>
-                <a:ea typeface="Arial"/>
-                <a:cs typeface="Arial"/>
-                <a:sym typeface="Arial"/>
-              </a:rPr>
-            </a:br>
-            <a:br>
-              <a:rPr lang="en" sz="1200">
-                <a:solidFill>
-                  <a:schemeClr val="dk2"/>
-                </a:solidFill>
-                <a:highlight>
-                  <a:srgbClr val="FFFFFF"/>
-                </a:highlight>
-                <a:latin typeface="Arial"/>
-                <a:ea typeface="Arial"/>
-                <a:cs typeface="Arial"/>
-                <a:sym typeface="Arial"/>
-              </a:rPr>
-            </a:br>
-            <a:r>
-              <a:rPr lang="en" sz="1200">
-                <a:solidFill>
-                  <a:schemeClr val="dk2"/>
-                </a:solidFill>
-                <a:highlight>
-                  <a:srgbClr val="FFFFFF"/>
-                </a:highlight>
-                <a:latin typeface="Arial"/>
-                <a:ea typeface="Arial"/>
-                <a:cs typeface="Arial"/>
-                <a:sym typeface="Arial"/>
-              </a:rPr>
-              <a:t>iex</a:t>
-            </a:r>
-            <a:r>
-              <a:rPr lang="en" sz="1200">
-                <a:solidFill>
-                  <a:schemeClr val="accent1"/>
-                </a:solidFill>
-                <a:highlight>
-                  <a:srgbClr val="FFFFFF"/>
-                </a:highlight>
-                <a:latin typeface="Arial"/>
-                <a:ea typeface="Arial"/>
-                <a:cs typeface="Arial"/>
-                <a:sym typeface="Arial"/>
-              </a:rPr>
-              <a:t>&gt;</a:t>
-            </a:r>
-            <a:r>
-              <a:rPr lang="en" sz="1200">
-                <a:solidFill>
-                  <a:schemeClr val="dk2"/>
-                </a:solidFill>
-                <a:highlight>
-                  <a:srgbClr val="FFFFFF"/>
-                </a:highlight>
-                <a:latin typeface="Arial"/>
-                <a:ea typeface="Arial"/>
-                <a:cs typeface="Arial"/>
-                <a:sym typeface="Arial"/>
-              </a:rPr>
-              <a:t> code |</a:t>
-            </a:r>
-            <a:r>
-              <a:rPr lang="en" sz="1200">
-                <a:solidFill>
-                  <a:schemeClr val="accent1"/>
-                </a:solidFill>
-                <a:highlight>
-                  <a:srgbClr val="FFFFFF"/>
-                </a:highlight>
-                <a:latin typeface="Arial"/>
-                <a:ea typeface="Arial"/>
-                <a:cs typeface="Arial"/>
-                <a:sym typeface="Arial"/>
-              </a:rPr>
-              <a:t>&gt;</a:t>
-            </a:r>
-            <a:r>
-              <a:rPr lang="en" sz="1200">
-                <a:solidFill>
-                  <a:schemeClr val="dk2"/>
-                </a:solidFill>
-                <a:highlight>
-                  <a:srgbClr val="FFFFFF"/>
-                </a:highlight>
-                <a:latin typeface="Arial"/>
-                <a:ea typeface="Arial"/>
-                <a:cs typeface="Arial"/>
-                <a:sym typeface="Arial"/>
-              </a:rPr>
-              <a:t> </a:t>
-            </a:r>
-            <a:r>
-              <a:rPr lang="en" sz="1200">
-                <a:solidFill>
-                  <a:srgbClr val="996633"/>
-                </a:solidFill>
-                <a:highlight>
-                  <a:srgbClr val="FFFFFF"/>
-                </a:highlight>
-                <a:latin typeface="Arial"/>
-                <a:ea typeface="Arial"/>
-                <a:cs typeface="Arial"/>
-                <a:sym typeface="Arial"/>
-              </a:rPr>
-              <a:t>EVM</a:t>
-            </a:r>
-            <a:r>
-              <a:rPr lang="en" sz="1200">
-                <a:solidFill>
-                  <a:schemeClr val="dk2"/>
-                </a:solidFill>
-                <a:highlight>
-                  <a:srgbClr val="FFFFFF"/>
-                </a:highlight>
-                <a:latin typeface="Arial"/>
-                <a:ea typeface="Arial"/>
-                <a:cs typeface="Arial"/>
-                <a:sym typeface="Arial"/>
-              </a:rPr>
-              <a:t>.</a:t>
-            </a:r>
-            <a:r>
-              <a:rPr lang="en" sz="1200">
-                <a:solidFill>
-                  <a:srgbClr val="996633"/>
-                </a:solidFill>
-                <a:highlight>
-                  <a:srgbClr val="FFFFFF"/>
-                </a:highlight>
-                <a:latin typeface="Arial"/>
-                <a:ea typeface="Arial"/>
-                <a:cs typeface="Arial"/>
-                <a:sym typeface="Arial"/>
-              </a:rPr>
-              <a:t>MachineCode</a:t>
-            </a:r>
-            <a:r>
-              <a:rPr lang="en" sz="1200">
-                <a:solidFill>
-                  <a:schemeClr val="dk2"/>
-                </a:solidFill>
-                <a:highlight>
-                  <a:srgbClr val="FFFFFF"/>
-                </a:highlight>
-                <a:latin typeface="Arial"/>
-                <a:ea typeface="Arial"/>
-                <a:cs typeface="Arial"/>
-                <a:sym typeface="Arial"/>
-              </a:rPr>
-              <a:t>.decompile</a:t>
-            </a:r>
-            <a:br>
-              <a:rPr lang="en" sz="1200">
-                <a:solidFill>
-                  <a:schemeClr val="dk2"/>
-                </a:solidFill>
-                <a:highlight>
-                  <a:srgbClr val="FFFFFF"/>
-                </a:highlight>
-                <a:latin typeface="Arial"/>
-                <a:ea typeface="Arial"/>
-                <a:cs typeface="Arial"/>
-                <a:sym typeface="Arial"/>
-              </a:rPr>
-            </a:br>
-            <a:r>
-              <a:rPr lang="en" sz="1200">
-                <a:solidFill>
-                  <a:schemeClr val="dk2"/>
-                </a:solidFill>
-                <a:highlight>
-                  <a:srgbClr val="FFFFFF"/>
-                </a:highlight>
-                <a:latin typeface="Arial"/>
-                <a:ea typeface="Arial"/>
-                <a:cs typeface="Arial"/>
-                <a:sym typeface="Arial"/>
-              </a:rPr>
-              <a:t>[:push1, </a:t>
-            </a:r>
-            <a:r>
-              <a:rPr b="1" lang="en" sz="1200">
-                <a:solidFill>
-                  <a:srgbClr val="0000DD"/>
-                </a:solidFill>
-                <a:highlight>
-                  <a:srgbClr val="FFFFFF"/>
-                </a:highlight>
-                <a:latin typeface="Arial"/>
-                <a:ea typeface="Arial"/>
-                <a:cs typeface="Arial"/>
-                <a:sym typeface="Arial"/>
-              </a:rPr>
-              <a:t>0</a:t>
-            </a:r>
-            <a:r>
-              <a:rPr lang="en" sz="1200">
-                <a:solidFill>
-                  <a:schemeClr val="dk2"/>
-                </a:solidFill>
-                <a:highlight>
-                  <a:srgbClr val="FFFFFF"/>
-                </a:highlight>
-                <a:latin typeface="Arial"/>
-                <a:ea typeface="Arial"/>
-                <a:cs typeface="Arial"/>
-                <a:sym typeface="Arial"/>
-              </a:rPr>
-              <a:t>, :push1, </a:t>
-            </a:r>
-            <a:r>
-              <a:rPr b="1" lang="en" sz="1200">
-                <a:solidFill>
-                  <a:srgbClr val="0000DD"/>
-                </a:solidFill>
-                <a:highlight>
-                  <a:srgbClr val="FFFFFF"/>
-                </a:highlight>
-                <a:latin typeface="Arial"/>
-                <a:ea typeface="Arial"/>
-                <a:cs typeface="Arial"/>
-                <a:sym typeface="Arial"/>
-              </a:rPr>
-              <a:t>0</a:t>
-            </a:r>
-            <a:r>
-              <a:rPr lang="en" sz="1200">
-                <a:solidFill>
-                  <a:schemeClr val="dk2"/>
-                </a:solidFill>
-                <a:highlight>
-                  <a:srgbClr val="FFFFFF"/>
-                </a:highlight>
-                <a:latin typeface="Arial"/>
-                <a:ea typeface="Arial"/>
-                <a:cs typeface="Arial"/>
-                <a:sym typeface="Arial"/>
-              </a:rPr>
-              <a:t>, :add, :push1, </a:t>
-            </a:r>
-            <a:r>
-              <a:rPr b="1" lang="en" sz="1200">
-                <a:solidFill>
-                  <a:srgbClr val="0000DD"/>
-                </a:solidFill>
-                <a:highlight>
-                  <a:srgbClr val="FFFFFF"/>
-                </a:highlight>
-                <a:latin typeface="Arial"/>
-                <a:ea typeface="Arial"/>
-                <a:cs typeface="Arial"/>
-                <a:sym typeface="Arial"/>
-              </a:rPr>
-              <a:t>0</a:t>
-            </a:r>
-            <a:r>
-              <a:rPr lang="en" sz="1200">
-                <a:solidFill>
-                  <a:schemeClr val="dk2"/>
-                </a:solidFill>
-                <a:highlight>
-                  <a:srgbClr val="FFFFFF"/>
-                </a:highlight>
-                <a:latin typeface="Arial"/>
-                <a:ea typeface="Arial"/>
-                <a:cs typeface="Arial"/>
-                <a:sym typeface="Arial"/>
-              </a:rPr>
-              <a:t>, :sstore]</a:t>
-            </a:r>
-            <a:br>
-              <a:rPr lang="en" sz="1100">
-                <a:solidFill>
-                  <a:schemeClr val="dk2"/>
-                </a:solidFill>
-                <a:highlight>
-                  <a:srgbClr val="FFFFFF"/>
-                </a:highlight>
-                <a:latin typeface="Arial"/>
-                <a:ea typeface="Arial"/>
-                <a:cs typeface="Arial"/>
-                <a:sym typeface="Arial"/>
-              </a:rPr>
-            </a:br>
-            <a:endParaRPr sz="1100">
-              <a:solidFill>
-                <a:schemeClr val="dk2"/>
-              </a:solidFill>
-              <a:highlight>
-                <a:srgbClr val="FFFFFF"/>
-              </a:highlight>
-              <a:latin typeface="Arial"/>
-              <a:ea typeface="Arial"/>
-              <a:cs typeface="Arial"/>
-              <a:sym typeface="Arial"/>
-            </a:endParaRPr>
-          </a:p>
-          <a:p>
             <a:pPr indent="0" lvl="0" marL="0" rtl="0" algn="l">
-              <a:lnSpc>
-                <a:spcPct val="125000"/>
-              </a:lnSpc>
-              <a:spcBef>
-                <a:spcPts val="0"/>
-              </a:spcBef>
-              <a:spcAft>
-                <a:spcPts val="0"/>
+              <a:spcBef>
+                <a:spcPts val="0"/>
+              </a:spcBef>
+              <a:spcAft>
+                <a:spcPts val="1600"/>
               </a:spcAft>
               <a:buNone/>
             </a:pPr>
             <a:r>
               <a:t/>
             </a:r>
-            <a:endParaRPr sz="1200">
-              <a:solidFill>
-                <a:schemeClr val="dk2"/>
-              </a:solidFill>
-              <a:latin typeface="Arial"/>
-              <a:ea typeface="Arial"/>
-              <a:cs typeface="Arial"/>
-              <a:sym typeface="Arial"/>
-            </a:endParaRPr>
-          </a:p>
-          <a:p>
-            <a:pPr indent="0" lvl="0" marL="0" rtl="0" algn="l">
-              <a:lnSpc>
-                <a:spcPct val="150000"/>
-              </a:lnSpc>
-              <a:spcBef>
-                <a:spcPts val="0"/>
-              </a:spcBef>
-              <a:spcAft>
-                <a:spcPts val="0"/>
-              </a:spcAft>
-              <a:buNone/>
-            </a:pPr>
-            <a:br>
-              <a:rPr lang="en" sz="900">
-                <a:solidFill>
-                  <a:schemeClr val="dk2"/>
-                </a:solidFill>
-                <a:latin typeface="Arial"/>
-                <a:ea typeface="Arial"/>
-                <a:cs typeface="Arial"/>
-                <a:sym typeface="Arial"/>
-              </a:rPr>
-            </a:br>
-            <a:br>
-              <a:rPr lang="en" sz="900">
-                <a:solidFill>
-                  <a:schemeClr val="dk2"/>
-                </a:solidFill>
-                <a:latin typeface="Arial"/>
-                <a:ea typeface="Arial"/>
-                <a:cs typeface="Arial"/>
-                <a:sym typeface="Arial"/>
-              </a:rPr>
-            </a:br>
-            <a:endParaRPr sz="1150">
-              <a:solidFill>
-                <a:schemeClr val="dk2"/>
-              </a:solidFill>
-              <a:latin typeface="Arial"/>
-              <a:ea typeface="Arial"/>
-              <a:cs typeface="Arial"/>
-              <a:sym typeface="Arial"/>
-            </a:endParaRPr>
+            <a:endParaRPr/>
           </a:p>
         </p:txBody>
       </p:sp>
-      <p:sp>
-        <p:nvSpPr>
+      <p:pic>
+        <p:nvPicPr>
           <p:cNvPr id="204" name="Google Shape;204;p34"/>
-          <p:cNvSpPr txBox="1"/>
+          <p:cNvPicPr preferRelativeResize="0"/>
           <p:nvPr/>
-        </p:nvSpPr>
-        <p:spPr>
-          <a:xfrm>
-            <a:off x="5085600" y="920450"/>
-            <a:ext cx="4058400" cy="473400"/>
+        </p:nvPicPr>
+        <p:blipFill>
+          <a:blip r:embed="rId3">
+            <a:alphaModFix/>
+          </a:blip>
+          <a:stretch>
+            <a:fillRect/>
+          </a:stretch>
+        </p:blipFill>
+        <p:spPr>
+          <a:xfrm>
+            <a:off x="1433425" y="1152475"/>
+            <a:ext cx="6020776" cy="3800200"/>
           </a:xfrm>
           <a:prstGeom prst="rect">
             <a:avLst/>
@@ -14073,580 +14801,7 @@
             <a:noFill/>
           </a:ln>
         </p:spPr>
-        <p:txBody>
-          <a:bodyPr anchorCtr="0" anchor="t" bIns="91425" lIns="91425" spcFirstLastPara="1" rIns="91425" wrap="square" tIns="91425">
-            <a:noAutofit/>
-          </a:bodyPr>
-          <a:lstStyle/>
-          <a:p>
-            <a:pPr indent="0" lvl="0" marL="0" rtl="0" algn="l">
-              <a:lnSpc>
-                <a:spcPct val="125000"/>
-              </a:lnSpc>
-              <a:spcBef>
-                <a:spcPts val="0"/>
-              </a:spcBef>
-              <a:spcAft>
-                <a:spcPts val="0"/>
-              </a:spcAft>
-              <a:buNone/>
-            </a:pPr>
-            <a:r>
-              <a:rPr lang="en" sz="1100">
-                <a:solidFill>
-                  <a:schemeClr val="dk2"/>
-                </a:solidFill>
-              </a:rPr>
-              <a:t>iex</a:t>
-            </a:r>
-            <a:r>
-              <a:rPr lang="en" sz="1100">
-                <a:solidFill>
-                  <a:schemeClr val="accent1"/>
-                </a:solidFill>
-              </a:rPr>
-              <a:t>&gt;</a:t>
-            </a:r>
-            <a:r>
-              <a:rPr lang="en" sz="1100">
-                <a:solidFill>
-                  <a:schemeClr val="dk2"/>
-                </a:solidFill>
-              </a:rPr>
-              <a:t> </a:t>
-            </a:r>
-            <a:r>
-              <a:rPr lang="en" sz="1100">
-                <a:solidFill>
-                  <a:srgbClr val="996633"/>
-                </a:solidFill>
-              </a:rPr>
-              <a:t>EVM</a:t>
-            </a:r>
-            <a:r>
-              <a:rPr lang="en" sz="1100">
-                <a:solidFill>
-                  <a:schemeClr val="dk2"/>
-                </a:solidFill>
-              </a:rPr>
-              <a:t>.run(code)</a:t>
-            </a:r>
-            <a:br>
-              <a:rPr lang="en" sz="1100">
-                <a:solidFill>
-                  <a:schemeClr val="dk2"/>
-                </a:solidFill>
-              </a:rPr>
-            </a:br>
-            <a:r>
-              <a:rPr b="1" lang="en" sz="1100">
-                <a:solidFill>
-                  <a:srgbClr val="0E84B5"/>
-                </a:solidFill>
-              </a:rPr>
-              <a:t>stack</a:t>
-            </a:r>
-            <a:r>
-              <a:rPr lang="en" sz="1100">
-                <a:solidFill>
-                  <a:schemeClr val="dk2"/>
-                </a:solidFill>
-              </a:rPr>
-              <a:t>:</a:t>
-            </a:r>
-            <a:br>
-              <a:rPr lang="en" sz="1100">
-                <a:solidFill>
-                  <a:schemeClr val="dk2"/>
-                </a:solidFill>
-              </a:rPr>
-            </a:br>
-            <a:r>
-              <a:rPr lang="en" sz="1100">
-                <a:solidFill>
-                  <a:schemeClr val="dk2"/>
-                </a:solidFill>
-              </a:rPr>
-              <a:t>[]</a:t>
-            </a:r>
-            <a:br>
-              <a:rPr lang="en" sz="1100">
-                <a:solidFill>
-                  <a:schemeClr val="dk2"/>
-                </a:solidFill>
-              </a:rPr>
-            </a:br>
-            <a:r>
-              <a:rPr b="1" lang="en" sz="1100">
-                <a:solidFill>
-                  <a:srgbClr val="0E84B5"/>
-                </a:solidFill>
-              </a:rPr>
-              <a:t>operation</a:t>
-            </a:r>
-            <a:r>
-              <a:rPr lang="en" sz="1100">
-                <a:solidFill>
-                  <a:schemeClr val="dk2"/>
-                </a:solidFill>
-              </a:rPr>
-              <a:t>: push1</a:t>
-            </a:r>
-            <a:br>
-              <a:rPr lang="en" sz="1100">
-                <a:solidFill>
-                  <a:schemeClr val="dk2"/>
-                </a:solidFill>
-              </a:rPr>
-            </a:br>
-            <a:r>
-              <a:rPr b="1" lang="en" sz="1100">
-                <a:solidFill>
-                  <a:srgbClr val="0E84B5"/>
-                </a:solidFill>
-              </a:rPr>
-              <a:t>stack</a:t>
-            </a:r>
-            <a:r>
-              <a:rPr lang="en" sz="1100">
-                <a:solidFill>
-                  <a:schemeClr val="dk2"/>
-                </a:solidFill>
-              </a:rPr>
-              <a:t>:</a:t>
-            </a:r>
-            <a:br>
-              <a:rPr lang="en" sz="1100">
-                <a:solidFill>
-                  <a:schemeClr val="dk2"/>
-                </a:solidFill>
-              </a:rPr>
-            </a:br>
-            <a:r>
-              <a:rPr lang="en" sz="1100">
-                <a:solidFill>
-                  <a:schemeClr val="dk2"/>
-                </a:solidFill>
-              </a:rPr>
-              <a:t>[</a:t>
-            </a:r>
-            <a:r>
-              <a:rPr b="1" lang="en" sz="1100">
-                <a:solidFill>
-                  <a:srgbClr val="0000DD"/>
-                </a:solidFill>
-              </a:rPr>
-              <a:t>0</a:t>
-            </a:r>
-            <a:r>
-              <a:rPr lang="en" sz="1100">
-                <a:solidFill>
-                  <a:schemeClr val="dk2"/>
-                </a:solidFill>
-              </a:rPr>
-              <a:t>]</a:t>
-            </a:r>
-            <a:br>
-              <a:rPr lang="en" sz="1100">
-                <a:solidFill>
-                  <a:schemeClr val="dk2"/>
-                </a:solidFill>
-              </a:rPr>
-            </a:br>
-            <a:r>
-              <a:rPr b="1" lang="en" sz="1100">
-                <a:solidFill>
-                  <a:srgbClr val="0E84B5"/>
-                </a:solidFill>
-              </a:rPr>
-              <a:t>operation</a:t>
-            </a:r>
-            <a:r>
-              <a:rPr lang="en" sz="1100">
-                <a:solidFill>
-                  <a:schemeClr val="dk2"/>
-                </a:solidFill>
-              </a:rPr>
-              <a:t>: push1</a:t>
-            </a:r>
-            <a:br>
-              <a:rPr lang="en" sz="1100">
-                <a:solidFill>
-                  <a:schemeClr val="dk2"/>
-                </a:solidFill>
-              </a:rPr>
-            </a:br>
-            <a:r>
-              <a:rPr b="1" lang="en" sz="1100">
-                <a:solidFill>
-                  <a:srgbClr val="0E84B5"/>
-                </a:solidFill>
-              </a:rPr>
-              <a:t>stack</a:t>
-            </a:r>
-            <a:r>
-              <a:rPr lang="en" sz="1100">
-                <a:solidFill>
-                  <a:schemeClr val="dk2"/>
-                </a:solidFill>
-              </a:rPr>
-              <a:t>:</a:t>
-            </a:r>
-            <a:br>
-              <a:rPr lang="en" sz="1100">
-                <a:solidFill>
-                  <a:schemeClr val="dk2"/>
-                </a:solidFill>
-              </a:rPr>
-            </a:br>
-            <a:r>
-              <a:rPr lang="en" sz="1100">
-                <a:solidFill>
-                  <a:schemeClr val="dk2"/>
-                </a:solidFill>
-              </a:rPr>
-              <a:t>[</a:t>
-            </a:r>
-            <a:r>
-              <a:rPr b="1" lang="en" sz="1100">
-                <a:solidFill>
-                  <a:srgbClr val="0000DD"/>
-                </a:solidFill>
-              </a:rPr>
-              <a:t>0</a:t>
-            </a:r>
-            <a:r>
-              <a:rPr lang="en" sz="1100">
-                <a:solidFill>
-                  <a:schemeClr val="dk2"/>
-                </a:solidFill>
-              </a:rPr>
-              <a:t>, </a:t>
-            </a:r>
-            <a:r>
-              <a:rPr b="1" lang="en" sz="1100">
-                <a:solidFill>
-                  <a:srgbClr val="0000DD"/>
-                </a:solidFill>
-              </a:rPr>
-              <a:t>0</a:t>
-            </a:r>
-            <a:r>
-              <a:rPr lang="en" sz="1100">
-                <a:solidFill>
-                  <a:schemeClr val="dk2"/>
-                </a:solidFill>
-              </a:rPr>
-              <a:t>]</a:t>
-            </a:r>
-            <a:br>
-              <a:rPr lang="en" sz="1100">
-                <a:solidFill>
-                  <a:schemeClr val="dk2"/>
-                </a:solidFill>
-              </a:rPr>
-            </a:br>
-            <a:r>
-              <a:rPr b="1" lang="en" sz="1100">
-                <a:solidFill>
-                  <a:srgbClr val="0E84B5"/>
-                </a:solidFill>
-              </a:rPr>
-              <a:t>operation</a:t>
-            </a:r>
-            <a:r>
-              <a:rPr lang="en" sz="1100">
-                <a:solidFill>
-                  <a:schemeClr val="dk2"/>
-                </a:solidFill>
-              </a:rPr>
-              <a:t>: add</a:t>
-            </a:r>
-            <a:br>
-              <a:rPr lang="en" sz="1100">
-                <a:solidFill>
-                  <a:schemeClr val="dk2"/>
-                </a:solidFill>
-              </a:rPr>
-            </a:br>
-            <a:r>
-              <a:rPr b="1" lang="en" sz="1100">
-                <a:solidFill>
-                  <a:srgbClr val="0E84B5"/>
-                </a:solidFill>
-              </a:rPr>
-              <a:t>stack</a:t>
-            </a:r>
-            <a:r>
-              <a:rPr lang="en" sz="1100">
-                <a:solidFill>
-                  <a:schemeClr val="dk2"/>
-                </a:solidFill>
-              </a:rPr>
-              <a:t>:</a:t>
-            </a:r>
-            <a:br>
-              <a:rPr lang="en" sz="1100">
-                <a:solidFill>
-                  <a:schemeClr val="dk2"/>
-                </a:solidFill>
-              </a:rPr>
-            </a:br>
-            <a:r>
-              <a:rPr lang="en" sz="1100">
-                <a:solidFill>
-                  <a:schemeClr val="dk2"/>
-                </a:solidFill>
-              </a:rPr>
-              <a:t>[</a:t>
-            </a:r>
-            <a:r>
-              <a:rPr b="1" lang="en" sz="1100">
-                <a:solidFill>
-                  <a:srgbClr val="0000DD"/>
-                </a:solidFill>
-              </a:rPr>
-              <a:t>0</a:t>
-            </a:r>
-            <a:r>
-              <a:rPr lang="en" sz="1100">
-                <a:solidFill>
-                  <a:schemeClr val="dk2"/>
-                </a:solidFill>
-              </a:rPr>
-              <a:t>]</a:t>
-            </a:r>
-            <a:br>
-              <a:rPr lang="en" sz="1100">
-                <a:solidFill>
-                  <a:schemeClr val="dk2"/>
-                </a:solidFill>
-              </a:rPr>
-            </a:br>
-            <a:r>
-              <a:rPr b="1" lang="en" sz="1100">
-                <a:solidFill>
-                  <a:srgbClr val="0E84B5"/>
-                </a:solidFill>
-              </a:rPr>
-              <a:t>operation</a:t>
-            </a:r>
-            <a:r>
-              <a:rPr lang="en" sz="1100">
-                <a:solidFill>
-                  <a:schemeClr val="dk2"/>
-                </a:solidFill>
-              </a:rPr>
-              <a:t>: push1</a:t>
-            </a:r>
-            <a:br>
-              <a:rPr lang="en" sz="1100">
-                <a:solidFill>
-                  <a:schemeClr val="dk2"/>
-                </a:solidFill>
-              </a:rPr>
-            </a:br>
-            <a:r>
-              <a:rPr b="1" lang="en" sz="1100">
-                <a:solidFill>
-                  <a:srgbClr val="0E84B5"/>
-                </a:solidFill>
-              </a:rPr>
-              <a:t>stack</a:t>
-            </a:r>
-            <a:r>
-              <a:rPr lang="en" sz="1100">
-                <a:solidFill>
-                  <a:schemeClr val="dk2"/>
-                </a:solidFill>
-              </a:rPr>
-              <a:t>:</a:t>
-            </a:r>
-            <a:br>
-              <a:rPr lang="en" sz="1100">
-                <a:solidFill>
-                  <a:schemeClr val="dk2"/>
-                </a:solidFill>
-              </a:rPr>
-            </a:br>
-            <a:r>
-              <a:rPr lang="en" sz="1100">
-                <a:solidFill>
-                  <a:schemeClr val="dk2"/>
-                </a:solidFill>
-              </a:rPr>
-              <a:t>[</a:t>
-            </a:r>
-            <a:r>
-              <a:rPr b="1" lang="en" sz="1100">
-                <a:solidFill>
-                  <a:srgbClr val="0000DD"/>
-                </a:solidFill>
-              </a:rPr>
-              <a:t>0</a:t>
-            </a:r>
-            <a:r>
-              <a:rPr lang="en" sz="1100">
-                <a:solidFill>
-                  <a:schemeClr val="dk2"/>
-                </a:solidFill>
-              </a:rPr>
-              <a:t>, </a:t>
-            </a:r>
-            <a:r>
-              <a:rPr b="1" lang="en" sz="1100">
-                <a:solidFill>
-                  <a:srgbClr val="0000DD"/>
-                </a:solidFill>
-              </a:rPr>
-              <a:t>0</a:t>
-            </a:r>
-            <a:r>
-              <a:rPr lang="en" sz="1100">
-                <a:solidFill>
-                  <a:schemeClr val="dk2"/>
-                </a:solidFill>
-              </a:rPr>
-              <a:t>]</a:t>
-            </a:r>
-            <a:br>
-              <a:rPr lang="en" sz="1100">
-                <a:solidFill>
-                  <a:schemeClr val="dk2"/>
-                </a:solidFill>
-              </a:rPr>
-            </a:br>
-            <a:r>
-              <a:rPr b="1" lang="en" sz="1100">
-                <a:solidFill>
-                  <a:srgbClr val="0E84B5"/>
-                </a:solidFill>
-              </a:rPr>
-              <a:t>operation</a:t>
-            </a:r>
-            <a:r>
-              <a:rPr lang="en" sz="1100">
-                <a:solidFill>
-                  <a:schemeClr val="dk2"/>
-                </a:solidFill>
-              </a:rPr>
-              <a:t>: sstore</a:t>
-            </a:r>
-            <a:br>
-              <a:rPr lang="en" sz="1100">
-                <a:solidFill>
-                  <a:schemeClr val="dk2"/>
-                </a:solidFill>
-              </a:rPr>
-            </a:br>
-            <a:r>
-              <a:rPr b="1" lang="en" sz="1100">
-                <a:solidFill>
-                  <a:srgbClr val="0E84B5"/>
-                </a:solidFill>
-              </a:rPr>
-              <a:t>stack</a:t>
-            </a:r>
-            <a:r>
-              <a:rPr lang="en" sz="1100">
-                <a:solidFill>
-                  <a:schemeClr val="dk2"/>
-                </a:solidFill>
-              </a:rPr>
-              <a:t>:</a:t>
-            </a:r>
-            <a:br>
-              <a:rPr lang="en" sz="1100">
-                <a:solidFill>
-                  <a:schemeClr val="dk2"/>
-                </a:solidFill>
-              </a:rPr>
-            </a:br>
-            <a:r>
-              <a:rPr lang="en" sz="1100">
-                <a:solidFill>
-                  <a:schemeClr val="dk2"/>
-                </a:solidFill>
-              </a:rPr>
-              <a:t>[]</a:t>
-            </a:r>
-            <a:endParaRPr sz="1100">
-              <a:solidFill>
-                <a:schemeClr val="dk2"/>
-              </a:solidFill>
-            </a:endParaRPr>
-          </a:p>
-          <a:p>
-            <a:pPr indent="0" lvl="0" marL="0" rtl="0" algn="l">
-              <a:lnSpc>
-                <a:spcPct val="150000"/>
-              </a:lnSpc>
-              <a:spcBef>
-                <a:spcPts val="0"/>
-              </a:spcBef>
-              <a:spcAft>
-                <a:spcPts val="0"/>
-              </a:spcAft>
-              <a:buClr>
-                <a:schemeClr val="dk2"/>
-              </a:buClr>
-              <a:buSzPts val="1100"/>
-              <a:buFont typeface="Arial"/>
-              <a:buNone/>
-            </a:pPr>
-            <a:r>
-              <a:t/>
-            </a:r>
-            <a:endParaRPr sz="1000">
-              <a:solidFill>
-                <a:schemeClr val="dk2"/>
-              </a:solidFill>
-            </a:endParaRPr>
-          </a:p>
-          <a:p>
-            <a:pPr indent="0" lvl="0" marL="0" rtl="0" algn="l">
-              <a:lnSpc>
-                <a:spcPct val="115000"/>
-              </a:lnSpc>
-              <a:spcBef>
-                <a:spcPts val="0"/>
-              </a:spcBef>
-              <a:spcAft>
-                <a:spcPts val="0"/>
-              </a:spcAft>
-              <a:buClr>
-                <a:schemeClr val="dk2"/>
-              </a:buClr>
-              <a:buSzPts val="1100"/>
-              <a:buFont typeface="Arial"/>
-              <a:buNone/>
-            </a:pPr>
-            <a:r>
-              <a:t/>
-            </a:r>
-            <a:endParaRPr sz="1150">
-              <a:solidFill>
-                <a:schemeClr val="dk2"/>
-              </a:solidFill>
-            </a:endParaRPr>
-          </a:p>
-          <a:p>
-            <a:pPr indent="0" lvl="0" marL="0" rtl="0" algn="l">
-              <a:spcBef>
-                <a:spcPts val="1600"/>
-              </a:spcBef>
-              <a:spcAft>
-                <a:spcPts val="0"/>
-              </a:spcAft>
-              <a:buNone/>
-            </a:pPr>
-            <a:r>
-              <a:t/>
-            </a:r>
-            <a:endParaRPr/>
-          </a:p>
-        </p:txBody>
-      </p:sp>
+      </p:pic>
     </p:spTree>
   </p:cSld>
   <p:clrMapOvr>
@@ -14716,12 +14871,759 @@
         <p:nvSpPr>
           <p:cNvPr id="210" name="Google Shape;210;p35"/>
           <p:cNvSpPr txBox="1"/>
+          <p:nvPr>
+            <p:ph idx="1" type="body"/>
+          </p:nvPr>
+        </p:nvSpPr>
+        <p:spPr>
+          <a:xfrm>
+            <a:off x="311700" y="1152475"/>
+            <a:ext cx="4211700" cy="3416400"/>
+          </a:xfrm>
+          <a:prstGeom prst="rect">
+            <a:avLst/>
+          </a:prstGeom>
+        </p:spPr>
+        <p:txBody>
+          <a:bodyPr anchorCtr="0" anchor="t" bIns="91425" lIns="91425" spcFirstLastPara="1" rIns="91425" wrap="square" tIns="91425">
+            <a:noAutofit/>
+          </a:bodyPr>
+          <a:lstStyle/>
+          <a:p>
+            <a:pPr indent="0" lvl="0" marL="88900" marR="88900" rtl="0" algn="l">
+              <a:lnSpc>
+                <a:spcPct val="125000"/>
+              </a:lnSpc>
+              <a:spcBef>
+                <a:spcPts val="0"/>
+              </a:spcBef>
+              <a:spcAft>
+                <a:spcPts val="0"/>
+              </a:spcAft>
+              <a:buNone/>
+            </a:pPr>
+            <a:r>
+              <a:rPr lang="en" sz="1200">
+                <a:solidFill>
+                  <a:schemeClr val="dk2"/>
+                </a:solidFill>
+                <a:highlight>
+                  <a:srgbClr val="FFFFFF"/>
+                </a:highlight>
+                <a:latin typeface="Arial"/>
+                <a:ea typeface="Arial"/>
+                <a:cs typeface="Arial"/>
+                <a:sym typeface="Arial"/>
+              </a:rPr>
+              <a:t>iex</a:t>
+            </a:r>
+            <a:r>
+              <a:rPr lang="en" sz="1200">
+                <a:solidFill>
+                  <a:schemeClr val="accent1"/>
+                </a:solidFill>
+                <a:highlight>
+                  <a:srgbClr val="FFFFFF"/>
+                </a:highlight>
+                <a:latin typeface="Arial"/>
+                <a:ea typeface="Arial"/>
+                <a:cs typeface="Arial"/>
+                <a:sym typeface="Arial"/>
+              </a:rPr>
+              <a:t>&gt;</a:t>
+            </a:r>
+            <a:r>
+              <a:rPr lang="en" sz="1200">
+                <a:solidFill>
+                  <a:schemeClr val="dk2"/>
+                </a:solidFill>
+                <a:highlight>
+                  <a:srgbClr val="FFFFFF"/>
+                </a:highlight>
+                <a:latin typeface="Arial"/>
+                <a:ea typeface="Arial"/>
+                <a:cs typeface="Arial"/>
+                <a:sym typeface="Arial"/>
+              </a:rPr>
+              <a:t> code </a:t>
+            </a:r>
+            <a:r>
+              <a:rPr lang="en" sz="1200">
+                <a:solidFill>
+                  <a:schemeClr val="accent1"/>
+                </a:solidFill>
+                <a:highlight>
+                  <a:srgbClr val="FFFFFF"/>
+                </a:highlight>
+                <a:latin typeface="Arial"/>
+                <a:ea typeface="Arial"/>
+                <a:cs typeface="Arial"/>
+                <a:sym typeface="Arial"/>
+              </a:rPr>
+              <a:t>=</a:t>
+            </a:r>
+            <a:r>
+              <a:rPr lang="en" sz="1200">
+                <a:solidFill>
+                  <a:schemeClr val="dk2"/>
+                </a:solidFill>
+                <a:highlight>
+                  <a:srgbClr val="FFFFFF"/>
+                </a:highlight>
+                <a:latin typeface="Arial"/>
+                <a:ea typeface="Arial"/>
+                <a:cs typeface="Arial"/>
+                <a:sym typeface="Arial"/>
+              </a:rPr>
+              <a:t> </a:t>
+            </a:r>
+            <a:r>
+              <a:rPr lang="en" sz="1200">
+                <a:solidFill>
+                  <a:schemeClr val="accent1"/>
+                </a:solidFill>
+                <a:highlight>
+                  <a:srgbClr val="FFFFFF"/>
+                </a:highlight>
+                <a:latin typeface="Arial"/>
+                <a:ea typeface="Arial"/>
+                <a:cs typeface="Arial"/>
+                <a:sym typeface="Arial"/>
+              </a:rPr>
+              <a:t>&lt;&lt;</a:t>
+            </a:r>
+            <a:r>
+              <a:rPr b="1" lang="en" sz="1200">
+                <a:solidFill>
+                  <a:srgbClr val="0000DD"/>
+                </a:solidFill>
+                <a:highlight>
+                  <a:srgbClr val="FFFFFF"/>
+                </a:highlight>
+                <a:latin typeface="Arial"/>
+                <a:ea typeface="Arial"/>
+                <a:cs typeface="Arial"/>
+                <a:sym typeface="Arial"/>
+              </a:rPr>
+              <a:t>96</a:t>
+            </a:r>
+            <a:r>
+              <a:rPr lang="en" sz="1200">
+                <a:solidFill>
+                  <a:schemeClr val="dk2"/>
+                </a:solidFill>
+                <a:highlight>
+                  <a:srgbClr val="FFFFFF"/>
+                </a:highlight>
+                <a:latin typeface="Arial"/>
+                <a:ea typeface="Arial"/>
+                <a:cs typeface="Arial"/>
+                <a:sym typeface="Arial"/>
+              </a:rPr>
+              <a:t>, </a:t>
+            </a:r>
+            <a:r>
+              <a:rPr b="1" lang="en" sz="1200">
+                <a:solidFill>
+                  <a:srgbClr val="0000DD"/>
+                </a:solidFill>
+                <a:highlight>
+                  <a:srgbClr val="FFFFFF"/>
+                </a:highlight>
+                <a:latin typeface="Arial"/>
+                <a:ea typeface="Arial"/>
+                <a:cs typeface="Arial"/>
+                <a:sym typeface="Arial"/>
+              </a:rPr>
+              <a:t>0</a:t>
+            </a:r>
+            <a:r>
+              <a:rPr lang="en" sz="1200">
+                <a:solidFill>
+                  <a:schemeClr val="dk2"/>
+                </a:solidFill>
+                <a:highlight>
+                  <a:srgbClr val="FFFFFF"/>
+                </a:highlight>
+                <a:latin typeface="Arial"/>
+                <a:ea typeface="Arial"/>
+                <a:cs typeface="Arial"/>
+                <a:sym typeface="Arial"/>
+              </a:rPr>
+              <a:t>, </a:t>
+            </a:r>
+            <a:r>
+              <a:rPr b="1" lang="en" sz="1200">
+                <a:solidFill>
+                  <a:srgbClr val="0000DD"/>
+                </a:solidFill>
+                <a:highlight>
+                  <a:srgbClr val="FFFFFF"/>
+                </a:highlight>
+                <a:latin typeface="Arial"/>
+                <a:ea typeface="Arial"/>
+                <a:cs typeface="Arial"/>
+                <a:sym typeface="Arial"/>
+              </a:rPr>
+              <a:t>96</a:t>
+            </a:r>
+            <a:r>
+              <a:rPr lang="en" sz="1200">
+                <a:solidFill>
+                  <a:schemeClr val="dk2"/>
+                </a:solidFill>
+                <a:highlight>
+                  <a:srgbClr val="FFFFFF"/>
+                </a:highlight>
+                <a:latin typeface="Arial"/>
+                <a:ea typeface="Arial"/>
+                <a:cs typeface="Arial"/>
+                <a:sym typeface="Arial"/>
+              </a:rPr>
+              <a:t>, </a:t>
+            </a:r>
+            <a:r>
+              <a:rPr b="1" lang="en" sz="1200">
+                <a:solidFill>
+                  <a:srgbClr val="0000DD"/>
+                </a:solidFill>
+                <a:highlight>
+                  <a:srgbClr val="FFFFFF"/>
+                </a:highlight>
+                <a:latin typeface="Arial"/>
+                <a:ea typeface="Arial"/>
+                <a:cs typeface="Arial"/>
+                <a:sym typeface="Arial"/>
+              </a:rPr>
+              <a:t>0</a:t>
+            </a:r>
+            <a:r>
+              <a:rPr lang="en" sz="1200">
+                <a:solidFill>
+                  <a:schemeClr val="dk2"/>
+                </a:solidFill>
+                <a:highlight>
+                  <a:srgbClr val="FFFFFF"/>
+                </a:highlight>
+                <a:latin typeface="Arial"/>
+                <a:ea typeface="Arial"/>
+                <a:cs typeface="Arial"/>
+                <a:sym typeface="Arial"/>
+              </a:rPr>
+              <a:t>, </a:t>
+            </a:r>
+            <a:r>
+              <a:rPr b="1" lang="en" sz="1200">
+                <a:solidFill>
+                  <a:srgbClr val="0000DD"/>
+                </a:solidFill>
+                <a:highlight>
+                  <a:srgbClr val="FFFFFF"/>
+                </a:highlight>
+                <a:latin typeface="Arial"/>
+                <a:ea typeface="Arial"/>
+                <a:cs typeface="Arial"/>
+                <a:sym typeface="Arial"/>
+              </a:rPr>
+              <a:t>1</a:t>
+            </a:r>
+            <a:r>
+              <a:rPr lang="en" sz="1200">
+                <a:solidFill>
+                  <a:schemeClr val="dk2"/>
+                </a:solidFill>
+                <a:highlight>
+                  <a:srgbClr val="FFFFFF"/>
+                </a:highlight>
+                <a:latin typeface="Arial"/>
+                <a:ea typeface="Arial"/>
+                <a:cs typeface="Arial"/>
+                <a:sym typeface="Arial"/>
+              </a:rPr>
+              <a:t>, </a:t>
+            </a:r>
+            <a:r>
+              <a:rPr b="1" lang="en" sz="1200">
+                <a:solidFill>
+                  <a:srgbClr val="0000DD"/>
+                </a:solidFill>
+                <a:highlight>
+                  <a:srgbClr val="FFFFFF"/>
+                </a:highlight>
+                <a:latin typeface="Arial"/>
+                <a:ea typeface="Arial"/>
+                <a:cs typeface="Arial"/>
+                <a:sym typeface="Arial"/>
+              </a:rPr>
+              <a:t>96</a:t>
+            </a:r>
+            <a:r>
+              <a:rPr lang="en" sz="1200">
+                <a:solidFill>
+                  <a:schemeClr val="dk2"/>
+                </a:solidFill>
+                <a:highlight>
+                  <a:srgbClr val="FFFFFF"/>
+                </a:highlight>
+                <a:latin typeface="Arial"/>
+                <a:ea typeface="Arial"/>
+                <a:cs typeface="Arial"/>
+                <a:sym typeface="Arial"/>
+              </a:rPr>
+              <a:t>, </a:t>
+            </a:r>
+            <a:r>
+              <a:rPr b="1" lang="en" sz="1200">
+                <a:solidFill>
+                  <a:srgbClr val="0000DD"/>
+                </a:solidFill>
+                <a:highlight>
+                  <a:srgbClr val="FFFFFF"/>
+                </a:highlight>
+                <a:latin typeface="Arial"/>
+                <a:ea typeface="Arial"/>
+                <a:cs typeface="Arial"/>
+                <a:sym typeface="Arial"/>
+              </a:rPr>
+              <a:t>0</a:t>
+            </a:r>
+            <a:r>
+              <a:rPr lang="en" sz="1200">
+                <a:solidFill>
+                  <a:schemeClr val="dk2"/>
+                </a:solidFill>
+                <a:highlight>
+                  <a:srgbClr val="FFFFFF"/>
+                </a:highlight>
+                <a:latin typeface="Arial"/>
+                <a:ea typeface="Arial"/>
+                <a:cs typeface="Arial"/>
+                <a:sym typeface="Arial"/>
+              </a:rPr>
+              <a:t>, </a:t>
+            </a:r>
+            <a:r>
+              <a:rPr b="1" lang="en" sz="1200">
+                <a:solidFill>
+                  <a:srgbClr val="0000DD"/>
+                </a:solidFill>
+                <a:highlight>
+                  <a:srgbClr val="FFFFFF"/>
+                </a:highlight>
+                <a:latin typeface="Arial"/>
+                <a:ea typeface="Arial"/>
+                <a:cs typeface="Arial"/>
+                <a:sym typeface="Arial"/>
+              </a:rPr>
+              <a:t>85</a:t>
+            </a:r>
+            <a:r>
+              <a:rPr lang="en" sz="1200">
+                <a:solidFill>
+                  <a:schemeClr val="accent1"/>
+                </a:solidFill>
+                <a:highlight>
+                  <a:srgbClr val="FFFFFF"/>
+                </a:highlight>
+                <a:latin typeface="Arial"/>
+                <a:ea typeface="Arial"/>
+                <a:cs typeface="Arial"/>
+                <a:sym typeface="Arial"/>
+              </a:rPr>
+              <a:t>&gt;&gt;</a:t>
+            </a:r>
+            <a:br>
+              <a:rPr lang="en" sz="1200">
+                <a:solidFill>
+                  <a:schemeClr val="dk2"/>
+                </a:solidFill>
+                <a:highlight>
+                  <a:srgbClr val="FFFFFF"/>
+                </a:highlight>
+                <a:latin typeface="Arial"/>
+                <a:ea typeface="Arial"/>
+                <a:cs typeface="Arial"/>
+                <a:sym typeface="Arial"/>
+              </a:rPr>
+            </a:br>
+            <a:br>
+              <a:rPr lang="en" sz="1200">
+                <a:solidFill>
+                  <a:schemeClr val="dk2"/>
+                </a:solidFill>
+                <a:highlight>
+                  <a:srgbClr val="FFFFFF"/>
+                </a:highlight>
+                <a:latin typeface="Arial"/>
+                <a:ea typeface="Arial"/>
+                <a:cs typeface="Arial"/>
+                <a:sym typeface="Arial"/>
+              </a:rPr>
+            </a:br>
+            <a:r>
+              <a:rPr lang="en" sz="1200">
+                <a:solidFill>
+                  <a:schemeClr val="dk2"/>
+                </a:solidFill>
+                <a:highlight>
+                  <a:srgbClr val="FFFFFF"/>
+                </a:highlight>
+                <a:latin typeface="Arial"/>
+                <a:ea typeface="Arial"/>
+                <a:cs typeface="Arial"/>
+                <a:sym typeface="Arial"/>
+              </a:rPr>
+              <a:t>iex</a:t>
+            </a:r>
+            <a:r>
+              <a:rPr lang="en" sz="1200">
+                <a:solidFill>
+                  <a:schemeClr val="accent1"/>
+                </a:solidFill>
+                <a:highlight>
+                  <a:srgbClr val="FFFFFF"/>
+                </a:highlight>
+                <a:latin typeface="Arial"/>
+                <a:ea typeface="Arial"/>
+                <a:cs typeface="Arial"/>
+                <a:sym typeface="Arial"/>
+              </a:rPr>
+              <a:t>&gt;</a:t>
+            </a:r>
+            <a:r>
+              <a:rPr lang="en" sz="1200">
+                <a:solidFill>
+                  <a:schemeClr val="dk2"/>
+                </a:solidFill>
+                <a:highlight>
+                  <a:srgbClr val="FFFFFF"/>
+                </a:highlight>
+                <a:latin typeface="Arial"/>
+                <a:ea typeface="Arial"/>
+                <a:cs typeface="Arial"/>
+                <a:sym typeface="Arial"/>
+              </a:rPr>
+              <a:t> code |</a:t>
+            </a:r>
+            <a:r>
+              <a:rPr lang="en" sz="1200">
+                <a:solidFill>
+                  <a:schemeClr val="accent1"/>
+                </a:solidFill>
+                <a:highlight>
+                  <a:srgbClr val="FFFFFF"/>
+                </a:highlight>
+                <a:latin typeface="Arial"/>
+                <a:ea typeface="Arial"/>
+                <a:cs typeface="Arial"/>
+                <a:sym typeface="Arial"/>
+              </a:rPr>
+              <a:t>&gt;</a:t>
+            </a:r>
+            <a:r>
+              <a:rPr lang="en" sz="1200">
+                <a:solidFill>
+                  <a:schemeClr val="dk2"/>
+                </a:solidFill>
+                <a:highlight>
+                  <a:srgbClr val="FFFFFF"/>
+                </a:highlight>
+                <a:latin typeface="Arial"/>
+                <a:ea typeface="Arial"/>
+                <a:cs typeface="Arial"/>
+                <a:sym typeface="Arial"/>
+              </a:rPr>
+              <a:t> </a:t>
+            </a:r>
+            <a:r>
+              <a:rPr lang="en" sz="1200">
+                <a:solidFill>
+                  <a:srgbClr val="996633"/>
+                </a:solidFill>
+                <a:highlight>
+                  <a:srgbClr val="FFFFFF"/>
+                </a:highlight>
+                <a:latin typeface="Arial"/>
+                <a:ea typeface="Arial"/>
+                <a:cs typeface="Arial"/>
+                <a:sym typeface="Arial"/>
+              </a:rPr>
+              <a:t>EVM</a:t>
+            </a:r>
+            <a:r>
+              <a:rPr lang="en" sz="1200">
+                <a:solidFill>
+                  <a:schemeClr val="dk2"/>
+                </a:solidFill>
+                <a:highlight>
+                  <a:srgbClr val="FFFFFF"/>
+                </a:highlight>
+                <a:latin typeface="Arial"/>
+                <a:ea typeface="Arial"/>
+                <a:cs typeface="Arial"/>
+                <a:sym typeface="Arial"/>
+              </a:rPr>
+              <a:t>.</a:t>
+            </a:r>
+            <a:r>
+              <a:rPr lang="en" sz="1200">
+                <a:solidFill>
+                  <a:srgbClr val="996633"/>
+                </a:solidFill>
+                <a:highlight>
+                  <a:srgbClr val="FFFFFF"/>
+                </a:highlight>
+                <a:latin typeface="Arial"/>
+                <a:ea typeface="Arial"/>
+                <a:cs typeface="Arial"/>
+                <a:sym typeface="Arial"/>
+              </a:rPr>
+              <a:t>MachineCode</a:t>
+            </a:r>
+            <a:r>
+              <a:rPr lang="en" sz="1200">
+                <a:solidFill>
+                  <a:schemeClr val="dk2"/>
+                </a:solidFill>
+                <a:highlight>
+                  <a:srgbClr val="FFFFFF"/>
+                </a:highlight>
+                <a:latin typeface="Arial"/>
+                <a:ea typeface="Arial"/>
+                <a:cs typeface="Arial"/>
+                <a:sym typeface="Arial"/>
+              </a:rPr>
+              <a:t>.decompile</a:t>
+            </a:r>
+            <a:br>
+              <a:rPr lang="en" sz="1200">
+                <a:solidFill>
+                  <a:schemeClr val="dk2"/>
+                </a:solidFill>
+                <a:highlight>
+                  <a:srgbClr val="FFFFFF"/>
+                </a:highlight>
+                <a:latin typeface="Arial"/>
+                <a:ea typeface="Arial"/>
+                <a:cs typeface="Arial"/>
+                <a:sym typeface="Arial"/>
+              </a:rPr>
+            </a:br>
+            <a:r>
+              <a:rPr lang="en" sz="1200">
+                <a:solidFill>
+                  <a:schemeClr val="dk2"/>
+                </a:solidFill>
+                <a:highlight>
+                  <a:srgbClr val="FFFFFF"/>
+                </a:highlight>
+                <a:latin typeface="Arial"/>
+                <a:ea typeface="Arial"/>
+                <a:cs typeface="Arial"/>
+                <a:sym typeface="Arial"/>
+              </a:rPr>
+              <a:t>[:push1, </a:t>
+            </a:r>
+            <a:r>
+              <a:rPr b="1" lang="en" sz="1200">
+                <a:solidFill>
+                  <a:srgbClr val="0000DD"/>
+                </a:solidFill>
+                <a:highlight>
+                  <a:srgbClr val="FFFFFF"/>
+                </a:highlight>
+                <a:latin typeface="Arial"/>
+                <a:ea typeface="Arial"/>
+                <a:cs typeface="Arial"/>
+                <a:sym typeface="Arial"/>
+              </a:rPr>
+              <a:t>0</a:t>
+            </a:r>
+            <a:r>
+              <a:rPr lang="en" sz="1200">
+                <a:solidFill>
+                  <a:schemeClr val="dk2"/>
+                </a:solidFill>
+                <a:highlight>
+                  <a:srgbClr val="FFFFFF"/>
+                </a:highlight>
+                <a:latin typeface="Arial"/>
+                <a:ea typeface="Arial"/>
+                <a:cs typeface="Arial"/>
+                <a:sym typeface="Arial"/>
+              </a:rPr>
+              <a:t>, :push1, </a:t>
+            </a:r>
+            <a:r>
+              <a:rPr b="1" lang="en" sz="1200">
+                <a:solidFill>
+                  <a:srgbClr val="0000DD"/>
+                </a:solidFill>
+                <a:highlight>
+                  <a:srgbClr val="FFFFFF"/>
+                </a:highlight>
+                <a:latin typeface="Arial"/>
+                <a:ea typeface="Arial"/>
+                <a:cs typeface="Arial"/>
+                <a:sym typeface="Arial"/>
+              </a:rPr>
+              <a:t>0</a:t>
+            </a:r>
+            <a:r>
+              <a:rPr lang="en" sz="1200">
+                <a:solidFill>
+                  <a:schemeClr val="dk2"/>
+                </a:solidFill>
+                <a:highlight>
+                  <a:srgbClr val="FFFFFF"/>
+                </a:highlight>
+                <a:latin typeface="Arial"/>
+                <a:ea typeface="Arial"/>
+                <a:cs typeface="Arial"/>
+                <a:sym typeface="Arial"/>
+              </a:rPr>
+              <a:t>, :add, :push1, </a:t>
+            </a:r>
+            <a:r>
+              <a:rPr b="1" lang="en" sz="1200">
+                <a:solidFill>
+                  <a:srgbClr val="0000DD"/>
+                </a:solidFill>
+                <a:highlight>
+                  <a:srgbClr val="FFFFFF"/>
+                </a:highlight>
+                <a:latin typeface="Arial"/>
+                <a:ea typeface="Arial"/>
+                <a:cs typeface="Arial"/>
+                <a:sym typeface="Arial"/>
+              </a:rPr>
+              <a:t>0</a:t>
+            </a:r>
+            <a:r>
+              <a:rPr lang="en" sz="1200">
+                <a:solidFill>
+                  <a:schemeClr val="dk2"/>
+                </a:solidFill>
+                <a:highlight>
+                  <a:srgbClr val="FFFFFF"/>
+                </a:highlight>
+                <a:latin typeface="Arial"/>
+                <a:ea typeface="Arial"/>
+                <a:cs typeface="Arial"/>
+                <a:sym typeface="Arial"/>
+              </a:rPr>
+              <a:t>, :sstore]</a:t>
+            </a:r>
+            <a:br>
+              <a:rPr lang="en" sz="1100">
+                <a:solidFill>
+                  <a:schemeClr val="dk2"/>
+                </a:solidFill>
+                <a:highlight>
+                  <a:srgbClr val="FFFFFF"/>
+                </a:highlight>
+                <a:latin typeface="Arial"/>
+                <a:ea typeface="Arial"/>
+                <a:cs typeface="Arial"/>
+                <a:sym typeface="Arial"/>
+              </a:rPr>
+            </a:br>
+            <a:endParaRPr sz="1100">
+              <a:solidFill>
+                <a:schemeClr val="dk2"/>
+              </a:solidFill>
+              <a:highlight>
+                <a:srgbClr val="FFFFFF"/>
+              </a:highlight>
+              <a:latin typeface="Arial"/>
+              <a:ea typeface="Arial"/>
+              <a:cs typeface="Arial"/>
+              <a:sym typeface="Arial"/>
+            </a:endParaRPr>
+          </a:p>
+          <a:p>
+            <a:pPr indent="0" lvl="0" marL="0" rtl="0" algn="l">
+              <a:lnSpc>
+                <a:spcPct val="125000"/>
+              </a:lnSpc>
+              <a:spcBef>
+                <a:spcPts val="0"/>
+              </a:spcBef>
+              <a:spcAft>
+                <a:spcPts val="0"/>
+              </a:spcAft>
+              <a:buNone/>
+            </a:pPr>
+            <a:r>
+              <a:t/>
+            </a:r>
+            <a:endParaRPr sz="1200">
+              <a:solidFill>
+                <a:schemeClr val="dk2"/>
+              </a:solidFill>
+              <a:latin typeface="Arial"/>
+              <a:ea typeface="Arial"/>
+              <a:cs typeface="Arial"/>
+              <a:sym typeface="Arial"/>
+            </a:endParaRPr>
+          </a:p>
+          <a:p>
+            <a:pPr indent="0" lvl="0" marL="0" rtl="0" algn="l">
+              <a:lnSpc>
+                <a:spcPct val="150000"/>
+              </a:lnSpc>
+              <a:spcBef>
+                <a:spcPts val="0"/>
+              </a:spcBef>
+              <a:spcAft>
+                <a:spcPts val="0"/>
+              </a:spcAft>
+              <a:buNone/>
+            </a:pPr>
+            <a:br>
+              <a:rPr lang="en" sz="900">
+                <a:solidFill>
+                  <a:schemeClr val="dk2"/>
+                </a:solidFill>
+                <a:latin typeface="Arial"/>
+                <a:ea typeface="Arial"/>
+                <a:cs typeface="Arial"/>
+                <a:sym typeface="Arial"/>
+              </a:rPr>
+            </a:br>
+            <a:br>
+              <a:rPr lang="en" sz="900">
+                <a:solidFill>
+                  <a:schemeClr val="dk2"/>
+                </a:solidFill>
+                <a:latin typeface="Arial"/>
+                <a:ea typeface="Arial"/>
+                <a:cs typeface="Arial"/>
+                <a:sym typeface="Arial"/>
+              </a:rPr>
+            </a:br>
+            <a:endParaRPr sz="1150">
+              <a:solidFill>
+                <a:schemeClr val="dk2"/>
+              </a:solidFill>
+              <a:latin typeface="Arial"/>
+              <a:ea typeface="Arial"/>
+              <a:cs typeface="Arial"/>
+              <a:sym typeface="Arial"/>
+            </a:endParaRPr>
+          </a:p>
+        </p:txBody>
+      </p:sp>
+      <p:sp>
+        <p:nvSpPr>
+          <p:cNvPr id="211" name="Google Shape;211;p35"/>
+          <p:cNvSpPr txBox="1"/>
           <p:nvPr/>
         </p:nvSpPr>
         <p:spPr>
           <a:xfrm>
-            <a:off x="255325" y="1395075"/>
-            <a:ext cx="6515700" cy="790500"/>
+            <a:off x="5085600" y="920450"/>
+            <a:ext cx="4058400" cy="473400"/>
           </a:xfrm>
           <a:prstGeom prst="rect">
             <a:avLst/>
@@ -14738,19 +15640,570 @@
           <a:lstStyle/>
           <a:p>
             <a:pPr indent="0" lvl="0" marL="0" rtl="0" algn="l">
-              <a:spcBef>
-                <a:spcPts val="0"/>
-              </a:spcBef>
-              <a:spcAft>
-                <a:spcPts val="0"/>
-              </a:spcAft>
-              <a:buNone/>
-            </a:pPr>
-            <a:r>
-              <a:rPr b="1" lang="en" sz="1800"/>
-              <a:t>https://www.badykov.com/elixir/2018/04/29/evm-basics/</a:t>
-            </a:r>
-            <a:endParaRPr b="1" sz="1800"/>
+              <a:lnSpc>
+                <a:spcPct val="125000"/>
+              </a:lnSpc>
+              <a:spcBef>
+                <a:spcPts val="0"/>
+              </a:spcBef>
+              <a:spcAft>
+                <a:spcPts val="0"/>
+              </a:spcAft>
+              <a:buNone/>
+            </a:pPr>
+            <a:r>
+              <a:rPr lang="en" sz="1100">
+                <a:solidFill>
+                  <a:schemeClr val="dk2"/>
+                </a:solidFill>
+              </a:rPr>
+              <a:t>iex</a:t>
+            </a:r>
+            <a:r>
+              <a:rPr lang="en" sz="1100">
+                <a:solidFill>
+                  <a:schemeClr val="accent1"/>
+                </a:solidFill>
+              </a:rPr>
+              <a:t>&gt;</a:t>
+            </a:r>
+            <a:r>
+              <a:rPr lang="en" sz="1100">
+                <a:solidFill>
+                  <a:schemeClr val="dk2"/>
+                </a:solidFill>
+              </a:rPr>
+              <a:t> </a:t>
+            </a:r>
+            <a:r>
+              <a:rPr lang="en" sz="1100">
+                <a:solidFill>
+                  <a:srgbClr val="996633"/>
+                </a:solidFill>
+              </a:rPr>
+              <a:t>EVM</a:t>
+            </a:r>
+            <a:r>
+              <a:rPr lang="en" sz="1100">
+                <a:solidFill>
+                  <a:schemeClr val="dk2"/>
+                </a:solidFill>
+              </a:rPr>
+              <a:t>.run(code)</a:t>
+            </a:r>
+            <a:br>
+              <a:rPr lang="en" sz="1100">
+                <a:solidFill>
+                  <a:schemeClr val="dk2"/>
+                </a:solidFill>
+              </a:rPr>
+            </a:br>
+            <a:r>
+              <a:rPr b="1" lang="en" sz="1100">
+                <a:solidFill>
+                  <a:srgbClr val="0E84B5"/>
+                </a:solidFill>
+              </a:rPr>
+              <a:t>stack</a:t>
+            </a:r>
+            <a:r>
+              <a:rPr lang="en" sz="1100">
+                <a:solidFill>
+                  <a:schemeClr val="dk2"/>
+                </a:solidFill>
+              </a:rPr>
+              <a:t>:</a:t>
+            </a:r>
+            <a:br>
+              <a:rPr lang="en" sz="1100">
+                <a:solidFill>
+                  <a:schemeClr val="dk2"/>
+                </a:solidFill>
+              </a:rPr>
+            </a:br>
+            <a:r>
+              <a:rPr lang="en" sz="1100">
+                <a:solidFill>
+                  <a:schemeClr val="dk2"/>
+                </a:solidFill>
+              </a:rPr>
+              <a:t>[]</a:t>
+            </a:r>
+            <a:br>
+              <a:rPr lang="en" sz="1100">
+                <a:solidFill>
+                  <a:schemeClr val="dk2"/>
+                </a:solidFill>
+              </a:rPr>
+            </a:br>
+            <a:r>
+              <a:rPr b="1" lang="en" sz="1100">
+                <a:solidFill>
+                  <a:srgbClr val="0E84B5"/>
+                </a:solidFill>
+              </a:rPr>
+              <a:t>operation</a:t>
+            </a:r>
+            <a:r>
+              <a:rPr lang="en" sz="1100">
+                <a:solidFill>
+                  <a:schemeClr val="dk2"/>
+                </a:solidFill>
+              </a:rPr>
+              <a:t>: push1</a:t>
+            </a:r>
+            <a:br>
+              <a:rPr lang="en" sz="1100">
+                <a:solidFill>
+                  <a:schemeClr val="dk2"/>
+                </a:solidFill>
+              </a:rPr>
+            </a:br>
+            <a:r>
+              <a:rPr b="1" lang="en" sz="1100">
+                <a:solidFill>
+                  <a:srgbClr val="0E84B5"/>
+                </a:solidFill>
+              </a:rPr>
+              <a:t>stack</a:t>
+            </a:r>
+            <a:r>
+              <a:rPr lang="en" sz="1100">
+                <a:solidFill>
+                  <a:schemeClr val="dk2"/>
+                </a:solidFill>
+              </a:rPr>
+              <a:t>:</a:t>
+            </a:r>
+            <a:br>
+              <a:rPr lang="en" sz="1100">
+                <a:solidFill>
+                  <a:schemeClr val="dk2"/>
+                </a:solidFill>
+              </a:rPr>
+            </a:br>
+            <a:r>
+              <a:rPr lang="en" sz="1100">
+                <a:solidFill>
+                  <a:schemeClr val="dk2"/>
+                </a:solidFill>
+              </a:rPr>
+              <a:t>[</a:t>
+            </a:r>
+            <a:r>
+              <a:rPr b="1" lang="en" sz="1100">
+                <a:solidFill>
+                  <a:srgbClr val="0000DD"/>
+                </a:solidFill>
+              </a:rPr>
+              <a:t>0</a:t>
+            </a:r>
+            <a:r>
+              <a:rPr lang="en" sz="1100">
+                <a:solidFill>
+                  <a:schemeClr val="dk2"/>
+                </a:solidFill>
+              </a:rPr>
+              <a:t>]</a:t>
+            </a:r>
+            <a:br>
+              <a:rPr lang="en" sz="1100">
+                <a:solidFill>
+                  <a:schemeClr val="dk2"/>
+                </a:solidFill>
+              </a:rPr>
+            </a:br>
+            <a:r>
+              <a:rPr b="1" lang="en" sz="1100">
+                <a:solidFill>
+                  <a:srgbClr val="0E84B5"/>
+                </a:solidFill>
+              </a:rPr>
+              <a:t>operation</a:t>
+            </a:r>
+            <a:r>
+              <a:rPr lang="en" sz="1100">
+                <a:solidFill>
+                  <a:schemeClr val="dk2"/>
+                </a:solidFill>
+              </a:rPr>
+              <a:t>: push1</a:t>
+            </a:r>
+            <a:br>
+              <a:rPr lang="en" sz="1100">
+                <a:solidFill>
+                  <a:schemeClr val="dk2"/>
+                </a:solidFill>
+              </a:rPr>
+            </a:br>
+            <a:r>
+              <a:rPr b="1" lang="en" sz="1100">
+                <a:solidFill>
+                  <a:srgbClr val="0E84B5"/>
+                </a:solidFill>
+              </a:rPr>
+              <a:t>stack</a:t>
+            </a:r>
+            <a:r>
+              <a:rPr lang="en" sz="1100">
+                <a:solidFill>
+                  <a:schemeClr val="dk2"/>
+                </a:solidFill>
+              </a:rPr>
+              <a:t>:</a:t>
+            </a:r>
+            <a:br>
+              <a:rPr lang="en" sz="1100">
+                <a:solidFill>
+                  <a:schemeClr val="dk2"/>
+                </a:solidFill>
+              </a:rPr>
+            </a:br>
+            <a:r>
+              <a:rPr lang="en" sz="1100">
+                <a:solidFill>
+                  <a:schemeClr val="dk2"/>
+                </a:solidFill>
+              </a:rPr>
+              <a:t>[</a:t>
+            </a:r>
+            <a:r>
+              <a:rPr b="1" lang="en" sz="1100">
+                <a:solidFill>
+                  <a:srgbClr val="0000DD"/>
+                </a:solidFill>
+              </a:rPr>
+              <a:t>0</a:t>
+            </a:r>
+            <a:r>
+              <a:rPr lang="en" sz="1100">
+                <a:solidFill>
+                  <a:schemeClr val="dk2"/>
+                </a:solidFill>
+              </a:rPr>
+              <a:t>, </a:t>
+            </a:r>
+            <a:r>
+              <a:rPr b="1" lang="en" sz="1100">
+                <a:solidFill>
+                  <a:srgbClr val="0000DD"/>
+                </a:solidFill>
+              </a:rPr>
+              <a:t>0</a:t>
+            </a:r>
+            <a:r>
+              <a:rPr lang="en" sz="1100">
+                <a:solidFill>
+                  <a:schemeClr val="dk2"/>
+                </a:solidFill>
+              </a:rPr>
+              <a:t>]</a:t>
+            </a:r>
+            <a:br>
+              <a:rPr lang="en" sz="1100">
+                <a:solidFill>
+                  <a:schemeClr val="dk2"/>
+                </a:solidFill>
+              </a:rPr>
+            </a:br>
+            <a:r>
+              <a:rPr b="1" lang="en" sz="1100">
+                <a:solidFill>
+                  <a:srgbClr val="0E84B5"/>
+                </a:solidFill>
+              </a:rPr>
+              <a:t>operation</a:t>
+            </a:r>
+            <a:r>
+              <a:rPr lang="en" sz="1100">
+                <a:solidFill>
+                  <a:schemeClr val="dk2"/>
+                </a:solidFill>
+              </a:rPr>
+              <a:t>: add</a:t>
+            </a:r>
+            <a:br>
+              <a:rPr lang="en" sz="1100">
+                <a:solidFill>
+                  <a:schemeClr val="dk2"/>
+                </a:solidFill>
+              </a:rPr>
+            </a:br>
+            <a:r>
+              <a:rPr b="1" lang="en" sz="1100">
+                <a:solidFill>
+                  <a:srgbClr val="0E84B5"/>
+                </a:solidFill>
+              </a:rPr>
+              <a:t>stack</a:t>
+            </a:r>
+            <a:r>
+              <a:rPr lang="en" sz="1100">
+                <a:solidFill>
+                  <a:schemeClr val="dk2"/>
+                </a:solidFill>
+              </a:rPr>
+              <a:t>:</a:t>
+            </a:r>
+            <a:br>
+              <a:rPr lang="en" sz="1100">
+                <a:solidFill>
+                  <a:schemeClr val="dk2"/>
+                </a:solidFill>
+              </a:rPr>
+            </a:br>
+            <a:r>
+              <a:rPr lang="en" sz="1100">
+                <a:solidFill>
+                  <a:schemeClr val="dk2"/>
+                </a:solidFill>
+              </a:rPr>
+              <a:t>[</a:t>
+            </a:r>
+            <a:r>
+              <a:rPr b="1" lang="en" sz="1100">
+                <a:solidFill>
+                  <a:srgbClr val="0000DD"/>
+                </a:solidFill>
+              </a:rPr>
+              <a:t>0</a:t>
+            </a:r>
+            <a:r>
+              <a:rPr lang="en" sz="1100">
+                <a:solidFill>
+                  <a:schemeClr val="dk2"/>
+                </a:solidFill>
+              </a:rPr>
+              <a:t>]</a:t>
+            </a:r>
+            <a:br>
+              <a:rPr lang="en" sz="1100">
+                <a:solidFill>
+                  <a:schemeClr val="dk2"/>
+                </a:solidFill>
+              </a:rPr>
+            </a:br>
+            <a:r>
+              <a:rPr b="1" lang="en" sz="1100">
+                <a:solidFill>
+                  <a:srgbClr val="0E84B5"/>
+                </a:solidFill>
+              </a:rPr>
+              <a:t>operation</a:t>
+            </a:r>
+            <a:r>
+              <a:rPr lang="en" sz="1100">
+                <a:solidFill>
+                  <a:schemeClr val="dk2"/>
+                </a:solidFill>
+              </a:rPr>
+              <a:t>: push1</a:t>
+            </a:r>
+            <a:br>
+              <a:rPr lang="en" sz="1100">
+                <a:solidFill>
+                  <a:schemeClr val="dk2"/>
+                </a:solidFill>
+              </a:rPr>
+            </a:br>
+            <a:r>
+              <a:rPr b="1" lang="en" sz="1100">
+                <a:solidFill>
+                  <a:srgbClr val="0E84B5"/>
+                </a:solidFill>
+              </a:rPr>
+              <a:t>stack</a:t>
+            </a:r>
+            <a:r>
+              <a:rPr lang="en" sz="1100">
+                <a:solidFill>
+                  <a:schemeClr val="dk2"/>
+                </a:solidFill>
+              </a:rPr>
+              <a:t>:</a:t>
+            </a:r>
+            <a:br>
+              <a:rPr lang="en" sz="1100">
+                <a:solidFill>
+                  <a:schemeClr val="dk2"/>
+                </a:solidFill>
+              </a:rPr>
+            </a:br>
+            <a:r>
+              <a:rPr lang="en" sz="1100">
+                <a:solidFill>
+                  <a:schemeClr val="dk2"/>
+                </a:solidFill>
+              </a:rPr>
+              <a:t>[</a:t>
+            </a:r>
+            <a:r>
+              <a:rPr b="1" lang="en" sz="1100">
+                <a:solidFill>
+                  <a:srgbClr val="0000DD"/>
+                </a:solidFill>
+              </a:rPr>
+              <a:t>0</a:t>
+            </a:r>
+            <a:r>
+              <a:rPr lang="en" sz="1100">
+                <a:solidFill>
+                  <a:schemeClr val="dk2"/>
+                </a:solidFill>
+              </a:rPr>
+              <a:t>, </a:t>
+            </a:r>
+            <a:r>
+              <a:rPr b="1" lang="en" sz="1100">
+                <a:solidFill>
+                  <a:srgbClr val="0000DD"/>
+                </a:solidFill>
+              </a:rPr>
+              <a:t>0</a:t>
+            </a:r>
+            <a:r>
+              <a:rPr lang="en" sz="1100">
+                <a:solidFill>
+                  <a:schemeClr val="dk2"/>
+                </a:solidFill>
+              </a:rPr>
+              <a:t>]</a:t>
+            </a:r>
+            <a:br>
+              <a:rPr lang="en" sz="1100">
+                <a:solidFill>
+                  <a:schemeClr val="dk2"/>
+                </a:solidFill>
+              </a:rPr>
+            </a:br>
+            <a:r>
+              <a:rPr b="1" lang="en" sz="1100">
+                <a:solidFill>
+                  <a:srgbClr val="0E84B5"/>
+                </a:solidFill>
+              </a:rPr>
+              <a:t>operation</a:t>
+            </a:r>
+            <a:r>
+              <a:rPr lang="en" sz="1100">
+                <a:solidFill>
+                  <a:schemeClr val="dk2"/>
+                </a:solidFill>
+              </a:rPr>
+              <a:t>: sstore</a:t>
+            </a:r>
+            <a:br>
+              <a:rPr lang="en" sz="1100">
+                <a:solidFill>
+                  <a:schemeClr val="dk2"/>
+                </a:solidFill>
+              </a:rPr>
+            </a:br>
+            <a:r>
+              <a:rPr b="1" lang="en" sz="1100">
+                <a:solidFill>
+                  <a:srgbClr val="0E84B5"/>
+                </a:solidFill>
+              </a:rPr>
+              <a:t>stack</a:t>
+            </a:r>
+            <a:r>
+              <a:rPr lang="en" sz="1100">
+                <a:solidFill>
+                  <a:schemeClr val="dk2"/>
+                </a:solidFill>
+              </a:rPr>
+              <a:t>:</a:t>
+            </a:r>
+            <a:br>
+              <a:rPr lang="en" sz="1100">
+                <a:solidFill>
+                  <a:schemeClr val="dk2"/>
+                </a:solidFill>
+              </a:rPr>
+            </a:br>
+            <a:r>
+              <a:rPr lang="en" sz="1100">
+                <a:solidFill>
+                  <a:schemeClr val="dk2"/>
+                </a:solidFill>
+              </a:rPr>
+              <a:t>[]</a:t>
+            </a:r>
+            <a:endParaRPr sz="1100">
+              <a:solidFill>
+                <a:schemeClr val="dk2"/>
+              </a:solidFill>
+            </a:endParaRPr>
+          </a:p>
+          <a:p>
+            <a:pPr indent="0" lvl="0" marL="0" rtl="0" algn="l">
+              <a:lnSpc>
+                <a:spcPct val="150000"/>
+              </a:lnSpc>
+              <a:spcBef>
+                <a:spcPts val="0"/>
+              </a:spcBef>
+              <a:spcAft>
+                <a:spcPts val="0"/>
+              </a:spcAft>
+              <a:buClr>
+                <a:schemeClr val="dk2"/>
+              </a:buClr>
+              <a:buSzPts val="1100"/>
+              <a:buFont typeface="Arial"/>
+              <a:buNone/>
+            </a:pPr>
+            <a:r>
+              <a:t/>
+            </a:r>
+            <a:endParaRPr sz="1000">
+              <a:solidFill>
+                <a:schemeClr val="dk2"/>
+              </a:solidFill>
+            </a:endParaRPr>
+          </a:p>
+          <a:p>
+            <a:pPr indent="0" lvl="0" marL="0" rtl="0" algn="l">
+              <a:lnSpc>
+                <a:spcPct val="115000"/>
+              </a:lnSpc>
+              <a:spcBef>
+                <a:spcPts val="0"/>
+              </a:spcBef>
+              <a:spcAft>
+                <a:spcPts val="0"/>
+              </a:spcAft>
+              <a:buClr>
+                <a:schemeClr val="dk2"/>
+              </a:buClr>
+              <a:buSzPts val="1100"/>
+              <a:buFont typeface="Arial"/>
+              <a:buNone/>
+            </a:pPr>
+            <a:r>
+              <a:t/>
+            </a:r>
+            <a:endParaRPr sz="1150">
+              <a:solidFill>
+                <a:schemeClr val="dk2"/>
+              </a:solidFill>
+            </a:endParaRPr>
+          </a:p>
+          <a:p>
+            <a:pPr indent="0" lvl="0" marL="0" rtl="0" algn="l">
+              <a:spcBef>
+                <a:spcPts val="1600"/>
+              </a:spcBef>
+              <a:spcAft>
+                <a:spcPts val="0"/>
+              </a:spcAft>
+              <a:buNone/>
+            </a:pPr>
+            <a:r>
+              <a:t/>
+            </a:r>
+            <a:endParaRPr/>
           </a:p>
         </p:txBody>
       </p:sp>
@@ -14767,7 +16220,7 @@
   <p:cSld>
     <p:spTree>
       <p:nvGrpSpPr>
-        <p:cNvPr id="214" name="Shape 214"/>
+        <p:cNvPr id="215" name="Shape 215"/>
         <p:cNvGrpSpPr/>
         <p:nvPr/>
       </p:nvGrpSpPr>
@@ -14781,7 +16234,7 @@
       </p:grpSpPr>
       <p:sp>
         <p:nvSpPr>
-          <p:cNvPr id="215" name="Google Shape;215;p36"/>
+          <p:cNvPr id="216" name="Google Shape;216;p36"/>
           <p:cNvSpPr txBox="1"/>
           <p:nvPr>
             <p:ph type="title"/>
@@ -14813,7 +16266,7 @@
             </a:pPr>
             <a:r>
               <a:rPr lang="en"/>
-              <a:t>Blockchain</a:t>
+              <a:t>EVM</a:t>
             </a:r>
             <a:endParaRPr/>
           </a:p>
@@ -14821,20 +16274,22 @@
       </p:sp>
       <p:sp>
         <p:nvSpPr>
-          <p:cNvPr id="216" name="Google Shape;216;p36"/>
+          <p:cNvPr id="217" name="Google Shape;217;p36"/>
           <p:cNvSpPr txBox="1"/>
-          <p:nvPr>
-            <p:ph idx="1" type="body"/>
-          </p:nvPr>
+          <p:nvPr/>
         </p:nvSpPr>
         <p:spPr>
           <a:xfrm>
-            <a:off x="311700" y="1152475"/>
-            <a:ext cx="8520600" cy="3416400"/>
+            <a:off x="255325" y="1395075"/>
+            <a:ext cx="6515700" cy="790500"/>
           </a:xfrm>
           <a:prstGeom prst="rect">
             <a:avLst/>
           </a:prstGeom>
+          <a:noFill/>
+          <a:ln>
+            <a:noFill/>
+          </a:ln>
         </p:spPr>
         <p:txBody>
           <a:bodyPr anchorCtr="0" anchor="t" bIns="91425" lIns="91425" spcFirstLastPara="1" rIns="91425" wrap="square" tIns="91425">
@@ -14849,97 +16304,13 @@
               <a:spcAft>
                 <a:spcPts val="0"/>
               </a:spcAft>
-              <a:buClr>
-                <a:schemeClr val="dk2"/>
-              </a:buClr>
-              <a:buSzPts val="1100"/>
-              <a:buFont typeface="Arial"/>
-              <a:buNone/>
-            </a:pPr>
-            <a:r>
-              <a:rPr lang="en"/>
-              <a:t>The process of finalising a block involves four stages:</a:t>
-            </a:r>
-            <a:endParaRPr/>
-          </a:p>
-          <a:p>
-            <a:pPr indent="0" lvl="0" marL="0" rtl="0" algn="l">
-              <a:spcBef>
-                <a:spcPts val="1600"/>
-              </a:spcBef>
-              <a:spcAft>
-                <a:spcPts val="0"/>
-              </a:spcAft>
-              <a:buClr>
-                <a:schemeClr val="dk2"/>
-              </a:buClr>
-              <a:buSzPts val="1100"/>
-              <a:buFont typeface="Arial"/>
-              <a:buNone/>
-            </a:pPr>
-            <a:r>
-              <a:rPr lang="en"/>
-              <a:t>(1) Validate (or, if mining, determine) ommers;</a:t>
-            </a:r>
-            <a:endParaRPr/>
-          </a:p>
-          <a:p>
-            <a:pPr indent="0" lvl="0" marL="0" rtl="0" algn="l">
-              <a:spcBef>
-                <a:spcPts val="1600"/>
-              </a:spcBef>
-              <a:spcAft>
-                <a:spcPts val="0"/>
-              </a:spcAft>
-              <a:buClr>
-                <a:schemeClr val="dk2"/>
-              </a:buClr>
-              <a:buSzPts val="1100"/>
-              <a:buFont typeface="Arial"/>
-              <a:buNone/>
-            </a:pPr>
-            <a:r>
-              <a:rPr lang="en"/>
-              <a:t>(2) validate (or, if mining, determine) transactions;</a:t>
-            </a:r>
-            <a:endParaRPr/>
-          </a:p>
-          <a:p>
-            <a:pPr indent="0" lvl="0" marL="0" rtl="0" algn="l">
-              <a:spcBef>
-                <a:spcPts val="1600"/>
-              </a:spcBef>
-              <a:spcAft>
-                <a:spcPts val="0"/>
-              </a:spcAft>
-              <a:buClr>
-                <a:schemeClr val="dk2"/>
-              </a:buClr>
-              <a:buSzPts val="1100"/>
-              <a:buFont typeface="Arial"/>
-              <a:buNone/>
-            </a:pPr>
-            <a:r>
-              <a:rPr lang="en"/>
-              <a:t>(3) apply rewards;</a:t>
-            </a:r>
-            <a:endParaRPr/>
-          </a:p>
-          <a:p>
-            <a:pPr indent="0" lvl="0" marL="0" rtl="0" algn="l">
-              <a:spcBef>
-                <a:spcPts val="1600"/>
-              </a:spcBef>
-              <a:spcAft>
-                <a:spcPts val="1600"/>
-              </a:spcAft>
-              <a:buNone/>
-            </a:pPr>
-            <a:r>
-              <a:rPr lang="en"/>
-              <a:t>(4) verify (or, if mining, compute a valid) state and block nonce</a:t>
-            </a:r>
-            <a:endParaRPr/>
+              <a:buNone/>
+            </a:pPr>
+            <a:r>
+              <a:rPr b="1" lang="en" sz="1800"/>
+              <a:t>https://www.badykov.com/elixir/2018/04/29/evm-basics/</a:t>
+            </a:r>
+            <a:endParaRPr b="1" sz="1800"/>
           </a:p>
         </p:txBody>
       </p:sp>
@@ -14956,7 +16327,7 @@
   <p:cSld>
     <p:spTree>
       <p:nvGrpSpPr>
-        <p:cNvPr id="220" name="Shape 220"/>
+        <p:cNvPr id="221" name="Shape 221"/>
         <p:cNvGrpSpPr/>
         <p:nvPr/>
       </p:nvGrpSpPr>
@@ -14970,7 +16341,7 @@
       </p:grpSpPr>
       <p:sp>
         <p:nvSpPr>
-          <p:cNvPr id="221" name="Google Shape;221;p37"/>
+          <p:cNvPr id="222" name="Google Shape;222;p37"/>
           <p:cNvSpPr txBox="1"/>
           <p:nvPr>
             <p:ph type="title"/>
@@ -15002,7 +16373,7 @@
             </a:pPr>
             <a:r>
               <a:rPr lang="en"/>
-              <a:t>Blockchain hardfork configuration</a:t>
+              <a:t>Blockchain</a:t>
             </a:r>
             <a:endParaRPr/>
           </a:p>
@@ -15010,7 +16381,7 @@
       </p:sp>
       <p:sp>
         <p:nvSpPr>
-          <p:cNvPr id="222" name="Google Shape;222;p37"/>
+          <p:cNvPr id="223" name="Google Shape;223;p37"/>
           <p:cNvSpPr txBox="1"/>
           <p:nvPr>
             <p:ph idx="1" type="body"/>
@@ -15031,36 +16402,102 @@
           </a:bodyPr>
           <a:lstStyle/>
           <a:p>
-            <a:pPr indent="-342900" lvl="0" marL="457200" rtl="0" algn="l">
-              <a:spcBef>
-                <a:spcPts val="0"/>
-              </a:spcBef>
-              <a:spcAft>
-                <a:spcPts val="0"/>
-              </a:spcAft>
-              <a:buSzPts val="1800"/>
-              <a:buChar char="-"/>
+            <a:pPr indent="0" lvl="0" marL="0" rtl="0" algn="l">
+              <a:spcBef>
+                <a:spcPts val="0"/>
+              </a:spcBef>
+              <a:spcAft>
+                <a:spcPts val="0"/>
+              </a:spcAft>
+              <a:buClr>
+                <a:schemeClr val="dk2"/>
+              </a:buClr>
+              <a:buSzPts val="1100"/>
+              <a:buFont typeface="Arial"/>
+              <a:buNone/>
             </a:pPr>
             <a:r>
               <a:rPr lang="en"/>
-              <a:t>Upgrades in Ethereum</a:t>
+              <a:t>The process of finalising a block involves four stages:</a:t>
             </a:r>
             <a:endParaRPr/>
           </a:p>
           <a:p>
-            <a:pPr indent="-342900" lvl="0" marL="457200" rtl="0" algn="l">
-              <a:spcBef>
-                <a:spcPts val="0"/>
-              </a:spcBef>
-              <a:spcAft>
-                <a:spcPts val="0"/>
-              </a:spcAft>
-              <a:buSzPts val="1800"/>
-              <a:buChar char="-"/>
+            <a:pPr indent="0" lvl="0" marL="0" rtl="0" algn="l">
+              <a:spcBef>
+                <a:spcPts val="1600"/>
+              </a:spcBef>
+              <a:spcAft>
+                <a:spcPts val="0"/>
+              </a:spcAft>
+              <a:buClr>
+                <a:schemeClr val="dk2"/>
+              </a:buClr>
+              <a:buSzPts val="1100"/>
+              <a:buFont typeface="Arial"/>
+              <a:buNone/>
             </a:pPr>
             <a:r>
               <a:rPr lang="en"/>
-              <a:t>Way to introduce new changes to the chain </a:t>
+              <a:t>(1) Validate (or, if mining, determine) ommers;</a:t>
+            </a:r>
+            <a:endParaRPr/>
+          </a:p>
+          <a:p>
+            <a:pPr indent="0" lvl="0" marL="0" rtl="0" algn="l">
+              <a:spcBef>
+                <a:spcPts val="1600"/>
+              </a:spcBef>
+              <a:spcAft>
+                <a:spcPts val="0"/>
+              </a:spcAft>
+              <a:buClr>
+                <a:schemeClr val="dk2"/>
+              </a:buClr>
+              <a:buSzPts val="1100"/>
+              <a:buFont typeface="Arial"/>
+              <a:buNone/>
+            </a:pPr>
+            <a:r>
+              <a:rPr lang="en"/>
+              <a:t>(2) validate (or, if mining, determine) transactions;</a:t>
+            </a:r>
+            <a:endParaRPr/>
+          </a:p>
+          <a:p>
+            <a:pPr indent="0" lvl="0" marL="0" rtl="0" algn="l">
+              <a:spcBef>
+                <a:spcPts val="1600"/>
+              </a:spcBef>
+              <a:spcAft>
+                <a:spcPts val="0"/>
+              </a:spcAft>
+              <a:buClr>
+                <a:schemeClr val="dk2"/>
+              </a:buClr>
+              <a:buSzPts val="1100"/>
+              <a:buFont typeface="Arial"/>
+              <a:buNone/>
+            </a:pPr>
+            <a:r>
+              <a:rPr lang="en"/>
+              <a:t>(3) apply rewards;</a:t>
+            </a:r>
+            <a:endParaRPr/>
+          </a:p>
+          <a:p>
+            <a:pPr indent="0" lvl="0" marL="0" rtl="0" algn="l">
+              <a:spcBef>
+                <a:spcPts val="1600"/>
+              </a:spcBef>
+              <a:spcAft>
+                <a:spcPts val="1600"/>
+              </a:spcAft>
+              <a:buNone/>
+            </a:pPr>
+            <a:r>
+              <a:rPr lang="en"/>
+              <a:t>(4) verify (or, if mining, compute a valid) state and block nonce</a:t>
             </a:r>
             <a:endParaRPr/>
           </a:p>
@@ -15079,7 +16516,7 @@
   <p:cSld>
     <p:spTree>
       <p:nvGrpSpPr>
-        <p:cNvPr id="226" name="Shape 226"/>
+        <p:cNvPr id="227" name="Shape 227"/>
         <p:cNvGrpSpPr/>
         <p:nvPr/>
       </p:nvGrpSpPr>
@@ -15093,7 +16530,7 @@
       </p:grpSpPr>
       <p:sp>
         <p:nvSpPr>
-          <p:cNvPr id="227" name="Google Shape;227;p38"/>
+          <p:cNvPr id="228" name="Google Shape;228;p38"/>
           <p:cNvSpPr txBox="1"/>
           <p:nvPr>
             <p:ph type="title"/>
@@ -15125,7 +16562,7 @@
             </a:pPr>
             <a:r>
               <a:rPr lang="en"/>
-              <a:t>Blockchain hardfork configuration</a:t>
+              <a:t>Blockchain</a:t>
             </a:r>
             <a:endParaRPr/>
           </a:p>
@@ -15133,7 +16570,7 @@
       </p:sp>
       <p:sp>
         <p:nvSpPr>
-          <p:cNvPr id="228" name="Google Shape;228;p38"/>
+          <p:cNvPr id="229" name="Google Shape;229;p38"/>
           <p:cNvSpPr txBox="1"/>
           <p:nvPr>
             <p:ph idx="1" type="body"/>
@@ -15159,163 +16596,141 @@
                 <a:spcPts val="0"/>
               </a:spcBef>
               <a:spcAft>
+                <a:spcPts val="0"/>
+              </a:spcAft>
+              <a:buClr>
+                <a:schemeClr val="dk2"/>
+              </a:buClr>
+              <a:buSzPts val="1100"/>
+              <a:buFont typeface="Arial"/>
+              <a:buNone/>
+            </a:pPr>
+            <a:r>
+              <a:rPr lang="en"/>
+              <a:t>  	errors = []</a:t>
+            </a:r>
+            <a:endParaRPr/>
+          </a:p>
+          <a:p>
+            <a:pPr indent="0" lvl="0" marL="0" rtl="0" algn="l">
+              <a:spcBef>
                 <a:spcPts val="1600"/>
-              </a:spcAft>
-              <a:buNone/>
-            </a:pPr>
-            <a:r>
-              <a:rPr lang="en" sz="1200">
-                <a:solidFill>
-                  <a:srgbClr val="000000"/>
-                </a:solidFill>
-              </a:rPr>
-              <a:t>defmodule EVM.Configuration do</a:t>
-            </a:r>
-            <a:br>
-              <a:rPr lang="en" sz="1200">
-                <a:solidFill>
-                  <a:srgbClr val="000000"/>
-                </a:solidFill>
-              </a:rPr>
-            </a:br>
-            <a:r>
-              <a:rPr lang="en" sz="1200">
-                <a:solidFill>
-                  <a:srgbClr val="000000"/>
-                </a:solidFill>
-              </a:rPr>
-              <a:t>  @moduledoc """</a:t>
-            </a:r>
-            <a:br>
-              <a:rPr lang="en" sz="1200">
-                <a:solidFill>
-                  <a:srgbClr val="000000"/>
-                </a:solidFill>
-              </a:rPr>
-            </a:br>
-            <a:r>
-              <a:rPr lang="en" sz="1200">
-                <a:solidFill>
-                  <a:srgbClr val="000000"/>
-                </a:solidFill>
-              </a:rPr>
-              <a:t>  Behaviour for hardfork configurations.</a:t>
-            </a:r>
-            <a:br>
-              <a:rPr lang="en" sz="1200">
-                <a:solidFill>
-                  <a:srgbClr val="000000"/>
-                </a:solidFill>
-              </a:rPr>
-            </a:br>
-            <a:r>
-              <a:rPr lang="en" sz="1200">
-                <a:solidFill>
-                  <a:srgbClr val="000000"/>
-                </a:solidFill>
-              </a:rPr>
-              <a:t>  """</a:t>
-            </a:r>
-            <a:br>
-              <a:rPr lang="en" sz="1200">
-                <a:solidFill>
-                  <a:srgbClr val="000000"/>
-                </a:solidFill>
-              </a:rPr>
-            </a:br>
-            <a:br>
-              <a:rPr lang="en" sz="1200">
-                <a:solidFill>
-                  <a:srgbClr val="000000"/>
-                </a:solidFill>
-              </a:rPr>
-            </a:br>
-            <a:r>
-              <a:rPr lang="en" sz="1200">
-                <a:solidFill>
-                  <a:srgbClr val="000000"/>
-                </a:solidFill>
-              </a:rPr>
-              <a:t>  @type t :: struct()</a:t>
-            </a:r>
-            <a:br>
-              <a:rPr lang="en" sz="1200">
-                <a:solidFill>
-                  <a:srgbClr val="000000"/>
-                </a:solidFill>
-              </a:rPr>
-            </a:br>
-            <a:br>
-              <a:rPr lang="en" sz="1200">
-                <a:solidFill>
-                  <a:srgbClr val="000000"/>
-                </a:solidFill>
-              </a:rPr>
-            </a:br>
-            <a:r>
-              <a:rPr lang="en" sz="1200">
-                <a:solidFill>
-                  <a:srgbClr val="000000"/>
-                </a:solidFill>
-              </a:rPr>
-              <a:t>  # EIP2</a:t>
-            </a:r>
-            <a:br>
-              <a:rPr lang="en" sz="1200">
-                <a:solidFill>
-                  <a:srgbClr val="000000"/>
-                </a:solidFill>
-              </a:rPr>
-            </a:br>
-            <a:r>
-              <a:rPr lang="en" sz="1200">
-                <a:solidFill>
-                  <a:srgbClr val="000000"/>
-                </a:solidFill>
-              </a:rPr>
-              <a:t>  @callback contract_creation_cost(t) :: integer()</a:t>
-            </a:r>
-            <a:br>
-              <a:rPr lang="en" sz="1200">
-                <a:solidFill>
-                  <a:srgbClr val="000000"/>
-                </a:solidFill>
-              </a:rPr>
-            </a:br>
-            <a:br>
-              <a:rPr lang="en" sz="1200">
-                <a:solidFill>
-                  <a:srgbClr val="000000"/>
-                </a:solidFill>
-              </a:rPr>
-            </a:br>
-            <a:r>
-              <a:rPr lang="en" sz="1200">
-                <a:solidFill>
-                  <a:srgbClr val="000000"/>
-                </a:solidFill>
-              </a:rPr>
-              <a:t>  # EIP150</a:t>
-            </a:r>
-            <a:br>
-              <a:rPr lang="en" sz="1200">
-                <a:solidFill>
-                  <a:srgbClr val="000000"/>
-                </a:solidFill>
-              </a:rPr>
-            </a:br>
-            <a:r>
-              <a:rPr lang="en" sz="1200">
-                <a:solidFill>
-                  <a:srgbClr val="000000"/>
-                </a:solidFill>
-              </a:rPr>
-              <a:t>  @callback extcodesize_cost(t) :: integer()</a:t>
-            </a:r>
-            <a:br>
-              <a:rPr lang="en" sz="1200"/>
-            </a:br>
-            <a:endParaRPr sz="1200"/>
+              </a:spcBef>
+              <a:spcAft>
+                <a:spcPts val="0"/>
+              </a:spcAft>
+              <a:buClr>
+                <a:schemeClr val="dk2"/>
+              </a:buClr>
+              <a:buSzPts val="1100"/>
+              <a:buFont typeface="Arial"/>
+              <a:buNone/>
+            </a:pPr>
+            <a:r>
+              <a:rPr lang="en"/>
+              <a:t>  	|&gt; check_state_root_validity(child_block, block)</a:t>
+            </a:r>
+            <a:endParaRPr/>
+          </a:p>
+          <a:p>
+            <a:pPr indent="0" lvl="0" marL="0" rtl="0" algn="l">
+              <a:spcBef>
+                <a:spcPts val="1600"/>
+              </a:spcBef>
+              <a:spcAft>
+                <a:spcPts val="0"/>
+              </a:spcAft>
+              <a:buClr>
+                <a:schemeClr val="dk2"/>
+              </a:buClr>
+              <a:buSzPts val="1100"/>
+              <a:buFont typeface="Arial"/>
+              <a:buNone/>
+            </a:pPr>
+            <a:r>
+              <a:rPr lang="en"/>
+              <a:t>  	|&gt; check_ommers_hash_validity(child_block, block)</a:t>
+            </a:r>
+            <a:endParaRPr/>
+          </a:p>
+          <a:p>
+            <a:pPr indent="0" lvl="0" marL="0" rtl="0" algn="l">
+              <a:spcBef>
+                <a:spcPts val="1600"/>
+              </a:spcBef>
+              <a:spcAft>
+                <a:spcPts val="0"/>
+              </a:spcAft>
+              <a:buClr>
+                <a:schemeClr val="dk2"/>
+              </a:buClr>
+              <a:buSzPts val="1100"/>
+              <a:buFont typeface="Arial"/>
+              <a:buNone/>
+            </a:pPr>
+            <a:r>
+              <a:rPr lang="en"/>
+              <a:t>  	|&gt; check_transactions_root_validity(child_block, block)</a:t>
+            </a:r>
+            <a:endParaRPr/>
+          </a:p>
+          <a:p>
+            <a:pPr indent="0" lvl="0" marL="0" rtl="0" algn="l">
+              <a:spcBef>
+                <a:spcPts val="1600"/>
+              </a:spcBef>
+              <a:spcAft>
+                <a:spcPts val="0"/>
+              </a:spcAft>
+              <a:buClr>
+                <a:schemeClr val="dk2"/>
+              </a:buClr>
+              <a:buSzPts val="1100"/>
+              <a:buFont typeface="Arial"/>
+              <a:buNone/>
+            </a:pPr>
+            <a:r>
+              <a:rPr lang="en"/>
+              <a:t>  	|&gt; check_gas_used(child_block, block)</a:t>
+            </a:r>
+            <a:endParaRPr/>
+          </a:p>
+          <a:p>
+            <a:pPr indent="0" lvl="0" marL="0" rtl="0" algn="l">
+              <a:spcBef>
+                <a:spcPts val="1600"/>
+              </a:spcBef>
+              <a:spcAft>
+                <a:spcPts val="0"/>
+              </a:spcAft>
+              <a:buClr>
+                <a:schemeClr val="dk2"/>
+              </a:buClr>
+              <a:buSzPts val="1100"/>
+              <a:buFont typeface="Arial"/>
+              <a:buNone/>
+            </a:pPr>
+            <a:r>
+              <a:rPr lang="en"/>
+              <a:t>  	|&gt; check_receipts_root_validity(child_block, block)</a:t>
+            </a:r>
+            <a:endParaRPr/>
+          </a:p>
+          <a:p>
+            <a:pPr indent="0" lvl="0" marL="0" rtl="0" algn="l">
+              <a:spcBef>
+                <a:spcPts val="1600"/>
+              </a:spcBef>
+              <a:spcAft>
+                <a:spcPts val="1600"/>
+              </a:spcAft>
+              <a:buNone/>
+            </a:pPr>
+            <a:r>
+              <a:rPr lang="en"/>
+              <a:t>  	|&gt; check_logs_bloom(child_block, block)</a:t>
+            </a:r>
+            <a:endParaRPr/>
           </a:p>
         </p:txBody>
       </p:sp>
@@ -15332,7 +16747,7 @@
   <p:cSld>
     <p:spTree>
       <p:nvGrpSpPr>
-        <p:cNvPr id="232" name="Shape 232"/>
+        <p:cNvPr id="233" name="Shape 233"/>
         <p:cNvGrpSpPr/>
         <p:nvPr/>
       </p:nvGrpSpPr>
@@ -15346,7 +16761,7 @@
       </p:grpSpPr>
       <p:sp>
         <p:nvSpPr>
-          <p:cNvPr id="233" name="Google Shape;233;p39"/>
+          <p:cNvPr id="234" name="Google Shape;234;p39"/>
           <p:cNvSpPr txBox="1"/>
           <p:nvPr>
             <p:ph type="title"/>
@@ -15378,7 +16793,7 @@
             </a:pPr>
             <a:r>
               <a:rPr lang="en"/>
-              <a:t>ExWire</a:t>
+              <a:t>Blockchain hardfork configuration</a:t>
             </a:r>
             <a:endParaRPr/>
           </a:p>
@@ -15386,7 +16801,7 @@
       </p:sp>
       <p:sp>
         <p:nvSpPr>
-          <p:cNvPr id="234" name="Google Shape;234;p39"/>
+          <p:cNvPr id="235" name="Google Shape;235;p39"/>
           <p:cNvSpPr txBox="1"/>
           <p:nvPr>
             <p:ph idx="1" type="body"/>
@@ -15419,7 +16834,7 @@
             </a:pPr>
             <a:r>
               <a:rPr lang="en"/>
-              <a:t>RLPx</a:t>
+              <a:t>Upgrades in Ethereum</a:t>
             </a:r>
             <a:endParaRPr/>
           </a:p>
@@ -15436,24 +16851,7 @@
             </a:pPr>
             <a:r>
               <a:rPr lang="en"/>
-              <a:t>DevP2P</a:t>
-            </a:r>
-            <a:endParaRPr/>
-          </a:p>
-          <a:p>
-            <a:pPr indent="-342900" lvl="0" marL="457200" rtl="0" algn="l">
-              <a:spcBef>
-                <a:spcPts val="0"/>
-              </a:spcBef>
-              <a:spcAft>
-                <a:spcPts val="0"/>
-              </a:spcAft>
-              <a:buSzPts val="1800"/>
-              <a:buChar char="-"/>
-            </a:pPr>
-            <a:r>
-              <a:rPr lang="en"/>
-              <a:t>Eth Wire</a:t>
+              <a:t>Way to introduce new changes to the chain </a:t>
             </a:r>
             <a:endParaRPr/>
           </a:p>
@@ -15472,7 +16870,7 @@
   <p:cSld>
     <p:spTree>
       <p:nvGrpSpPr>
-        <p:cNvPr id="238" name="Shape 238"/>
+        <p:cNvPr id="239" name="Shape 239"/>
         <p:cNvGrpSpPr/>
         <p:nvPr/>
       </p:nvGrpSpPr>
@@ -15486,7 +16884,7 @@
       </p:grpSpPr>
       <p:sp>
         <p:nvSpPr>
-          <p:cNvPr id="239" name="Google Shape;239;p40"/>
+          <p:cNvPr id="240" name="Google Shape;240;p40"/>
           <p:cNvSpPr txBox="1"/>
           <p:nvPr>
             <p:ph type="title"/>
@@ -15518,7 +16916,7 @@
             </a:pPr>
             <a:r>
               <a:rPr lang="en"/>
-              <a:t>RLPx</a:t>
+              <a:t>Blockchain hardfork configuration</a:t>
             </a:r>
             <a:endParaRPr/>
           </a:p>
@@ -15526,7 +16924,7 @@
       </p:sp>
       <p:sp>
         <p:nvSpPr>
-          <p:cNvPr id="240" name="Google Shape;240;p40"/>
+          <p:cNvPr id="241" name="Google Shape;241;p40"/>
           <p:cNvSpPr txBox="1"/>
           <p:nvPr>
             <p:ph idx="1" type="body"/>
@@ -15547,90 +16945,6 @@
           </a:bodyPr>
           <a:lstStyle/>
           <a:p>
-            <a:pPr indent="-381000" lvl="0" marL="457200" rtl="0" algn="l">
-              <a:spcBef>
-                <a:spcPts val="0"/>
-              </a:spcBef>
-              <a:spcAft>
-                <a:spcPts val="0"/>
-              </a:spcAft>
-              <a:buClr>
-                <a:schemeClr val="dk2"/>
-              </a:buClr>
-              <a:buSzPts val="2400"/>
-              <a:buFont typeface="Arial"/>
-              <a:buChar char="●"/>
-            </a:pPr>
-            <a:r>
-              <a:rPr lang="en" sz="2400"/>
-              <a:t>Node Discovery and Network Formation</a:t>
-            </a:r>
-            <a:endParaRPr sz="2400"/>
-          </a:p>
-          <a:p>
-            <a:pPr indent="-381000" lvl="0" marL="457200" rtl="0" algn="l">
-              <a:spcBef>
-                <a:spcPts val="0"/>
-              </a:spcBef>
-              <a:spcAft>
-                <a:spcPts val="0"/>
-              </a:spcAft>
-              <a:buClr>
-                <a:schemeClr val="dk2"/>
-              </a:buClr>
-              <a:buSzPts val="2400"/>
-              <a:buFont typeface="Arial"/>
-              <a:buChar char="●"/>
-            </a:pPr>
-            <a:r>
-              <a:rPr lang="en" sz="2400"/>
-              <a:t>Encrypted handshake</a:t>
-            </a:r>
-            <a:endParaRPr sz="2400"/>
-          </a:p>
-          <a:p>
-            <a:pPr indent="-381000" lvl="0" marL="457200" rtl="0" algn="l">
-              <a:spcBef>
-                <a:spcPts val="0"/>
-              </a:spcBef>
-              <a:spcAft>
-                <a:spcPts val="0"/>
-              </a:spcAft>
-              <a:buClr>
-                <a:schemeClr val="dk2"/>
-              </a:buClr>
-              <a:buSzPts val="2400"/>
-              <a:buFont typeface="Arial"/>
-              <a:buChar char="●"/>
-            </a:pPr>
-            <a:r>
-              <a:rPr lang="en" sz="2400"/>
-              <a:t>Encrypted transport</a:t>
-            </a:r>
-            <a:endParaRPr sz="2400"/>
-          </a:p>
-          <a:p>
-            <a:pPr indent="-381000" lvl="0" marL="457200" rtl="0" algn="l">
-              <a:spcBef>
-                <a:spcPts val="0"/>
-              </a:spcBef>
-              <a:spcAft>
-                <a:spcPts val="0"/>
-              </a:spcAft>
-              <a:buClr>
-                <a:schemeClr val="dk2"/>
-              </a:buClr>
-              <a:buSzPts val="2400"/>
-              <a:buFont typeface="Arial"/>
-              <a:buChar char="●"/>
-            </a:pPr>
-            <a:r>
-              <a:rPr lang="en" sz="2400"/>
-              <a:t>Peer Reputation</a:t>
-            </a:r>
-            <a:endParaRPr sz="2400"/>
-          </a:p>
-          <a:p>
             <a:pPr indent="0" lvl="0" marL="0" rtl="0" algn="l">
               <a:spcBef>
                 <a:spcPts val="0"/>
@@ -15641,9 +16955,158 @@
               <a:buNone/>
             </a:pPr>
             <a:r>
-              <a:t/>
-            </a:r>
-            <a:endParaRPr/>
+              <a:rPr lang="en" sz="1200">
+                <a:solidFill>
+                  <a:srgbClr val="000000"/>
+                </a:solidFill>
+              </a:rPr>
+              <a:t>defmodule EVM.Configuration do</a:t>
+            </a:r>
+            <a:br>
+              <a:rPr lang="en" sz="1200">
+                <a:solidFill>
+                  <a:srgbClr val="000000"/>
+                </a:solidFill>
+              </a:rPr>
+            </a:br>
+            <a:r>
+              <a:rPr lang="en" sz="1200">
+                <a:solidFill>
+                  <a:srgbClr val="000000"/>
+                </a:solidFill>
+              </a:rPr>
+              <a:t>  @moduledoc """</a:t>
+            </a:r>
+            <a:br>
+              <a:rPr lang="en" sz="1200">
+                <a:solidFill>
+                  <a:srgbClr val="000000"/>
+                </a:solidFill>
+              </a:rPr>
+            </a:br>
+            <a:r>
+              <a:rPr lang="en" sz="1200">
+                <a:solidFill>
+                  <a:srgbClr val="000000"/>
+                </a:solidFill>
+              </a:rPr>
+              <a:t>  Behaviour for hardfork configurations.</a:t>
+            </a:r>
+            <a:br>
+              <a:rPr lang="en" sz="1200">
+                <a:solidFill>
+                  <a:srgbClr val="000000"/>
+                </a:solidFill>
+              </a:rPr>
+            </a:br>
+            <a:r>
+              <a:rPr lang="en" sz="1200">
+                <a:solidFill>
+                  <a:srgbClr val="000000"/>
+                </a:solidFill>
+              </a:rPr>
+              <a:t>  """</a:t>
+            </a:r>
+            <a:br>
+              <a:rPr lang="en" sz="1200">
+                <a:solidFill>
+                  <a:srgbClr val="000000"/>
+                </a:solidFill>
+              </a:rPr>
+            </a:br>
+            <a:br>
+              <a:rPr lang="en" sz="1200">
+                <a:solidFill>
+                  <a:srgbClr val="000000"/>
+                </a:solidFill>
+              </a:rPr>
+            </a:br>
+            <a:r>
+              <a:rPr lang="en" sz="1200">
+                <a:solidFill>
+                  <a:srgbClr val="000000"/>
+                </a:solidFill>
+              </a:rPr>
+              <a:t>  @type t :: struct()</a:t>
+            </a:r>
+            <a:br>
+              <a:rPr lang="en" sz="1200">
+                <a:solidFill>
+                  <a:srgbClr val="000000"/>
+                </a:solidFill>
+              </a:rPr>
+            </a:br>
+            <a:br>
+              <a:rPr lang="en" sz="1200">
+                <a:solidFill>
+                  <a:srgbClr val="000000"/>
+                </a:solidFill>
+              </a:rPr>
+            </a:br>
+            <a:r>
+              <a:rPr lang="en" sz="1200">
+                <a:solidFill>
+                  <a:srgbClr val="000000"/>
+                </a:solidFill>
+              </a:rPr>
+              <a:t>  # EIP2</a:t>
+            </a:r>
+            <a:br>
+              <a:rPr lang="en" sz="1200">
+                <a:solidFill>
+                  <a:srgbClr val="000000"/>
+                </a:solidFill>
+              </a:rPr>
+            </a:br>
+            <a:r>
+              <a:rPr lang="en" sz="1200">
+                <a:solidFill>
+                  <a:srgbClr val="000000"/>
+                </a:solidFill>
+              </a:rPr>
+              <a:t>  @callback contract_creation_cost(t) :: integer()</a:t>
+            </a:r>
+            <a:br>
+              <a:rPr lang="en" sz="1200">
+                <a:solidFill>
+                  <a:srgbClr val="000000"/>
+                </a:solidFill>
+              </a:rPr>
+            </a:br>
+            <a:br>
+              <a:rPr lang="en" sz="1200">
+                <a:solidFill>
+                  <a:srgbClr val="000000"/>
+                </a:solidFill>
+              </a:rPr>
+            </a:br>
+            <a:r>
+              <a:rPr lang="en" sz="1200">
+                <a:solidFill>
+                  <a:srgbClr val="000000"/>
+                </a:solidFill>
+              </a:rPr>
+              <a:t>  # EIP150</a:t>
+            </a:r>
+            <a:br>
+              <a:rPr lang="en" sz="1200">
+                <a:solidFill>
+                  <a:srgbClr val="000000"/>
+                </a:solidFill>
+              </a:rPr>
+            </a:br>
+            <a:r>
+              <a:rPr lang="en" sz="1200">
+                <a:solidFill>
+                  <a:srgbClr val="000000"/>
+                </a:solidFill>
+              </a:rPr>
+              <a:t>  @callback extcodesize_cost(t) :: integer()</a:t>
+            </a:r>
+            <a:br>
+              <a:rPr lang="en" sz="1200"/>
+            </a:br>
+            <a:endParaRPr sz="1200"/>
           </a:p>
         </p:txBody>
       </p:sp>
@@ -15660,7 +17123,7 @@
   <p:cSld>
     <p:spTree>
       <p:nvGrpSpPr>
-        <p:cNvPr id="244" name="Shape 244"/>
+        <p:cNvPr id="245" name="Shape 245"/>
         <p:cNvGrpSpPr/>
         <p:nvPr/>
       </p:nvGrpSpPr>
@@ -15674,7 +17137,7 @@
       </p:grpSpPr>
       <p:sp>
         <p:nvSpPr>
-          <p:cNvPr id="245" name="Google Shape;245;p41"/>
+          <p:cNvPr id="246" name="Google Shape;246;p41"/>
           <p:cNvSpPr txBox="1"/>
           <p:nvPr>
             <p:ph type="title"/>
@@ -15706,7 +17169,7 @@
             </a:pPr>
             <a:r>
               <a:rPr lang="en"/>
-              <a:t>DevP2P</a:t>
+              <a:t>ExWire</a:t>
             </a:r>
             <a:endParaRPr/>
           </a:p>
@@ -15714,7 +17177,7 @@
       </p:sp>
       <p:sp>
         <p:nvSpPr>
-          <p:cNvPr id="246" name="Google Shape;246;p41"/>
+          <p:cNvPr id="247" name="Google Shape;247;p41"/>
           <p:cNvSpPr txBox="1"/>
           <p:nvPr>
             <p:ph idx="1" type="body"/>
@@ -15735,148 +17198,55 @@
           </a:bodyPr>
           <a:lstStyle/>
           <a:p>
-            <a:pPr indent="-317500" lvl="0" marL="457200" rtl="0" algn="l">
-              <a:spcBef>
-                <a:spcPts val="0"/>
-              </a:spcBef>
-              <a:spcAft>
-                <a:spcPts val="0"/>
-              </a:spcAft>
-              <a:buSzPts val="1400"/>
+            <a:pPr indent="-342900" lvl="0" marL="457200" rtl="0" algn="l">
+              <a:spcBef>
+                <a:spcPts val="0"/>
+              </a:spcBef>
+              <a:spcAft>
+                <a:spcPts val="0"/>
+              </a:spcAft>
+              <a:buSzPts val="1800"/>
               <a:buChar char="-"/>
             </a:pPr>
             <a:r>
-              <a:rPr b="1" lang="en" sz="1400">
-                <a:solidFill>
-                  <a:schemeClr val="dk2"/>
-                </a:solidFill>
-                <a:latin typeface="Arial"/>
-                <a:ea typeface="Arial"/>
-                <a:cs typeface="Arial"/>
-                <a:sym typeface="Arial"/>
-              </a:rPr>
-              <a:t>Hello</a:t>
-            </a:r>
-            <a:endParaRPr b="1" sz="1400">
-              <a:solidFill>
-                <a:schemeClr val="dk2"/>
-              </a:solidFill>
-              <a:latin typeface="Arial"/>
-              <a:ea typeface="Arial"/>
-              <a:cs typeface="Arial"/>
-              <a:sym typeface="Arial"/>
-            </a:endParaRPr>
-          </a:p>
-          <a:p>
-            <a:pPr indent="-317500" lvl="0" marL="457200" rtl="0" algn="l">
-              <a:spcBef>
-                <a:spcPts val="0"/>
-              </a:spcBef>
-              <a:spcAft>
-                <a:spcPts val="0"/>
-              </a:spcAft>
-              <a:buClr>
-                <a:schemeClr val="dk2"/>
-              </a:buClr>
-              <a:buSzPts val="1400"/>
-              <a:buFont typeface="Arial"/>
+              <a:rPr lang="en"/>
+              <a:t>RLPx</a:t>
+            </a:r>
+            <a:endParaRPr/>
+          </a:p>
+          <a:p>
+            <a:pPr indent="-342900" lvl="0" marL="457200" rtl="0" algn="l">
+              <a:spcBef>
+                <a:spcPts val="0"/>
+              </a:spcBef>
+              <a:spcAft>
+                <a:spcPts val="0"/>
+              </a:spcAft>
+              <a:buSzPts val="1800"/>
               <a:buChar char="-"/>
             </a:pPr>
             <a:r>
-              <a:rPr b="1" lang="en" sz="1400">
-                <a:solidFill>
-                  <a:schemeClr val="dk2"/>
-                </a:solidFill>
-                <a:latin typeface="Arial"/>
-                <a:ea typeface="Arial"/>
-                <a:cs typeface="Arial"/>
-                <a:sym typeface="Arial"/>
-              </a:rPr>
-              <a:t>Disconnect</a:t>
-            </a:r>
-            <a:endParaRPr b="1" sz="1400">
-              <a:solidFill>
-                <a:schemeClr val="dk2"/>
-              </a:solidFill>
-              <a:latin typeface="Arial"/>
-              <a:ea typeface="Arial"/>
-              <a:cs typeface="Arial"/>
-              <a:sym typeface="Arial"/>
-            </a:endParaRPr>
-          </a:p>
-          <a:p>
-            <a:pPr indent="-317500" lvl="0" marL="457200" rtl="0" algn="l">
-              <a:spcBef>
-                <a:spcPts val="0"/>
-              </a:spcBef>
-              <a:spcAft>
-                <a:spcPts val="0"/>
-              </a:spcAft>
-              <a:buClr>
-                <a:schemeClr val="dk2"/>
-              </a:buClr>
-              <a:buSzPts val="1400"/>
-              <a:buFont typeface="Arial"/>
+              <a:rPr lang="en"/>
+              <a:t>DevP2P</a:t>
+            </a:r>
+            <a:endParaRPr/>
+          </a:p>
+          <a:p>
+            <a:pPr indent="-342900" lvl="0" marL="457200" rtl="0" algn="l">
+              <a:spcBef>
+                <a:spcPts val="0"/>
+              </a:spcBef>
+              <a:spcAft>
+                <a:spcPts val="0"/>
+              </a:spcAft>
+              <a:buSzPts val="1800"/>
               <a:buChar char="-"/>
             </a:pPr>
             <a:r>
-              <a:rPr b="1" lang="en" sz="1400">
-                <a:solidFill>
-                  <a:schemeClr val="dk2"/>
-                </a:solidFill>
-                <a:latin typeface="Arial"/>
-                <a:ea typeface="Arial"/>
-                <a:cs typeface="Arial"/>
-                <a:sym typeface="Arial"/>
-              </a:rPr>
-              <a:t>Ping</a:t>
-            </a:r>
-            <a:endParaRPr b="1" sz="1400">
-              <a:solidFill>
-                <a:schemeClr val="dk2"/>
-              </a:solidFill>
-              <a:latin typeface="Arial"/>
-              <a:ea typeface="Arial"/>
-              <a:cs typeface="Arial"/>
-              <a:sym typeface="Arial"/>
-            </a:endParaRPr>
-          </a:p>
-          <a:p>
-            <a:pPr indent="-317500" lvl="0" marL="457200" rtl="0" algn="l">
-              <a:spcBef>
-                <a:spcPts val="0"/>
-              </a:spcBef>
-              <a:spcAft>
-                <a:spcPts val="0"/>
-              </a:spcAft>
-              <a:buClr>
-                <a:schemeClr val="dk2"/>
-              </a:buClr>
-              <a:buSzPts val="1400"/>
-              <a:buFont typeface="Arial"/>
-              <a:buChar char="-"/>
-            </a:pPr>
-            <a:r>
-              <a:rPr b="1" lang="en" sz="1400">
-                <a:solidFill>
-                  <a:schemeClr val="dk2"/>
-                </a:solidFill>
-                <a:latin typeface="Arial"/>
-                <a:ea typeface="Arial"/>
-                <a:cs typeface="Arial"/>
-                <a:sym typeface="Arial"/>
-              </a:rPr>
-              <a:t>Pong</a:t>
-            </a:r>
-            <a:endParaRPr b="1" sz="1400">
-              <a:solidFill>
-                <a:schemeClr val="dk2"/>
-              </a:solidFill>
-              <a:latin typeface="Arial"/>
-              <a:ea typeface="Arial"/>
-              <a:cs typeface="Arial"/>
-              <a:sym typeface="Arial"/>
-            </a:endParaRPr>
+              <a:rPr lang="en"/>
+              <a:t>Eth Wire</a:t>
+            </a:r>
+            <a:endParaRPr/>
           </a:p>
         </p:txBody>
       </p:sp>
@@ -16082,7 +17452,7 @@
   <p:cSld>
     <p:spTree>
       <p:nvGrpSpPr>
-        <p:cNvPr id="250" name="Shape 250"/>
+        <p:cNvPr id="251" name="Shape 251"/>
         <p:cNvGrpSpPr/>
         <p:nvPr/>
       </p:nvGrpSpPr>
@@ -16096,7 +17466,7 @@
       </p:grpSpPr>
       <p:sp>
         <p:nvSpPr>
-          <p:cNvPr id="251" name="Google Shape;251;p42"/>
+          <p:cNvPr id="252" name="Google Shape;252;p42"/>
           <p:cNvSpPr txBox="1"/>
           <p:nvPr>
             <p:ph type="title"/>
@@ -16128,7 +17498,7 @@
             </a:pPr>
             <a:r>
               <a:rPr lang="en"/>
-              <a:t>Web3 protocols</a:t>
+              <a:t>RLPx</a:t>
             </a:r>
             <a:endParaRPr/>
           </a:p>
@@ -16136,7 +17506,7 @@
       </p:sp>
       <p:sp>
         <p:nvSpPr>
-          <p:cNvPr id="252" name="Google Shape;252;p42"/>
+          <p:cNvPr id="253" name="Google Shape;253;p42"/>
           <p:cNvSpPr txBox="1"/>
           <p:nvPr>
             <p:ph idx="1" type="body"/>
@@ -16157,53 +17527,101 @@
           </a:bodyPr>
           <a:lstStyle/>
           <a:p>
-            <a:pPr indent="-342900" lvl="0" marL="457200" rtl="0" algn="l">
-              <a:spcBef>
-                <a:spcPts val="0"/>
-              </a:spcBef>
-              <a:spcAft>
-                <a:spcPts val="0"/>
-              </a:spcAft>
-              <a:buSzPts val="1800"/>
-              <a:buChar char="-"/>
-            </a:pPr>
-            <a:r>
-              <a:rPr lang="en"/>
-              <a:t>Eth</a:t>
-            </a:r>
-            <a:endParaRPr/>
-          </a:p>
-          <a:p>
-            <a:pPr indent="-342900" lvl="0" marL="457200" rtl="0" algn="l">
-              <a:spcBef>
-                <a:spcPts val="0"/>
-              </a:spcBef>
-              <a:spcAft>
-                <a:spcPts val="0"/>
-              </a:spcAft>
-              <a:buSzPts val="1800"/>
-              <a:buChar char="-"/>
-            </a:pPr>
-            <a:r>
-              <a:rPr lang="en"/>
-              <a:t>Whisper</a:t>
-            </a:r>
-            <a:endParaRPr/>
-          </a:p>
-          <a:p>
-            <a:pPr indent="-342900" lvl="0" marL="457200" rtl="0" algn="l">
-              <a:spcBef>
-                <a:spcPts val="0"/>
-              </a:spcBef>
-              <a:spcAft>
-                <a:spcPts val="0"/>
-              </a:spcAft>
-              <a:buSzPts val="1800"/>
-              <a:buChar char="-"/>
-            </a:pPr>
-            <a:r>
-              <a:rPr lang="en"/>
-              <a:t>Swarm</a:t>
+            <a:pPr indent="-381000" lvl="0" marL="457200" rtl="0" algn="l">
+              <a:spcBef>
+                <a:spcPts val="0"/>
+              </a:spcBef>
+              <a:spcAft>
+                <a:spcPts val="0"/>
+              </a:spcAft>
+              <a:buClr>
+                <a:schemeClr val="dk2"/>
+              </a:buClr>
+              <a:buSzPts val="2400"/>
+              <a:buFont typeface="Arial"/>
+              <a:buChar char="●"/>
+            </a:pPr>
+            <a:r>
+              <a:rPr lang="en" sz="2400"/>
+              <a:t>Node Discovery and Network Formation</a:t>
+            </a:r>
+            <a:endParaRPr sz="2400"/>
+          </a:p>
+          <a:p>
+            <a:pPr indent="-381000" lvl="0" marL="457200" rtl="0" algn="l">
+              <a:spcBef>
+                <a:spcPts val="0"/>
+              </a:spcBef>
+              <a:spcAft>
+                <a:spcPts val="0"/>
+              </a:spcAft>
+              <a:buClr>
+                <a:schemeClr val="dk2"/>
+              </a:buClr>
+              <a:buSzPts val="2400"/>
+              <a:buFont typeface="Arial"/>
+              <a:buChar char="●"/>
+            </a:pPr>
+            <a:r>
+              <a:rPr lang="en" sz="2400"/>
+              <a:t>Encrypted handshake</a:t>
+            </a:r>
+            <a:endParaRPr sz="2400"/>
+          </a:p>
+          <a:p>
+            <a:pPr indent="-381000" lvl="0" marL="457200" rtl="0" algn="l">
+              <a:spcBef>
+                <a:spcPts val="0"/>
+              </a:spcBef>
+              <a:spcAft>
+                <a:spcPts val="0"/>
+              </a:spcAft>
+              <a:buClr>
+                <a:schemeClr val="dk2"/>
+              </a:buClr>
+              <a:buSzPts val="2400"/>
+              <a:buFont typeface="Arial"/>
+              <a:buChar char="●"/>
+            </a:pPr>
+            <a:r>
+              <a:rPr lang="en" sz="2400"/>
+              <a:t>Encrypted transport</a:t>
+            </a:r>
+            <a:endParaRPr sz="2400"/>
+          </a:p>
+          <a:p>
+            <a:pPr indent="-381000" lvl="0" marL="457200" rtl="0" algn="l">
+              <a:spcBef>
+                <a:spcPts val="0"/>
+              </a:spcBef>
+              <a:spcAft>
+                <a:spcPts val="0"/>
+              </a:spcAft>
+              <a:buClr>
+                <a:schemeClr val="dk2"/>
+              </a:buClr>
+              <a:buSzPts val="2400"/>
+              <a:buFont typeface="Arial"/>
+              <a:buChar char="●"/>
+            </a:pPr>
+            <a:r>
+              <a:rPr lang="en" sz="2400"/>
+              <a:t>Peer Reputation</a:t>
+            </a:r>
+            <a:endParaRPr sz="2400"/>
+          </a:p>
+          <a:p>
+            <a:pPr indent="0" lvl="0" marL="0" rtl="0" algn="l">
+              <a:spcBef>
+                <a:spcPts val="0"/>
+              </a:spcBef>
+              <a:spcAft>
+                <a:spcPts val="1600"/>
+              </a:spcAft>
+              <a:buNone/>
+            </a:pPr>
+            <a:r>
+              <a:t/>
             </a:r>
             <a:endParaRPr/>
           </a:p>
@@ -16222,7 +17640,7 @@
   <p:cSld>
     <p:spTree>
       <p:nvGrpSpPr>
-        <p:cNvPr id="256" name="Shape 256"/>
+        <p:cNvPr id="257" name="Shape 257"/>
         <p:cNvGrpSpPr/>
         <p:nvPr/>
       </p:nvGrpSpPr>
@@ -16236,7 +17654,7 @@
       </p:grpSpPr>
       <p:sp>
         <p:nvSpPr>
-          <p:cNvPr id="257" name="Google Shape;257;p43"/>
+          <p:cNvPr id="258" name="Google Shape;258;p43"/>
           <p:cNvSpPr txBox="1"/>
           <p:nvPr>
             <p:ph type="title"/>
@@ -16268,7 +17686,7 @@
             </a:pPr>
             <a:r>
               <a:rPr lang="en"/>
-              <a:t>Current state</a:t>
+              <a:t>DevP2P</a:t>
             </a:r>
             <a:endParaRPr/>
           </a:p>
@@ -16276,7 +17694,7 @@
       </p:sp>
       <p:sp>
         <p:nvSpPr>
-          <p:cNvPr id="258" name="Google Shape;258;p43"/>
+          <p:cNvPr id="259" name="Google Shape;259;p43"/>
           <p:cNvSpPr txBox="1"/>
           <p:nvPr>
             <p:ph idx="1" type="body"/>
@@ -16297,55 +17715,148 @@
           </a:bodyPr>
           <a:lstStyle/>
           <a:p>
-            <a:pPr indent="-342900" lvl="0" marL="457200" rtl="0" algn="l">
-              <a:spcBef>
-                <a:spcPts val="0"/>
-              </a:spcBef>
-              <a:spcAft>
-                <a:spcPts val="0"/>
-              </a:spcAft>
-              <a:buSzPts val="1800"/>
+            <a:pPr indent="-317500" lvl="0" marL="457200" rtl="0" algn="l">
+              <a:spcBef>
+                <a:spcPts val="0"/>
+              </a:spcBef>
+              <a:spcAft>
+                <a:spcPts val="0"/>
+              </a:spcAft>
+              <a:buSzPts val="1400"/>
               <a:buChar char="-"/>
             </a:pPr>
             <a:r>
-              <a:rPr lang="en"/>
-              <a:t>Almost passing all Frontier tests</a:t>
-            </a:r>
-            <a:endParaRPr/>
-          </a:p>
-          <a:p>
-            <a:pPr indent="-342900" lvl="0" marL="457200" rtl="0" algn="l">
-              <a:spcBef>
-                <a:spcPts val="0"/>
-              </a:spcBef>
-              <a:spcAft>
-                <a:spcPts val="0"/>
-              </a:spcAft>
-              <a:buSzPts val="1800"/>
+              <a:rPr b="1" lang="en" sz="1400">
+                <a:solidFill>
+                  <a:schemeClr val="dk2"/>
+                </a:solidFill>
+                <a:latin typeface="Arial"/>
+                <a:ea typeface="Arial"/>
+                <a:cs typeface="Arial"/>
+                <a:sym typeface="Arial"/>
+              </a:rPr>
+              <a:t>Hello</a:t>
+            </a:r>
+            <a:endParaRPr b="1" sz="1400">
+              <a:solidFill>
+                <a:schemeClr val="dk2"/>
+              </a:solidFill>
+              <a:latin typeface="Arial"/>
+              <a:ea typeface="Arial"/>
+              <a:cs typeface="Arial"/>
+              <a:sym typeface="Arial"/>
+            </a:endParaRPr>
+          </a:p>
+          <a:p>
+            <a:pPr indent="-317500" lvl="0" marL="457200" rtl="0" algn="l">
+              <a:spcBef>
+                <a:spcPts val="0"/>
+              </a:spcBef>
+              <a:spcAft>
+                <a:spcPts val="0"/>
+              </a:spcAft>
+              <a:buClr>
+                <a:schemeClr val="dk2"/>
+              </a:buClr>
+              <a:buSzPts val="1400"/>
+              <a:buFont typeface="Arial"/>
               <a:buChar char="-"/>
             </a:pPr>
             <a:r>
-              <a:rPr lang="en"/>
-              <a:t>Hard fork configuration</a:t>
-            </a:r>
-            <a:endParaRPr/>
-          </a:p>
-          <a:p>
-            <a:pPr indent="-342900" lvl="0" marL="457200" rtl="0" algn="l">
-              <a:spcBef>
-                <a:spcPts val="0"/>
-              </a:spcBef>
-              <a:spcAft>
-                <a:spcPts val="0"/>
-              </a:spcAft>
-              <a:buSzPts val="1800"/>
+              <a:rPr b="1" lang="en" sz="1400">
+                <a:solidFill>
+                  <a:schemeClr val="dk2"/>
+                </a:solidFill>
+                <a:latin typeface="Arial"/>
+                <a:ea typeface="Arial"/>
+                <a:cs typeface="Arial"/>
+                <a:sym typeface="Arial"/>
+              </a:rPr>
+              <a:t>Disconnect</a:t>
+            </a:r>
+            <a:endParaRPr b="1" sz="1400">
+              <a:solidFill>
+                <a:schemeClr val="dk2"/>
+              </a:solidFill>
+              <a:latin typeface="Arial"/>
+              <a:ea typeface="Arial"/>
+              <a:cs typeface="Arial"/>
+              <a:sym typeface="Arial"/>
+            </a:endParaRPr>
+          </a:p>
+          <a:p>
+            <a:pPr indent="-317500" lvl="0" marL="457200" rtl="0" algn="l">
+              <a:spcBef>
+                <a:spcPts val="0"/>
+              </a:spcBef>
+              <a:spcAft>
+                <a:spcPts val="0"/>
+              </a:spcAft>
+              <a:buClr>
+                <a:schemeClr val="dk2"/>
+              </a:buClr>
+              <a:buSzPts val="1400"/>
+              <a:buFont typeface="Arial"/>
               <a:buChar char="-"/>
             </a:pPr>
             <a:r>
-              <a:rPr lang="en"/>
-              <a:t>Working on Eth protocol sync</a:t>
-            </a:r>
-            <a:endParaRPr/>
+              <a:rPr b="1" lang="en" sz="1400">
+                <a:solidFill>
+                  <a:schemeClr val="dk2"/>
+                </a:solidFill>
+                <a:latin typeface="Arial"/>
+                <a:ea typeface="Arial"/>
+                <a:cs typeface="Arial"/>
+                <a:sym typeface="Arial"/>
+              </a:rPr>
+              <a:t>Ping</a:t>
+            </a:r>
+            <a:endParaRPr b="1" sz="1400">
+              <a:solidFill>
+                <a:schemeClr val="dk2"/>
+              </a:solidFill>
+              <a:latin typeface="Arial"/>
+              <a:ea typeface="Arial"/>
+              <a:cs typeface="Arial"/>
+              <a:sym typeface="Arial"/>
+            </a:endParaRPr>
+          </a:p>
+          <a:p>
+            <a:pPr indent="-317500" lvl="0" marL="457200" rtl="0" algn="l">
+              <a:spcBef>
+                <a:spcPts val="0"/>
+              </a:spcBef>
+              <a:spcAft>
+                <a:spcPts val="0"/>
+              </a:spcAft>
+              <a:buClr>
+                <a:schemeClr val="dk2"/>
+              </a:buClr>
+              <a:buSzPts val="1400"/>
+              <a:buFont typeface="Arial"/>
+              <a:buChar char="-"/>
+            </a:pPr>
+            <a:r>
+              <a:rPr b="1" lang="en" sz="1400">
+                <a:solidFill>
+                  <a:schemeClr val="dk2"/>
+                </a:solidFill>
+                <a:latin typeface="Arial"/>
+                <a:ea typeface="Arial"/>
+                <a:cs typeface="Arial"/>
+                <a:sym typeface="Arial"/>
+              </a:rPr>
+              <a:t>Pong</a:t>
+            </a:r>
+            <a:endParaRPr b="1" sz="1400">
+              <a:solidFill>
+                <a:schemeClr val="dk2"/>
+              </a:solidFill>
+              <a:latin typeface="Arial"/>
+              <a:ea typeface="Arial"/>
+              <a:cs typeface="Arial"/>
+              <a:sym typeface="Arial"/>
+            </a:endParaRPr>
           </a:p>
         </p:txBody>
       </p:sp>
@@ -16362,7 +17873,7 @@
   <p:cSld>
     <p:spTree>
       <p:nvGrpSpPr>
-        <p:cNvPr id="262" name="Shape 262"/>
+        <p:cNvPr id="263" name="Shape 263"/>
         <p:cNvGrpSpPr/>
         <p:nvPr/>
       </p:nvGrpSpPr>
@@ -16376,7 +17887,47 @@
       </p:grpSpPr>
       <p:sp>
         <p:nvSpPr>
-          <p:cNvPr id="263" name="Google Shape;263;p44"/>
+          <p:cNvPr id="264" name="Google Shape;264;p44"/>
+          <p:cNvSpPr txBox="1"/>
+          <p:nvPr>
+            <p:ph type="title"/>
+          </p:nvPr>
+        </p:nvSpPr>
+        <p:spPr>
+          <a:xfrm>
+            <a:off x="311700" y="445025"/>
+            <a:ext cx="8520600" cy="623400"/>
+          </a:xfrm>
+          <a:prstGeom prst="rect">
+            <a:avLst/>
+          </a:prstGeom>
+        </p:spPr>
+        <p:txBody>
+          <a:bodyPr anchorCtr="0" anchor="t" bIns="91425" lIns="91425" spcFirstLastPara="1" rIns="91425" wrap="square" tIns="91425">
+            <a:noAutofit/>
+          </a:bodyPr>
+          <a:lstStyle/>
+          <a:p>
+            <a:pPr indent="0" lvl="0" marL="0" rtl="0" algn="l">
+              <a:spcBef>
+                <a:spcPts val="0"/>
+              </a:spcBef>
+              <a:spcAft>
+                <a:spcPts val="0"/>
+              </a:spcAft>
+              <a:buNone/>
+            </a:pPr>
+            <a:r>
+              <a:rPr lang="en"/>
+              <a:t>Web3 protocols</a:t>
+            </a:r>
+            <a:endParaRPr/>
+          </a:p>
+        </p:txBody>
+      </p:sp>
+      <p:sp>
+        <p:nvSpPr>
+          <p:cNvPr id="265" name="Google Shape;265;p44"/>
           <p:cNvSpPr txBox="1"/>
           <p:nvPr>
             <p:ph idx="1" type="body"/>
@@ -16384,8 +17935,8 @@
         </p:nvSpPr>
         <p:spPr>
           <a:xfrm>
-            <a:off x="3079050" y="359350"/>
-            <a:ext cx="2318100" cy="662400"/>
+            <a:off x="311700" y="1152475"/>
+            <a:ext cx="8520600" cy="3416400"/>
           </a:xfrm>
           <a:prstGeom prst="rect">
             <a:avLst/>
@@ -16397,7 +17948,7 @@
           </a:bodyPr>
           <a:lstStyle/>
           <a:p>
-            <a:pPr indent="0" lvl="0" marL="0" rtl="0" algn="l">
+            <a:pPr indent="0" lvl="0" marL="457200" rtl="0" algn="l">
               <a:spcBef>
                 <a:spcPts val="0"/>
               </a:spcBef>
@@ -16407,31 +17958,30 @@
               <a:buNone/>
             </a:pPr>
             <a:r>
-              <a:rPr lang="en" sz="3000">
-                <a:solidFill>
-                  <a:srgbClr val="000000"/>
-                </a:solidFill>
-              </a:rPr>
-              <a:t>Thanks!</a:t>
-            </a:r>
-            <a:endParaRPr sz="3000">
-              <a:solidFill>
-                <a:srgbClr val="000000"/>
-              </a:solidFill>
-            </a:endParaRPr>
+              <a:t/>
+            </a:r>
+            <a:endParaRPr/>
           </a:p>
         </p:txBody>
       </p:sp>
-      <p:sp>
-        <p:nvSpPr>
-          <p:cNvPr id="264" name="Google Shape;264;p44"/>
-          <p:cNvSpPr txBox="1"/>
+      <p:pic>
+        <p:nvPicPr>
+          <p:cNvPr id="266" name="Google Shape;266;p44"/>
+          <p:cNvPicPr preferRelativeResize="0"/>
           <p:nvPr/>
-        </p:nvSpPr>
-        <p:spPr>
-          <a:xfrm>
-            <a:off x="521375" y="1317600"/>
-            <a:ext cx="7327800" cy="473400"/>
+        </p:nvPicPr>
+        <p:blipFill>
+          <a:blip r:embed="rId3">
+            <a:alphaModFix/>
+          </a:blip>
+          <a:stretch>
+            <a:fillRect/>
+          </a:stretch>
+        </p:blipFill>
+        <p:spPr>
+          <a:xfrm>
+            <a:off x="909550" y="1068425"/>
+            <a:ext cx="6931623" cy="4075075"/>
           </a:xfrm>
           <a:prstGeom prst="rect">
             <a:avLst/>
@@ -16441,6 +17991,49 @@
             <a:noFill/>
           </a:ln>
         </p:spPr>
+      </p:pic>
+    </p:spTree>
+  </p:cSld>
+  <p:clrMapOvr>
+    <a:masterClrMapping/>
+  </p:clrMapOvr>
+</p:sld>
+</file>
+
+<file path=ppt/slides/slide33.xml><?xml version="1.0" encoding="utf-8"?>
+<p:sld xmlns:a="http://schemas.openxmlformats.org/drawingml/2006/main" xmlns:r="http://schemas.openxmlformats.org/officeDocument/2006/relationships" xmlns:mc="http://schemas.openxmlformats.org/markup-compatibility/2006" xmlns:mv="urn:schemas-microsoft-com:mac:vml" xmlns:p="http://schemas.openxmlformats.org/presentationml/2006/main" xmlns:c="http://schemas.openxmlformats.org/drawingml/2006/chart" xmlns:dgm="http://schemas.openxmlformats.org/drawingml/2006/diagram" xmlns:o="urn:schemas-microsoft-com:office:office" xmlns:v="urn:schemas-microsoft-com:vml" xmlns:pvml="urn:schemas-microsoft-com:office:powerpoint" xmlns:com="http://schemas.openxmlformats.org/drawingml/2006/compatibility" xmlns:p14="http://schemas.microsoft.com/office/powerpoint/2010/main" xmlns:p15="http://schemas.microsoft.com/office/powerpoint/2012/main">
+  <p:cSld>
+    <p:spTree>
+      <p:nvGrpSpPr>
+        <p:cNvPr id="270" name="Shape 270"/>
+        <p:cNvGrpSpPr/>
+        <p:nvPr/>
+      </p:nvGrpSpPr>
+      <p:grpSpPr>
+        <a:xfrm>
+          <a:off x="0" y="0"/>
+          <a:ext cx="0" cy="0"/>
+          <a:chOff x="0" y="0"/>
+          <a:chExt cx="0" cy="0"/>
+        </a:xfrm>
+      </p:grpSpPr>
+      <p:sp>
+        <p:nvSpPr>
+          <p:cNvPr id="271" name="Google Shape;271;p45"/>
+          <p:cNvSpPr txBox="1"/>
+          <p:nvPr>
+            <p:ph type="title"/>
+          </p:nvPr>
+        </p:nvSpPr>
+        <p:spPr>
+          <a:xfrm>
+            <a:off x="311700" y="445025"/>
+            <a:ext cx="8520600" cy="623400"/>
+          </a:xfrm>
+          <a:prstGeom prst="rect">
+            <a:avLst/>
+          </a:prstGeom>
+        </p:spPr>
         <p:txBody>
           <a:bodyPr anchorCtr="0" anchor="t" bIns="91425" lIns="91425" spcFirstLastPara="1" rIns="91425" wrap="square" tIns="91425">
             <a:noAutofit/>
@@ -16457,10 +18050,953 @@
               <a:buNone/>
             </a:pPr>
             <a:r>
-              <a:rPr lang="en" sz="3000"/>
-              <a:t>https://github.com/poanetwork/mana</a:t>
-            </a:r>
-            <a:endParaRPr sz="3000"/>
+              <a:rPr lang="en"/>
+              <a:t>Current state</a:t>
+            </a:r>
+            <a:endParaRPr/>
+          </a:p>
+        </p:txBody>
+      </p:sp>
+      <p:sp>
+        <p:nvSpPr>
+          <p:cNvPr id="272" name="Google Shape;272;p45"/>
+          <p:cNvSpPr txBox="1"/>
+          <p:nvPr>
+            <p:ph idx="1" type="body"/>
+          </p:nvPr>
+        </p:nvSpPr>
+        <p:spPr>
+          <a:xfrm>
+            <a:off x="311700" y="1152475"/>
+            <a:ext cx="8520600" cy="3416400"/>
+          </a:xfrm>
+          <a:prstGeom prst="rect">
+            <a:avLst/>
+          </a:prstGeom>
+        </p:spPr>
+        <p:txBody>
+          <a:bodyPr anchorCtr="0" anchor="t" bIns="91425" lIns="91425" spcFirstLastPara="1" rIns="91425" wrap="square" tIns="91425">
+            <a:noAutofit/>
+          </a:bodyPr>
+          <a:lstStyle/>
+          <a:p>
+            <a:pPr indent="-342900" lvl="0" marL="457200" rtl="0" algn="l">
+              <a:spcBef>
+                <a:spcPts val="0"/>
+              </a:spcBef>
+              <a:spcAft>
+                <a:spcPts val="0"/>
+              </a:spcAft>
+              <a:buSzPts val="1800"/>
+              <a:buChar char="-"/>
+            </a:pPr>
+            <a:r>
+              <a:rPr lang="en"/>
+              <a:t>Passing all common tests</a:t>
+            </a:r>
+            <a:endParaRPr/>
+          </a:p>
+          <a:p>
+            <a:pPr indent="-342900" lvl="0" marL="457200" rtl="0" algn="l">
+              <a:spcBef>
+                <a:spcPts val="0"/>
+              </a:spcBef>
+              <a:spcAft>
+                <a:spcPts val="0"/>
+              </a:spcAft>
+              <a:buSzPts val="1800"/>
+              <a:buChar char="-"/>
+            </a:pPr>
+            <a:r>
+              <a:rPr lang="en"/>
+              <a:t>Working p2p layer</a:t>
+            </a:r>
+            <a:endParaRPr/>
+          </a:p>
+          <a:p>
+            <a:pPr indent="-342900" lvl="0" marL="457200" rtl="0" algn="l">
+              <a:spcBef>
+                <a:spcPts val="0"/>
+              </a:spcBef>
+              <a:spcAft>
+                <a:spcPts val="0"/>
+              </a:spcAft>
+              <a:buSzPts val="1800"/>
+              <a:buChar char="-"/>
+            </a:pPr>
+            <a:r>
+              <a:rPr lang="en"/>
+              <a:t>Working warp sync</a:t>
+            </a:r>
+            <a:endParaRPr/>
+          </a:p>
+        </p:txBody>
+      </p:sp>
+    </p:spTree>
+  </p:cSld>
+  <p:clrMapOvr>
+    <a:masterClrMapping/>
+  </p:clrMapOvr>
+</p:sld>
+</file>
+
+<file path=ppt/slides/slide34.xml><?xml version="1.0" encoding="utf-8"?>
+<p:sld xmlns:a="http://schemas.openxmlformats.org/drawingml/2006/main" xmlns:r="http://schemas.openxmlformats.org/officeDocument/2006/relationships" xmlns:mc="http://schemas.openxmlformats.org/markup-compatibility/2006" xmlns:mv="urn:schemas-microsoft-com:mac:vml" xmlns:p="http://schemas.openxmlformats.org/presentationml/2006/main" xmlns:c="http://schemas.openxmlformats.org/drawingml/2006/chart" xmlns:dgm="http://schemas.openxmlformats.org/drawingml/2006/diagram" xmlns:o="urn:schemas-microsoft-com:office:office" xmlns:v="urn:schemas-microsoft-com:vml" xmlns:pvml="urn:schemas-microsoft-com:office:powerpoint" xmlns:com="http://schemas.openxmlformats.org/drawingml/2006/compatibility" xmlns:p14="http://schemas.microsoft.com/office/powerpoint/2010/main" xmlns:p15="http://schemas.microsoft.com/office/powerpoint/2012/main">
+  <p:cSld>
+    <p:spTree>
+      <p:nvGrpSpPr>
+        <p:cNvPr id="276" name="Shape 276"/>
+        <p:cNvGrpSpPr/>
+        <p:nvPr/>
+      </p:nvGrpSpPr>
+      <p:grpSpPr>
+        <a:xfrm>
+          <a:off x="0" y="0"/>
+          <a:ext cx="0" cy="0"/>
+          <a:chOff x="0" y="0"/>
+          <a:chExt cx="0" cy="0"/>
+        </a:xfrm>
+      </p:grpSpPr>
+      <p:sp>
+        <p:nvSpPr>
+          <p:cNvPr id="277" name="Google Shape;277;p46"/>
+          <p:cNvSpPr txBox="1"/>
+          <p:nvPr>
+            <p:ph type="title"/>
+          </p:nvPr>
+        </p:nvSpPr>
+        <p:spPr>
+          <a:xfrm>
+            <a:off x="311700" y="445025"/>
+            <a:ext cx="8520600" cy="623400"/>
+          </a:xfrm>
+          <a:prstGeom prst="rect">
+            <a:avLst/>
+          </a:prstGeom>
+        </p:spPr>
+        <p:txBody>
+          <a:bodyPr anchorCtr="0" anchor="t" bIns="91425" lIns="91425" spcFirstLastPara="1" rIns="91425" wrap="square" tIns="91425">
+            <a:noAutofit/>
+          </a:bodyPr>
+          <a:lstStyle/>
+          <a:p>
+            <a:pPr indent="0" lvl="0" marL="0" rtl="0" algn="l">
+              <a:spcBef>
+                <a:spcPts val="0"/>
+              </a:spcBef>
+              <a:spcAft>
+                <a:spcPts val="0"/>
+              </a:spcAft>
+              <a:buNone/>
+            </a:pPr>
+            <a:r>
+              <a:rPr lang="en"/>
+              <a:t>Future directions</a:t>
+            </a:r>
+            <a:endParaRPr/>
+          </a:p>
+        </p:txBody>
+      </p:sp>
+      <p:sp>
+        <p:nvSpPr>
+          <p:cNvPr id="278" name="Google Shape;278;p46"/>
+          <p:cNvSpPr txBox="1"/>
+          <p:nvPr>
+            <p:ph idx="1" type="body"/>
+          </p:nvPr>
+        </p:nvSpPr>
+        <p:spPr>
+          <a:xfrm>
+            <a:off x="311700" y="1152475"/>
+            <a:ext cx="8520600" cy="3416400"/>
+          </a:xfrm>
+          <a:prstGeom prst="rect">
+            <a:avLst/>
+          </a:prstGeom>
+        </p:spPr>
+        <p:txBody>
+          <a:bodyPr anchorCtr="0" anchor="t" bIns="91425" lIns="91425" spcFirstLastPara="1" rIns="91425" wrap="square" tIns="91425">
+            <a:noAutofit/>
+          </a:bodyPr>
+          <a:lstStyle/>
+          <a:p>
+            <a:pPr indent="-342900" lvl="0" marL="457200" rtl="0" algn="l">
+              <a:spcBef>
+                <a:spcPts val="0"/>
+              </a:spcBef>
+              <a:spcAft>
+                <a:spcPts val="0"/>
+              </a:spcAft>
+              <a:buSzPts val="1800"/>
+              <a:buChar char="-"/>
+            </a:pPr>
+            <a:r>
+              <a:rPr lang="en"/>
+              <a:t>JSON-RPC API</a:t>
+            </a:r>
+            <a:endParaRPr/>
+          </a:p>
+          <a:p>
+            <a:pPr indent="-342900" lvl="0" marL="457200" rtl="0" algn="l">
+              <a:spcBef>
+                <a:spcPts val="0"/>
+              </a:spcBef>
+              <a:spcAft>
+                <a:spcPts val="0"/>
+              </a:spcAft>
+              <a:buSzPts val="1800"/>
+              <a:buChar char="-"/>
+            </a:pPr>
+            <a:r>
+              <a:rPr lang="en"/>
+              <a:t>Optimization</a:t>
+            </a:r>
+            <a:endParaRPr/>
+          </a:p>
+          <a:p>
+            <a:pPr indent="-342900" lvl="0" marL="457200" rtl="0" algn="l">
+              <a:spcBef>
+                <a:spcPts val="0"/>
+              </a:spcBef>
+              <a:spcAft>
+                <a:spcPts val="0"/>
+              </a:spcAft>
+              <a:buSzPts val="1800"/>
+              <a:buChar char="-"/>
+            </a:pPr>
+            <a:r>
+              <a:rPr lang="en"/>
+              <a:t>Different consensus algrorithm</a:t>
+            </a:r>
+            <a:endParaRPr/>
+          </a:p>
+          <a:p>
+            <a:pPr indent="0" lvl="0" marL="0" rtl="0" algn="l">
+              <a:spcBef>
+                <a:spcPts val="1600"/>
+              </a:spcBef>
+              <a:spcAft>
+                <a:spcPts val="1600"/>
+              </a:spcAft>
+              <a:buNone/>
+            </a:pPr>
+            <a:r>
+              <a:t/>
+            </a:r>
+            <a:endParaRPr/>
+          </a:p>
+        </p:txBody>
+      </p:sp>
+    </p:spTree>
+  </p:cSld>
+  <p:clrMapOvr>
+    <a:masterClrMapping/>
+  </p:clrMapOvr>
+</p:sld>
+</file>
+
+<file path=ppt/slides/slide35.xml><?xml version="1.0" encoding="utf-8"?>
+<p:sld xmlns:a="http://schemas.openxmlformats.org/drawingml/2006/main" xmlns:r="http://schemas.openxmlformats.org/officeDocument/2006/relationships" xmlns:mc="http://schemas.openxmlformats.org/markup-compatibility/2006" xmlns:mv="urn:schemas-microsoft-com:mac:vml" xmlns:p="http://schemas.openxmlformats.org/presentationml/2006/main" xmlns:c="http://schemas.openxmlformats.org/drawingml/2006/chart" xmlns:dgm="http://schemas.openxmlformats.org/drawingml/2006/diagram" xmlns:o="urn:schemas-microsoft-com:office:office" xmlns:v="urn:schemas-microsoft-com:vml" xmlns:pvml="urn:schemas-microsoft-com:office:powerpoint" xmlns:com="http://schemas.openxmlformats.org/drawingml/2006/compatibility" xmlns:p14="http://schemas.microsoft.com/office/powerpoint/2010/main" xmlns:p15="http://schemas.microsoft.com/office/powerpoint/2012/main">
+  <p:cSld>
+    <p:spTree>
+      <p:nvGrpSpPr>
+        <p:cNvPr id="282" name="Shape 282"/>
+        <p:cNvGrpSpPr/>
+        <p:nvPr/>
+      </p:nvGrpSpPr>
+      <p:grpSpPr>
+        <a:xfrm>
+          <a:off x="0" y="0"/>
+          <a:ext cx="0" cy="0"/>
+          <a:chOff x="0" y="0"/>
+          <a:chExt cx="0" cy="0"/>
+        </a:xfrm>
+      </p:grpSpPr>
+      <p:sp>
+        <p:nvSpPr>
+          <p:cNvPr id="283" name="Google Shape;283;p47"/>
+          <p:cNvSpPr txBox="1"/>
+          <p:nvPr>
+            <p:ph type="title"/>
+          </p:nvPr>
+        </p:nvSpPr>
+        <p:spPr>
+          <a:xfrm>
+            <a:off x="311700" y="445025"/>
+            <a:ext cx="8520600" cy="623400"/>
+          </a:xfrm>
+          <a:prstGeom prst="rect">
+            <a:avLst/>
+          </a:prstGeom>
+        </p:spPr>
+        <p:txBody>
+          <a:bodyPr anchorCtr="0" anchor="t" bIns="91425" lIns="91425" spcFirstLastPara="1" rIns="91425" wrap="square" tIns="91425">
+            <a:noAutofit/>
+          </a:bodyPr>
+          <a:lstStyle/>
+          <a:p>
+            <a:pPr indent="0" lvl="0" marL="0" rtl="0" algn="l">
+              <a:spcBef>
+                <a:spcPts val="0"/>
+              </a:spcBef>
+              <a:spcAft>
+                <a:spcPts val="0"/>
+              </a:spcAft>
+              <a:buNone/>
+            </a:pPr>
+            <a:r>
+              <a:rPr lang="en"/>
+              <a:t>Advantages of Elixir</a:t>
+            </a:r>
+            <a:endParaRPr/>
+          </a:p>
+        </p:txBody>
+      </p:sp>
+      <p:sp>
+        <p:nvSpPr>
+          <p:cNvPr id="284" name="Google Shape;284;p47"/>
+          <p:cNvSpPr txBox="1"/>
+          <p:nvPr>
+            <p:ph idx="1" type="body"/>
+          </p:nvPr>
+        </p:nvSpPr>
+        <p:spPr>
+          <a:xfrm>
+            <a:off x="311700" y="1152475"/>
+            <a:ext cx="8520600" cy="3416400"/>
+          </a:xfrm>
+          <a:prstGeom prst="rect">
+            <a:avLst/>
+          </a:prstGeom>
+        </p:spPr>
+        <p:txBody>
+          <a:bodyPr anchorCtr="0" anchor="t" bIns="91425" lIns="91425" spcFirstLastPara="1" rIns="91425" wrap="square" tIns="91425">
+            <a:noAutofit/>
+          </a:bodyPr>
+          <a:lstStyle/>
+          <a:p>
+            <a:pPr indent="-342900" lvl="0" marL="457200" rtl="0" algn="l">
+              <a:spcBef>
+                <a:spcPts val="0"/>
+              </a:spcBef>
+              <a:spcAft>
+                <a:spcPts val="0"/>
+              </a:spcAft>
+              <a:buSzPts val="1800"/>
+              <a:buChar char="-"/>
+            </a:pPr>
+            <a:r>
+              <a:rPr lang="en"/>
+              <a:t>Concise syntax</a:t>
+            </a:r>
+            <a:endParaRPr/>
+          </a:p>
+          <a:p>
+            <a:pPr indent="-342900" lvl="0" marL="457200" rtl="0" algn="l">
+              <a:spcBef>
+                <a:spcPts val="0"/>
+              </a:spcBef>
+              <a:spcAft>
+                <a:spcPts val="0"/>
+              </a:spcAft>
+              <a:buSzPts val="1800"/>
+              <a:buChar char="-"/>
+            </a:pPr>
+            <a:r>
+              <a:rPr lang="en"/>
+              <a:t>Concurrent execution</a:t>
+            </a:r>
+            <a:endParaRPr/>
+          </a:p>
+          <a:p>
+            <a:pPr indent="-342900" lvl="0" marL="457200" rtl="0" algn="l">
+              <a:spcBef>
+                <a:spcPts val="0"/>
+              </a:spcBef>
+              <a:spcAft>
+                <a:spcPts val="0"/>
+              </a:spcAft>
+              <a:buSzPts val="1800"/>
+              <a:buChar char="-"/>
+            </a:pPr>
+            <a:r>
+              <a:rPr lang="en"/>
+              <a:t>Well-documented code</a:t>
+            </a:r>
+            <a:endParaRPr/>
+          </a:p>
+        </p:txBody>
+      </p:sp>
+    </p:spTree>
+  </p:cSld>
+  <p:clrMapOvr>
+    <a:masterClrMapping/>
+  </p:clrMapOvr>
+</p:sld>
+</file>
+
+<file path=ppt/slides/slide36.xml><?xml version="1.0" encoding="utf-8"?>
+<p:sld xmlns:a="http://schemas.openxmlformats.org/drawingml/2006/main" xmlns:r="http://schemas.openxmlformats.org/officeDocument/2006/relationships" xmlns:mc="http://schemas.openxmlformats.org/markup-compatibility/2006" xmlns:mv="urn:schemas-microsoft-com:mac:vml" xmlns:p="http://schemas.openxmlformats.org/presentationml/2006/main" xmlns:c="http://schemas.openxmlformats.org/drawingml/2006/chart" xmlns:dgm="http://schemas.openxmlformats.org/drawingml/2006/diagram" xmlns:o="urn:schemas-microsoft-com:office:office" xmlns:v="urn:schemas-microsoft-com:vml" xmlns:pvml="urn:schemas-microsoft-com:office:powerpoint" xmlns:com="http://schemas.openxmlformats.org/drawingml/2006/compatibility" xmlns:p14="http://schemas.microsoft.com/office/powerpoint/2010/main" xmlns:p15="http://schemas.microsoft.com/office/powerpoint/2012/main">
+  <p:cSld>
+    <p:spTree>
+      <p:nvGrpSpPr>
+        <p:cNvPr id="288" name="Shape 288"/>
+        <p:cNvGrpSpPr/>
+        <p:nvPr/>
+      </p:nvGrpSpPr>
+      <p:grpSpPr>
+        <a:xfrm>
+          <a:off x="0" y="0"/>
+          <a:ext cx="0" cy="0"/>
+          <a:chOff x="0" y="0"/>
+          <a:chExt cx="0" cy="0"/>
+        </a:xfrm>
+      </p:grpSpPr>
+      <p:sp>
+        <p:nvSpPr>
+          <p:cNvPr id="289" name="Google Shape;289;p48"/>
+          <p:cNvSpPr txBox="1"/>
+          <p:nvPr>
+            <p:ph type="title"/>
+          </p:nvPr>
+        </p:nvSpPr>
+        <p:spPr>
+          <a:xfrm>
+            <a:off x="311700" y="445025"/>
+            <a:ext cx="8520600" cy="623400"/>
+          </a:xfrm>
+          <a:prstGeom prst="rect">
+            <a:avLst/>
+          </a:prstGeom>
+        </p:spPr>
+        <p:txBody>
+          <a:bodyPr anchorCtr="0" anchor="t" bIns="91425" lIns="91425" spcFirstLastPara="1" rIns="91425" wrap="square" tIns="91425">
+            <a:noAutofit/>
+          </a:bodyPr>
+          <a:lstStyle/>
+          <a:p>
+            <a:pPr indent="0" lvl="0" marL="0" rtl="0" algn="l">
+              <a:spcBef>
+                <a:spcPts val="0"/>
+              </a:spcBef>
+              <a:spcAft>
+                <a:spcPts val="0"/>
+              </a:spcAft>
+              <a:buNone/>
+            </a:pPr>
+            <a:r>
+              <a:rPr lang="en"/>
+              <a:t>Things to improve for dev community</a:t>
+            </a:r>
+            <a:endParaRPr/>
+          </a:p>
+          <a:p>
+            <a:pPr indent="0" lvl="0" marL="0" rtl="0" algn="l">
+              <a:spcBef>
+                <a:spcPts val="0"/>
+              </a:spcBef>
+              <a:spcAft>
+                <a:spcPts val="0"/>
+              </a:spcAft>
+              <a:buNone/>
+            </a:pPr>
+            <a:r>
+              <a:t/>
+            </a:r>
+            <a:endParaRPr/>
+          </a:p>
+        </p:txBody>
+      </p:sp>
+      <p:sp>
+        <p:nvSpPr>
+          <p:cNvPr id="290" name="Google Shape;290;p48"/>
+          <p:cNvSpPr txBox="1"/>
+          <p:nvPr>
+            <p:ph idx="1" type="body"/>
+          </p:nvPr>
+        </p:nvSpPr>
+        <p:spPr>
+          <a:xfrm>
+            <a:off x="311700" y="1152475"/>
+            <a:ext cx="8520600" cy="3416400"/>
+          </a:xfrm>
+          <a:prstGeom prst="rect">
+            <a:avLst/>
+          </a:prstGeom>
+        </p:spPr>
+        <p:txBody>
+          <a:bodyPr anchorCtr="0" anchor="t" bIns="91425" lIns="91425" spcFirstLastPara="1" rIns="91425" wrap="square" tIns="91425">
+            <a:noAutofit/>
+          </a:bodyPr>
+          <a:lstStyle/>
+          <a:p>
+            <a:pPr indent="-342900" lvl="0" marL="457200" rtl="0" algn="l">
+              <a:spcBef>
+                <a:spcPts val="0"/>
+              </a:spcBef>
+              <a:spcAft>
+                <a:spcPts val="0"/>
+              </a:spcAft>
+              <a:buSzPts val="1800"/>
+              <a:buChar char="-"/>
+            </a:pPr>
+            <a:r>
+              <a:rPr lang="en"/>
+              <a:t>Tests are not documented</a:t>
+            </a:r>
+            <a:endParaRPr/>
+          </a:p>
+          <a:p>
+            <a:pPr indent="-342900" lvl="0" marL="457200" rtl="0" algn="l">
+              <a:spcBef>
+                <a:spcPts val="0"/>
+              </a:spcBef>
+              <a:spcAft>
+                <a:spcPts val="0"/>
+              </a:spcAft>
+              <a:buSzPts val="1800"/>
+              <a:buChar char="-"/>
+            </a:pPr>
+            <a:r>
+              <a:rPr lang="en"/>
+              <a:t>Backward compatability</a:t>
+            </a:r>
+            <a:endParaRPr/>
+          </a:p>
+          <a:p>
+            <a:pPr indent="-342900" lvl="0" marL="457200" rtl="0" algn="l">
+              <a:spcBef>
+                <a:spcPts val="0"/>
+              </a:spcBef>
+              <a:spcAft>
+                <a:spcPts val="0"/>
+              </a:spcAft>
+              <a:buSzPts val="1800"/>
+              <a:buChar char="-"/>
+            </a:pPr>
+            <a:r>
+              <a:rPr lang="en">
+                <a:solidFill>
+                  <a:schemeClr val="dk2"/>
+                </a:solidFill>
+              </a:rPr>
+              <a:t>DevP2P documentation</a:t>
+            </a:r>
+            <a:endParaRPr/>
+          </a:p>
+        </p:txBody>
+      </p:sp>
+    </p:spTree>
+  </p:cSld>
+  <p:clrMapOvr>
+    <a:masterClrMapping/>
+  </p:clrMapOvr>
+</p:sld>
+</file>
+
+<file path=ppt/slides/slide37.xml><?xml version="1.0" encoding="utf-8"?>
+<p:sld xmlns:a="http://schemas.openxmlformats.org/drawingml/2006/main" xmlns:r="http://schemas.openxmlformats.org/officeDocument/2006/relationships" xmlns:mc="http://schemas.openxmlformats.org/markup-compatibility/2006" xmlns:mv="urn:schemas-microsoft-com:mac:vml" xmlns:p="http://schemas.openxmlformats.org/presentationml/2006/main" xmlns:c="http://schemas.openxmlformats.org/drawingml/2006/chart" xmlns:dgm="http://schemas.openxmlformats.org/drawingml/2006/diagram" xmlns:o="urn:schemas-microsoft-com:office:office" xmlns:v="urn:schemas-microsoft-com:vml" xmlns:pvml="urn:schemas-microsoft-com:office:powerpoint" xmlns:com="http://schemas.openxmlformats.org/drawingml/2006/compatibility" xmlns:p14="http://schemas.microsoft.com/office/powerpoint/2010/main" xmlns:p15="http://schemas.microsoft.com/office/powerpoint/2012/main">
+  <p:cSld>
+    <p:spTree>
+      <p:nvGrpSpPr>
+        <p:cNvPr id="294" name="Shape 294"/>
+        <p:cNvGrpSpPr/>
+        <p:nvPr/>
+      </p:nvGrpSpPr>
+      <p:grpSpPr>
+        <a:xfrm>
+          <a:off x="0" y="0"/>
+          <a:ext cx="0" cy="0"/>
+          <a:chOff x="0" y="0"/>
+          <a:chExt cx="0" cy="0"/>
+        </a:xfrm>
+      </p:grpSpPr>
+      <p:sp>
+        <p:nvSpPr>
+          <p:cNvPr id="295" name="Google Shape;295;p49"/>
+          <p:cNvSpPr txBox="1"/>
+          <p:nvPr>
+            <p:ph type="title"/>
+          </p:nvPr>
+        </p:nvSpPr>
+        <p:spPr>
+          <a:xfrm>
+            <a:off x="311700" y="445025"/>
+            <a:ext cx="8520600" cy="623400"/>
+          </a:xfrm>
+          <a:prstGeom prst="rect">
+            <a:avLst/>
+          </a:prstGeom>
+        </p:spPr>
+        <p:txBody>
+          <a:bodyPr anchorCtr="0" anchor="t" bIns="91425" lIns="91425" spcFirstLastPara="1" rIns="91425" wrap="square" tIns="91425">
+            <a:noAutofit/>
+          </a:bodyPr>
+          <a:lstStyle/>
+          <a:p>
+            <a:pPr indent="0" lvl="0" marL="0" rtl="0" algn="l">
+              <a:spcBef>
+                <a:spcPts val="0"/>
+              </a:spcBef>
+              <a:spcAft>
+                <a:spcPts val="0"/>
+              </a:spcAft>
+              <a:buNone/>
+            </a:pPr>
+            <a:r>
+              <a:rPr lang="en"/>
+              <a:t>More Libraries</a:t>
+            </a:r>
+            <a:endParaRPr/>
+          </a:p>
+          <a:p>
+            <a:pPr indent="0" lvl="0" marL="0" rtl="0" algn="l">
+              <a:spcBef>
+                <a:spcPts val="0"/>
+              </a:spcBef>
+              <a:spcAft>
+                <a:spcPts val="0"/>
+              </a:spcAft>
+              <a:buNone/>
+            </a:pPr>
+            <a:r>
+              <a:t/>
+            </a:r>
+            <a:endParaRPr/>
+          </a:p>
+        </p:txBody>
+      </p:sp>
+      <p:sp>
+        <p:nvSpPr>
+          <p:cNvPr id="296" name="Google Shape;296;p49"/>
+          <p:cNvSpPr txBox="1"/>
+          <p:nvPr>
+            <p:ph idx="1" type="body"/>
+          </p:nvPr>
+        </p:nvSpPr>
+        <p:spPr>
+          <a:xfrm>
+            <a:off x="311700" y="1152475"/>
+            <a:ext cx="8520600" cy="3416400"/>
+          </a:xfrm>
+          <a:prstGeom prst="rect">
+            <a:avLst/>
+          </a:prstGeom>
+        </p:spPr>
+        <p:txBody>
+          <a:bodyPr anchorCtr="0" anchor="t" bIns="91425" lIns="91425" spcFirstLastPara="1" rIns="91425" wrap="square" tIns="91425">
+            <a:noAutofit/>
+          </a:bodyPr>
+          <a:lstStyle/>
+          <a:p>
+            <a:pPr indent="-342900" lvl="0" marL="457200" rtl="0" algn="l">
+              <a:spcBef>
+                <a:spcPts val="0"/>
+              </a:spcBef>
+              <a:spcAft>
+                <a:spcPts val="0"/>
+              </a:spcAft>
+              <a:buSzPts val="1800"/>
+              <a:buChar char="-"/>
+            </a:pPr>
+            <a:r>
+              <a:rPr lang="en"/>
+              <a:t>Ethereumex</a:t>
+            </a:r>
+            <a:endParaRPr/>
+          </a:p>
+          <a:p>
+            <a:pPr indent="-342900" lvl="0" marL="457200" rtl="0" algn="l">
+              <a:spcBef>
+                <a:spcPts val="0"/>
+              </a:spcBef>
+              <a:spcAft>
+                <a:spcPts val="0"/>
+              </a:spcAft>
+              <a:buSzPts val="1800"/>
+              <a:buChar char="-"/>
+            </a:pPr>
+            <a:r>
+              <a:rPr lang="en"/>
+              <a:t>Ex_abi</a:t>
+            </a:r>
+            <a:endParaRPr/>
+          </a:p>
+          <a:p>
+            <a:pPr indent="-342900" lvl="0" marL="457200" rtl="0" algn="l">
+              <a:spcBef>
+                <a:spcPts val="0"/>
+              </a:spcBef>
+              <a:spcAft>
+                <a:spcPts val="0"/>
+              </a:spcAft>
+              <a:buSzPts val="1800"/>
+              <a:buChar char="-"/>
+            </a:pPr>
+            <a:r>
+              <a:rPr lang="en"/>
+              <a:t>BN</a:t>
+            </a:r>
+            <a:endParaRPr/>
+          </a:p>
+        </p:txBody>
+      </p:sp>
+    </p:spTree>
+  </p:cSld>
+  <p:clrMapOvr>
+    <a:masterClrMapping/>
+  </p:clrMapOvr>
+</p:sld>
+</file>
+
+<file path=ppt/slides/slide38.xml><?xml version="1.0" encoding="utf-8"?>
+<p:sld xmlns:a="http://schemas.openxmlformats.org/drawingml/2006/main" xmlns:r="http://schemas.openxmlformats.org/officeDocument/2006/relationships" xmlns:mc="http://schemas.openxmlformats.org/markup-compatibility/2006" xmlns:mv="urn:schemas-microsoft-com:mac:vml" xmlns:p="http://schemas.openxmlformats.org/presentationml/2006/main" xmlns:c="http://schemas.openxmlformats.org/drawingml/2006/chart" xmlns:dgm="http://schemas.openxmlformats.org/drawingml/2006/diagram" xmlns:o="urn:schemas-microsoft-com:office:office" xmlns:v="urn:schemas-microsoft-com:vml" xmlns:pvml="urn:schemas-microsoft-com:office:powerpoint" xmlns:com="http://schemas.openxmlformats.org/drawingml/2006/compatibility" xmlns:p14="http://schemas.microsoft.com/office/powerpoint/2010/main" xmlns:p15="http://schemas.microsoft.com/office/powerpoint/2012/main">
+  <p:cSld>
+    <p:spTree>
+      <p:nvGrpSpPr>
+        <p:cNvPr id="300" name="Shape 300"/>
+        <p:cNvGrpSpPr/>
+        <p:nvPr/>
+      </p:nvGrpSpPr>
+      <p:grpSpPr>
+        <a:xfrm>
+          <a:off x="0" y="0"/>
+          <a:ext cx="0" cy="0"/>
+          <a:chOff x="0" y="0"/>
+          <a:chExt cx="0" cy="0"/>
+        </a:xfrm>
+      </p:grpSpPr>
+      <p:sp>
+        <p:nvSpPr>
+          <p:cNvPr id="301" name="Google Shape;301;p50"/>
+          <p:cNvSpPr txBox="1"/>
+          <p:nvPr>
+            <p:ph type="title"/>
+          </p:nvPr>
+        </p:nvSpPr>
+        <p:spPr>
+          <a:xfrm>
+            <a:off x="311700" y="445025"/>
+            <a:ext cx="8520600" cy="623400"/>
+          </a:xfrm>
+          <a:prstGeom prst="rect">
+            <a:avLst/>
+          </a:prstGeom>
+        </p:spPr>
+        <p:txBody>
+          <a:bodyPr anchorCtr="0" anchor="t" bIns="91425" lIns="91425" spcFirstLastPara="1" rIns="91425" wrap="square" tIns="91425">
+            <a:noAutofit/>
+          </a:bodyPr>
+          <a:lstStyle/>
+          <a:p>
+            <a:pPr indent="0" lvl="0" marL="0" rtl="0" algn="l">
+              <a:spcBef>
+                <a:spcPts val="0"/>
+              </a:spcBef>
+              <a:spcAft>
+                <a:spcPts val="0"/>
+              </a:spcAft>
+              <a:buNone/>
+            </a:pPr>
+            <a:r>
+              <a:rPr lang="en"/>
+              <a:t>Who are using our projects</a:t>
+            </a:r>
+            <a:endParaRPr/>
+          </a:p>
+          <a:p>
+            <a:pPr indent="0" lvl="0" marL="0" rtl="0" algn="l">
+              <a:spcBef>
+                <a:spcPts val="0"/>
+              </a:spcBef>
+              <a:spcAft>
+                <a:spcPts val="0"/>
+              </a:spcAft>
+              <a:buNone/>
+            </a:pPr>
+            <a:r>
+              <a:t/>
+            </a:r>
+            <a:endParaRPr/>
+          </a:p>
+        </p:txBody>
+      </p:sp>
+      <p:sp>
+        <p:nvSpPr>
+          <p:cNvPr id="302" name="Google Shape;302;p50"/>
+          <p:cNvSpPr txBox="1"/>
+          <p:nvPr>
+            <p:ph idx="1" type="body"/>
+          </p:nvPr>
+        </p:nvSpPr>
+        <p:spPr>
+          <a:xfrm>
+            <a:off x="311700" y="1152475"/>
+            <a:ext cx="8520600" cy="3416400"/>
+          </a:xfrm>
+          <a:prstGeom prst="rect">
+            <a:avLst/>
+          </a:prstGeom>
+        </p:spPr>
+        <p:txBody>
+          <a:bodyPr anchorCtr="0" anchor="t" bIns="91425" lIns="91425" spcFirstLastPara="1" rIns="91425" wrap="square" tIns="91425">
+            <a:noAutofit/>
+          </a:bodyPr>
+          <a:lstStyle/>
+          <a:p>
+            <a:pPr indent="-342900" lvl="0" marL="457200" rtl="0" algn="l">
+              <a:spcBef>
+                <a:spcPts val="0"/>
+              </a:spcBef>
+              <a:spcAft>
+                <a:spcPts val="0"/>
+              </a:spcAft>
+              <a:buSzPts val="1800"/>
+              <a:buChar char="-"/>
+            </a:pPr>
+            <a:r>
+              <a:rPr lang="en"/>
+              <a:t>OmiseGO</a:t>
+            </a:r>
+            <a:endParaRPr/>
+          </a:p>
+          <a:p>
+            <a:pPr indent="-342900" lvl="0" marL="457200" rtl="0" algn="l">
+              <a:spcBef>
+                <a:spcPts val="0"/>
+              </a:spcBef>
+              <a:spcAft>
+                <a:spcPts val="0"/>
+              </a:spcAft>
+              <a:buSzPts val="1800"/>
+              <a:buChar char="-"/>
+            </a:pPr>
+            <a:r>
+              <a:rPr lang="en"/>
+              <a:t>Consensys</a:t>
+            </a:r>
+            <a:endParaRPr/>
+          </a:p>
+          <a:p>
+            <a:pPr indent="-342900" lvl="0" marL="457200" rtl="0" algn="l">
+              <a:spcBef>
+                <a:spcPts val="0"/>
+              </a:spcBef>
+              <a:spcAft>
+                <a:spcPts val="0"/>
+              </a:spcAft>
+              <a:buSzPts val="1800"/>
+              <a:buChar char="-"/>
+            </a:pPr>
+            <a:r>
+              <a:rPr lang="en"/>
+              <a:t>AgileAlpha</a:t>
+            </a:r>
+            <a:endParaRPr/>
+          </a:p>
+        </p:txBody>
+      </p:sp>
+    </p:spTree>
+  </p:cSld>
+  <p:clrMapOvr>
+    <a:masterClrMapping/>
+  </p:clrMapOvr>
+</p:sld>
+</file>
+
+<file path=ppt/slides/slide39.xml><?xml version="1.0" encoding="utf-8"?>
+<p:sld xmlns:a="http://schemas.openxmlformats.org/drawingml/2006/main" xmlns:r="http://schemas.openxmlformats.org/officeDocument/2006/relationships" xmlns:mc="http://schemas.openxmlformats.org/markup-compatibility/2006" xmlns:mv="urn:schemas-microsoft-com:mac:vml" xmlns:p="http://schemas.openxmlformats.org/presentationml/2006/main" xmlns:c="http://schemas.openxmlformats.org/drawingml/2006/chart" xmlns:dgm="http://schemas.openxmlformats.org/drawingml/2006/diagram" xmlns:o="urn:schemas-microsoft-com:office:office" xmlns:v="urn:schemas-microsoft-com:vml" xmlns:pvml="urn:schemas-microsoft-com:office:powerpoint" xmlns:com="http://schemas.openxmlformats.org/drawingml/2006/compatibility" xmlns:p14="http://schemas.microsoft.com/office/powerpoint/2010/main" xmlns:p15="http://schemas.microsoft.com/office/powerpoint/2012/main">
+  <p:cSld>
+    <p:spTree>
+      <p:nvGrpSpPr>
+        <p:cNvPr id="306" name="Shape 306"/>
+        <p:cNvGrpSpPr/>
+        <p:nvPr/>
+      </p:nvGrpSpPr>
+      <p:grpSpPr>
+        <a:xfrm>
+          <a:off x="0" y="0"/>
+          <a:ext cx="0" cy="0"/>
+          <a:chOff x="0" y="0"/>
+          <a:chExt cx="0" cy="0"/>
+        </a:xfrm>
+      </p:grpSpPr>
+      <p:sp>
+        <p:nvSpPr>
+          <p:cNvPr id="307" name="Google Shape;307;p51"/>
+          <p:cNvSpPr txBox="1"/>
+          <p:nvPr>
+            <p:ph type="title"/>
+          </p:nvPr>
+        </p:nvSpPr>
+        <p:spPr>
+          <a:xfrm>
+            <a:off x="311700" y="445025"/>
+            <a:ext cx="8520600" cy="623400"/>
+          </a:xfrm>
+          <a:prstGeom prst="rect">
+            <a:avLst/>
+          </a:prstGeom>
+        </p:spPr>
+        <p:txBody>
+          <a:bodyPr anchorCtr="0" anchor="t" bIns="91425" lIns="91425" spcFirstLastPara="1" rIns="91425" wrap="square" tIns="91425">
+            <a:noAutofit/>
+          </a:bodyPr>
+          <a:lstStyle/>
+          <a:p>
+            <a:pPr indent="0" lvl="0" marL="0" rtl="0" algn="l">
+              <a:spcBef>
+                <a:spcPts val="0"/>
+              </a:spcBef>
+              <a:spcAft>
+                <a:spcPts val="0"/>
+              </a:spcAft>
+              <a:buNone/>
+            </a:pPr>
+            <a:r>
+              <a:rPr lang="en"/>
+              <a:t>Node Discovery</a:t>
+            </a:r>
+            <a:endParaRPr/>
+          </a:p>
+        </p:txBody>
+      </p:sp>
+      <p:sp>
+        <p:nvSpPr>
+          <p:cNvPr id="308" name="Google Shape;308;p51"/>
+          <p:cNvSpPr txBox="1"/>
+          <p:nvPr>
+            <p:ph idx="1" type="body"/>
+          </p:nvPr>
+        </p:nvSpPr>
+        <p:spPr>
+          <a:xfrm>
+            <a:off x="311700" y="1152475"/>
+            <a:ext cx="8520600" cy="3416400"/>
+          </a:xfrm>
+          <a:prstGeom prst="rect">
+            <a:avLst/>
+          </a:prstGeom>
+        </p:spPr>
+        <p:txBody>
+          <a:bodyPr anchorCtr="0" anchor="t" bIns="91425" lIns="91425" spcFirstLastPara="1" rIns="91425" wrap="square" tIns="91425">
+            <a:noAutofit/>
+          </a:bodyPr>
+          <a:lstStyle/>
+          <a:p>
+            <a:pPr indent="0" lvl="0" marL="0" rtl="0" algn="l">
+              <a:spcBef>
+                <a:spcPts val="0"/>
+              </a:spcBef>
+              <a:spcAft>
+                <a:spcPts val="1600"/>
+              </a:spcAft>
+              <a:buNone/>
+            </a:pPr>
+            <a:r>
+              <a:t/>
+            </a:r>
+            <a:endParaRPr/>
           </a:p>
         </p:txBody>
       </p:sp>
@@ -16604,6 +19140,121 @@
 </p:sld>
 </file>
 
+<file path=ppt/slides/slide40.xml><?xml version="1.0" encoding="utf-8"?>
+<p:sld xmlns:a="http://schemas.openxmlformats.org/drawingml/2006/main" xmlns:r="http://schemas.openxmlformats.org/officeDocument/2006/relationships" xmlns:mc="http://schemas.openxmlformats.org/markup-compatibility/2006" xmlns:mv="urn:schemas-microsoft-com:mac:vml" xmlns:p="http://schemas.openxmlformats.org/presentationml/2006/main" xmlns:c="http://schemas.openxmlformats.org/drawingml/2006/chart" xmlns:dgm="http://schemas.openxmlformats.org/drawingml/2006/diagram" xmlns:o="urn:schemas-microsoft-com:office:office" xmlns:v="urn:schemas-microsoft-com:vml" xmlns:pvml="urn:schemas-microsoft-com:office:powerpoint" xmlns:com="http://schemas.openxmlformats.org/drawingml/2006/compatibility" xmlns:p14="http://schemas.microsoft.com/office/powerpoint/2010/main" xmlns:p15="http://schemas.microsoft.com/office/powerpoint/2012/main">
+  <p:cSld>
+    <p:spTree>
+      <p:nvGrpSpPr>
+        <p:cNvPr id="312" name="Shape 312"/>
+        <p:cNvGrpSpPr/>
+        <p:nvPr/>
+      </p:nvGrpSpPr>
+      <p:grpSpPr>
+        <a:xfrm>
+          <a:off x="0" y="0"/>
+          <a:ext cx="0" cy="0"/>
+          <a:chOff x="0" y="0"/>
+          <a:chExt cx="0" cy="0"/>
+        </a:xfrm>
+      </p:grpSpPr>
+      <p:sp>
+        <p:nvSpPr>
+          <p:cNvPr id="313" name="Google Shape;313;p52"/>
+          <p:cNvSpPr txBox="1"/>
+          <p:nvPr>
+            <p:ph idx="1" type="body"/>
+          </p:nvPr>
+        </p:nvSpPr>
+        <p:spPr>
+          <a:xfrm>
+            <a:off x="3079050" y="359350"/>
+            <a:ext cx="2318100" cy="662400"/>
+          </a:xfrm>
+          <a:prstGeom prst="rect">
+            <a:avLst/>
+          </a:prstGeom>
+        </p:spPr>
+        <p:txBody>
+          <a:bodyPr anchorCtr="0" anchor="t" bIns="91425" lIns="91425" spcFirstLastPara="1" rIns="91425" wrap="square" tIns="91425">
+            <a:noAutofit/>
+          </a:bodyPr>
+          <a:lstStyle/>
+          <a:p>
+            <a:pPr indent="0" lvl="0" marL="0" rtl="0" algn="l">
+              <a:spcBef>
+                <a:spcPts val="0"/>
+              </a:spcBef>
+              <a:spcAft>
+                <a:spcPts val="1600"/>
+              </a:spcAft>
+              <a:buNone/>
+            </a:pPr>
+            <a:r>
+              <a:rPr lang="en" sz="3000">
+                <a:solidFill>
+                  <a:srgbClr val="000000"/>
+                </a:solidFill>
+              </a:rPr>
+              <a:t>Thanks!</a:t>
+            </a:r>
+            <a:endParaRPr sz="3000">
+              <a:solidFill>
+                <a:srgbClr val="000000"/>
+              </a:solidFill>
+            </a:endParaRPr>
+          </a:p>
+        </p:txBody>
+      </p:sp>
+      <p:sp>
+        <p:nvSpPr>
+          <p:cNvPr id="314" name="Google Shape;314;p52"/>
+          <p:cNvSpPr txBox="1"/>
+          <p:nvPr/>
+        </p:nvSpPr>
+        <p:spPr>
+          <a:xfrm>
+            <a:off x="521375" y="1317600"/>
+            <a:ext cx="7327800" cy="473400"/>
+          </a:xfrm>
+          <a:prstGeom prst="rect">
+            <a:avLst/>
+          </a:prstGeom>
+          <a:noFill/>
+          <a:ln>
+            <a:noFill/>
+          </a:ln>
+        </p:spPr>
+        <p:txBody>
+          <a:bodyPr anchorCtr="0" anchor="t" bIns="91425" lIns="91425" spcFirstLastPara="1" rIns="91425" wrap="square" tIns="91425">
+            <a:noAutofit/>
+          </a:bodyPr>
+          <a:lstStyle/>
+          <a:p>
+            <a:pPr indent="0" lvl="0" marL="0" rtl="0" algn="l">
+              <a:spcBef>
+                <a:spcPts val="0"/>
+              </a:spcBef>
+              <a:spcAft>
+                <a:spcPts val="0"/>
+              </a:spcAft>
+              <a:buNone/>
+            </a:pPr>
+            <a:r>
+              <a:rPr lang="en" sz="3000"/>
+              <a:t>https://github.com/poanetwork/mana</a:t>
+            </a:r>
+            <a:endParaRPr sz="3000"/>
+          </a:p>
+        </p:txBody>
+      </p:sp>
+    </p:spTree>
+  </p:cSld>
+  <p:clrMapOvr>
+    <a:masterClrMapping/>
+  </p:clrMapOvr>
+</p:sld>
+</file>
+
 <file path=ppt/slides/slide5.xml><?xml version="1.0" encoding="utf-8"?>
 <p:sld xmlns:a="http://schemas.openxmlformats.org/drawingml/2006/main" xmlns:r="http://schemas.openxmlformats.org/officeDocument/2006/relationships" xmlns:mc="http://schemas.openxmlformats.org/markup-compatibility/2006" xmlns:mv="urn:schemas-microsoft-com:mac:vml" xmlns:p="http://schemas.openxmlformats.org/presentationml/2006/main" xmlns:c="http://schemas.openxmlformats.org/drawingml/2006/chart" xmlns:dgm="http://schemas.openxmlformats.org/drawingml/2006/diagram" xmlns:o="urn:schemas-microsoft-com:office:office" xmlns:v="urn:schemas-microsoft-com:vml" xmlns:pvml="urn:schemas-microsoft-com:office:powerpoint" xmlns:com="http://schemas.openxmlformats.org/drawingml/2006/compatibility" xmlns:p14="http://schemas.microsoft.com/office/powerpoint/2010/main" xmlns:p15="http://schemas.microsoft.com/office/powerpoint/2012/main">
   <p:cSld>
@@ -17592,6 +20243,285 @@
 </file>
 
 <file path=ppt/theme/theme1.xml><?xml version="1.0" encoding="utf-8"?>
+<a:theme xmlns:a="http://schemas.openxmlformats.org/drawingml/2006/main" xmlns:r="http://schemas.openxmlformats.org/officeDocument/2006/relationships">
+  <a:themeElements>
+    <a:clrScheme name="Default">
+      <a:dk1>
+        <a:srgbClr val="000000"/>
+      </a:dk1>
+      <a:lt1>
+        <a:srgbClr val="FFFFFF"/>
+      </a:lt1>
+      <a:dk2>
+        <a:srgbClr val="158158"/>
+      </a:dk2>
+      <a:lt2>
+        <a:srgbClr val="F3F3F3"/>
+      </a:lt2>
+      <a:accent1>
+        <a:srgbClr val="058DC7"/>
+      </a:accent1>
+      <a:accent2>
+        <a:srgbClr val="50B432"/>
+      </a:accent2>
+      <a:accent3>
+        <a:srgbClr val="ED561B"/>
+      </a:accent3>
+      <a:accent4>
+        <a:srgbClr val="EDEF00"/>
+      </a:accent4>
+      <a:accent5>
+        <a:srgbClr val="24CBE5"/>
+      </a:accent5>
+      <a:accent6>
+        <a:srgbClr val="64E572"/>
+      </a:accent6>
+      <a:hlink>
+        <a:srgbClr val="2200CC"/>
+      </a:hlink>
+      <a:folHlink>
+        <a:srgbClr val="551A8B"/>
+      </a:folHlink>
+    </a:clrScheme>
+    <a:fontScheme name="Office">
+      <a:majorFont>
+        <a:latin typeface="Arial"/>
+        <a:ea typeface=""/>
+        <a:cs typeface=""/>
+        <a:font script="Jpan" typeface="ＭＳ Ｐゴシック"/>
+        <a:font script="Hang" typeface="맑은 고딕"/>
+        <a:font script="Hans" typeface="宋体"/>
+        <a:font script="Hant" typeface="新細明體"/>
+        <a:font script="Arab" typeface="Times New Roman"/>
+        <a:font script="Hebr" typeface="Times New Roman"/>
+        <a:font script="Thai" typeface="Angsana New"/>
+        <a:font script="Ethi" typeface="Nyala"/>
+        <a:font script="Beng" typeface="Vrinda"/>
+        <a:font script="Gujr" typeface="Shruti"/>
+        <a:font script="Khmr" typeface="MoolBoran"/>
+        <a:font script="Knda" typeface="Tunga"/>
+        <a:font script="Guru" typeface="Raavi"/>
+        <a:font script="Cans" typeface="Euphemia"/>
+        <a:font script="Cher" typeface="Plantagenet Cherokee"/>
+        <a:font script="Yiii" typeface="Microsoft Yi Baiti"/>
+        <a:font script="Tibt" typeface="Microsoft Himalaya"/>
+        <a:font script="Thaa" typeface="MV Boli"/>
+        <a:font script="Deva" typeface="Mangal"/>
+        <a:font script="Telu" typeface="Gautami"/>
+        <a:font script="Taml" typeface="Latha"/>
+        <a:font script="Syrc" typeface="Estrangelo Edessa"/>
+        <a:font script="Orya" typeface="Kalinga"/>
+        <a:font script="Mlym" typeface="Kartika"/>
+        <a:font script="Laoo" typeface="DokChampa"/>
+        <a:font script="Sinh" typeface="Iskoola Pota"/>
+        <a:font script="Mong" typeface="Mongolian Baiti"/>
+        <a:font script="Viet" typeface="Times New Roman"/>
+        <a:font script="Uigh" typeface="Microsoft Uighur"/>
+        <a:font script="Geor" typeface="Sylfaen"/>
+      </a:majorFont>
+      <a:minorFont>
+        <a:latin typeface="Arial"/>
+        <a:ea typeface=""/>
+        <a:cs typeface=""/>
+        <a:font script="Jpan" typeface="ＭＳ Ｐゴシック"/>
+        <a:font script="Hang" typeface="맑은 고딕"/>
+        <a:font script="Hans" typeface="宋体"/>
+        <a:font script="Hant" typeface="新細明體"/>
+        <a:font script="Arab" typeface="Arial"/>
+        <a:font script="Hebr" typeface="Arial"/>
+        <a:font script="Thai" typeface="Cordia New"/>
+        <a:font script="Ethi" typeface="Nyala"/>
+        <a:font script="Beng" typeface="Vrinda"/>
+        <a:font script="Gujr" typeface="Shruti"/>
+        <a:font script="Khmr" typeface="DaunPenh"/>
+        <a:font script="Knda" typeface="Tunga"/>
+        <a:font script="Guru" typeface="Raavi"/>
+        <a:font script="Cans" typeface="Euphemia"/>
+        <a:font script="Cher" typeface="Plantagenet Cherokee"/>
+        <a:font script="Yiii" typeface="Microsoft Yi Baiti"/>
+        <a:font script="Tibt" typeface="Microsoft Himalaya"/>
+        <a:font script="Thaa" typeface="MV Boli"/>
+        <a:font script="Deva" typeface="Mangal"/>
+        <a:font script="Telu" typeface="Gautami"/>
+        <a:font script="Taml" typeface="Latha"/>
+        <a:font script="Syrc" typeface="Estrangelo Edessa"/>
+        <a:font script="Orya" typeface="Kalinga"/>
+        <a:font script="Mlym" typeface="Kartika"/>
+        <a:font script="Laoo" typeface="DokChampa"/>
+        <a:font script="Sinh" typeface="Iskoola Pota"/>
+        <a:font script="Mong" typeface="Mongolian Baiti"/>
+        <a:font script="Viet" typeface="Arial"/>
+        <a:font script="Uigh" typeface="Microsoft Uighur"/>
+        <a:font script="Geor" typeface="Sylfaen"/>
+      </a:minorFont>
+    </a:fontScheme>
+    <a:fmtScheme name="Office">
+      <a:fillStyleLst>
+        <a:solidFill>
+          <a:schemeClr val="phClr"/>
+        </a:solidFill>
+        <a:gradFill rotWithShape="1">
+          <a:gsLst>
+            <a:gs pos="0">
+              <a:schemeClr val="phClr">
+                <a:tint val="50000"/>
+                <a:satMod val="300000"/>
+              </a:schemeClr>
+            </a:gs>
+            <a:gs pos="35000">
+              <a:schemeClr val="phClr">
+                <a:tint val="37000"/>
+                <a:satMod val="300000"/>
+              </a:schemeClr>
+            </a:gs>
+            <a:gs pos="100000">
+              <a:schemeClr val="phClr">
+                <a:tint val="15000"/>
+                <a:satMod val="350000"/>
+              </a:schemeClr>
+            </a:gs>
+          </a:gsLst>
+          <a:lin ang="16200000" scaled="1"/>
+        </a:gradFill>
+        <a:gradFill rotWithShape="1">
+          <a:gsLst>
+            <a:gs pos="0">
+              <a:schemeClr val="phClr">
+                <a:tint val="100000"/>
+                <a:shade val="100000"/>
+                <a:satMod val="130000"/>
+              </a:schemeClr>
+            </a:gs>
+            <a:gs pos="100000">
+              <a:schemeClr val="phClr">
+                <a:tint val="50000"/>
+                <a:shade val="100000"/>
+                <a:satMod val="350000"/>
+              </a:schemeClr>
+            </a:gs>
+          </a:gsLst>
+          <a:lin ang="16200000" scaled="0"/>
+        </a:gradFill>
+      </a:fillStyleLst>
+      <a:lnStyleLst>
+        <a:ln w="9525" cap="flat" cmpd="sng" algn="ctr">
+          <a:solidFill>
+            <a:schemeClr val="phClr">
+              <a:shade val="95000"/>
+              <a:satMod val="105000"/>
+            </a:schemeClr>
+          </a:solidFill>
+          <a:prstDash val="solid"/>
+        </a:ln>
+        <a:ln w="25400" cap="flat" cmpd="sng" algn="ctr">
+          <a:solidFill>
+            <a:schemeClr val="phClr"/>
+          </a:solidFill>
+          <a:prstDash val="solid"/>
+        </a:ln>
+        <a:ln w="38100" cap="flat" cmpd="sng" algn="ctr">
+          <a:solidFill>
+            <a:schemeClr val="phClr"/>
+          </a:solidFill>
+          <a:prstDash val="solid"/>
+        </a:ln>
+      </a:lnStyleLst>
+      <a:effectStyleLst>
+        <a:effectStyle>
+          <a:effectLst>
+            <a:outerShdw blurRad="40000" dist="20000" dir="5400000" rotWithShape="0">
+              <a:srgbClr val="000000">
+                <a:alpha val="38000"/>
+              </a:srgbClr>
+            </a:outerShdw>
+          </a:effectLst>
+        </a:effectStyle>
+        <a:effectStyle>
+          <a:effectLst>
+            <a:outerShdw blurRad="40000" dist="23000" dir="5400000" rotWithShape="0">
+              <a:srgbClr val="000000">
+                <a:alpha val="35000"/>
+              </a:srgbClr>
+            </a:outerShdw>
+          </a:effectLst>
+        </a:effectStyle>
+        <a:effectStyle>
+          <a:effectLst>
+            <a:outerShdw blurRad="40000" dist="23000" dir="5400000" rotWithShape="0">
+              <a:srgbClr val="000000">
+                <a:alpha val="35000"/>
+              </a:srgbClr>
+            </a:outerShdw>
+          </a:effectLst>
+          <a:scene3d>
+            <a:camera prst="orthographicFront">
+              <a:rot lat="0" lon="0" rev="0"/>
+            </a:camera>
+            <a:lightRig rig="threePt" dir="t">
+              <a:rot lat="0" lon="0" rev="1200000"/>
+            </a:lightRig>
+          </a:scene3d>
+          <a:sp3d>
+            <a:bevelT w="63500" h="25400"/>
+          </a:sp3d>
+        </a:effectStyle>
+      </a:effectStyleLst>
+      <a:bgFillStyleLst>
+        <a:solidFill>
+          <a:schemeClr val="phClr"/>
+        </a:solidFill>
+        <a:gradFill rotWithShape="1">
+          <a:gsLst>
+            <a:gs pos="0">
+              <a:schemeClr val="phClr">
+                <a:tint val="40000"/>
+                <a:satMod val="350000"/>
+              </a:schemeClr>
+            </a:gs>
+            <a:gs pos="40000">
+              <a:schemeClr val="phClr">
+                <a:tint val="45000"/>
+                <a:shade val="99000"/>
+                <a:satMod val="350000"/>
+              </a:schemeClr>
+            </a:gs>
+            <a:gs pos="100000">
+              <a:schemeClr val="phClr">
+                <a:shade val="20000"/>
+                <a:satMod val="255000"/>
+              </a:schemeClr>
+            </a:gs>
+          </a:gsLst>
+          <a:path path="circle">
+            <a:fillToRect l="50000" t="-80000" r="50000" b="180000"/>
+          </a:path>
+        </a:gradFill>
+        <a:gradFill rotWithShape="1">
+          <a:gsLst>
+            <a:gs pos="0">
+              <a:schemeClr val="phClr">
+                <a:tint val="80000"/>
+                <a:satMod val="300000"/>
+              </a:schemeClr>
+            </a:gs>
+            <a:gs pos="100000">
+              <a:schemeClr val="phClr">
+                <a:shade val="30000"/>
+                <a:satMod val="200000"/>
+              </a:schemeClr>
+            </a:gs>
+          </a:gsLst>
+          <a:path path="circle">
+            <a:fillToRect l="50000" t="50000" r="50000" b="50000"/>
+          </a:path>
+        </a:gradFill>
+      </a:bgFillStyleLst>
+    </a:fmtScheme>
+  </a:themeElements>
+</a:theme>
+</file>
+
+<file path=ppt/theme/theme2.xml><?xml version="1.0" encoding="utf-8"?>
 <a:theme xmlns:a="http://schemas.openxmlformats.org/drawingml/2006/main" xmlns:r="http://schemas.openxmlformats.org/officeDocument/2006/relationships" name="Plum">
   <a:themeElements>
     <a:clrScheme name="Plum">
@@ -17868,283 +20798,4 @@
     </a:fmtScheme>
   </a:themeElements>
 </a:theme>
-</file>
-
-<file path=ppt/theme/theme2.xml><?xml version="1.0" encoding="utf-8"?>
-<a:theme xmlns:a="http://schemas.openxmlformats.org/drawingml/2006/main" xmlns:r="http://schemas.openxmlformats.org/officeDocument/2006/relationships">
-  <a:themeElements>
-    <a:clrScheme name="Default">
-      <a:dk1>
-        <a:srgbClr val="000000"/>
-      </a:dk1>
-      <a:lt1>
-        <a:srgbClr val="FFFFFF"/>
-      </a:lt1>
-      <a:dk2>
-        <a:srgbClr val="158158"/>
-      </a:dk2>
-      <a:lt2>
-        <a:srgbClr val="F3F3F3"/>
-      </a:lt2>
-      <a:accent1>
-        <a:srgbClr val="058DC7"/>
-      </a:accent1>
-      <a:accent2>
-        <a:srgbClr val="50B432"/>
-      </a:accent2>
-      <a:accent3>
-        <a:srgbClr val="ED561B"/>
-      </a:accent3>
-      <a:accent4>
-        <a:srgbClr val="EDEF00"/>
-      </a:accent4>
-      <a:accent5>
-        <a:srgbClr val="24CBE5"/>
-      </a:accent5>
-      <a:accent6>
-        <a:srgbClr val="64E572"/>
-      </a:accent6>
-      <a:hlink>
-        <a:srgbClr val="2200CC"/>
-      </a:hlink>
-      <a:folHlink>
-        <a:srgbClr val="551A8B"/>
-      </a:folHlink>
-    </a:clrScheme>
-    <a:fontScheme name="Office">
-      <a:majorFont>
-        <a:latin typeface="Arial"/>
-        <a:ea typeface=""/>
-        <a:cs typeface=""/>
-        <a:font script="Jpan" typeface="ＭＳ Ｐゴシック"/>
-        <a:font script="Hang" typeface="맑은 고딕"/>
-        <a:font script="Hans" typeface="宋体"/>
-        <a:font script="Hant" typeface="新細明體"/>
-        <a:font script="Arab" typeface="Times New Roman"/>
-        <a:font script="Hebr" typeface="Times New Roman"/>
-        <a:font script="Thai" typeface="Angsana New"/>
-        <a:font script="Ethi" typeface="Nyala"/>
-        <a:font script="Beng" typeface="Vrinda"/>
-        <a:font script="Gujr" typeface="Shruti"/>
-        <a:font script="Khmr" typeface="MoolBoran"/>
-        <a:font script="Knda" typeface="Tunga"/>
-        <a:font script="Guru" typeface="Raavi"/>
-        <a:font script="Cans" typeface="Euphemia"/>
-        <a:font script="Cher" typeface="Plantagenet Cherokee"/>
-        <a:font script="Yiii" typeface="Microsoft Yi Baiti"/>
-        <a:font script="Tibt" typeface="Microsoft Himalaya"/>
-        <a:font script="Thaa" typeface="MV Boli"/>
-        <a:font script="Deva" typeface="Mangal"/>
-        <a:font script="Telu" typeface="Gautami"/>
-        <a:font script="Taml" typeface="Latha"/>
-        <a:font script="Syrc" typeface="Estrangelo Edessa"/>
-        <a:font script="Orya" typeface="Kalinga"/>
-        <a:font script="Mlym" typeface="Kartika"/>
-        <a:font script="Laoo" typeface="DokChampa"/>
-        <a:font script="Sinh" typeface="Iskoola Pota"/>
-        <a:font script="Mong" typeface="Mongolian Baiti"/>
-        <a:font script="Viet" typeface="Times New Roman"/>
-        <a:font script="Uigh" typeface="Microsoft Uighur"/>
-        <a:font script="Geor" typeface="Sylfaen"/>
-      </a:majorFont>
-      <a:minorFont>
-        <a:latin typeface="Arial"/>
-        <a:ea typeface=""/>
-        <a:cs typeface=""/>
-        <a:font script="Jpan" typeface="ＭＳ Ｐゴシック"/>
-        <a:font script="Hang" typeface="맑은 고딕"/>
-        <a:font script="Hans" typeface="宋体"/>
-        <a:font script="Hant" typeface="新細明體"/>
-        <a:font script="Arab" typeface="Arial"/>
-        <a:font script="Hebr" typeface="Arial"/>
-        <a:font script="Thai" typeface="Cordia New"/>
-        <a:font script="Ethi" typeface="Nyala"/>
-        <a:font script="Beng" typeface="Vrinda"/>
-        <a:font script="Gujr" typeface="Shruti"/>
-        <a:font script="Khmr" typeface="DaunPenh"/>
-        <a:font script="Knda" typeface="Tunga"/>
-        <a:font script="Guru" typeface="Raavi"/>
-        <a:font script="Cans" typeface="Euphemia"/>
-        <a:font script="Cher" typeface="Plantagenet Cherokee"/>
-        <a:font script="Yiii" typeface="Microsoft Yi Baiti"/>
-        <a:font script="Tibt" typeface="Microsoft Himalaya"/>
-        <a:font script="Thaa" typeface="MV Boli"/>
-        <a:font script="Deva" typeface="Mangal"/>
-        <a:font script="Telu" typeface="Gautami"/>
-        <a:font script="Taml" typeface="Latha"/>
-        <a:font script="Syrc" typeface="Estrangelo Edessa"/>
-        <a:font script="Orya" typeface="Kalinga"/>
-        <a:font script="Mlym" typeface="Kartika"/>
-        <a:font script="Laoo" typeface="DokChampa"/>
-        <a:font script="Sinh" typeface="Iskoola Pota"/>
-        <a:font script="Mong" typeface="Mongolian Baiti"/>
-        <a:font script="Viet" typeface="Arial"/>
-        <a:font script="Uigh" typeface="Microsoft Uighur"/>
-        <a:font script="Geor" typeface="Sylfaen"/>
-      </a:minorFont>
-    </a:fontScheme>
-    <a:fmtScheme name="Office">
-      <a:fillStyleLst>
-        <a:solidFill>
-          <a:schemeClr val="phClr"/>
-        </a:solidFill>
-        <a:gradFill rotWithShape="1">
-          <a:gsLst>
-            <a:gs pos="0">
-              <a:schemeClr val="phClr">
-                <a:tint val="50000"/>
-                <a:satMod val="300000"/>
-              </a:schemeClr>
-            </a:gs>
-            <a:gs pos="35000">
-              <a:schemeClr val="phClr">
-                <a:tint val="37000"/>
-                <a:satMod val="300000"/>
-              </a:schemeClr>
-            </a:gs>
-            <a:gs pos="100000">
-              <a:schemeClr val="phClr">
-                <a:tint val="15000"/>
-                <a:satMod val="350000"/>
-              </a:schemeClr>
-            </a:gs>
-          </a:gsLst>
-          <a:lin ang="16200000" scaled="1"/>
-        </a:gradFill>
-        <a:gradFill rotWithShape="1">
-          <a:gsLst>
-            <a:gs pos="0">
-              <a:schemeClr val="phClr">
-                <a:tint val="100000"/>
-                <a:shade val="100000"/>
-                <a:satMod val="130000"/>
-              </a:schemeClr>
-            </a:gs>
-            <a:gs pos="100000">
-              <a:schemeClr val="phClr">
-                <a:tint val="50000"/>
-                <a:shade val="100000"/>
-                <a:satMod val="350000"/>
-              </a:schemeClr>
-            </a:gs>
-          </a:gsLst>
-          <a:lin ang="16200000" scaled="0"/>
-        </a:gradFill>
-      </a:fillStyleLst>
-      <a:lnStyleLst>
-        <a:ln w="9525" cap="flat" cmpd="sng" algn="ctr">
-          <a:solidFill>
-            <a:schemeClr val="phClr">
-              <a:shade val="95000"/>
-              <a:satMod val="105000"/>
-            </a:schemeClr>
-          </a:solidFill>
-          <a:prstDash val="solid"/>
-        </a:ln>
-        <a:ln w="25400" cap="flat" cmpd="sng" algn="ctr">
-          <a:solidFill>
-            <a:schemeClr val="phClr"/>
-          </a:solidFill>
-          <a:prstDash val="solid"/>
-        </a:ln>
-        <a:ln w="38100" cap="flat" cmpd="sng" algn="ctr">
-          <a:solidFill>
-            <a:schemeClr val="phClr"/>
-          </a:solidFill>
-          <a:prstDash val="solid"/>
-        </a:ln>
-      </a:lnStyleLst>
-      <a:effectStyleLst>
-        <a:effectStyle>
-          <a:effectLst>
-            <a:outerShdw blurRad="40000" dist="20000" dir="5400000" rotWithShape="0">
-              <a:srgbClr val="000000">
-                <a:alpha val="38000"/>
-              </a:srgbClr>
-            </a:outerShdw>
-          </a:effectLst>
-        </a:effectStyle>
-        <a:effectStyle>
-          <a:effectLst>
-            <a:outerShdw blurRad="40000" dist="23000" dir="5400000" rotWithShape="0">
-              <a:srgbClr val="000000">
-                <a:alpha val="35000"/>
-              </a:srgbClr>
-            </a:outerShdw>
-          </a:effectLst>
-        </a:effectStyle>
-        <a:effectStyle>
-          <a:effectLst>
-            <a:outerShdw blurRad="40000" dist="23000" dir="5400000" rotWithShape="0">
-              <a:srgbClr val="000000">
-                <a:alpha val="35000"/>
-              </a:srgbClr>
-            </a:outerShdw>
-          </a:effectLst>
-          <a:scene3d>
-            <a:camera prst="orthographicFront">
-              <a:rot lat="0" lon="0" rev="0"/>
-            </a:camera>
-            <a:lightRig rig="threePt" dir="t">
-              <a:rot lat="0" lon="0" rev="1200000"/>
-            </a:lightRig>
-          </a:scene3d>
-          <a:sp3d>
-            <a:bevelT w="63500" h="25400"/>
-          </a:sp3d>
-        </a:effectStyle>
-      </a:effectStyleLst>
-      <a:bgFillStyleLst>
-        <a:solidFill>
-          <a:schemeClr val="phClr"/>
-        </a:solidFill>
-        <a:gradFill rotWithShape="1">
-          <a:gsLst>
-            <a:gs pos="0">
-              <a:schemeClr val="phClr">
-                <a:tint val="40000"/>
-                <a:satMod val="350000"/>
-              </a:schemeClr>
-            </a:gs>
-            <a:gs pos="40000">
-              <a:schemeClr val="phClr">
-                <a:tint val="45000"/>
-                <a:shade val="99000"/>
-                <a:satMod val="350000"/>
-              </a:schemeClr>
-            </a:gs>
-            <a:gs pos="100000">
-              <a:schemeClr val="phClr">
-                <a:shade val="20000"/>
-                <a:satMod val="255000"/>
-              </a:schemeClr>
-            </a:gs>
-          </a:gsLst>
-          <a:path path="circle">
-            <a:fillToRect l="50000" t="-80000" r="50000" b="180000"/>
-          </a:path>
-        </a:gradFill>
-        <a:gradFill rotWithShape="1">
-          <a:gsLst>
-            <a:gs pos="0">
-              <a:schemeClr val="phClr">
-                <a:tint val="80000"/>
-                <a:satMod val="300000"/>
-              </a:schemeClr>
-            </a:gs>
-            <a:gs pos="100000">
-              <a:schemeClr val="phClr">
-                <a:shade val="30000"/>
-                <a:satMod val="200000"/>
-              </a:schemeClr>
-            </a:gs>
-          </a:gsLst>
-          <a:path path="circle">
-            <a:fillToRect l="50000" t="50000" r="50000" b="50000"/>
-          </a:path>
-        </a:gradFill>
-      </a:bgFillStyleLst>
-    </a:fmtScheme>
-  </a:themeElements>
-</a:theme>
 </file>